--- a/YellowContainer_MVC.pptx
+++ b/YellowContainer_MVC.pptx
@@ -7,7 +7,9 @@
   <p:sldIdLst>
     <p:sldId id="262" r:id="rId2"/>
     <p:sldId id="263" r:id="rId3"/>
-    <p:sldId id="267" r:id="rId4"/>
+    <p:sldId id="268" r:id="rId4"/>
+    <p:sldId id="269" r:id="rId5"/>
+    <p:sldId id="267" r:id="rId6"/>
   </p:sldIdLst>
   <p:sldSz cx="9144000" cy="6858000" type="screen4x3"/>
   <p:notesSz cx="6858000" cy="9144000"/>
@@ -4033,14 +4035,14 @@
           <p:nvPr>
             <p:extLst>
               <p:ext uri="{D42A27DB-BD31-4B8C-83A1-F6EECF244321}">
-                <p14:modId xmlns:p14="http://schemas.microsoft.com/office/powerpoint/2010/main" val="3447035147"/>
+                <p14:modId xmlns:p14="http://schemas.microsoft.com/office/powerpoint/2010/main" val="1522733770"/>
               </p:ext>
             </p:extLst>
           </p:nvPr>
         </p:nvGraphicFramePr>
         <p:xfrm>
           <a:off x="107503" y="692696"/>
-          <a:ext cx="8856984" cy="4024455"/>
+          <a:ext cx="8928994" cy="3989242"/>
         </p:xfrm>
         <a:graphic>
           <a:graphicData uri="http://schemas.openxmlformats.org/drawingml/2006/table">
@@ -4049,13 +4051,10 @@
                 <a:tableStyleId>{5940675A-B579-460E-94D1-54222C63F5DA}</a:tableStyleId>
               </a:tblPr>
               <a:tblGrid>
-                <a:gridCol w="615503"/>
-                <a:gridCol w="1248949"/>
-                <a:gridCol w="1396906"/>
-                <a:gridCol w="1448738"/>
-                <a:gridCol w="1404443"/>
-                <a:gridCol w="1419286"/>
-                <a:gridCol w="1323159"/>
+                <a:gridCol w="1512169"/>
+                <a:gridCol w="2022298"/>
+                <a:gridCol w="2648134"/>
+                <a:gridCol w="2746393"/>
               </a:tblGrid>
               <a:tr h="360040">
                 <a:tc>
@@ -4108,7 +4107,7 @@
                             <a:schemeClr val="bg1"/>
                           </a:solidFill>
                         </a:rPr>
-                        <a:t>발주내역 전체</a:t>
+                        <a:t>총 발주내역</a:t>
                       </a:r>
                       <a:endParaRPr lang="ko-KR" altLang="en-US" sz="1000" b="1" dirty="0">
                         <a:solidFill>
@@ -4161,99 +4160,12 @@
                     <a:p>
                       <a:pPr algn="ctr" latinLnBrk="1"/>
                       <a:r>
-                        <a:rPr lang="ko-KR" altLang="en-US" sz="1000" b="1" dirty="0" err="1" smtClean="0">
+                        <a:rPr lang="ko-KR" altLang="en-US" sz="1000" b="1" dirty="0" smtClean="0">
                           <a:solidFill>
                             <a:schemeClr val="bg1"/>
                           </a:solidFill>
                         </a:rPr>
-                        <a:t>핀매내역</a:t>
-                      </a:r>
-                      <a:endParaRPr lang="ko-KR" altLang="en-US" sz="1000" b="1" dirty="0">
-                        <a:solidFill>
-                          <a:schemeClr val="bg1"/>
-                        </a:solidFill>
-                      </a:endParaRPr>
-                    </a:p>
-                  </a:txBody>
-                  <a:tcPr anchor="ctr">
-                    <a:solidFill>
-                      <a:schemeClr val="accent3">
-                        <a:lumMod val="75000"/>
-                      </a:schemeClr>
-                    </a:solidFill>
-                  </a:tcPr>
-                </a:tc>
-                <a:tc>
-                  <a:txBody>
-                    <a:bodyPr/>
-                    <a:lstStyle/>
-                    <a:p>
-                      <a:pPr algn="ctr" latinLnBrk="1"/>
-                      <a:r>
-                        <a:rPr lang="ko-KR" altLang="en-US" sz="1000" b="1" dirty="0" smtClean="0">
-                          <a:solidFill>
-                            <a:schemeClr val="bg1"/>
-                          </a:solidFill>
-                        </a:rPr>
-                        <a:t>발주내역</a:t>
-                      </a:r>
-                      <a:endParaRPr lang="ko-KR" altLang="en-US" sz="1000" b="1" dirty="0">
-                        <a:solidFill>
-                          <a:schemeClr val="bg1"/>
-                        </a:solidFill>
-                      </a:endParaRPr>
-                    </a:p>
-                  </a:txBody>
-                  <a:tcPr anchor="ctr">
-                    <a:solidFill>
-                      <a:schemeClr val="accent3">
-                        <a:lumMod val="75000"/>
-                      </a:schemeClr>
-                    </a:solidFill>
-                  </a:tcPr>
-                </a:tc>
-                <a:tc>
-                  <a:txBody>
-                    <a:bodyPr/>
-                    <a:lstStyle/>
-                    <a:p>
-                      <a:pPr algn="ctr" latinLnBrk="1"/>
-                      <a:r>
-                        <a:rPr lang="ko-KR" altLang="en-US" sz="1000" b="1" dirty="0" smtClean="0">
-                          <a:solidFill>
-                            <a:schemeClr val="bg1"/>
-                          </a:solidFill>
-                        </a:rPr>
-                        <a:t>운송내역</a:t>
-                      </a:r>
-                      <a:endParaRPr lang="ko-KR" altLang="en-US" sz="1000" b="1" dirty="0">
-                        <a:solidFill>
-                          <a:schemeClr val="bg1"/>
-                        </a:solidFill>
-                      </a:endParaRPr>
-                    </a:p>
-                  </a:txBody>
-                  <a:tcPr anchor="ctr">
-                    <a:solidFill>
-                      <a:schemeClr val="accent3">
-                        <a:lumMod val="75000"/>
-                      </a:schemeClr>
-                    </a:solidFill>
-                  </a:tcPr>
-                </a:tc>
-                <a:tc>
-                  <a:txBody>
-                    <a:bodyPr/>
-                    <a:lstStyle/>
-                    <a:p>
-                      <a:pPr algn="ctr" latinLnBrk="1"/>
-                      <a:r>
-                        <a:rPr lang="ko-KR" altLang="en-US" sz="1000" b="1" dirty="0" smtClean="0">
-                          <a:solidFill>
-                            <a:schemeClr val="bg1"/>
-                          </a:solidFill>
-                        </a:rPr>
-                        <a:t>매출 총 이익</a:t>
+                        <a:t>월별 발주내역</a:t>
                       </a:r>
                       <a:endParaRPr lang="ko-KR" altLang="en-US" sz="1000" b="1" dirty="0">
                         <a:solidFill>
@@ -4302,87 +4214,42 @@
                     <a:bodyPr/>
                     <a:lstStyle/>
                     <a:p>
-                      <a:pPr algn="ctr" latinLnBrk="1"/>
-                      <a:r>
-                        <a:rPr lang="en-US" altLang="ko-KR" sz="1100" dirty="0" err="1" smtClean="0"/>
+                      <a:pPr algn="l" latinLnBrk="1"/>
+                      <a:r>
+                        <a:rPr lang="en-US" altLang="ko-KR" sz="1200" dirty="0" err="1" smtClean="0"/>
                         <a:t>orderhistoryall</a:t>
                       </a:r>
-                      <a:endParaRPr lang="ko-KR" altLang="en-US" sz="1100" dirty="0"/>
-                    </a:p>
-                  </a:txBody>
-                  <a:tcPr anchor="ctr"/>
-                </a:tc>
-                <a:tc>
-                  <a:txBody>
-                    <a:bodyPr/>
-                    <a:lstStyle/>
-                    <a:p>
-                      <a:pPr algn="ctr" latinLnBrk="1"/>
-                      <a:r>
-                        <a:rPr lang="en-US" altLang="ko-KR" sz="1100" dirty="0" smtClean="0"/>
-                        <a:t>order</a:t>
-                      </a:r>
-                      <a:endParaRPr lang="ko-KR" altLang="en-US" sz="1100" dirty="0"/>
-                    </a:p>
-                  </a:txBody>
-                  <a:tcPr anchor="ctr"/>
-                </a:tc>
-                <a:tc>
-                  <a:txBody>
-                    <a:bodyPr/>
-                    <a:lstStyle/>
-                    <a:p>
-                      <a:pPr algn="ctr" latinLnBrk="1"/>
-                      <a:r>
-                        <a:rPr lang="en-US" altLang="ko-KR" sz="1100" dirty="0" smtClean="0"/>
-                        <a:t>sales</a:t>
-                      </a:r>
-                      <a:endParaRPr lang="ko-KR" altLang="en-US" sz="1100" dirty="0"/>
-                    </a:p>
-                  </a:txBody>
-                  <a:tcPr anchor="ctr"/>
-                </a:tc>
-                <a:tc>
-                  <a:txBody>
-                    <a:bodyPr/>
-                    <a:lstStyle/>
-                    <a:p>
-                      <a:pPr algn="ctr" latinLnBrk="1"/>
-                      <a:r>
-                        <a:rPr lang="en-US" altLang="ko-KR" sz="1100" dirty="0" err="1" smtClean="0"/>
-                        <a:t>orderhistory</a:t>
-                      </a:r>
-                      <a:endParaRPr lang="ko-KR" altLang="en-US" sz="1100" dirty="0"/>
-                    </a:p>
-                  </a:txBody>
-                  <a:tcPr anchor="ctr"/>
-                </a:tc>
-                <a:tc>
-                  <a:txBody>
-                    <a:bodyPr/>
-                    <a:lstStyle/>
-                    <a:p>
-                      <a:pPr algn="ctr" latinLnBrk="1"/>
-                      <a:r>
-                        <a:rPr lang="en-US" altLang="ko-KR" sz="1100" dirty="0" err="1" smtClean="0"/>
-                        <a:t>shippinghistory</a:t>
-                      </a:r>
-                      <a:endParaRPr lang="ko-KR" altLang="en-US" sz="1100" dirty="0"/>
-                    </a:p>
-                  </a:txBody>
-                  <a:tcPr anchor="ctr"/>
-                </a:tc>
-                <a:tc>
-                  <a:txBody>
-                    <a:bodyPr/>
-                    <a:lstStyle/>
-                    <a:p>
-                      <a:pPr algn="ctr" latinLnBrk="1"/>
-                      <a:r>
-                        <a:rPr lang="en-US" altLang="ko-KR" sz="1100" dirty="0" err="1" smtClean="0"/>
-                        <a:t>grossprofit</a:t>
-                      </a:r>
-                      <a:endParaRPr lang="ko-KR" altLang="en-US" sz="1100" dirty="0"/>
+                      <a:endParaRPr lang="ko-KR" altLang="en-US" sz="1200" dirty="0"/>
+                    </a:p>
+                  </a:txBody>
+                  <a:tcPr anchor="ctr"/>
+                </a:tc>
+                <a:tc>
+                  <a:txBody>
+                    <a:bodyPr/>
+                    <a:lstStyle/>
+                    <a:p>
+                      <a:pPr algn="l" latinLnBrk="1"/>
+                      <a:r>
+                        <a:rPr lang="en-US" altLang="ko-KR" sz="1200" dirty="0" err="1" smtClean="0"/>
+                        <a:t>orderhistoryall</a:t>
+                      </a:r>
+                      <a:endParaRPr lang="ko-KR" altLang="en-US" sz="1200" dirty="0"/>
+                    </a:p>
+                  </a:txBody>
+                  <a:tcPr anchor="ctr"/>
+                </a:tc>
+                <a:tc>
+                  <a:txBody>
+                    <a:bodyPr/>
+                    <a:lstStyle/>
+                    <a:p>
+                      <a:pPr algn="l" latinLnBrk="1"/>
+                      <a:r>
+                        <a:rPr lang="en-US" altLang="ko-KR" sz="1200" dirty="0" err="1" smtClean="0"/>
+                        <a:t>orderhistoryall</a:t>
+                      </a:r>
+                      <a:endParaRPr lang="ko-KR" altLang="en-US" sz="1200" dirty="0"/>
                     </a:p>
                   </a:txBody>
                   <a:tcPr anchor="ctr"/>
@@ -4404,72 +4271,39 @@
                   </a:txBody>
                   <a:tcPr anchor="ctr"/>
                 </a:tc>
-                <a:tc>
+                <a:tc gridSpan="3">
                   <a:txBody>
                     <a:bodyPr/>
                     <a:lstStyle/>
                     <a:p>
                       <a:pPr algn="ctr" latinLnBrk="1"/>
                       <a:r>
-                        <a:rPr lang="en-US" altLang="ko-KR" sz="1100" i="0" dirty="0" err="1" smtClean="0"/>
+                        <a:rPr lang="en-US" altLang="ko-KR" sz="1200" i="0" dirty="0" err="1" smtClean="0"/>
                         <a:t>OrdersProc</a:t>
                       </a:r>
-                      <a:endParaRPr lang="ko-KR" altLang="en-US" sz="1100" i="0" dirty="0"/>
-                    </a:p>
-                  </a:txBody>
-                  <a:tcPr anchor="ctr"/>
-                </a:tc>
-                <a:tc>
-                  <a:txBody>
-                    <a:bodyPr/>
-                    <a:lstStyle/>
-                    <a:p>
-                      <a:pPr algn="ctr" latinLnBrk="1"/>
-                      <a:endParaRPr lang="ko-KR" altLang="en-US" sz="1100" i="0" dirty="0"/>
-                    </a:p>
-                  </a:txBody>
-                  <a:tcPr anchor="ctr"/>
-                </a:tc>
-                <a:tc>
-                  <a:txBody>
-                    <a:bodyPr/>
-                    <a:lstStyle/>
-                    <a:p>
-                      <a:pPr algn="ctr" latinLnBrk="1"/>
-                      <a:endParaRPr lang="ko-KR" altLang="en-US" sz="1100" i="0" dirty="0"/>
-                    </a:p>
-                  </a:txBody>
-                  <a:tcPr anchor="ctr"/>
-                </a:tc>
-                <a:tc>
-                  <a:txBody>
-                    <a:bodyPr/>
-                    <a:lstStyle/>
-                    <a:p>
-                      <a:pPr algn="ctr" latinLnBrk="1"/>
-                      <a:endParaRPr lang="ko-KR" altLang="en-US" sz="1100" i="0" dirty="0"/>
-                    </a:p>
-                  </a:txBody>
-                  <a:tcPr anchor="ctr"/>
-                </a:tc>
-                <a:tc>
-                  <a:txBody>
-                    <a:bodyPr/>
-                    <a:lstStyle/>
-                    <a:p>
-                      <a:pPr algn="ctr" latinLnBrk="1"/>
-                      <a:endParaRPr lang="ko-KR" altLang="en-US" sz="1100" dirty="0"/>
-                    </a:p>
-                  </a:txBody>
-                  <a:tcPr anchor="ctr"/>
-                </a:tc>
-                <a:tc>
-                  <a:txBody>
-                    <a:bodyPr/>
-                    <a:lstStyle/>
-                    <a:p>
-                      <a:pPr algn="ctr" latinLnBrk="1"/>
-                      <a:endParaRPr lang="ko-KR" altLang="en-US" sz="1100" i="0" dirty="0"/>
+                      <a:endParaRPr lang="ko-KR" altLang="en-US" sz="1200" i="0" dirty="0"/>
+                    </a:p>
+                  </a:txBody>
+                  <a:tcPr anchor="ctr"/>
+                </a:tc>
+                <a:tc hMerge="1">
+                  <a:txBody>
+                    <a:bodyPr/>
+                    <a:lstStyle/>
+                    <a:p>
+                      <a:pPr algn="l" latinLnBrk="1"/>
+                      <a:endParaRPr lang="ko-KR" altLang="en-US" sz="1200" i="0" dirty="0"/>
+                    </a:p>
+                  </a:txBody>
+                  <a:tcPr anchor="ctr"/>
+                </a:tc>
+                <a:tc hMerge="1">
+                  <a:txBody>
+                    <a:bodyPr/>
+                    <a:lstStyle/>
+                    <a:p>
+                      <a:pPr algn="l" latinLnBrk="1"/>
+                      <a:endParaRPr lang="ko-KR" altLang="en-US" sz="1200" i="0" dirty="0"/>
                     </a:p>
                   </a:txBody>
                   <a:tcPr anchor="ctr"/>
@@ -4496,67 +4330,42 @@
                     <a:bodyPr/>
                     <a:lstStyle/>
                     <a:p>
-                      <a:pPr latinLnBrk="1"/>
-                      <a:r>
-                        <a:rPr lang="en-US" altLang="ko-KR" sz="1100" dirty="0" err="1" smtClean="0"/>
+                      <a:pPr algn="l" latinLnBrk="1"/>
+                      <a:r>
+                        <a:rPr lang="en-US" altLang="ko-KR" sz="1200" dirty="0" err="1" smtClean="0"/>
                         <a:t>orderhistoryall</a:t>
                       </a:r>
-                      <a:endParaRPr lang="ko-KR" altLang="en-US" sz="1100" dirty="0"/>
-                    </a:p>
-                  </a:txBody>
-                  <a:tcPr anchor="ctr"/>
-                </a:tc>
-                <a:tc>
-                  <a:txBody>
-                    <a:bodyPr/>
-                    <a:lstStyle/>
-                    <a:p>
-                      <a:pPr latinLnBrk="1"/>
-                      <a:endParaRPr lang="ko-KR" altLang="en-US" sz="1100" dirty="0"/>
-                    </a:p>
-                  </a:txBody>
-                  <a:tcPr anchor="ctr"/>
-                </a:tc>
-                <a:tc>
-                  <a:txBody>
-                    <a:bodyPr/>
-                    <a:lstStyle/>
-                    <a:p>
-                      <a:pPr latinLnBrk="1"/>
-                      <a:endParaRPr lang="ko-KR" altLang="en-US" sz="1100" dirty="0"/>
-                    </a:p>
-                  </a:txBody>
-                  <a:tcPr anchor="ctr"/>
-                </a:tc>
-                <a:tc>
-                  <a:txBody>
-                    <a:bodyPr/>
-                    <a:lstStyle/>
-                    <a:p>
-                      <a:pPr latinLnBrk="1"/>
-                      <a:endParaRPr lang="ko-KR" altLang="en-US" sz="1100" dirty="0"/>
-                    </a:p>
-                  </a:txBody>
-                  <a:tcPr anchor="ctr"/>
-                </a:tc>
-                <a:tc>
-                  <a:txBody>
-                    <a:bodyPr/>
-                    <a:lstStyle/>
-                    <a:p>
-                      <a:pPr latinLnBrk="1"/>
-                      <a:endParaRPr lang="ko-KR" altLang="en-US" sz="1100" dirty="0"/>
-                    </a:p>
-                  </a:txBody>
-                  <a:tcPr anchor="ctr"/>
-                </a:tc>
-                <a:tc>
-                  <a:txBody>
-                    <a:bodyPr/>
-                    <a:lstStyle/>
-                    <a:p>
-                      <a:pPr latinLnBrk="1"/>
-                      <a:endParaRPr lang="ko-KR" altLang="en-US" sz="1100" dirty="0"/>
+                      <a:endParaRPr lang="ko-KR" altLang="en-US" sz="1200" dirty="0"/>
+                    </a:p>
+                  </a:txBody>
+                  <a:tcPr anchor="ctr"/>
+                </a:tc>
+                <a:tc>
+                  <a:txBody>
+                    <a:bodyPr/>
+                    <a:lstStyle/>
+                    <a:p>
+                      <a:pPr algn="l" latinLnBrk="1"/>
+                      <a:r>
+                        <a:rPr lang="en-US" altLang="ko-KR" sz="1200" b="0" dirty="0" err="1" smtClean="0"/>
+                        <a:t>orderhistory</a:t>
+                      </a:r>
+                      <a:endParaRPr lang="ko-KR" altLang="en-US" sz="1200" dirty="0"/>
+                    </a:p>
+                  </a:txBody>
+                  <a:tcPr anchor="ctr"/>
+                </a:tc>
+                <a:tc>
+                  <a:txBody>
+                    <a:bodyPr/>
+                    <a:lstStyle/>
+                    <a:p>
+                      <a:pPr algn="l" latinLnBrk="1"/>
+                      <a:r>
+                        <a:rPr lang="en-US" altLang="ko-KR" sz="1200" dirty="0" err="1" smtClean="0"/>
+                        <a:t>selectOrders</a:t>
+                      </a:r>
+                      <a:endParaRPr lang="ko-KR" altLang="en-US" sz="1200" dirty="0"/>
                     </a:p>
                   </a:txBody>
                   <a:tcPr anchor="ctr"/>
@@ -4583,92 +4392,9 @@
                     <a:bodyPr/>
                     <a:lstStyle/>
                     <a:p>
-                      <a:pPr latinLnBrk="1"/>
-                      <a:endParaRPr lang="ko-KR" altLang="en-US" sz="1100" dirty="0"/>
-                    </a:p>
-                  </a:txBody>
-                  <a:tcPr anchor="ctr"/>
-                </a:tc>
-                <a:tc>
-                  <a:txBody>
-                    <a:bodyPr/>
-                    <a:lstStyle/>
-                    <a:p>
-                      <a:pPr latinLnBrk="1"/>
-                      <a:endParaRPr lang="ko-KR" altLang="en-US" sz="1100" dirty="0"/>
-                    </a:p>
-                  </a:txBody>
-                  <a:tcPr anchor="ctr"/>
-                </a:tc>
-                <a:tc>
-                  <a:txBody>
-                    <a:bodyPr/>
-                    <a:lstStyle/>
-                    <a:p>
-                      <a:pPr latinLnBrk="1"/>
-                      <a:endParaRPr lang="ko-KR" altLang="en-US" sz="1100" dirty="0"/>
-                    </a:p>
-                  </a:txBody>
-                  <a:tcPr anchor="ctr"/>
-                </a:tc>
-                <a:tc>
-                  <a:txBody>
-                    <a:bodyPr/>
-                    <a:lstStyle/>
-                    <a:p>
-                      <a:pPr latinLnBrk="1"/>
-                      <a:endParaRPr lang="ko-KR" altLang="en-US" sz="1100" dirty="0"/>
-                    </a:p>
-                  </a:txBody>
-                  <a:tcPr anchor="ctr"/>
-                </a:tc>
-                <a:tc>
-                  <a:txBody>
-                    <a:bodyPr/>
-                    <a:lstStyle/>
-                    <a:p>
-                      <a:pPr latinLnBrk="1"/>
-                      <a:endParaRPr lang="ko-KR" altLang="en-US" sz="1100" dirty="0"/>
-                    </a:p>
-                  </a:txBody>
-                  <a:tcPr anchor="ctr"/>
-                </a:tc>
-                <a:tc>
-                  <a:txBody>
-                    <a:bodyPr/>
-                    <a:lstStyle/>
-                    <a:p>
-                      <a:pPr latinLnBrk="1"/>
-                      <a:endParaRPr lang="ko-KR" altLang="en-US" sz="1100" dirty="0"/>
-                    </a:p>
-                  </a:txBody>
-                  <a:tcPr anchor="ctr"/>
-                </a:tc>
-              </a:tr>
-              <a:tr h="604867">
-                <a:tc>
-                  <a:txBody>
-                    <a:bodyPr/>
-                    <a:lstStyle/>
-                    <a:p>
-                      <a:pPr algn="ctr" latinLnBrk="1"/>
-                      <a:r>
-                        <a:rPr lang="en-US" altLang="ko-KR" sz="1000" dirty="0" smtClean="0"/>
-                        <a:t>Session</a:t>
-                      </a:r>
-                      <a:endParaRPr lang="ko-KR" altLang="en-US" sz="1000" dirty="0"/>
-                    </a:p>
-                  </a:txBody>
-                  <a:tcPr anchor="ctr"/>
-                </a:tc>
-                <a:tc>
-                  <a:txBody>
-                    <a:bodyPr/>
-                    <a:lstStyle/>
-                    <a:p>
-                      <a:pPr algn="ctr" latinLnBrk="1"/>
-                      <a:r>
-                        <a:rPr lang="en-US" altLang="ko-KR" sz="1800" kern="1200" dirty="0" err="1" smtClean="0">
+                      <a:pPr algn="l" latinLnBrk="1"/>
+                      <a:r>
+                        <a:rPr lang="en-US" altLang="ko-KR" sz="1200" i="0" kern="1200" dirty="0" err="1" smtClean="0">
                           <a:solidFill>
                             <a:schemeClr val="tx1"/>
                           </a:solidFill>
@@ -4676,64 +4402,64 @@
                           <a:ea typeface="+mn-ea"/>
                           <a:cs typeface="+mn-cs"/>
                         </a:rPr>
-                        <a:t>orderhistoryList</a:t>
-                      </a:r>
-                      <a:endParaRPr lang="ko-KR" altLang="en-US" sz="1100" u="none" dirty="0"/>
-                    </a:p>
-                  </a:txBody>
-                  <a:tcPr anchor="ctr"/>
-                </a:tc>
-                <a:tc>
-                  <a:txBody>
-                    <a:bodyPr/>
-                    <a:lstStyle/>
-                    <a:p>
-                      <a:pPr latinLnBrk="1"/>
-                      <a:endParaRPr lang="ko-KR" altLang="en-US" sz="1200" u="none" dirty="0"/>
-                    </a:p>
-                  </a:txBody>
-                  <a:tcPr anchor="ctr"/>
-                </a:tc>
-                <a:tc>
-                  <a:txBody>
-                    <a:bodyPr/>
-                    <a:lstStyle/>
-                    <a:p>
-                      <a:pPr latinLnBrk="1"/>
-                      <a:endParaRPr lang="ko-KR" altLang="en-US" sz="1200" u="none" dirty="0"/>
-                    </a:p>
-                  </a:txBody>
-                  <a:tcPr anchor="ctr"/>
-                </a:tc>
-                <a:tc>
-                  <a:txBody>
-                    <a:bodyPr/>
-                    <a:lstStyle/>
-                    <a:p>
-                      <a:pPr latinLnBrk="1"/>
-                      <a:endParaRPr lang="ko-KR" altLang="en-US" sz="1100" u="none" dirty="0"/>
-                    </a:p>
-                  </a:txBody>
-                  <a:tcPr anchor="ctr"/>
-                </a:tc>
-                <a:tc>
-                  <a:txBody>
-                    <a:bodyPr/>
-                    <a:lstStyle/>
-                    <a:p>
-                      <a:pPr latinLnBrk="1"/>
-                      <a:endParaRPr lang="ko-KR" altLang="en-US" sz="1100" dirty="0" smtClean="0"/>
-                    </a:p>
-                  </a:txBody>
-                  <a:tcPr anchor="ctr"/>
-                </a:tc>
-                <a:tc>
-                  <a:txBody>
-                    <a:bodyPr/>
-                    <a:lstStyle/>
-                    <a:p>
-                      <a:pPr latinLnBrk="1"/>
-                      <a:endParaRPr lang="ko-KR" altLang="en-US" sz="1100" dirty="0" smtClean="0"/>
+                        <a:t>dateInventory</a:t>
+                      </a:r>
+                      <a:endParaRPr lang="en-US" altLang="ko-KR" sz="1200" i="0" kern="1200" dirty="0" smtClean="0">
+                        <a:solidFill>
+                          <a:schemeClr val="tx1"/>
+                        </a:solidFill>
+                        <a:latin typeface="+mn-lt"/>
+                        <a:ea typeface="+mn-ea"/>
+                        <a:cs typeface="+mn-cs"/>
+                      </a:endParaRPr>
+                    </a:p>
+                    <a:p>
+                      <a:pPr algn="l" latinLnBrk="1"/>
+                      <a:r>
+                        <a:rPr lang="en-US" altLang="ko-KR" sz="1200" i="0" kern="1200" dirty="0" smtClean="0">
+                          <a:solidFill>
+                            <a:schemeClr val="tx1"/>
+                          </a:solidFill>
+                          <a:latin typeface="+mn-lt"/>
+                          <a:ea typeface="+mn-ea"/>
+                          <a:cs typeface="+mn-cs"/>
+                        </a:rPr>
+                        <a:t>page</a:t>
+                      </a:r>
+                      <a:endParaRPr lang="ko-KR" altLang="en-US" sz="1200" i="0" dirty="0"/>
+                    </a:p>
+                  </a:txBody>
+                  <a:tcPr anchor="ctr"/>
+                </a:tc>
+                <a:tc>
+                  <a:txBody>
+                    <a:bodyPr/>
+                    <a:lstStyle/>
+                    <a:p>
+                      <a:pPr algn="l" latinLnBrk="1"/>
+                      <a:endParaRPr lang="ko-KR" altLang="en-US" sz="1200" i="0" dirty="0"/>
+                    </a:p>
+                  </a:txBody>
+                  <a:tcPr anchor="ctr"/>
+                </a:tc>
+                <a:tc>
+                  <a:txBody>
+                    <a:bodyPr/>
+                    <a:lstStyle/>
+                    <a:p>
+                      <a:pPr algn="l" latinLnBrk="1"/>
+                      <a:r>
+                        <a:rPr lang="en-US" altLang="ko-KR" sz="1200" i="0" kern="1200" dirty="0" err="1" smtClean="0">
+                          <a:solidFill>
+                            <a:schemeClr val="tx1"/>
+                          </a:solidFill>
+                          <a:latin typeface="+mn-lt"/>
+                          <a:ea typeface="+mn-ea"/>
+                          <a:cs typeface="+mn-cs"/>
+                        </a:rPr>
+                        <a:t>dateInventory</a:t>
+                      </a:r>
+                      <a:endParaRPr lang="ko-KR" altLang="en-US" sz="1200" i="0" dirty="0"/>
                     </a:p>
                   </a:txBody>
                   <a:tcPr anchor="ctr"/>
@@ -4747,6 +4473,111 @@
                     <a:p>
                       <a:pPr algn="ctr" latinLnBrk="1"/>
                       <a:r>
+                        <a:rPr lang="en-US" altLang="ko-KR" sz="1000" dirty="0" smtClean="0"/>
+                        <a:t>Session</a:t>
+                      </a:r>
+                      <a:endParaRPr lang="ko-KR" altLang="en-US" sz="1000" dirty="0"/>
+                    </a:p>
+                  </a:txBody>
+                  <a:tcPr anchor="ctr"/>
+                </a:tc>
+                <a:tc>
+                  <a:txBody>
+                    <a:bodyPr/>
+                    <a:lstStyle/>
+                    <a:p>
+                      <a:pPr algn="l" latinLnBrk="1"/>
+                      <a:r>
+                        <a:rPr lang="en-US" altLang="ko-KR" sz="1200" kern="1200" dirty="0" err="1" smtClean="0">
+                          <a:solidFill>
+                            <a:schemeClr val="tx1"/>
+                          </a:solidFill>
+                          <a:latin typeface="+mn-lt"/>
+                          <a:ea typeface="+mn-ea"/>
+                          <a:cs typeface="+mn-cs"/>
+                        </a:rPr>
+                        <a:t>orderhistoryList</a:t>
+                      </a:r>
+                      <a:endParaRPr lang="ko-KR" altLang="en-US" sz="1200" u="none" dirty="0"/>
+                    </a:p>
+                  </a:txBody>
+                  <a:tcPr anchor="ctr"/>
+                </a:tc>
+                <a:tc>
+                  <a:txBody>
+                    <a:bodyPr/>
+                    <a:lstStyle/>
+                    <a:p>
+                      <a:pPr algn="l" latinLnBrk="1"/>
+                      <a:r>
+                        <a:rPr lang="en-US" altLang="ko-KR" sz="1200" kern="1200" dirty="0" err="1" smtClean="0">
+                          <a:solidFill>
+                            <a:schemeClr val="tx1"/>
+                          </a:solidFill>
+                          <a:latin typeface="+mn-lt"/>
+                          <a:ea typeface="+mn-ea"/>
+                          <a:cs typeface="+mn-cs"/>
+                        </a:rPr>
+                        <a:t>orderhistoryList</a:t>
+                      </a:r>
+                      <a:endParaRPr lang="ko-KR" altLang="en-US" sz="1200" u="none" dirty="0"/>
+                    </a:p>
+                  </a:txBody>
+                  <a:tcPr anchor="ctr"/>
+                </a:tc>
+                <a:tc>
+                  <a:txBody>
+                    <a:bodyPr/>
+                    <a:lstStyle/>
+                    <a:p>
+                      <a:pPr algn="l" latinLnBrk="1"/>
+                      <a:r>
+                        <a:rPr lang="en-US" altLang="ko-KR" sz="1200" kern="1200" dirty="0" err="1" smtClean="0">
+                          <a:solidFill>
+                            <a:schemeClr val="tx1"/>
+                          </a:solidFill>
+                          <a:latin typeface="+mn-lt"/>
+                          <a:ea typeface="+mn-ea"/>
+                          <a:cs typeface="+mn-cs"/>
+                        </a:rPr>
+                        <a:t>dateInventory</a:t>
+                      </a:r>
+                      <a:endParaRPr lang="en-US" altLang="ko-KR" sz="1200" kern="1200" dirty="0" smtClean="0">
+                        <a:solidFill>
+                          <a:schemeClr val="tx1"/>
+                        </a:solidFill>
+                        <a:latin typeface="+mn-lt"/>
+                        <a:ea typeface="+mn-ea"/>
+                        <a:cs typeface="+mn-cs"/>
+                      </a:endParaRPr>
+                    </a:p>
+                    <a:p>
+                      <a:pPr algn="l" latinLnBrk="1"/>
+                      <a:r>
+                        <a:rPr lang="en-US" altLang="ko-KR" sz="1200" kern="1200" dirty="0" err="1" smtClean="0">
+                          <a:solidFill>
+                            <a:schemeClr val="tx1"/>
+                          </a:solidFill>
+                          <a:latin typeface="+mn-lt"/>
+                          <a:ea typeface="+mn-ea"/>
+                          <a:cs typeface="+mn-cs"/>
+                        </a:rPr>
+                        <a:t>orderhistoryList</a:t>
+                      </a:r>
+                      <a:endParaRPr lang="ko-KR" altLang="en-US" sz="1200" u="none" dirty="0"/>
+                    </a:p>
+                  </a:txBody>
+                  <a:tcPr anchor="ctr"/>
+                </a:tc>
+              </a:tr>
+              <a:tr h="604867">
+                <a:tc>
+                  <a:txBody>
+                    <a:bodyPr/>
+                    <a:lstStyle/>
+                    <a:p>
+                      <a:pPr algn="ctr" latinLnBrk="1"/>
+                      <a:r>
                         <a:rPr lang="ko-KR" altLang="en-US" sz="1000" dirty="0" smtClean="0"/>
                         <a:t>처리 후 </a:t>
                       </a:r>
@@ -4768,12 +4599,12 @@
                     <a:bodyPr/>
                     <a:lstStyle/>
                     <a:p>
-                      <a:pPr latinLnBrk="1"/>
-                      <a:r>
-                        <a:rPr lang="en-US" altLang="ko-KR" sz="1100" dirty="0" err="1" smtClean="0"/>
+                      <a:pPr algn="l" latinLnBrk="1"/>
+                      <a:r>
+                        <a:rPr lang="en-US" altLang="ko-KR" sz="1200" dirty="0" err="1" smtClean="0"/>
                         <a:t>orderhistoryall</a:t>
                       </a:r>
-                      <a:endParaRPr lang="ko-KR" altLang="en-US" sz="1100" dirty="0"/>
+                      <a:endParaRPr lang="ko-KR" altLang="en-US" sz="1200" dirty="0"/>
                     </a:p>
                   </a:txBody>
                   <a:tcPr anchor="ctr"/>
@@ -4800,51 +4631,40 @@
                         <a:tabLst/>
                         <a:defRPr/>
                       </a:pPr>
-                      <a:endParaRPr lang="ko-KR" altLang="en-US" sz="1100" dirty="0" smtClean="0"/>
-                    </a:p>
-                  </a:txBody>
-                  <a:tcPr anchor="ctr"/>
-                </a:tc>
-                <a:tc>
-                  <a:txBody>
-                    <a:bodyPr/>
-                    <a:lstStyle/>
-                    <a:p>
-                      <a:pPr latinLnBrk="1"/>
-                      <a:endParaRPr lang="ko-KR" altLang="en-US" sz="1100" dirty="0"/>
-                    </a:p>
-                  </a:txBody>
-                  <a:tcPr anchor="ctr"/>
-                </a:tc>
-                <a:tc>
-                  <a:txBody>
-                    <a:bodyPr/>
-                    <a:lstStyle/>
-                    <a:p>
-                      <a:pPr latinLnBrk="1"/>
-                      <a:endParaRPr lang="ko-KR" altLang="en-US" sz="1100" dirty="0"/>
-                    </a:p>
-                  </a:txBody>
-                  <a:tcPr anchor="ctr"/>
-                </a:tc>
-                <a:tc>
-                  <a:txBody>
-                    <a:bodyPr/>
-                    <a:lstStyle/>
-                    <a:p>
-                      <a:pPr latinLnBrk="1"/>
-                      <a:endParaRPr lang="ko-KR" altLang="en-US" sz="1100" dirty="0"/>
-                    </a:p>
-                  </a:txBody>
-                  <a:tcPr anchor="ctr"/>
-                </a:tc>
-                <a:tc>
-                  <a:txBody>
-                    <a:bodyPr/>
-                    <a:lstStyle/>
-                    <a:p>
-                      <a:pPr latinLnBrk="1"/>
-                      <a:endParaRPr lang="ko-KR" altLang="en-US" sz="1100" dirty="0"/>
+                      <a:r>
+                        <a:rPr lang="en-US" altLang="ko-KR" sz="1200" kern="1200" dirty="0" err="1" smtClean="0">
+                          <a:solidFill>
+                            <a:schemeClr val="tx1"/>
+                          </a:solidFill>
+                          <a:latin typeface="+mn-lt"/>
+                          <a:ea typeface="+mn-ea"/>
+                          <a:cs typeface="+mn-cs"/>
+                        </a:rPr>
+                        <a:t>orderhistory</a:t>
+                      </a:r>
+                      <a:endParaRPr lang="ko-KR" altLang="en-US" sz="1200" dirty="0" smtClean="0"/>
+                    </a:p>
+                  </a:txBody>
+                  <a:tcPr anchor="ctr"/>
+                </a:tc>
+                <a:tc>
+                  <a:txBody>
+                    <a:bodyPr/>
+                    <a:lstStyle/>
+                    <a:p>
+                      <a:pPr algn="l" latinLnBrk="1"/>
+                      <a:r>
+                        <a:rPr lang="en-US" altLang="ko-KR" sz="1200" kern="1200" dirty="0" err="1" smtClean="0">
+                          <a:solidFill>
+                            <a:schemeClr val="tx1"/>
+                          </a:solidFill>
+                          <a:latin typeface="+mn-lt"/>
+                          <a:ea typeface="+mn-ea"/>
+                          <a:cs typeface="+mn-cs"/>
+                        </a:rPr>
+                        <a:t>orderhistoryall_selectTime</a:t>
+                      </a:r>
+                      <a:endParaRPr lang="ko-KR" altLang="en-US" sz="1200" dirty="0"/>
                     </a:p>
                   </a:txBody>
                   <a:tcPr anchor="ctr"/>
@@ -4868,6 +4688,1786 @@
 </file>
 
 <file path=ppt/slides/slide3.xml><?xml version="1.0" encoding="utf-8"?>
+<p:sld xmlns:a="http://schemas.openxmlformats.org/drawingml/2006/main" xmlns:r="http://schemas.openxmlformats.org/officeDocument/2006/relationships" xmlns:p="http://schemas.openxmlformats.org/presentationml/2006/main">
+  <p:cSld>
+    <p:spTree>
+      <p:nvGrpSpPr>
+        <p:cNvPr id="1" name=""/>
+        <p:cNvGrpSpPr/>
+        <p:nvPr/>
+      </p:nvGrpSpPr>
+      <p:grpSpPr>
+        <a:xfrm>
+          <a:off x="0" y="0"/>
+          <a:ext cx="0" cy="0"/>
+          <a:chOff x="0" y="0"/>
+          <a:chExt cx="0" cy="0"/>
+        </a:xfrm>
+      </p:grpSpPr>
+      <p:sp>
+        <p:nvSpPr>
+          <p:cNvPr id="5" name="TextBox 4"/>
+          <p:cNvSpPr txBox="1"/>
+          <p:nvPr/>
+        </p:nvSpPr>
+        <p:spPr>
+          <a:xfrm>
+            <a:off x="251520" y="116632"/>
+            <a:ext cx="8352928" cy="369332"/>
+          </a:xfrm>
+          <a:prstGeom prst="rect">
+            <a:avLst/>
+          </a:prstGeom>
+          <a:noFill/>
+        </p:spPr>
+        <p:txBody>
+          <a:bodyPr wrap="square" rtlCol="0">
+            <a:spAutoFit/>
+          </a:bodyPr>
+          <a:lstStyle/>
+          <a:p>
+            <a:r>
+              <a:rPr lang="en-US" altLang="ko-KR" dirty="0" smtClean="0"/>
+              <a:t>2. </a:t>
+            </a:r>
+            <a:r>
+              <a:rPr lang="ko-KR" altLang="en-US" dirty="0" smtClean="0"/>
+              <a:t>관리자용 </a:t>
+            </a:r>
+            <a:r>
+              <a:rPr lang="en-US" altLang="ko-KR" dirty="0" smtClean="0"/>
+              <a:t>(/</a:t>
+            </a:r>
+            <a:r>
+              <a:rPr lang="en-US" altLang="ko-KR" dirty="0" smtClean="0"/>
+              <a:t>admin/order)</a:t>
+            </a:r>
+            <a:endParaRPr lang="ko-KR" altLang="en-US" dirty="0"/>
+          </a:p>
+        </p:txBody>
+      </p:sp>
+      <p:graphicFrame>
+        <p:nvGraphicFramePr>
+          <p:cNvPr id="2" name="표 1"/>
+          <p:cNvGraphicFramePr>
+            <a:graphicFrameLocks noGrp="1"/>
+          </p:cNvGraphicFramePr>
+          <p:nvPr>
+            <p:extLst>
+              <p:ext uri="{D42A27DB-BD31-4B8C-83A1-F6EECF244321}">
+                <p14:modId xmlns:p14="http://schemas.microsoft.com/office/powerpoint/2010/main" val="3103710388"/>
+              </p:ext>
+            </p:extLst>
+          </p:nvPr>
+        </p:nvGraphicFramePr>
+        <p:xfrm>
+          <a:off x="107503" y="692696"/>
+          <a:ext cx="8928992" cy="4024455"/>
+        </p:xfrm>
+        <a:graphic>
+          <a:graphicData uri="http://schemas.openxmlformats.org/drawingml/2006/table">
+            <a:tbl>
+              <a:tblPr firstRow="1" bandRow="1">
+                <a:tableStyleId>{5940675A-B579-460E-94D1-54222C63F5DA}</a:tableStyleId>
+              </a:tblPr>
+              <a:tblGrid>
+                <a:gridCol w="1528994"/>
+                <a:gridCol w="2466666"/>
+                <a:gridCol w="2466666"/>
+                <a:gridCol w="2466666"/>
+              </a:tblGrid>
+              <a:tr h="360040">
+                <a:tc>
+                  <a:txBody>
+                    <a:bodyPr/>
+                    <a:lstStyle/>
+                    <a:p>
+                      <a:pPr algn="ctr" latinLnBrk="1"/>
+                      <a:r>
+                        <a:rPr lang="ko-KR" altLang="en-US" sz="1000" b="1" dirty="0" smtClean="0">
+                          <a:solidFill>
+                            <a:schemeClr val="bg1"/>
+                          </a:solidFill>
+                        </a:rPr>
+                        <a:t>항목</a:t>
+                      </a:r>
+                      <a:endParaRPr lang="ko-KR" altLang="en-US" sz="1000" b="1" dirty="0">
+                        <a:solidFill>
+                          <a:schemeClr val="bg1"/>
+                        </a:solidFill>
+                      </a:endParaRPr>
+                    </a:p>
+                  </a:txBody>
+                  <a:tcPr anchor="ctr">
+                    <a:lnB w="12700" cap="flat" cmpd="sng" algn="ctr">
+                      <a:solidFill>
+                        <a:schemeClr val="tx1"/>
+                      </a:solidFill>
+                      <a:prstDash val="solid"/>
+                      <a:round/>
+                      <a:headEnd type="none" w="med" len="med"/>
+                      <a:tailEnd type="none" w="med" len="med"/>
+                    </a:lnB>
+                    <a:solidFill>
+                      <a:schemeClr val="accent3">
+                        <a:lumMod val="75000"/>
+                      </a:schemeClr>
+                    </a:solidFill>
+                  </a:tcPr>
+                </a:tc>
+                <a:tc>
+                  <a:txBody>
+                    <a:bodyPr/>
+                    <a:lstStyle/>
+                    <a:p>
+                      <a:pPr algn="ctr" latinLnBrk="1"/>
+                      <a:r>
+                        <a:rPr lang="ko-KR" altLang="en-US" sz="1000" b="1" smtClean="0">
+                          <a:solidFill>
+                            <a:schemeClr val="bg1"/>
+                          </a:solidFill>
+                        </a:rPr>
+                        <a:t>총 </a:t>
+                      </a:r>
+                      <a:r>
+                        <a:rPr lang="ko-KR" altLang="en-US" sz="1000" b="1" dirty="0" smtClean="0">
+                          <a:solidFill>
+                            <a:schemeClr val="bg1"/>
+                          </a:solidFill>
+                        </a:rPr>
+                        <a:t>주문내역</a:t>
+                      </a:r>
+                      <a:endParaRPr lang="ko-KR" altLang="en-US" sz="1000" b="1" dirty="0">
+                        <a:solidFill>
+                          <a:schemeClr val="bg1"/>
+                        </a:solidFill>
+                      </a:endParaRPr>
+                    </a:p>
+                  </a:txBody>
+                  <a:tcPr anchor="ctr">
+                    <a:solidFill>
+                      <a:schemeClr val="accent3">
+                        <a:lumMod val="75000"/>
+                      </a:schemeClr>
+                    </a:solidFill>
+                  </a:tcPr>
+                </a:tc>
+                <a:tc>
+                  <a:txBody>
+                    <a:bodyPr/>
+                    <a:lstStyle/>
+                    <a:p>
+                      <a:pPr algn="ctr" latinLnBrk="1"/>
+                      <a:r>
+                        <a:rPr lang="ko-KR" altLang="en-US" sz="1000" b="1" dirty="0" smtClean="0">
+                          <a:solidFill>
+                            <a:schemeClr val="bg1"/>
+                          </a:solidFill>
+                        </a:rPr>
+                        <a:t>일별 주문내역</a:t>
+                      </a:r>
+                      <a:endParaRPr lang="ko-KR" altLang="en-US" sz="1000" b="1" dirty="0">
+                        <a:solidFill>
+                          <a:schemeClr val="bg1"/>
+                        </a:solidFill>
+                      </a:endParaRPr>
+                    </a:p>
+                  </a:txBody>
+                  <a:tcPr anchor="ctr">
+                    <a:solidFill>
+                      <a:schemeClr val="accent3">
+                        <a:lumMod val="75000"/>
+                      </a:schemeClr>
+                    </a:solidFill>
+                  </a:tcPr>
+                </a:tc>
+                <a:tc>
+                  <a:txBody>
+                    <a:bodyPr/>
+                    <a:lstStyle/>
+                    <a:p>
+                      <a:pPr algn="ctr" latinLnBrk="1"/>
+                      <a:r>
+                        <a:rPr lang="ko-KR" altLang="en-US" sz="1000" b="1" dirty="0" smtClean="0">
+                          <a:solidFill>
+                            <a:schemeClr val="bg1"/>
+                          </a:solidFill>
+                        </a:rPr>
+                        <a:t>주문 상세내역</a:t>
+                      </a:r>
+                      <a:endParaRPr lang="ko-KR" altLang="en-US" sz="1000" b="1" dirty="0">
+                        <a:solidFill>
+                          <a:schemeClr val="bg1"/>
+                        </a:solidFill>
+                      </a:endParaRPr>
+                    </a:p>
+                  </a:txBody>
+                  <a:tcPr anchor="ctr">
+                    <a:solidFill>
+                      <a:schemeClr val="accent3">
+                        <a:lumMod val="75000"/>
+                      </a:schemeClr>
+                    </a:solidFill>
+                  </a:tcPr>
+                </a:tc>
+              </a:tr>
+              <a:tr h="604867">
+                <a:tc>
+                  <a:txBody>
+                    <a:bodyPr/>
+                    <a:lstStyle/>
+                    <a:p>
+                      <a:pPr algn="ctr" latinLnBrk="1"/>
+                      <a:r>
+                        <a:rPr lang="en-US" altLang="ko-KR" sz="1000" dirty="0" smtClean="0"/>
+                        <a:t>viewer</a:t>
+                      </a:r>
+                      <a:endParaRPr lang="ko-KR" altLang="en-US" sz="1000" dirty="0"/>
+                    </a:p>
+                  </a:txBody>
+                  <a:tcPr anchor="ctr">
+                    <a:lnT w="12700" cap="flat" cmpd="sng" algn="ctr">
+                      <a:solidFill>
+                        <a:schemeClr val="tx1"/>
+                      </a:solidFill>
+                      <a:prstDash val="solid"/>
+                      <a:round/>
+                      <a:headEnd type="none" w="med" len="med"/>
+                      <a:tailEnd type="none" w="med" len="med"/>
+                    </a:lnT>
+                  </a:tcPr>
+                </a:tc>
+                <a:tc>
+                  <a:txBody>
+                    <a:bodyPr/>
+                    <a:lstStyle/>
+                    <a:p>
+                      <a:pPr algn="l" latinLnBrk="1"/>
+                      <a:r>
+                        <a:rPr lang="en-US" altLang="ko-KR" sz="1200" i="0" kern="1200" dirty="0" smtClean="0">
+                          <a:solidFill>
+                            <a:schemeClr val="tx1"/>
+                          </a:solidFill>
+                          <a:latin typeface="+mn-lt"/>
+                          <a:ea typeface="+mn-ea"/>
+                          <a:cs typeface="+mn-cs"/>
+                        </a:rPr>
+                        <a:t>sales</a:t>
+                      </a:r>
+                      <a:endParaRPr lang="ko-KR" altLang="en-US" sz="1200" i="0" dirty="0"/>
+                    </a:p>
+                  </a:txBody>
+                  <a:tcPr anchor="ctr"/>
+                </a:tc>
+                <a:tc>
+                  <a:txBody>
+                    <a:bodyPr/>
+                    <a:lstStyle/>
+                    <a:p>
+                      <a:pPr algn="l" latinLnBrk="1"/>
+                      <a:r>
+                        <a:rPr lang="en-US" altLang="ko-KR" sz="1200" i="0" kern="1200" dirty="0" smtClean="0">
+                          <a:solidFill>
+                            <a:schemeClr val="tx1"/>
+                          </a:solidFill>
+                          <a:latin typeface="+mn-lt"/>
+                          <a:ea typeface="+mn-ea"/>
+                          <a:cs typeface="+mn-cs"/>
+                        </a:rPr>
+                        <a:t>sales</a:t>
+                      </a:r>
+                      <a:endParaRPr lang="ko-KR" altLang="en-US" sz="1200" i="0" dirty="0"/>
+                    </a:p>
+                  </a:txBody>
+                  <a:tcPr anchor="ctr"/>
+                </a:tc>
+                <a:tc>
+                  <a:txBody>
+                    <a:bodyPr/>
+                    <a:lstStyle/>
+                    <a:p>
+                      <a:pPr algn="l" latinLnBrk="1"/>
+                      <a:r>
+                        <a:rPr lang="en-US" altLang="ko-KR" sz="1200" i="0" kern="1200" dirty="0" smtClean="0">
+                          <a:solidFill>
+                            <a:schemeClr val="tx1"/>
+                          </a:solidFill>
+                          <a:latin typeface="+mn-lt"/>
+                          <a:ea typeface="+mn-ea"/>
+                          <a:cs typeface="+mn-cs"/>
+                        </a:rPr>
+                        <a:t>sales</a:t>
+                      </a:r>
+                      <a:endParaRPr lang="ko-KR" altLang="en-US" sz="1200" i="0" dirty="0"/>
+                    </a:p>
+                  </a:txBody>
+                  <a:tcPr anchor="ctr"/>
+                </a:tc>
+              </a:tr>
+              <a:tr h="604867">
+                <a:tc>
+                  <a:txBody>
+                    <a:bodyPr/>
+                    <a:lstStyle/>
+                    <a:p>
+                      <a:pPr algn="ctr" latinLnBrk="1"/>
+                      <a:r>
+                        <a:rPr lang="en-US" altLang="ko-KR" sz="1000" dirty="0" smtClean="0"/>
+                        <a:t>Control</a:t>
+                      </a:r>
+                      <a:endParaRPr lang="ko-KR" altLang="en-US" sz="1000" dirty="0"/>
+                    </a:p>
+                  </a:txBody>
+                  <a:tcPr anchor="ctr"/>
+                </a:tc>
+                <a:tc gridSpan="3">
+                  <a:txBody>
+                    <a:bodyPr/>
+                    <a:lstStyle/>
+                    <a:p>
+                      <a:pPr algn="ctr" latinLnBrk="1"/>
+                      <a:r>
+                        <a:rPr lang="en-US" altLang="ko-KR" sz="1200" i="0" dirty="0" err="1" smtClean="0"/>
+                        <a:t>OrdersProc</a:t>
+                      </a:r>
+                      <a:endParaRPr lang="ko-KR" altLang="en-US" sz="1200" i="0" dirty="0"/>
+                    </a:p>
+                  </a:txBody>
+                  <a:tcPr anchor="ctr"/>
+                </a:tc>
+                <a:tc hMerge="1">
+                  <a:txBody>
+                    <a:bodyPr/>
+                    <a:lstStyle/>
+                    <a:p>
+                      <a:pPr algn="l" latinLnBrk="1"/>
+                      <a:endParaRPr lang="ko-KR" altLang="en-US" sz="1200" i="0" dirty="0"/>
+                    </a:p>
+                  </a:txBody>
+                  <a:tcPr anchor="ctr"/>
+                </a:tc>
+                <a:tc hMerge="1">
+                  <a:txBody>
+                    <a:bodyPr/>
+                    <a:lstStyle/>
+                    <a:p>
+                      <a:pPr algn="l" latinLnBrk="1"/>
+                      <a:endParaRPr lang="ko-KR" altLang="en-US" sz="1200" i="0" dirty="0"/>
+                    </a:p>
+                  </a:txBody>
+                  <a:tcPr anchor="ctr"/>
+                </a:tc>
+              </a:tr>
+              <a:tr h="604867">
+                <a:tc>
+                  <a:txBody>
+                    <a:bodyPr/>
+                    <a:lstStyle/>
+                    <a:p>
+                      <a:pPr algn="ctr" latinLnBrk="1"/>
+                      <a:r>
+                        <a:rPr lang="en-US" altLang="ko-KR" sz="1000" dirty="0" smtClean="0"/>
+                        <a:t>Action</a:t>
+                      </a:r>
+                      <a:endParaRPr lang="ko-KR" altLang="en-US" sz="1000" dirty="0"/>
+                    </a:p>
+                  </a:txBody>
+                  <a:tcPr anchor="ctr"/>
+                </a:tc>
+                <a:tc>
+                  <a:txBody>
+                    <a:bodyPr/>
+                    <a:lstStyle/>
+                    <a:p>
+                      <a:pPr algn="l" latinLnBrk="1"/>
+                      <a:r>
+                        <a:rPr lang="en-US" altLang="ko-KR" sz="1200" i="0" kern="1200" dirty="0" err="1" smtClean="0">
+                          <a:solidFill>
+                            <a:schemeClr val="tx1"/>
+                          </a:solidFill>
+                          <a:latin typeface="+mn-lt"/>
+                          <a:ea typeface="+mn-ea"/>
+                          <a:cs typeface="+mn-cs"/>
+                        </a:rPr>
+                        <a:t>orderAll</a:t>
+                      </a:r>
+                      <a:endParaRPr lang="ko-KR" altLang="en-US" sz="1200" i="0" dirty="0"/>
+                    </a:p>
+                  </a:txBody>
+                  <a:tcPr anchor="ctr"/>
+                </a:tc>
+                <a:tc>
+                  <a:txBody>
+                    <a:bodyPr/>
+                    <a:lstStyle/>
+                    <a:p>
+                      <a:pPr algn="l" latinLnBrk="1"/>
+                      <a:r>
+                        <a:rPr lang="en-US" altLang="ko-KR" sz="1200" i="0" dirty="0" err="1" smtClean="0"/>
+                        <a:t>selecttime</a:t>
+                      </a:r>
+                      <a:endParaRPr lang="ko-KR" altLang="en-US" sz="1200" i="0" dirty="0"/>
+                    </a:p>
+                  </a:txBody>
+                  <a:tcPr anchor="ctr"/>
+                </a:tc>
+                <a:tc>
+                  <a:txBody>
+                    <a:bodyPr/>
+                    <a:lstStyle/>
+                    <a:p>
+                      <a:pPr algn="l" latinLnBrk="1"/>
+                      <a:r>
+                        <a:rPr lang="en-US" altLang="ko-KR" sz="1200" i="0" dirty="0" smtClean="0"/>
+                        <a:t>detail</a:t>
+                      </a:r>
+                      <a:endParaRPr lang="ko-KR" altLang="en-US" sz="1200" i="0" dirty="0"/>
+                    </a:p>
+                  </a:txBody>
+                  <a:tcPr anchor="ctr"/>
+                </a:tc>
+              </a:tr>
+              <a:tr h="604867">
+                <a:tc>
+                  <a:txBody>
+                    <a:bodyPr/>
+                    <a:lstStyle/>
+                    <a:p>
+                      <a:pPr algn="ctr" latinLnBrk="1"/>
+                      <a:r>
+                        <a:rPr lang="en-US" altLang="ko-KR" sz="1000" dirty="0" smtClean="0"/>
+                        <a:t>Get</a:t>
+                      </a:r>
+                      <a:endParaRPr lang="ko-KR" altLang="en-US" sz="1000" dirty="0"/>
+                    </a:p>
+                  </a:txBody>
+                  <a:tcPr anchor="ctr"/>
+                </a:tc>
+                <a:tc>
+                  <a:txBody>
+                    <a:bodyPr/>
+                    <a:lstStyle/>
+                    <a:p>
+                      <a:pPr algn="l" latinLnBrk="1"/>
+                      <a:r>
+                        <a:rPr lang="en-US" altLang="ko-KR" sz="1200" i="0" kern="1200" dirty="0" err="1" smtClean="0">
+                          <a:solidFill>
+                            <a:schemeClr val="tx1"/>
+                          </a:solidFill>
+                          <a:latin typeface="+mn-lt"/>
+                          <a:ea typeface="+mn-ea"/>
+                          <a:cs typeface="+mn-cs"/>
+                        </a:rPr>
+                        <a:t>dateInventory</a:t>
+                      </a:r>
+                      <a:endParaRPr lang="en-US" altLang="ko-KR" sz="1200" i="0" kern="1200" dirty="0" smtClean="0">
+                        <a:solidFill>
+                          <a:schemeClr val="tx1"/>
+                        </a:solidFill>
+                        <a:latin typeface="+mn-lt"/>
+                        <a:ea typeface="+mn-ea"/>
+                        <a:cs typeface="+mn-cs"/>
+                      </a:endParaRPr>
+                    </a:p>
+                    <a:p>
+                      <a:pPr algn="l" latinLnBrk="1"/>
+                      <a:r>
+                        <a:rPr lang="en-US" altLang="ko-KR" sz="1200" i="0" kern="1200" dirty="0" smtClean="0">
+                          <a:solidFill>
+                            <a:schemeClr val="tx1"/>
+                          </a:solidFill>
+                          <a:latin typeface="+mn-lt"/>
+                          <a:ea typeface="+mn-ea"/>
+                          <a:cs typeface="+mn-cs"/>
+                        </a:rPr>
+                        <a:t>page</a:t>
+                      </a:r>
+                      <a:endParaRPr lang="ko-KR" altLang="en-US" sz="1200" i="0" dirty="0"/>
+                    </a:p>
+                  </a:txBody>
+                  <a:tcPr anchor="ctr"/>
+                </a:tc>
+                <a:tc>
+                  <a:txBody>
+                    <a:bodyPr/>
+                    <a:lstStyle/>
+                    <a:p>
+                      <a:pPr algn="l" latinLnBrk="1"/>
+                      <a:r>
+                        <a:rPr lang="en-US" altLang="ko-KR" sz="1200" i="0" kern="1200" dirty="0" err="1" smtClean="0">
+                          <a:solidFill>
+                            <a:schemeClr val="tx1"/>
+                          </a:solidFill>
+                          <a:latin typeface="+mn-lt"/>
+                          <a:ea typeface="+mn-ea"/>
+                          <a:cs typeface="+mn-cs"/>
+                        </a:rPr>
+                        <a:t>dateInventory</a:t>
+                      </a:r>
+                      <a:endParaRPr lang="en-US" altLang="ko-KR" sz="1200" i="0" kern="1200" dirty="0" smtClean="0">
+                        <a:solidFill>
+                          <a:schemeClr val="tx1"/>
+                        </a:solidFill>
+                        <a:latin typeface="+mn-lt"/>
+                        <a:ea typeface="+mn-ea"/>
+                        <a:cs typeface="+mn-cs"/>
+                      </a:endParaRPr>
+                    </a:p>
+                    <a:p>
+                      <a:pPr marL="0" marR="0" indent="0" algn="l" defTabSz="914400" rtl="0" eaLnBrk="1" fontAlgn="auto" latinLnBrk="1" hangingPunct="1">
+                        <a:lnSpc>
+                          <a:spcPct val="100000"/>
+                        </a:lnSpc>
+                        <a:spcBef>
+                          <a:spcPts val="0"/>
+                        </a:spcBef>
+                        <a:spcAft>
+                          <a:spcPts val="0"/>
+                        </a:spcAft>
+                        <a:buClrTx/>
+                        <a:buSzTx/>
+                        <a:buFontTx/>
+                        <a:buNone/>
+                        <a:tabLst/>
+                        <a:defRPr/>
+                      </a:pPr>
+                      <a:r>
+                        <a:rPr lang="en-US" altLang="ko-KR" sz="1200" i="0" kern="1200" dirty="0" smtClean="0">
+                          <a:solidFill>
+                            <a:schemeClr val="tx1"/>
+                          </a:solidFill>
+                          <a:latin typeface="+mn-lt"/>
+                          <a:ea typeface="+mn-ea"/>
+                          <a:cs typeface="+mn-cs"/>
+                        </a:rPr>
+                        <a:t>page</a:t>
+                      </a:r>
+                      <a:endParaRPr lang="ko-KR" altLang="en-US" sz="1200" i="0" dirty="0" smtClean="0"/>
+                    </a:p>
+                  </a:txBody>
+                  <a:tcPr anchor="ctr"/>
+                </a:tc>
+                <a:tc>
+                  <a:txBody>
+                    <a:bodyPr/>
+                    <a:lstStyle/>
+                    <a:p>
+                      <a:pPr marL="0" marR="0" indent="0" algn="l" defTabSz="914400" rtl="0" eaLnBrk="1" fontAlgn="auto" latinLnBrk="1" hangingPunct="1">
+                        <a:lnSpc>
+                          <a:spcPct val="100000"/>
+                        </a:lnSpc>
+                        <a:spcBef>
+                          <a:spcPts val="0"/>
+                        </a:spcBef>
+                        <a:spcAft>
+                          <a:spcPts val="0"/>
+                        </a:spcAft>
+                        <a:buClrTx/>
+                        <a:buSzTx/>
+                        <a:buFontTx/>
+                        <a:buNone/>
+                        <a:tabLst/>
+                        <a:defRPr/>
+                      </a:pPr>
+                      <a:r>
+                        <a:rPr lang="en-US" altLang="ko-KR" sz="1200" i="0" dirty="0" smtClean="0"/>
+                        <a:t>id</a:t>
+                      </a:r>
+                    </a:p>
+                    <a:p>
+                      <a:pPr marL="0" marR="0" indent="0" algn="l" defTabSz="914400" rtl="0" eaLnBrk="1" fontAlgn="auto" latinLnBrk="1" hangingPunct="1">
+                        <a:lnSpc>
+                          <a:spcPct val="100000"/>
+                        </a:lnSpc>
+                        <a:spcBef>
+                          <a:spcPts val="0"/>
+                        </a:spcBef>
+                        <a:spcAft>
+                          <a:spcPts val="0"/>
+                        </a:spcAft>
+                        <a:buClrTx/>
+                        <a:buSzTx/>
+                        <a:buFontTx/>
+                        <a:buNone/>
+                        <a:tabLst/>
+                        <a:defRPr/>
+                      </a:pPr>
+                      <a:r>
+                        <a:rPr lang="en-US" altLang="ko-KR" sz="1200" i="0" dirty="0" smtClean="0"/>
+                        <a:t>name</a:t>
+                      </a:r>
+                    </a:p>
+                  </a:txBody>
+                  <a:tcPr anchor="ctr"/>
+                </a:tc>
+              </a:tr>
+              <a:tr h="604867">
+                <a:tc>
+                  <a:txBody>
+                    <a:bodyPr/>
+                    <a:lstStyle/>
+                    <a:p>
+                      <a:pPr algn="ctr" latinLnBrk="1"/>
+                      <a:r>
+                        <a:rPr lang="en-US" altLang="ko-KR" sz="1000" dirty="0" smtClean="0"/>
+                        <a:t>Session</a:t>
+                      </a:r>
+                      <a:endParaRPr lang="ko-KR" altLang="en-US" sz="1000" dirty="0"/>
+                    </a:p>
+                  </a:txBody>
+                  <a:tcPr anchor="ctr"/>
+                </a:tc>
+                <a:tc>
+                  <a:txBody>
+                    <a:bodyPr/>
+                    <a:lstStyle/>
+                    <a:p>
+                      <a:pPr algn="l" latinLnBrk="1"/>
+                      <a:r>
+                        <a:rPr lang="en-US" altLang="ko-KR" sz="1200" i="0" kern="1200" dirty="0" err="1" smtClean="0">
+                          <a:solidFill>
+                            <a:schemeClr val="tx1"/>
+                          </a:solidFill>
+                          <a:latin typeface="+mn-lt"/>
+                          <a:ea typeface="+mn-ea"/>
+                          <a:cs typeface="+mn-cs"/>
+                        </a:rPr>
+                        <a:t>orderAllList</a:t>
+                      </a:r>
+                      <a:endParaRPr lang="en-US" altLang="ko-KR" sz="1200" i="0" kern="1200" dirty="0" smtClean="0">
+                        <a:solidFill>
+                          <a:schemeClr val="tx1"/>
+                        </a:solidFill>
+                        <a:latin typeface="+mn-lt"/>
+                        <a:ea typeface="+mn-ea"/>
+                        <a:cs typeface="+mn-cs"/>
+                      </a:endParaRPr>
+                    </a:p>
+                    <a:p>
+                      <a:pPr algn="l" latinLnBrk="1"/>
+                      <a:r>
+                        <a:rPr lang="en-US" altLang="ko-KR" sz="1200" i="0" kern="1200" dirty="0" err="1" smtClean="0">
+                          <a:solidFill>
+                            <a:schemeClr val="tx1"/>
+                          </a:solidFill>
+                          <a:latin typeface="+mn-lt"/>
+                          <a:ea typeface="+mn-ea"/>
+                          <a:cs typeface="+mn-cs"/>
+                        </a:rPr>
+                        <a:t>pageList</a:t>
+                      </a:r>
+                      <a:endParaRPr lang="ko-KR" altLang="en-US" sz="1200" i="0" u="none" dirty="0"/>
+                    </a:p>
+                  </a:txBody>
+                  <a:tcPr anchor="ctr"/>
+                </a:tc>
+                <a:tc>
+                  <a:txBody>
+                    <a:bodyPr/>
+                    <a:lstStyle/>
+                    <a:p>
+                      <a:pPr algn="l" latinLnBrk="1"/>
+                      <a:r>
+                        <a:rPr lang="en-US" altLang="ko-KR" sz="1200" i="0" kern="1200" dirty="0" err="1" smtClean="0">
+                          <a:solidFill>
+                            <a:schemeClr val="tx1"/>
+                          </a:solidFill>
+                          <a:latin typeface="+mn-lt"/>
+                          <a:ea typeface="+mn-ea"/>
+                          <a:cs typeface="+mn-cs"/>
+                        </a:rPr>
+                        <a:t>dateInventory</a:t>
+                      </a:r>
+                      <a:endParaRPr lang="en-US" altLang="ko-KR" sz="1200" i="0" kern="1200" dirty="0" smtClean="0">
+                        <a:solidFill>
+                          <a:schemeClr val="tx1"/>
+                        </a:solidFill>
+                        <a:latin typeface="+mn-lt"/>
+                        <a:ea typeface="+mn-ea"/>
+                        <a:cs typeface="+mn-cs"/>
+                      </a:endParaRPr>
+                    </a:p>
+                    <a:p>
+                      <a:pPr algn="l" latinLnBrk="1"/>
+                      <a:r>
+                        <a:rPr lang="en-US" altLang="ko-KR" sz="1200" i="0" kern="1200" dirty="0" err="1" smtClean="0">
+                          <a:solidFill>
+                            <a:schemeClr val="tx1"/>
+                          </a:solidFill>
+                          <a:latin typeface="+mn-lt"/>
+                          <a:ea typeface="+mn-ea"/>
+                          <a:cs typeface="+mn-cs"/>
+                        </a:rPr>
+                        <a:t>orderhistoryList</a:t>
+                      </a:r>
+                      <a:endParaRPr lang="en-US" altLang="ko-KR" sz="1200" i="0" kern="1200" dirty="0" smtClean="0">
+                        <a:solidFill>
+                          <a:schemeClr val="tx1"/>
+                        </a:solidFill>
+                        <a:latin typeface="+mn-lt"/>
+                        <a:ea typeface="+mn-ea"/>
+                        <a:cs typeface="+mn-cs"/>
+                      </a:endParaRPr>
+                    </a:p>
+                    <a:p>
+                      <a:pPr algn="l" latinLnBrk="1"/>
+                      <a:r>
+                        <a:rPr lang="en-US" altLang="ko-KR" sz="1200" i="0" kern="1200" dirty="0" err="1" smtClean="0">
+                          <a:solidFill>
+                            <a:schemeClr val="tx1"/>
+                          </a:solidFill>
+                          <a:latin typeface="+mn-lt"/>
+                          <a:ea typeface="+mn-ea"/>
+                          <a:cs typeface="+mn-cs"/>
+                        </a:rPr>
+                        <a:t>pageList</a:t>
+                      </a:r>
+                      <a:endParaRPr lang="ko-KR" altLang="en-US" sz="1200" i="0" u="none" dirty="0"/>
+                    </a:p>
+                  </a:txBody>
+                  <a:tcPr anchor="ctr"/>
+                </a:tc>
+                <a:tc>
+                  <a:txBody>
+                    <a:bodyPr/>
+                    <a:lstStyle/>
+                    <a:p>
+                      <a:pPr algn="l" latinLnBrk="1"/>
+                      <a:r>
+                        <a:rPr lang="en-US" altLang="ko-KR" sz="1200" i="0" u="none" dirty="0" smtClean="0"/>
+                        <a:t>id</a:t>
+                      </a:r>
+                    </a:p>
+                    <a:p>
+                      <a:pPr algn="l" latinLnBrk="1"/>
+                      <a:r>
+                        <a:rPr lang="en-US" altLang="ko-KR" sz="1200" i="0" u="none" dirty="0" smtClean="0"/>
+                        <a:t>name</a:t>
+                      </a:r>
+                    </a:p>
+                    <a:p>
+                      <a:pPr algn="l" latinLnBrk="1"/>
+                      <a:r>
+                        <a:rPr lang="en-US" altLang="ko-KR" sz="1200" i="0" kern="1200" dirty="0" err="1" smtClean="0">
+                          <a:solidFill>
+                            <a:schemeClr val="tx1"/>
+                          </a:solidFill>
+                          <a:latin typeface="+mn-lt"/>
+                          <a:ea typeface="+mn-ea"/>
+                          <a:cs typeface="+mn-cs"/>
+                        </a:rPr>
+                        <a:t>detailorderList</a:t>
+                      </a:r>
+                      <a:endParaRPr lang="ko-KR" altLang="en-US" sz="1200" i="0" u="none" dirty="0"/>
+                    </a:p>
+                  </a:txBody>
+                  <a:tcPr anchor="ctr"/>
+                </a:tc>
+              </a:tr>
+              <a:tr h="604867">
+                <a:tc>
+                  <a:txBody>
+                    <a:bodyPr/>
+                    <a:lstStyle/>
+                    <a:p>
+                      <a:pPr algn="ctr" latinLnBrk="1"/>
+                      <a:r>
+                        <a:rPr lang="ko-KR" altLang="en-US" sz="1000" dirty="0" smtClean="0"/>
+                        <a:t>처리 후 </a:t>
+                      </a:r>
+                      <a:endParaRPr lang="en-US" altLang="ko-KR" sz="1000" dirty="0" smtClean="0"/>
+                    </a:p>
+                    <a:p>
+                      <a:pPr algn="ctr" latinLnBrk="1"/>
+                      <a:r>
+                        <a:rPr lang="ko-KR" altLang="en-US" sz="1000" dirty="0" smtClean="0"/>
+                        <a:t>화면</a:t>
+                      </a:r>
+                      <a:endParaRPr lang="ko-KR" altLang="en-US" sz="1000" dirty="0"/>
+                    </a:p>
+                  </a:txBody>
+                  <a:tcPr anchor="ctr"/>
+                </a:tc>
+                <a:tc>
+                  <a:txBody>
+                    <a:bodyPr/>
+                    <a:lstStyle/>
+                    <a:p>
+                      <a:pPr algn="l" latinLnBrk="1"/>
+                      <a:r>
+                        <a:rPr lang="en-US" altLang="ko-KR" sz="1200" i="0" kern="1200" dirty="0" smtClean="0">
+                          <a:solidFill>
+                            <a:schemeClr val="tx1"/>
+                          </a:solidFill>
+                          <a:latin typeface="+mn-lt"/>
+                          <a:ea typeface="+mn-ea"/>
+                          <a:cs typeface="+mn-cs"/>
+                        </a:rPr>
+                        <a:t>sales</a:t>
+                      </a:r>
+                      <a:endParaRPr lang="ko-KR" altLang="en-US" sz="1200" i="0" dirty="0"/>
+                    </a:p>
+                  </a:txBody>
+                  <a:tcPr anchor="ctr"/>
+                </a:tc>
+                <a:tc>
+                  <a:txBody>
+                    <a:bodyPr/>
+                    <a:lstStyle/>
+                    <a:p>
+                      <a:pPr algn="l" latinLnBrk="1"/>
+                      <a:r>
+                        <a:rPr lang="en-US" altLang="ko-KR" sz="1200" i="0" kern="1200" dirty="0" err="1" smtClean="0">
+                          <a:solidFill>
+                            <a:schemeClr val="tx1"/>
+                          </a:solidFill>
+                          <a:latin typeface="+mn-lt"/>
+                          <a:ea typeface="+mn-ea"/>
+                          <a:cs typeface="+mn-cs"/>
+                        </a:rPr>
+                        <a:t>selecttime</a:t>
+                      </a:r>
+                      <a:endParaRPr lang="ko-KR" altLang="en-US" sz="1200" i="0" dirty="0"/>
+                    </a:p>
+                  </a:txBody>
+                  <a:tcPr anchor="ctr"/>
+                </a:tc>
+                <a:tc>
+                  <a:txBody>
+                    <a:bodyPr/>
+                    <a:lstStyle/>
+                    <a:p>
+                      <a:pPr marL="0" marR="0" indent="0" algn="l" defTabSz="914400" rtl="0" eaLnBrk="1" fontAlgn="auto" latinLnBrk="1" hangingPunct="1">
+                        <a:lnSpc>
+                          <a:spcPct val="100000"/>
+                        </a:lnSpc>
+                        <a:spcBef>
+                          <a:spcPts val="0"/>
+                        </a:spcBef>
+                        <a:spcAft>
+                          <a:spcPts val="0"/>
+                        </a:spcAft>
+                        <a:buClrTx/>
+                        <a:buSzTx/>
+                        <a:buFontTx/>
+                        <a:buNone/>
+                        <a:tabLst/>
+                        <a:defRPr/>
+                      </a:pPr>
+                      <a:r>
+                        <a:rPr lang="en-US" altLang="ko-KR" sz="1200" i="0" dirty="0" smtClean="0"/>
+                        <a:t>detail</a:t>
+                      </a:r>
+                      <a:endParaRPr lang="ko-KR" altLang="en-US" sz="1200" i="0" dirty="0" smtClean="0"/>
+                    </a:p>
+                  </a:txBody>
+                  <a:tcPr anchor="ctr"/>
+                </a:tc>
+              </a:tr>
+            </a:tbl>
+          </a:graphicData>
+        </a:graphic>
+      </p:graphicFrame>
+    </p:spTree>
+    <p:extLst>
+      <p:ext uri="{BB962C8B-B14F-4D97-AF65-F5344CB8AC3E}">
+        <p14:creationId xmlns:p14="http://schemas.microsoft.com/office/powerpoint/2010/main" val="1081940556"/>
+      </p:ext>
+    </p:extLst>
+  </p:cSld>
+  <p:clrMapOvr>
+    <a:masterClrMapping/>
+  </p:clrMapOvr>
+</p:sld>
+</file>
+
+<file path=ppt/slides/slide4.xml><?xml version="1.0" encoding="utf-8"?>
+<p:sld xmlns:a="http://schemas.openxmlformats.org/drawingml/2006/main" xmlns:r="http://schemas.openxmlformats.org/officeDocument/2006/relationships" xmlns:p="http://schemas.openxmlformats.org/presentationml/2006/main">
+  <p:cSld>
+    <p:spTree>
+      <p:nvGrpSpPr>
+        <p:cNvPr id="1" name=""/>
+        <p:cNvGrpSpPr/>
+        <p:nvPr/>
+      </p:nvGrpSpPr>
+      <p:grpSpPr>
+        <a:xfrm>
+          <a:off x="0" y="0"/>
+          <a:ext cx="0" cy="0"/>
+          <a:chOff x="0" y="0"/>
+          <a:chExt cx="0" cy="0"/>
+        </a:xfrm>
+      </p:grpSpPr>
+      <p:sp>
+        <p:nvSpPr>
+          <p:cNvPr id="5" name="TextBox 4"/>
+          <p:cNvSpPr txBox="1"/>
+          <p:nvPr/>
+        </p:nvSpPr>
+        <p:spPr>
+          <a:xfrm>
+            <a:off x="251520" y="116632"/>
+            <a:ext cx="8352928" cy="369332"/>
+          </a:xfrm>
+          <a:prstGeom prst="rect">
+            <a:avLst/>
+          </a:prstGeom>
+          <a:noFill/>
+        </p:spPr>
+        <p:txBody>
+          <a:bodyPr wrap="square" rtlCol="0">
+            <a:spAutoFit/>
+          </a:bodyPr>
+          <a:lstStyle/>
+          <a:p>
+            <a:r>
+              <a:rPr lang="en-US" altLang="ko-KR" dirty="0" smtClean="0"/>
+              <a:t>2. </a:t>
+            </a:r>
+            <a:r>
+              <a:rPr lang="ko-KR" altLang="en-US" dirty="0" smtClean="0"/>
+              <a:t>관리자용 </a:t>
+            </a:r>
+            <a:r>
+              <a:rPr lang="en-US" altLang="ko-KR" dirty="0" smtClean="0"/>
+              <a:t>(/</a:t>
+            </a:r>
+            <a:r>
+              <a:rPr lang="en-US" altLang="ko-KR" dirty="0" smtClean="0"/>
+              <a:t>admin/shipping)</a:t>
+            </a:r>
+            <a:endParaRPr lang="ko-KR" altLang="en-US" dirty="0"/>
+          </a:p>
+        </p:txBody>
+      </p:sp>
+      <p:graphicFrame>
+        <p:nvGraphicFramePr>
+          <p:cNvPr id="2" name="표 1"/>
+          <p:cNvGraphicFramePr>
+            <a:graphicFrameLocks noGrp="1"/>
+          </p:cNvGraphicFramePr>
+          <p:nvPr>
+            <p:extLst>
+              <p:ext uri="{D42A27DB-BD31-4B8C-83A1-F6EECF244321}">
+                <p14:modId xmlns:p14="http://schemas.microsoft.com/office/powerpoint/2010/main" val="523511764"/>
+              </p:ext>
+            </p:extLst>
+          </p:nvPr>
+        </p:nvGraphicFramePr>
+        <p:xfrm>
+          <a:off x="107503" y="692696"/>
+          <a:ext cx="8928992" cy="4024455"/>
+        </p:xfrm>
+        <a:graphic>
+          <a:graphicData uri="http://schemas.openxmlformats.org/drawingml/2006/table">
+            <a:tbl>
+              <a:tblPr firstRow="1" bandRow="1">
+                <a:tableStyleId>{5940675A-B579-460E-94D1-54222C63F5DA}</a:tableStyleId>
+              </a:tblPr>
+              <a:tblGrid>
+                <a:gridCol w="1528994"/>
+                <a:gridCol w="2466666"/>
+                <a:gridCol w="2466666"/>
+                <a:gridCol w="2466666"/>
+              </a:tblGrid>
+              <a:tr h="360040">
+                <a:tc>
+                  <a:txBody>
+                    <a:bodyPr/>
+                    <a:lstStyle/>
+                    <a:p>
+                      <a:pPr algn="ctr" latinLnBrk="1"/>
+                      <a:r>
+                        <a:rPr lang="ko-KR" altLang="en-US" sz="1000" b="1" dirty="0" smtClean="0">
+                          <a:solidFill>
+                            <a:schemeClr val="bg1"/>
+                          </a:solidFill>
+                        </a:rPr>
+                        <a:t>항목</a:t>
+                      </a:r>
+                      <a:endParaRPr lang="ko-KR" altLang="en-US" sz="1000" b="1" dirty="0">
+                        <a:solidFill>
+                          <a:schemeClr val="bg1"/>
+                        </a:solidFill>
+                      </a:endParaRPr>
+                    </a:p>
+                  </a:txBody>
+                  <a:tcPr anchor="ctr">
+                    <a:lnB w="12700" cap="flat" cmpd="sng" algn="ctr">
+                      <a:solidFill>
+                        <a:schemeClr val="tx1"/>
+                      </a:solidFill>
+                      <a:prstDash val="solid"/>
+                      <a:round/>
+                      <a:headEnd type="none" w="med" len="med"/>
+                      <a:tailEnd type="none" w="med" len="med"/>
+                    </a:lnB>
+                    <a:solidFill>
+                      <a:schemeClr val="accent3">
+                        <a:lumMod val="75000"/>
+                      </a:schemeClr>
+                    </a:solidFill>
+                  </a:tcPr>
+                </a:tc>
+                <a:tc>
+                  <a:txBody>
+                    <a:bodyPr/>
+                    <a:lstStyle/>
+                    <a:p>
+                      <a:pPr algn="ctr" latinLnBrk="1"/>
+                      <a:r>
+                        <a:rPr lang="ko-KR" altLang="en-US" sz="1000" b="1" dirty="0" smtClean="0">
+                          <a:solidFill>
+                            <a:schemeClr val="bg1"/>
+                          </a:solidFill>
+                        </a:rPr>
+                        <a:t>전체 주문내역</a:t>
+                      </a:r>
+                      <a:endParaRPr lang="ko-KR" altLang="en-US" sz="1000" b="1" dirty="0">
+                        <a:solidFill>
+                          <a:schemeClr val="bg1"/>
+                        </a:solidFill>
+                      </a:endParaRPr>
+                    </a:p>
+                  </a:txBody>
+                  <a:tcPr anchor="ctr">
+                    <a:solidFill>
+                      <a:schemeClr val="accent3">
+                        <a:lumMod val="75000"/>
+                      </a:schemeClr>
+                    </a:solidFill>
+                  </a:tcPr>
+                </a:tc>
+                <a:tc>
+                  <a:txBody>
+                    <a:bodyPr/>
+                    <a:lstStyle/>
+                    <a:p>
+                      <a:pPr algn="ctr" latinLnBrk="1"/>
+                      <a:r>
+                        <a:rPr lang="ko-KR" altLang="en-US" sz="1000" b="1" dirty="0" smtClean="0">
+                          <a:solidFill>
+                            <a:schemeClr val="bg1"/>
+                          </a:solidFill>
+                        </a:rPr>
+                        <a:t>일별 주문내역</a:t>
+                      </a:r>
+                      <a:endParaRPr lang="ko-KR" altLang="en-US" sz="1000" b="1" dirty="0">
+                        <a:solidFill>
+                          <a:schemeClr val="bg1"/>
+                        </a:solidFill>
+                      </a:endParaRPr>
+                    </a:p>
+                  </a:txBody>
+                  <a:tcPr anchor="ctr">
+                    <a:solidFill>
+                      <a:schemeClr val="accent3">
+                        <a:lumMod val="75000"/>
+                      </a:schemeClr>
+                    </a:solidFill>
+                  </a:tcPr>
+                </a:tc>
+                <a:tc>
+                  <a:txBody>
+                    <a:bodyPr/>
+                    <a:lstStyle/>
+                    <a:p>
+                      <a:pPr algn="ctr" latinLnBrk="1"/>
+                      <a:r>
+                        <a:rPr lang="ko-KR" altLang="en-US" sz="1000" b="1" dirty="0" smtClean="0">
+                          <a:solidFill>
+                            <a:schemeClr val="bg1"/>
+                          </a:solidFill>
+                        </a:rPr>
+                        <a:t>주문 상세내역</a:t>
+                      </a:r>
+                      <a:endParaRPr lang="ko-KR" altLang="en-US" sz="1000" b="1" dirty="0">
+                        <a:solidFill>
+                          <a:schemeClr val="bg1"/>
+                        </a:solidFill>
+                      </a:endParaRPr>
+                    </a:p>
+                  </a:txBody>
+                  <a:tcPr anchor="ctr">
+                    <a:solidFill>
+                      <a:schemeClr val="accent3">
+                        <a:lumMod val="75000"/>
+                      </a:schemeClr>
+                    </a:solidFill>
+                  </a:tcPr>
+                </a:tc>
+              </a:tr>
+              <a:tr h="604867">
+                <a:tc>
+                  <a:txBody>
+                    <a:bodyPr/>
+                    <a:lstStyle/>
+                    <a:p>
+                      <a:pPr algn="ctr" latinLnBrk="1"/>
+                      <a:r>
+                        <a:rPr lang="en-US" altLang="ko-KR" sz="1000" dirty="0" smtClean="0"/>
+                        <a:t>viewer</a:t>
+                      </a:r>
+                      <a:endParaRPr lang="ko-KR" altLang="en-US" sz="1000" dirty="0"/>
+                    </a:p>
+                  </a:txBody>
+                  <a:tcPr anchor="ctr">
+                    <a:lnT w="12700" cap="flat" cmpd="sng" algn="ctr">
+                      <a:solidFill>
+                        <a:schemeClr val="tx1"/>
+                      </a:solidFill>
+                      <a:prstDash val="solid"/>
+                      <a:round/>
+                      <a:headEnd type="none" w="med" len="med"/>
+                      <a:tailEnd type="none" w="med" len="med"/>
+                    </a:lnT>
+                  </a:tcPr>
+                </a:tc>
+                <a:tc>
+                  <a:txBody>
+                    <a:bodyPr/>
+                    <a:lstStyle/>
+                    <a:p>
+                      <a:pPr algn="l" latinLnBrk="1"/>
+                      <a:r>
+                        <a:rPr lang="en-US" altLang="ko-KR" sz="1200" i="0" kern="1200" dirty="0" smtClean="0">
+                          <a:solidFill>
+                            <a:schemeClr val="tx1"/>
+                          </a:solidFill>
+                          <a:latin typeface="+mn-lt"/>
+                          <a:ea typeface="+mn-ea"/>
+                          <a:cs typeface="+mn-cs"/>
+                        </a:rPr>
+                        <a:t>sales</a:t>
+                      </a:r>
+                      <a:endParaRPr lang="ko-KR" altLang="en-US" sz="1200" i="0" dirty="0"/>
+                    </a:p>
+                  </a:txBody>
+                  <a:tcPr anchor="ctr"/>
+                </a:tc>
+                <a:tc>
+                  <a:txBody>
+                    <a:bodyPr/>
+                    <a:lstStyle/>
+                    <a:p>
+                      <a:pPr algn="l" latinLnBrk="1"/>
+                      <a:r>
+                        <a:rPr lang="en-US" altLang="ko-KR" sz="1200" i="0" kern="1200" dirty="0" smtClean="0">
+                          <a:solidFill>
+                            <a:schemeClr val="tx1"/>
+                          </a:solidFill>
+                          <a:latin typeface="+mn-lt"/>
+                          <a:ea typeface="+mn-ea"/>
+                          <a:cs typeface="+mn-cs"/>
+                        </a:rPr>
+                        <a:t>sales</a:t>
+                      </a:r>
+                      <a:endParaRPr lang="ko-KR" altLang="en-US" sz="1200" i="0" dirty="0"/>
+                    </a:p>
+                  </a:txBody>
+                  <a:tcPr anchor="ctr"/>
+                </a:tc>
+                <a:tc>
+                  <a:txBody>
+                    <a:bodyPr/>
+                    <a:lstStyle/>
+                    <a:p>
+                      <a:pPr algn="l" latinLnBrk="1"/>
+                      <a:r>
+                        <a:rPr lang="en-US" altLang="ko-KR" sz="1200" i="0" kern="1200" dirty="0" smtClean="0">
+                          <a:solidFill>
+                            <a:schemeClr val="tx1"/>
+                          </a:solidFill>
+                          <a:latin typeface="+mn-lt"/>
+                          <a:ea typeface="+mn-ea"/>
+                          <a:cs typeface="+mn-cs"/>
+                        </a:rPr>
+                        <a:t>sales</a:t>
+                      </a:r>
+                      <a:endParaRPr lang="ko-KR" altLang="en-US" sz="1200" i="0" dirty="0"/>
+                    </a:p>
+                  </a:txBody>
+                  <a:tcPr anchor="ctr"/>
+                </a:tc>
+              </a:tr>
+              <a:tr h="604867">
+                <a:tc>
+                  <a:txBody>
+                    <a:bodyPr/>
+                    <a:lstStyle/>
+                    <a:p>
+                      <a:pPr algn="ctr" latinLnBrk="1"/>
+                      <a:r>
+                        <a:rPr lang="en-US" altLang="ko-KR" sz="1000" dirty="0" smtClean="0"/>
+                        <a:t>Control</a:t>
+                      </a:r>
+                      <a:endParaRPr lang="ko-KR" altLang="en-US" sz="1000" dirty="0"/>
+                    </a:p>
+                  </a:txBody>
+                  <a:tcPr anchor="ctr"/>
+                </a:tc>
+                <a:tc gridSpan="3">
+                  <a:txBody>
+                    <a:bodyPr/>
+                    <a:lstStyle/>
+                    <a:p>
+                      <a:pPr algn="ctr" latinLnBrk="1"/>
+                      <a:r>
+                        <a:rPr lang="en-US" altLang="ko-KR" sz="1200" i="0" dirty="0" err="1" smtClean="0"/>
+                        <a:t>WaybillProcServlet</a:t>
+                      </a:r>
+                      <a:endParaRPr lang="ko-KR" altLang="en-US" sz="1200" i="0" dirty="0"/>
+                    </a:p>
+                  </a:txBody>
+                  <a:tcPr anchor="ctr"/>
+                </a:tc>
+                <a:tc hMerge="1">
+                  <a:txBody>
+                    <a:bodyPr/>
+                    <a:lstStyle/>
+                    <a:p>
+                      <a:pPr algn="l" latinLnBrk="1"/>
+                      <a:endParaRPr lang="ko-KR" altLang="en-US" sz="1200" i="0" dirty="0"/>
+                    </a:p>
+                  </a:txBody>
+                  <a:tcPr anchor="ctr"/>
+                </a:tc>
+                <a:tc hMerge="1">
+                  <a:txBody>
+                    <a:bodyPr/>
+                    <a:lstStyle/>
+                    <a:p>
+                      <a:pPr algn="l" latinLnBrk="1"/>
+                      <a:endParaRPr lang="ko-KR" altLang="en-US" sz="1200" i="0" dirty="0"/>
+                    </a:p>
+                  </a:txBody>
+                  <a:tcPr anchor="ctr"/>
+                </a:tc>
+              </a:tr>
+              <a:tr h="604867">
+                <a:tc>
+                  <a:txBody>
+                    <a:bodyPr/>
+                    <a:lstStyle/>
+                    <a:p>
+                      <a:pPr algn="ctr" latinLnBrk="1"/>
+                      <a:r>
+                        <a:rPr lang="en-US" altLang="ko-KR" sz="1000" dirty="0" smtClean="0"/>
+                        <a:t>Action</a:t>
+                      </a:r>
+                      <a:endParaRPr lang="ko-KR" altLang="en-US" sz="1000" dirty="0"/>
+                    </a:p>
+                  </a:txBody>
+                  <a:tcPr anchor="ctr"/>
+                </a:tc>
+                <a:tc>
+                  <a:txBody>
+                    <a:bodyPr/>
+                    <a:lstStyle/>
+                    <a:p>
+                      <a:pPr algn="l" latinLnBrk="1"/>
+                      <a:r>
+                        <a:rPr lang="en-US" altLang="ko-KR" sz="1200" i="0" kern="1200" dirty="0" err="1" smtClean="0">
+                          <a:solidFill>
+                            <a:schemeClr val="tx1"/>
+                          </a:solidFill>
+                          <a:latin typeface="+mn-lt"/>
+                          <a:ea typeface="+mn-ea"/>
+                          <a:cs typeface="+mn-cs"/>
+                        </a:rPr>
+                        <a:t>orderAll</a:t>
+                      </a:r>
+                      <a:endParaRPr lang="ko-KR" altLang="en-US" sz="1200" i="0" dirty="0"/>
+                    </a:p>
+                  </a:txBody>
+                  <a:tcPr anchor="ctr"/>
+                </a:tc>
+                <a:tc>
+                  <a:txBody>
+                    <a:bodyPr/>
+                    <a:lstStyle/>
+                    <a:p>
+                      <a:pPr algn="l" latinLnBrk="1"/>
+                      <a:r>
+                        <a:rPr lang="en-US" altLang="ko-KR" sz="1200" i="0" dirty="0" err="1" smtClean="0"/>
+                        <a:t>selecttime</a:t>
+                      </a:r>
+                      <a:endParaRPr lang="ko-KR" altLang="en-US" sz="1200" i="0" dirty="0"/>
+                    </a:p>
+                  </a:txBody>
+                  <a:tcPr anchor="ctr"/>
+                </a:tc>
+                <a:tc>
+                  <a:txBody>
+                    <a:bodyPr/>
+                    <a:lstStyle/>
+                    <a:p>
+                      <a:pPr algn="l" latinLnBrk="1"/>
+                      <a:r>
+                        <a:rPr lang="en-US" altLang="ko-KR" sz="1200" i="0" dirty="0" smtClean="0"/>
+                        <a:t>detail</a:t>
+                      </a:r>
+                      <a:endParaRPr lang="ko-KR" altLang="en-US" sz="1200" i="0" dirty="0"/>
+                    </a:p>
+                  </a:txBody>
+                  <a:tcPr anchor="ctr"/>
+                </a:tc>
+              </a:tr>
+              <a:tr h="604867">
+                <a:tc>
+                  <a:txBody>
+                    <a:bodyPr/>
+                    <a:lstStyle/>
+                    <a:p>
+                      <a:pPr algn="ctr" latinLnBrk="1"/>
+                      <a:r>
+                        <a:rPr lang="en-US" altLang="ko-KR" sz="1000" dirty="0" smtClean="0"/>
+                        <a:t>Get</a:t>
+                      </a:r>
+                      <a:endParaRPr lang="ko-KR" altLang="en-US" sz="1000" dirty="0"/>
+                    </a:p>
+                  </a:txBody>
+                  <a:tcPr anchor="ctr"/>
+                </a:tc>
+                <a:tc>
+                  <a:txBody>
+                    <a:bodyPr/>
+                    <a:lstStyle/>
+                    <a:p>
+                      <a:pPr algn="l" latinLnBrk="1"/>
+                      <a:r>
+                        <a:rPr lang="en-US" altLang="ko-KR" sz="1200" i="0" kern="1200" dirty="0" err="1" smtClean="0">
+                          <a:solidFill>
+                            <a:schemeClr val="tx1"/>
+                          </a:solidFill>
+                          <a:latin typeface="+mn-lt"/>
+                          <a:ea typeface="+mn-ea"/>
+                          <a:cs typeface="+mn-cs"/>
+                        </a:rPr>
+                        <a:t>dateInventory</a:t>
+                      </a:r>
+                      <a:endParaRPr lang="en-US" altLang="ko-KR" sz="1200" i="0" kern="1200" dirty="0" smtClean="0">
+                        <a:solidFill>
+                          <a:schemeClr val="tx1"/>
+                        </a:solidFill>
+                        <a:latin typeface="+mn-lt"/>
+                        <a:ea typeface="+mn-ea"/>
+                        <a:cs typeface="+mn-cs"/>
+                      </a:endParaRPr>
+                    </a:p>
+                    <a:p>
+                      <a:pPr algn="l" latinLnBrk="1"/>
+                      <a:r>
+                        <a:rPr lang="en-US" altLang="ko-KR" sz="1200" i="0" kern="1200" dirty="0" smtClean="0">
+                          <a:solidFill>
+                            <a:schemeClr val="tx1"/>
+                          </a:solidFill>
+                          <a:latin typeface="+mn-lt"/>
+                          <a:ea typeface="+mn-ea"/>
+                          <a:cs typeface="+mn-cs"/>
+                        </a:rPr>
+                        <a:t>page</a:t>
+                      </a:r>
+                      <a:endParaRPr lang="ko-KR" altLang="en-US" sz="1200" i="0" dirty="0"/>
+                    </a:p>
+                  </a:txBody>
+                  <a:tcPr anchor="ctr"/>
+                </a:tc>
+                <a:tc>
+                  <a:txBody>
+                    <a:bodyPr/>
+                    <a:lstStyle/>
+                    <a:p>
+                      <a:pPr algn="l" latinLnBrk="1"/>
+                      <a:r>
+                        <a:rPr lang="en-US" altLang="ko-KR" sz="1200" i="0" kern="1200" dirty="0" err="1" smtClean="0">
+                          <a:solidFill>
+                            <a:schemeClr val="tx1"/>
+                          </a:solidFill>
+                          <a:latin typeface="+mn-lt"/>
+                          <a:ea typeface="+mn-ea"/>
+                          <a:cs typeface="+mn-cs"/>
+                        </a:rPr>
+                        <a:t>dateInventory</a:t>
+                      </a:r>
+                      <a:endParaRPr lang="en-US" altLang="ko-KR" sz="1200" i="0" kern="1200" dirty="0" smtClean="0">
+                        <a:solidFill>
+                          <a:schemeClr val="tx1"/>
+                        </a:solidFill>
+                        <a:latin typeface="+mn-lt"/>
+                        <a:ea typeface="+mn-ea"/>
+                        <a:cs typeface="+mn-cs"/>
+                      </a:endParaRPr>
+                    </a:p>
+                    <a:p>
+                      <a:pPr marL="0" marR="0" indent="0" algn="l" defTabSz="914400" rtl="0" eaLnBrk="1" fontAlgn="auto" latinLnBrk="1" hangingPunct="1">
+                        <a:lnSpc>
+                          <a:spcPct val="100000"/>
+                        </a:lnSpc>
+                        <a:spcBef>
+                          <a:spcPts val="0"/>
+                        </a:spcBef>
+                        <a:spcAft>
+                          <a:spcPts val="0"/>
+                        </a:spcAft>
+                        <a:buClrTx/>
+                        <a:buSzTx/>
+                        <a:buFontTx/>
+                        <a:buNone/>
+                        <a:tabLst/>
+                        <a:defRPr/>
+                      </a:pPr>
+                      <a:r>
+                        <a:rPr lang="en-US" altLang="ko-KR" sz="1200" i="0" kern="1200" dirty="0" smtClean="0">
+                          <a:solidFill>
+                            <a:schemeClr val="tx1"/>
+                          </a:solidFill>
+                          <a:latin typeface="+mn-lt"/>
+                          <a:ea typeface="+mn-ea"/>
+                          <a:cs typeface="+mn-cs"/>
+                        </a:rPr>
+                        <a:t>page</a:t>
+                      </a:r>
+                      <a:endParaRPr lang="ko-KR" altLang="en-US" sz="1200" i="0" dirty="0" smtClean="0"/>
+                    </a:p>
+                  </a:txBody>
+                  <a:tcPr anchor="ctr"/>
+                </a:tc>
+                <a:tc>
+                  <a:txBody>
+                    <a:bodyPr/>
+                    <a:lstStyle/>
+                    <a:p>
+                      <a:pPr marL="0" marR="0" indent="0" algn="l" defTabSz="914400" rtl="0" eaLnBrk="1" fontAlgn="auto" latinLnBrk="1" hangingPunct="1">
+                        <a:lnSpc>
+                          <a:spcPct val="100000"/>
+                        </a:lnSpc>
+                        <a:spcBef>
+                          <a:spcPts val="0"/>
+                        </a:spcBef>
+                        <a:spcAft>
+                          <a:spcPts val="0"/>
+                        </a:spcAft>
+                        <a:buClrTx/>
+                        <a:buSzTx/>
+                        <a:buFontTx/>
+                        <a:buNone/>
+                        <a:tabLst/>
+                        <a:defRPr/>
+                      </a:pPr>
+                      <a:r>
+                        <a:rPr lang="en-US" altLang="ko-KR" sz="1200" i="0" dirty="0" smtClean="0"/>
+                        <a:t>id</a:t>
+                      </a:r>
+                    </a:p>
+                    <a:p>
+                      <a:pPr marL="0" marR="0" indent="0" algn="l" defTabSz="914400" rtl="0" eaLnBrk="1" fontAlgn="auto" latinLnBrk="1" hangingPunct="1">
+                        <a:lnSpc>
+                          <a:spcPct val="100000"/>
+                        </a:lnSpc>
+                        <a:spcBef>
+                          <a:spcPts val="0"/>
+                        </a:spcBef>
+                        <a:spcAft>
+                          <a:spcPts val="0"/>
+                        </a:spcAft>
+                        <a:buClrTx/>
+                        <a:buSzTx/>
+                        <a:buFontTx/>
+                        <a:buNone/>
+                        <a:tabLst/>
+                        <a:defRPr/>
+                      </a:pPr>
+                      <a:r>
+                        <a:rPr lang="en-US" altLang="ko-KR" sz="1200" i="0" dirty="0" smtClean="0"/>
+                        <a:t>name</a:t>
+                      </a:r>
+                    </a:p>
+                  </a:txBody>
+                  <a:tcPr anchor="ctr"/>
+                </a:tc>
+              </a:tr>
+              <a:tr h="604867">
+                <a:tc>
+                  <a:txBody>
+                    <a:bodyPr/>
+                    <a:lstStyle/>
+                    <a:p>
+                      <a:pPr algn="ctr" latinLnBrk="1"/>
+                      <a:r>
+                        <a:rPr lang="en-US" altLang="ko-KR" sz="1000" dirty="0" smtClean="0"/>
+                        <a:t>Session</a:t>
+                      </a:r>
+                      <a:endParaRPr lang="ko-KR" altLang="en-US" sz="1000" dirty="0"/>
+                    </a:p>
+                  </a:txBody>
+                  <a:tcPr anchor="ctr"/>
+                </a:tc>
+                <a:tc>
+                  <a:txBody>
+                    <a:bodyPr/>
+                    <a:lstStyle/>
+                    <a:p>
+                      <a:pPr algn="l" latinLnBrk="1"/>
+                      <a:r>
+                        <a:rPr lang="en-US" altLang="ko-KR" sz="1200" i="0" kern="1200" dirty="0" err="1" smtClean="0">
+                          <a:solidFill>
+                            <a:schemeClr val="tx1"/>
+                          </a:solidFill>
+                          <a:latin typeface="+mn-lt"/>
+                          <a:ea typeface="+mn-ea"/>
+                          <a:cs typeface="+mn-cs"/>
+                        </a:rPr>
+                        <a:t>orderAllList</a:t>
+                      </a:r>
+                      <a:endParaRPr lang="en-US" altLang="ko-KR" sz="1200" i="0" kern="1200" dirty="0" smtClean="0">
+                        <a:solidFill>
+                          <a:schemeClr val="tx1"/>
+                        </a:solidFill>
+                        <a:latin typeface="+mn-lt"/>
+                        <a:ea typeface="+mn-ea"/>
+                        <a:cs typeface="+mn-cs"/>
+                      </a:endParaRPr>
+                    </a:p>
+                    <a:p>
+                      <a:pPr algn="l" latinLnBrk="1"/>
+                      <a:r>
+                        <a:rPr lang="en-US" altLang="ko-KR" sz="1200" i="0" kern="1200" dirty="0" err="1" smtClean="0">
+                          <a:solidFill>
+                            <a:schemeClr val="tx1"/>
+                          </a:solidFill>
+                          <a:latin typeface="+mn-lt"/>
+                          <a:ea typeface="+mn-ea"/>
+                          <a:cs typeface="+mn-cs"/>
+                        </a:rPr>
+                        <a:t>pageList</a:t>
+                      </a:r>
+                      <a:endParaRPr lang="ko-KR" altLang="en-US" sz="1200" i="0" u="none" dirty="0"/>
+                    </a:p>
+                  </a:txBody>
+                  <a:tcPr anchor="ctr"/>
+                </a:tc>
+                <a:tc>
+                  <a:txBody>
+                    <a:bodyPr/>
+                    <a:lstStyle/>
+                    <a:p>
+                      <a:pPr algn="l" latinLnBrk="1"/>
+                      <a:r>
+                        <a:rPr lang="en-US" altLang="ko-KR" sz="1200" i="0" kern="1200" dirty="0" err="1" smtClean="0">
+                          <a:solidFill>
+                            <a:schemeClr val="tx1"/>
+                          </a:solidFill>
+                          <a:latin typeface="+mn-lt"/>
+                          <a:ea typeface="+mn-ea"/>
+                          <a:cs typeface="+mn-cs"/>
+                        </a:rPr>
+                        <a:t>dateInventory</a:t>
+                      </a:r>
+                      <a:endParaRPr lang="en-US" altLang="ko-KR" sz="1200" i="0" kern="1200" dirty="0" smtClean="0">
+                        <a:solidFill>
+                          <a:schemeClr val="tx1"/>
+                        </a:solidFill>
+                        <a:latin typeface="+mn-lt"/>
+                        <a:ea typeface="+mn-ea"/>
+                        <a:cs typeface="+mn-cs"/>
+                      </a:endParaRPr>
+                    </a:p>
+                    <a:p>
+                      <a:pPr algn="l" latinLnBrk="1"/>
+                      <a:r>
+                        <a:rPr lang="en-US" altLang="ko-KR" sz="1200" i="0" kern="1200" dirty="0" err="1" smtClean="0">
+                          <a:solidFill>
+                            <a:schemeClr val="tx1"/>
+                          </a:solidFill>
+                          <a:latin typeface="+mn-lt"/>
+                          <a:ea typeface="+mn-ea"/>
+                          <a:cs typeface="+mn-cs"/>
+                        </a:rPr>
+                        <a:t>orderhistoryList</a:t>
+                      </a:r>
+                      <a:endParaRPr lang="en-US" altLang="ko-KR" sz="1200" i="0" kern="1200" dirty="0" smtClean="0">
+                        <a:solidFill>
+                          <a:schemeClr val="tx1"/>
+                        </a:solidFill>
+                        <a:latin typeface="+mn-lt"/>
+                        <a:ea typeface="+mn-ea"/>
+                        <a:cs typeface="+mn-cs"/>
+                      </a:endParaRPr>
+                    </a:p>
+                    <a:p>
+                      <a:pPr algn="l" latinLnBrk="1"/>
+                      <a:r>
+                        <a:rPr lang="en-US" altLang="ko-KR" sz="1200" i="0" kern="1200" dirty="0" err="1" smtClean="0">
+                          <a:solidFill>
+                            <a:schemeClr val="tx1"/>
+                          </a:solidFill>
+                          <a:latin typeface="+mn-lt"/>
+                          <a:ea typeface="+mn-ea"/>
+                          <a:cs typeface="+mn-cs"/>
+                        </a:rPr>
+                        <a:t>pageList</a:t>
+                      </a:r>
+                      <a:endParaRPr lang="ko-KR" altLang="en-US" sz="1200" i="0" u="none" dirty="0"/>
+                    </a:p>
+                  </a:txBody>
+                  <a:tcPr anchor="ctr"/>
+                </a:tc>
+                <a:tc>
+                  <a:txBody>
+                    <a:bodyPr/>
+                    <a:lstStyle/>
+                    <a:p>
+                      <a:pPr algn="l" latinLnBrk="1"/>
+                      <a:r>
+                        <a:rPr lang="en-US" altLang="ko-KR" sz="1200" i="0" u="none" dirty="0" smtClean="0"/>
+                        <a:t>id</a:t>
+                      </a:r>
+                    </a:p>
+                    <a:p>
+                      <a:pPr algn="l" latinLnBrk="1"/>
+                      <a:r>
+                        <a:rPr lang="en-US" altLang="ko-KR" sz="1200" i="0" u="none" dirty="0" smtClean="0"/>
+                        <a:t>name</a:t>
+                      </a:r>
+                    </a:p>
+                    <a:p>
+                      <a:pPr algn="l" latinLnBrk="1"/>
+                      <a:r>
+                        <a:rPr lang="en-US" altLang="ko-KR" sz="1200" i="0" kern="1200" dirty="0" err="1" smtClean="0">
+                          <a:solidFill>
+                            <a:schemeClr val="tx1"/>
+                          </a:solidFill>
+                          <a:latin typeface="+mn-lt"/>
+                          <a:ea typeface="+mn-ea"/>
+                          <a:cs typeface="+mn-cs"/>
+                        </a:rPr>
+                        <a:t>detailorderList</a:t>
+                      </a:r>
+                      <a:endParaRPr lang="ko-KR" altLang="en-US" sz="1200" i="0" u="none" dirty="0"/>
+                    </a:p>
+                  </a:txBody>
+                  <a:tcPr anchor="ctr"/>
+                </a:tc>
+              </a:tr>
+              <a:tr h="604867">
+                <a:tc>
+                  <a:txBody>
+                    <a:bodyPr/>
+                    <a:lstStyle/>
+                    <a:p>
+                      <a:pPr algn="ctr" latinLnBrk="1"/>
+                      <a:r>
+                        <a:rPr lang="ko-KR" altLang="en-US" sz="1000" dirty="0" smtClean="0"/>
+                        <a:t>처리 후 </a:t>
+                      </a:r>
+                      <a:endParaRPr lang="en-US" altLang="ko-KR" sz="1000" dirty="0" smtClean="0"/>
+                    </a:p>
+                    <a:p>
+                      <a:pPr algn="ctr" latinLnBrk="1"/>
+                      <a:r>
+                        <a:rPr lang="ko-KR" altLang="en-US" sz="1000" dirty="0" smtClean="0"/>
+                        <a:t>화면</a:t>
+                      </a:r>
+                      <a:endParaRPr lang="ko-KR" altLang="en-US" sz="1000" dirty="0"/>
+                    </a:p>
+                  </a:txBody>
+                  <a:tcPr anchor="ctr"/>
+                </a:tc>
+                <a:tc>
+                  <a:txBody>
+                    <a:bodyPr/>
+                    <a:lstStyle/>
+                    <a:p>
+                      <a:pPr algn="l" latinLnBrk="1"/>
+                      <a:r>
+                        <a:rPr lang="en-US" altLang="ko-KR" sz="1200" i="0" kern="1200" dirty="0" smtClean="0">
+                          <a:solidFill>
+                            <a:schemeClr val="tx1"/>
+                          </a:solidFill>
+                          <a:latin typeface="+mn-lt"/>
+                          <a:ea typeface="+mn-ea"/>
+                          <a:cs typeface="+mn-cs"/>
+                        </a:rPr>
+                        <a:t>sales</a:t>
+                      </a:r>
+                      <a:endParaRPr lang="ko-KR" altLang="en-US" sz="1200" i="0" dirty="0"/>
+                    </a:p>
+                  </a:txBody>
+                  <a:tcPr anchor="ctr"/>
+                </a:tc>
+                <a:tc>
+                  <a:txBody>
+                    <a:bodyPr/>
+                    <a:lstStyle/>
+                    <a:p>
+                      <a:pPr algn="l" latinLnBrk="1"/>
+                      <a:r>
+                        <a:rPr lang="en-US" altLang="ko-KR" sz="1200" i="0" kern="1200" dirty="0" err="1" smtClean="0">
+                          <a:solidFill>
+                            <a:schemeClr val="tx1"/>
+                          </a:solidFill>
+                          <a:latin typeface="+mn-lt"/>
+                          <a:ea typeface="+mn-ea"/>
+                          <a:cs typeface="+mn-cs"/>
+                        </a:rPr>
+                        <a:t>selecttime</a:t>
+                      </a:r>
+                      <a:endParaRPr lang="ko-KR" altLang="en-US" sz="1200" i="0" dirty="0"/>
+                    </a:p>
+                  </a:txBody>
+                  <a:tcPr anchor="ctr"/>
+                </a:tc>
+                <a:tc>
+                  <a:txBody>
+                    <a:bodyPr/>
+                    <a:lstStyle/>
+                    <a:p>
+                      <a:pPr marL="0" marR="0" indent="0" algn="l" defTabSz="914400" rtl="0" eaLnBrk="1" fontAlgn="auto" latinLnBrk="1" hangingPunct="1">
+                        <a:lnSpc>
+                          <a:spcPct val="100000"/>
+                        </a:lnSpc>
+                        <a:spcBef>
+                          <a:spcPts val="0"/>
+                        </a:spcBef>
+                        <a:spcAft>
+                          <a:spcPts val="0"/>
+                        </a:spcAft>
+                        <a:buClrTx/>
+                        <a:buSzTx/>
+                        <a:buFontTx/>
+                        <a:buNone/>
+                        <a:tabLst/>
+                        <a:defRPr/>
+                      </a:pPr>
+                      <a:r>
+                        <a:rPr lang="en-US" altLang="ko-KR" sz="1200" i="0" dirty="0" smtClean="0"/>
+                        <a:t>detail</a:t>
+                      </a:r>
+                      <a:endParaRPr lang="ko-KR" altLang="en-US" sz="1200" i="0" dirty="0" smtClean="0"/>
+                    </a:p>
+                  </a:txBody>
+                  <a:tcPr anchor="ctr"/>
+                </a:tc>
+              </a:tr>
+            </a:tbl>
+          </a:graphicData>
+        </a:graphic>
+      </p:graphicFrame>
+    </p:spTree>
+    <p:extLst>
+      <p:ext uri="{BB962C8B-B14F-4D97-AF65-F5344CB8AC3E}">
+        <p14:creationId xmlns:p14="http://schemas.microsoft.com/office/powerpoint/2010/main" val="27598290"/>
+      </p:ext>
+    </p:extLst>
+  </p:cSld>
+  <p:clrMapOvr>
+    <a:masterClrMapping/>
+  </p:clrMapOvr>
+</p:sld>
+</file>
+
+<file path=ppt/slides/slide5.xml><?xml version="1.0" encoding="utf-8"?>
 <p:sld xmlns:a="http://schemas.openxmlformats.org/drawingml/2006/main" xmlns:r="http://schemas.openxmlformats.org/officeDocument/2006/relationships" xmlns:p="http://schemas.openxmlformats.org/presentationml/2006/main">
   <p:cSld>
     <p:spTree>

--- a/YellowContainer_MVC.pptx
+++ b/YellowContainer_MVC.pptx
@@ -4736,11 +4736,19 @@
             </a:r>
             <a:r>
               <a:rPr lang="en-US" altLang="ko-KR" dirty="0" smtClean="0"/>
-              <a:t>(/</a:t>
+              <a:t>(/admin/order</a:t>
             </a:r>
             <a:r>
               <a:rPr lang="en-US" altLang="ko-KR" dirty="0" smtClean="0"/>
-              <a:t>admin/order)</a:t>
+              <a:t>) - </a:t>
+            </a:r>
+            <a:r>
+              <a:rPr lang="ko-KR" altLang="en-US" dirty="0" smtClean="0"/>
+              <a:t>주문내</a:t>
+            </a:r>
+            <a:r>
+              <a:rPr lang="ko-KR" altLang="en-US" dirty="0"/>
+              <a:t>역</a:t>
             </a:r>
             <a:endParaRPr lang="ko-KR" altLang="en-US" dirty="0"/>
           </a:p>
@@ -5630,11 +5638,15 @@
             </a:r>
             <a:r>
               <a:rPr lang="en-US" altLang="ko-KR" dirty="0" smtClean="0"/>
-              <a:t>(/</a:t>
+              <a:t>(/admin/shipping</a:t>
             </a:r>
             <a:r>
               <a:rPr lang="en-US" altLang="ko-KR" dirty="0" smtClean="0"/>
-              <a:t>admin/shipping)</a:t>
+              <a:t>) - </a:t>
+            </a:r>
+            <a:r>
+              <a:rPr lang="ko-KR" altLang="en-US" smtClean="0"/>
+              <a:t>운송내역</a:t>
             </a:r>
             <a:endParaRPr lang="ko-KR" altLang="en-US" dirty="0"/>
           </a:p>

--- a/YellowContainer_MVC.pptx
+++ b/YellowContainer_MVC.pptx
@@ -6,10 +6,15 @@
   </p:sldMasterIdLst>
   <p:sldIdLst>
     <p:sldId id="262" r:id="rId2"/>
-    <p:sldId id="263" r:id="rId3"/>
-    <p:sldId id="268" r:id="rId4"/>
-    <p:sldId id="269" r:id="rId5"/>
-    <p:sldId id="267" r:id="rId6"/>
+    <p:sldId id="274" r:id="rId3"/>
+    <p:sldId id="263" r:id="rId4"/>
+    <p:sldId id="268" r:id="rId5"/>
+    <p:sldId id="269" r:id="rId6"/>
+    <p:sldId id="270" r:id="rId7"/>
+    <p:sldId id="272" r:id="rId8"/>
+    <p:sldId id="273" r:id="rId9"/>
+    <p:sldId id="275" r:id="rId10"/>
+    <p:sldId id="276" r:id="rId11"/>
   </p:sldIdLst>
   <p:sldSz cx="9144000" cy="6858000" type="screen4x3"/>
   <p:notesSz cx="6858000" cy="9144000"/>
@@ -3123,7 +3128,7 @@
           <a:p>
             <a:r>
               <a:rPr lang="en-US" altLang="ko-KR" dirty="0" smtClean="0"/>
-              <a:t>2. </a:t>
+              <a:t>1. </a:t>
             </a:r>
             <a:r>
               <a:rPr lang="ko-KR" altLang="en-US" dirty="0" smtClean="0"/>
@@ -3139,7 +3144,11 @@
             </a:r>
             <a:r>
               <a:rPr lang="en-US" altLang="ko-KR" dirty="0" smtClean="0"/>
-              <a:t>(/member)</a:t>
+              <a:t>(member</a:t>
+            </a:r>
+            <a:r>
+              <a:rPr lang="en-US" altLang="ko-KR" dirty="0" smtClean="0"/>
+              <a:t>)</a:t>
             </a:r>
             <a:endParaRPr lang="ko-KR" altLang="en-US" dirty="0"/>
           </a:p>
@@ -3962,6 +3971,611 @@
     <p:extLst>
       <p:ext uri="{BB962C8B-B14F-4D97-AF65-F5344CB8AC3E}">
         <p14:creationId xmlns:p14="http://schemas.microsoft.com/office/powerpoint/2010/main" val="2595890164"/>
+      </p:ext>
+    </p:extLst>
+  </p:cSld>
+  <p:clrMapOvr>
+    <a:masterClrMapping/>
+  </p:clrMapOvr>
+</p:sld>
+</file>
+
+<file path=ppt/slides/slide10.xml><?xml version="1.0" encoding="utf-8"?>
+<p:sld xmlns:a="http://schemas.openxmlformats.org/drawingml/2006/main" xmlns:r="http://schemas.openxmlformats.org/officeDocument/2006/relationships" xmlns:p="http://schemas.openxmlformats.org/presentationml/2006/main">
+  <p:cSld>
+    <p:spTree>
+      <p:nvGrpSpPr>
+        <p:cNvPr id="1" name=""/>
+        <p:cNvGrpSpPr/>
+        <p:nvPr/>
+      </p:nvGrpSpPr>
+      <p:grpSpPr>
+        <a:xfrm>
+          <a:off x="0" y="0"/>
+          <a:ext cx="0" cy="0"/>
+          <a:chOff x="0" y="0"/>
+          <a:chExt cx="0" cy="0"/>
+        </a:xfrm>
+      </p:grpSpPr>
+      <p:sp>
+        <p:nvSpPr>
+          <p:cNvPr id="5" name="TextBox 4"/>
+          <p:cNvSpPr txBox="1"/>
+          <p:nvPr/>
+        </p:nvSpPr>
+        <p:spPr>
+          <a:xfrm>
+            <a:off x="251520" y="116632"/>
+            <a:ext cx="8352928" cy="369332"/>
+          </a:xfrm>
+          <a:prstGeom prst="rect">
+            <a:avLst/>
+          </a:prstGeom>
+          <a:noFill/>
+        </p:spPr>
+        <p:txBody>
+          <a:bodyPr wrap="square" rtlCol="0">
+            <a:spAutoFit/>
+          </a:bodyPr>
+          <a:lstStyle/>
+          <a:p>
+            <a:r>
+              <a:rPr lang="en-US" altLang="ko-KR" dirty="0" smtClean="0"/>
+              <a:t>3. </a:t>
+            </a:r>
+            <a:r>
+              <a:rPr lang="ko-KR" altLang="en-US" dirty="0" smtClean="0"/>
+              <a:t>운송회사용 </a:t>
+            </a:r>
+            <a:r>
+              <a:rPr lang="en-US" altLang="ko-KR" dirty="0" smtClean="0"/>
+              <a:t>(carrier)</a:t>
+            </a:r>
+            <a:endParaRPr lang="ko-KR" altLang="en-US" dirty="0"/>
+          </a:p>
+        </p:txBody>
+      </p:sp>
+      <p:graphicFrame>
+        <p:nvGraphicFramePr>
+          <p:cNvPr id="2" name="표 1"/>
+          <p:cNvGraphicFramePr>
+            <a:graphicFrameLocks noGrp="1"/>
+          </p:cNvGraphicFramePr>
+          <p:nvPr>
+            <p:extLst>
+              <p:ext uri="{D42A27DB-BD31-4B8C-83A1-F6EECF244321}">
+                <p14:modId xmlns:p14="http://schemas.microsoft.com/office/powerpoint/2010/main" val="3849134870"/>
+              </p:ext>
+            </p:extLst>
+          </p:nvPr>
+        </p:nvGraphicFramePr>
+        <p:xfrm>
+          <a:off x="107502" y="692696"/>
+          <a:ext cx="8856986" cy="3989242"/>
+        </p:xfrm>
+        <a:graphic>
+          <a:graphicData uri="http://schemas.openxmlformats.org/drawingml/2006/table">
+            <a:tbl>
+              <a:tblPr firstRow="1" bandRow="1">
+                <a:tableStyleId>{5940675A-B579-460E-94D1-54222C63F5DA}</a:tableStyleId>
+              </a:tblPr>
+              <a:tblGrid>
+                <a:gridCol w="1512170"/>
+                <a:gridCol w="3672408"/>
+                <a:gridCol w="3672408"/>
+              </a:tblGrid>
+              <a:tr h="360040">
+                <a:tc>
+                  <a:txBody>
+                    <a:bodyPr/>
+                    <a:lstStyle/>
+                    <a:p>
+                      <a:pPr algn="ctr" latinLnBrk="1"/>
+                      <a:r>
+                        <a:rPr lang="ko-KR" altLang="en-US" sz="1000" b="1" dirty="0" smtClean="0">
+                          <a:solidFill>
+                            <a:schemeClr val="bg1"/>
+                          </a:solidFill>
+                        </a:rPr>
+                        <a:t>항목</a:t>
+                      </a:r>
+                      <a:endParaRPr lang="ko-KR" altLang="en-US" sz="1000" b="1" dirty="0">
+                        <a:solidFill>
+                          <a:schemeClr val="bg1"/>
+                        </a:solidFill>
+                      </a:endParaRPr>
+                    </a:p>
+                  </a:txBody>
+                  <a:tcPr anchor="ctr">
+                    <a:lnB w="12700" cap="flat" cmpd="sng" algn="ctr">
+                      <a:solidFill>
+                        <a:schemeClr val="tx1"/>
+                      </a:solidFill>
+                      <a:prstDash val="solid"/>
+                      <a:round/>
+                      <a:headEnd type="none" w="med" len="med"/>
+                      <a:tailEnd type="none" w="med" len="med"/>
+                    </a:lnB>
+                    <a:solidFill>
+                      <a:schemeClr val="accent3">
+                        <a:lumMod val="75000"/>
+                      </a:schemeClr>
+                    </a:solidFill>
+                  </a:tcPr>
+                </a:tc>
+                <a:tc>
+                  <a:txBody>
+                    <a:bodyPr/>
+                    <a:lstStyle/>
+                    <a:p>
+                      <a:pPr algn="ctr" latinLnBrk="1"/>
+                      <a:r>
+                        <a:rPr lang="ko-KR" altLang="en-US" sz="1000" b="1" dirty="0" smtClean="0">
+                          <a:solidFill>
+                            <a:schemeClr val="bg1"/>
+                          </a:solidFill>
+                        </a:rPr>
+                        <a:t>운송내역</a:t>
+                      </a:r>
+                      <a:endParaRPr lang="ko-KR" altLang="en-US" sz="1000" b="1" dirty="0">
+                        <a:solidFill>
+                          <a:schemeClr val="bg1"/>
+                        </a:solidFill>
+                      </a:endParaRPr>
+                    </a:p>
+                  </a:txBody>
+                  <a:tcPr anchor="ctr">
+                    <a:solidFill>
+                      <a:schemeClr val="accent3">
+                        <a:lumMod val="75000"/>
+                      </a:schemeClr>
+                    </a:solidFill>
+                  </a:tcPr>
+                </a:tc>
+                <a:tc>
+                  <a:txBody>
+                    <a:bodyPr/>
+                    <a:lstStyle/>
+                    <a:p>
+                      <a:pPr algn="ctr" latinLnBrk="1"/>
+                      <a:r>
+                        <a:rPr lang="ko-KR" altLang="en-US" sz="1000" b="1" dirty="0" smtClean="0">
+                          <a:solidFill>
+                            <a:schemeClr val="bg1"/>
+                          </a:solidFill>
+                        </a:rPr>
+                        <a:t>월별 운송내역</a:t>
+                      </a:r>
+                      <a:endParaRPr lang="ko-KR" altLang="en-US" sz="1000" b="1" dirty="0">
+                        <a:solidFill>
+                          <a:schemeClr val="bg1"/>
+                        </a:solidFill>
+                      </a:endParaRPr>
+                    </a:p>
+                  </a:txBody>
+                  <a:tcPr anchor="ctr">
+                    <a:solidFill>
+                      <a:schemeClr val="accent3">
+                        <a:lumMod val="75000"/>
+                      </a:schemeClr>
+                    </a:solidFill>
+                  </a:tcPr>
+                </a:tc>
+              </a:tr>
+              <a:tr h="604867">
+                <a:tc>
+                  <a:txBody>
+                    <a:bodyPr/>
+                    <a:lstStyle/>
+                    <a:p>
+                      <a:pPr algn="ctr" latinLnBrk="1"/>
+                      <a:r>
+                        <a:rPr lang="en-US" altLang="ko-KR" sz="1000" dirty="0" smtClean="0"/>
+                        <a:t>viewer</a:t>
+                      </a:r>
+                      <a:endParaRPr lang="ko-KR" altLang="en-US" sz="1000" dirty="0"/>
+                    </a:p>
+                  </a:txBody>
+                  <a:tcPr anchor="ctr">
+                    <a:lnT w="12700" cap="flat" cmpd="sng" algn="ctr">
+                      <a:solidFill>
+                        <a:schemeClr val="tx1"/>
+                      </a:solidFill>
+                      <a:prstDash val="solid"/>
+                      <a:round/>
+                      <a:headEnd type="none" w="med" len="med"/>
+                      <a:tailEnd type="none" w="med" len="med"/>
+                    </a:lnT>
+                  </a:tcPr>
+                </a:tc>
+                <a:tc>
+                  <a:txBody>
+                    <a:bodyPr/>
+                    <a:lstStyle/>
+                    <a:p>
+                      <a:pPr marL="0" marR="0" indent="0" algn="l" defTabSz="914400" rtl="0" eaLnBrk="1" fontAlgn="auto" latinLnBrk="1" hangingPunct="1">
+                        <a:lnSpc>
+                          <a:spcPct val="100000"/>
+                        </a:lnSpc>
+                        <a:spcBef>
+                          <a:spcPts val="0"/>
+                        </a:spcBef>
+                        <a:spcAft>
+                          <a:spcPts val="0"/>
+                        </a:spcAft>
+                        <a:buClrTx/>
+                        <a:buSzTx/>
+                        <a:buFontTx/>
+                        <a:buNone/>
+                        <a:tabLst/>
+                        <a:defRPr/>
+                      </a:pPr>
+                      <a:r>
+                        <a:rPr lang="en-US" altLang="ko-KR" sz="1200" kern="1200" dirty="0" smtClean="0">
+                          <a:solidFill>
+                            <a:schemeClr val="tx1"/>
+                          </a:solidFill>
+                          <a:latin typeface="+mn-lt"/>
+                          <a:ea typeface="+mn-ea"/>
+                          <a:cs typeface="+mn-cs"/>
+                        </a:rPr>
+                        <a:t>carrier</a:t>
+                      </a:r>
+                      <a:endParaRPr lang="ko-KR" altLang="en-US" sz="1200" i="0" dirty="0" smtClean="0"/>
+                    </a:p>
+                  </a:txBody>
+                  <a:tcPr anchor="ctr"/>
+                </a:tc>
+                <a:tc>
+                  <a:txBody>
+                    <a:bodyPr/>
+                    <a:lstStyle/>
+                    <a:p>
+                      <a:pPr marL="0" marR="0" indent="0" algn="l" defTabSz="914400" rtl="0" eaLnBrk="1" fontAlgn="auto" latinLnBrk="1" hangingPunct="1">
+                        <a:lnSpc>
+                          <a:spcPct val="100000"/>
+                        </a:lnSpc>
+                        <a:spcBef>
+                          <a:spcPts val="0"/>
+                        </a:spcBef>
+                        <a:spcAft>
+                          <a:spcPts val="0"/>
+                        </a:spcAft>
+                        <a:buClrTx/>
+                        <a:buSzTx/>
+                        <a:buFontTx/>
+                        <a:buNone/>
+                        <a:tabLst/>
+                        <a:defRPr/>
+                      </a:pPr>
+                      <a:r>
+                        <a:rPr lang="en-US" altLang="ko-KR" sz="1200" kern="1200" dirty="0" smtClean="0">
+                          <a:solidFill>
+                            <a:schemeClr val="tx1"/>
+                          </a:solidFill>
+                          <a:latin typeface="+mn-lt"/>
+                          <a:ea typeface="+mn-ea"/>
+                          <a:cs typeface="+mn-cs"/>
+                        </a:rPr>
+                        <a:t>carrier</a:t>
+                      </a:r>
+                      <a:endParaRPr lang="ko-KR" altLang="en-US" sz="1200" i="0" dirty="0" smtClean="0"/>
+                    </a:p>
+                  </a:txBody>
+                  <a:tcPr anchor="ctr"/>
+                </a:tc>
+              </a:tr>
+              <a:tr h="604867">
+                <a:tc>
+                  <a:txBody>
+                    <a:bodyPr/>
+                    <a:lstStyle/>
+                    <a:p>
+                      <a:pPr algn="ctr" latinLnBrk="1"/>
+                      <a:r>
+                        <a:rPr lang="en-US" altLang="ko-KR" sz="1000" dirty="0" smtClean="0"/>
+                        <a:t>Control</a:t>
+                      </a:r>
+                      <a:endParaRPr lang="ko-KR" altLang="en-US" sz="1000" dirty="0"/>
+                    </a:p>
+                  </a:txBody>
+                  <a:tcPr anchor="ctr"/>
+                </a:tc>
+                <a:tc gridSpan="2">
+                  <a:txBody>
+                    <a:bodyPr/>
+                    <a:lstStyle/>
+                    <a:p>
+                      <a:pPr algn="ctr" latinLnBrk="1"/>
+                      <a:r>
+                        <a:rPr lang="en-US" altLang="ko-KR" sz="1200" i="0" dirty="0" err="1" smtClean="0"/>
+                        <a:t>WaybillProc</a:t>
+                      </a:r>
+                      <a:endParaRPr lang="ko-KR" altLang="en-US" sz="1200" i="0" dirty="0"/>
+                    </a:p>
+                  </a:txBody>
+                  <a:tcPr anchor="ctr"/>
+                </a:tc>
+                <a:tc hMerge="1">
+                  <a:txBody>
+                    <a:bodyPr/>
+                    <a:lstStyle/>
+                    <a:p>
+                      <a:pPr algn="ctr" latinLnBrk="1"/>
+                      <a:endParaRPr lang="ko-KR" altLang="en-US" sz="1200" i="0" dirty="0"/>
+                    </a:p>
+                  </a:txBody>
+                  <a:tcPr anchor="ctr"/>
+                </a:tc>
+              </a:tr>
+              <a:tr h="604867">
+                <a:tc>
+                  <a:txBody>
+                    <a:bodyPr/>
+                    <a:lstStyle/>
+                    <a:p>
+                      <a:pPr algn="ctr" latinLnBrk="1"/>
+                      <a:r>
+                        <a:rPr lang="en-US" altLang="ko-KR" sz="1000" dirty="0" smtClean="0"/>
+                        <a:t>Action</a:t>
+                      </a:r>
+                      <a:endParaRPr lang="ko-KR" altLang="en-US" sz="1000" dirty="0"/>
+                    </a:p>
+                  </a:txBody>
+                  <a:tcPr anchor="ctr"/>
+                </a:tc>
+                <a:tc>
+                  <a:txBody>
+                    <a:bodyPr/>
+                    <a:lstStyle/>
+                    <a:p>
+                      <a:pPr algn="l" latinLnBrk="1"/>
+                      <a:r>
+                        <a:rPr lang="en-US" altLang="ko-KR" sz="1200" i="0" dirty="0" err="1" smtClean="0"/>
+                        <a:t>carrierlist</a:t>
+                      </a:r>
+                      <a:endParaRPr lang="ko-KR" altLang="en-US" sz="1200" i="0" dirty="0"/>
+                    </a:p>
+                  </a:txBody>
+                  <a:tcPr anchor="ctr"/>
+                </a:tc>
+                <a:tc>
+                  <a:txBody>
+                    <a:bodyPr/>
+                    <a:lstStyle/>
+                    <a:p>
+                      <a:pPr algn="l" latinLnBrk="1"/>
+                      <a:r>
+                        <a:rPr lang="en-US" altLang="ko-KR" sz="1200" i="0" dirty="0" err="1" smtClean="0"/>
+                        <a:t>selectWaybill</a:t>
+                      </a:r>
+                      <a:endParaRPr lang="ko-KR" altLang="en-US" sz="1200" i="0" dirty="0"/>
+                    </a:p>
+                  </a:txBody>
+                  <a:tcPr anchor="ctr"/>
+                </a:tc>
+              </a:tr>
+              <a:tr h="604867">
+                <a:tc>
+                  <a:txBody>
+                    <a:bodyPr/>
+                    <a:lstStyle/>
+                    <a:p>
+                      <a:pPr algn="ctr" latinLnBrk="1"/>
+                      <a:r>
+                        <a:rPr lang="en-US" altLang="ko-KR" sz="1000" dirty="0" smtClean="0"/>
+                        <a:t>Get</a:t>
+                      </a:r>
+                      <a:endParaRPr lang="ko-KR" altLang="en-US" sz="1000" dirty="0"/>
+                    </a:p>
+                  </a:txBody>
+                  <a:tcPr anchor="ctr"/>
+                </a:tc>
+                <a:tc>
+                  <a:txBody>
+                    <a:bodyPr/>
+                    <a:lstStyle/>
+                    <a:p>
+                      <a:pPr algn="l" latinLnBrk="1"/>
+                      <a:r>
+                        <a:rPr lang="en-US" altLang="ko-KR" sz="1200" kern="1200" dirty="0" smtClean="0">
+                          <a:solidFill>
+                            <a:schemeClr val="tx1"/>
+                          </a:solidFill>
+                          <a:latin typeface="+mn-lt"/>
+                          <a:ea typeface="+mn-ea"/>
+                          <a:cs typeface="+mn-cs"/>
+                        </a:rPr>
+                        <a:t>field</a:t>
+                      </a:r>
+                      <a:endParaRPr lang="ko-KR" altLang="en-US" sz="1200" i="0" dirty="0"/>
+                    </a:p>
+                  </a:txBody>
+                  <a:tcPr anchor="ctr"/>
+                </a:tc>
+                <a:tc>
+                  <a:txBody>
+                    <a:bodyPr/>
+                    <a:lstStyle/>
+                    <a:p>
+                      <a:pPr algn="l" latinLnBrk="1"/>
+                      <a:r>
+                        <a:rPr lang="en-US" altLang="ko-KR" sz="1200" kern="1200" dirty="0" err="1" smtClean="0">
+                          <a:solidFill>
+                            <a:schemeClr val="tx1"/>
+                          </a:solidFill>
+                          <a:latin typeface="+mn-lt"/>
+                          <a:ea typeface="+mn-ea"/>
+                          <a:cs typeface="+mn-cs"/>
+                        </a:rPr>
+                        <a:t>dateInventory</a:t>
+                      </a:r>
+                      <a:endParaRPr lang="ko-KR" altLang="en-US" sz="1200" i="0" dirty="0" smtClean="0"/>
+                    </a:p>
+                  </a:txBody>
+                  <a:tcPr anchor="ctr"/>
+                </a:tc>
+              </a:tr>
+              <a:tr h="604867">
+                <a:tc>
+                  <a:txBody>
+                    <a:bodyPr/>
+                    <a:lstStyle/>
+                    <a:p>
+                      <a:pPr algn="ctr" latinLnBrk="1"/>
+                      <a:r>
+                        <a:rPr lang="en-US" altLang="ko-KR" sz="1000" dirty="0" smtClean="0"/>
+                        <a:t>Session</a:t>
+                      </a:r>
+                      <a:endParaRPr lang="ko-KR" altLang="en-US" sz="1000" dirty="0"/>
+                    </a:p>
+                  </a:txBody>
+                  <a:tcPr anchor="ctr"/>
+                </a:tc>
+                <a:tc>
+                  <a:txBody>
+                    <a:bodyPr/>
+                    <a:lstStyle/>
+                    <a:p>
+                      <a:pPr algn="l" latinLnBrk="1"/>
+                      <a:r>
+                        <a:rPr lang="en-US" altLang="ko-KR" sz="1200" kern="1200" dirty="0" err="1" smtClean="0">
+                          <a:solidFill>
+                            <a:schemeClr val="tx1"/>
+                          </a:solidFill>
+                          <a:latin typeface="+mn-lt"/>
+                          <a:ea typeface="+mn-ea"/>
+                          <a:cs typeface="+mn-cs"/>
+                        </a:rPr>
+                        <a:t>carrierList</a:t>
+                      </a:r>
+                      <a:endParaRPr lang="ko-KR" altLang="en-US" sz="1200" i="0" u="none" dirty="0"/>
+                    </a:p>
+                  </a:txBody>
+                  <a:tcPr anchor="ctr"/>
+                </a:tc>
+                <a:tc>
+                  <a:txBody>
+                    <a:bodyPr/>
+                    <a:lstStyle/>
+                    <a:p>
+                      <a:pPr algn="l" latinLnBrk="1"/>
+                      <a:r>
+                        <a:rPr lang="en-US" altLang="ko-KR" sz="1200" kern="1200" dirty="0" err="1" smtClean="0">
+                          <a:solidFill>
+                            <a:schemeClr val="tx1"/>
+                          </a:solidFill>
+                          <a:latin typeface="+mn-lt"/>
+                          <a:ea typeface="+mn-ea"/>
+                          <a:cs typeface="+mn-cs"/>
+                        </a:rPr>
+                        <a:t>dateInventory</a:t>
+                      </a:r>
+                      <a:endParaRPr lang="en-US" altLang="ko-KR" sz="1200" kern="1200" dirty="0" smtClean="0">
+                        <a:solidFill>
+                          <a:schemeClr val="tx1"/>
+                        </a:solidFill>
+                        <a:latin typeface="+mn-lt"/>
+                        <a:ea typeface="+mn-ea"/>
+                        <a:cs typeface="+mn-cs"/>
+                      </a:endParaRPr>
+                    </a:p>
+                    <a:p>
+                      <a:pPr algn="l" latinLnBrk="1"/>
+                      <a:r>
+                        <a:rPr lang="en-US" altLang="ko-KR" sz="1200" kern="1200" dirty="0" err="1" smtClean="0">
+                          <a:solidFill>
+                            <a:schemeClr val="tx1"/>
+                          </a:solidFill>
+                          <a:latin typeface="+mn-lt"/>
+                          <a:ea typeface="+mn-ea"/>
+                          <a:cs typeface="+mn-cs"/>
+                        </a:rPr>
+                        <a:t>wayList</a:t>
+                      </a:r>
+                      <a:endParaRPr lang="ko-KR" altLang="en-US" sz="1200" i="0" u="none" dirty="0"/>
+                    </a:p>
+                  </a:txBody>
+                  <a:tcPr anchor="ctr"/>
+                </a:tc>
+              </a:tr>
+              <a:tr h="604867">
+                <a:tc>
+                  <a:txBody>
+                    <a:bodyPr/>
+                    <a:lstStyle/>
+                    <a:p>
+                      <a:pPr algn="ctr" latinLnBrk="1"/>
+                      <a:r>
+                        <a:rPr lang="ko-KR" altLang="en-US" sz="1000" dirty="0" smtClean="0"/>
+                        <a:t>처리 후 </a:t>
+                      </a:r>
+                      <a:endParaRPr lang="en-US" altLang="ko-KR" sz="1000" dirty="0" smtClean="0"/>
+                    </a:p>
+                    <a:p>
+                      <a:pPr algn="ctr" latinLnBrk="1"/>
+                      <a:r>
+                        <a:rPr lang="ko-KR" altLang="en-US" sz="1000" dirty="0" smtClean="0"/>
+                        <a:t>화면</a:t>
+                      </a:r>
+                      <a:endParaRPr lang="ko-KR" altLang="en-US" sz="1000" dirty="0"/>
+                    </a:p>
+                  </a:txBody>
+                  <a:tcPr anchor="ctr"/>
+                </a:tc>
+                <a:tc>
+                  <a:txBody>
+                    <a:bodyPr/>
+                    <a:lstStyle/>
+                    <a:p>
+                      <a:pPr algn="l" latinLnBrk="1"/>
+                      <a:r>
+                        <a:rPr lang="en-US" altLang="ko-KR" sz="1200" kern="1200" dirty="0" smtClean="0">
+                          <a:solidFill>
+                            <a:schemeClr val="tx1"/>
+                          </a:solidFill>
+                          <a:latin typeface="+mn-lt"/>
+                          <a:ea typeface="+mn-ea"/>
+                          <a:cs typeface="+mn-cs"/>
+                        </a:rPr>
+                        <a:t>carrier</a:t>
+                      </a:r>
+                      <a:endParaRPr lang="ko-KR" altLang="en-US" sz="1200" i="0" dirty="0"/>
+                    </a:p>
+                  </a:txBody>
+                  <a:tcPr anchor="ctr"/>
+                </a:tc>
+                <a:tc>
+                  <a:txBody>
+                    <a:bodyPr/>
+                    <a:lstStyle/>
+                    <a:p>
+                      <a:pPr algn="l" latinLnBrk="1"/>
+                      <a:r>
+                        <a:rPr lang="en-US" altLang="ko-KR" sz="1200" kern="1200" dirty="0" err="1" smtClean="0">
+                          <a:solidFill>
+                            <a:schemeClr val="tx1"/>
+                          </a:solidFill>
+                          <a:latin typeface="+mn-lt"/>
+                          <a:ea typeface="+mn-ea"/>
+                          <a:cs typeface="+mn-cs"/>
+                        </a:rPr>
+                        <a:t>carrier_selectTime</a:t>
+                      </a:r>
+                      <a:endParaRPr lang="ko-KR" altLang="en-US" sz="1200" b="0" i="0" dirty="0"/>
+                    </a:p>
+                  </a:txBody>
+                  <a:tcPr anchor="ctr"/>
+                </a:tc>
+              </a:tr>
+            </a:tbl>
+          </a:graphicData>
+        </a:graphic>
+      </p:graphicFrame>
+    </p:spTree>
+    <p:extLst>
+      <p:ext uri="{BB962C8B-B14F-4D97-AF65-F5344CB8AC3E}">
+        <p14:creationId xmlns:p14="http://schemas.microsoft.com/office/powerpoint/2010/main" val="2867333076"/>
       </p:ext>
     </p:extLst>
   </p:cSld>
@@ -4020,7 +4634,19 @@
             </a:r>
             <a:r>
               <a:rPr lang="en-US" altLang="ko-KR" dirty="0" smtClean="0"/>
-              <a:t>(/admin/buying)</a:t>
+              <a:t>(admin/</a:t>
+            </a:r>
+            <a:r>
+              <a:rPr lang="en-US" altLang="ko-KR" dirty="0" smtClean="0"/>
+              <a:t>commodity/</a:t>
+            </a:r>
+            <a:r>
+              <a:rPr lang="en-US" altLang="ko-KR" dirty="0" smtClean="0"/>
+              <a:t>) - </a:t>
+            </a:r>
+            <a:r>
+              <a:rPr lang="ko-KR" altLang="en-US" dirty="0" smtClean="0"/>
+              <a:t>재고내역</a:t>
             </a:r>
             <a:endParaRPr lang="ko-KR" altLang="en-US" dirty="0"/>
           </a:p>
@@ -4035,7 +4661,7 @@
           <p:nvPr>
             <p:extLst>
               <p:ext uri="{D42A27DB-BD31-4B8C-83A1-F6EECF244321}">
-                <p14:modId xmlns:p14="http://schemas.microsoft.com/office/powerpoint/2010/main" val="1522733770"/>
+                <p14:modId xmlns:p14="http://schemas.microsoft.com/office/powerpoint/2010/main" val="1861190153"/>
               </p:ext>
             </p:extLst>
           </p:nvPr>
@@ -4101,14 +4727,6 @@
                     <a:lstStyle/>
                     <a:p>
                       <a:pPr algn="ctr" latinLnBrk="1"/>
-                      <a:r>
-                        <a:rPr lang="ko-KR" altLang="en-US" sz="1000" b="1" dirty="0" smtClean="0">
-                          <a:solidFill>
-                            <a:schemeClr val="bg1"/>
-                          </a:solidFill>
-                        </a:rPr>
-                        <a:t>총 발주내역</a:t>
-                      </a:r>
                       <a:endParaRPr lang="ko-KR" altLang="en-US" sz="1000" b="1" dirty="0">
                         <a:solidFill>
                           <a:schemeClr val="bg1"/>
@@ -4130,14 +4748,6 @@
                     <a:lstStyle/>
                     <a:p>
                       <a:pPr algn="ctr" latinLnBrk="1"/>
-                      <a:r>
-                        <a:rPr lang="ko-KR" altLang="en-US" sz="1000" b="1" smtClean="0">
-                          <a:solidFill>
-                            <a:schemeClr val="bg1"/>
-                          </a:solidFill>
-                        </a:rPr>
-                        <a:t>발주내역 항목</a:t>
-                      </a:r>
                       <a:endParaRPr lang="ko-KR" altLang="en-US" sz="1000" b="1" dirty="0">
                         <a:solidFill>
                           <a:schemeClr val="bg1"/>
@@ -4159,14 +4769,6 @@
                     <a:lstStyle/>
                     <a:p>
                       <a:pPr algn="ctr" latinLnBrk="1"/>
-                      <a:r>
-                        <a:rPr lang="ko-KR" altLang="en-US" sz="1000" b="1" dirty="0" smtClean="0">
-                          <a:solidFill>
-                            <a:schemeClr val="bg1"/>
-                          </a:solidFill>
-                        </a:rPr>
-                        <a:t>월별 발주내역</a:t>
-                      </a:r>
                       <a:endParaRPr lang="ko-KR" altLang="en-US" sz="1000" b="1" dirty="0">
                         <a:solidFill>
                           <a:schemeClr val="bg1"/>
@@ -4215,10 +4817,6 @@
                     <a:lstStyle/>
                     <a:p>
                       <a:pPr algn="l" latinLnBrk="1"/>
-                      <a:r>
-                        <a:rPr lang="en-US" altLang="ko-KR" sz="1200" dirty="0" err="1" smtClean="0"/>
-                        <a:t>orderhistoryall</a:t>
-                      </a:r>
                       <a:endParaRPr lang="ko-KR" altLang="en-US" sz="1200" dirty="0"/>
                     </a:p>
                   </a:txBody>
@@ -4230,10 +4828,6 @@
                     <a:lstStyle/>
                     <a:p>
                       <a:pPr algn="l" latinLnBrk="1"/>
-                      <a:r>
-                        <a:rPr lang="en-US" altLang="ko-KR" sz="1200" dirty="0" err="1" smtClean="0"/>
-                        <a:t>orderhistoryall</a:t>
-                      </a:r>
                       <a:endParaRPr lang="ko-KR" altLang="en-US" sz="1200" dirty="0"/>
                     </a:p>
                   </a:txBody>
@@ -4245,10 +4839,6 @@
                     <a:lstStyle/>
                     <a:p>
                       <a:pPr algn="l" latinLnBrk="1"/>
-                      <a:r>
-                        <a:rPr lang="en-US" altLang="ko-KR" sz="1200" dirty="0" err="1" smtClean="0"/>
-                        <a:t>orderhistoryall</a:t>
-                      </a:r>
                       <a:endParaRPr lang="ko-KR" altLang="en-US" sz="1200" dirty="0"/>
                     </a:p>
                   </a:txBody>
@@ -4271,22 +4861,18 @@
                   </a:txBody>
                   <a:tcPr anchor="ctr"/>
                 </a:tc>
-                <a:tc gridSpan="3">
-                  <a:txBody>
-                    <a:bodyPr/>
-                    <a:lstStyle/>
-                    <a:p>
-                      <a:pPr algn="ctr" latinLnBrk="1"/>
-                      <a:r>
-                        <a:rPr lang="en-US" altLang="ko-KR" sz="1200" i="0" dirty="0" err="1" smtClean="0"/>
-                        <a:t>OrdersProc</a:t>
-                      </a:r>
+                <a:tc>
+                  <a:txBody>
+                    <a:bodyPr/>
+                    <a:lstStyle/>
+                    <a:p>
+                      <a:pPr algn="ctr" latinLnBrk="1"/>
                       <a:endParaRPr lang="ko-KR" altLang="en-US" sz="1200" i="0" dirty="0"/>
                     </a:p>
                   </a:txBody>
                   <a:tcPr anchor="ctr"/>
                 </a:tc>
-                <a:tc hMerge="1">
+                <a:tc>
                   <a:txBody>
                     <a:bodyPr/>
                     <a:lstStyle/>
@@ -4297,7 +4883,7 @@
                   </a:txBody>
                   <a:tcPr anchor="ctr"/>
                 </a:tc>
-                <a:tc hMerge="1">
+                <a:tc>
                   <a:txBody>
                     <a:bodyPr/>
                     <a:lstStyle/>
@@ -4331,10 +4917,6 @@
                     <a:lstStyle/>
                     <a:p>
                       <a:pPr algn="l" latinLnBrk="1"/>
-                      <a:r>
-                        <a:rPr lang="en-US" altLang="ko-KR" sz="1200" dirty="0" err="1" smtClean="0"/>
-                        <a:t>orderhistoryall</a:t>
-                      </a:r>
                       <a:endParaRPr lang="ko-KR" altLang="en-US" sz="1200" dirty="0"/>
                     </a:p>
                   </a:txBody>
@@ -4346,10 +4928,6 @@
                     <a:lstStyle/>
                     <a:p>
                       <a:pPr algn="l" latinLnBrk="1"/>
-                      <a:r>
-                        <a:rPr lang="en-US" altLang="ko-KR" sz="1200" b="0" dirty="0" err="1" smtClean="0"/>
-                        <a:t>orderhistory</a:t>
-                      </a:r>
                       <a:endParaRPr lang="ko-KR" altLang="en-US" sz="1200" dirty="0"/>
                     </a:p>
                   </a:txBody>
@@ -4361,10 +4939,6 @@
                     <a:lstStyle/>
                     <a:p>
                       <a:pPr algn="l" latinLnBrk="1"/>
-                      <a:r>
-                        <a:rPr lang="en-US" altLang="ko-KR" sz="1200" dirty="0" err="1" smtClean="0"/>
-                        <a:t>selectOrders</a:t>
-                      </a:r>
                       <a:endParaRPr lang="ko-KR" altLang="en-US" sz="1200" dirty="0"/>
                     </a:p>
                   </a:txBody>
@@ -4393,39 +4967,6 @@
                     <a:lstStyle/>
                     <a:p>
                       <a:pPr algn="l" latinLnBrk="1"/>
-                      <a:r>
-                        <a:rPr lang="en-US" altLang="ko-KR" sz="1200" i="0" kern="1200" dirty="0" err="1" smtClean="0">
-                          <a:solidFill>
-                            <a:schemeClr val="tx1"/>
-                          </a:solidFill>
-                          <a:latin typeface="+mn-lt"/>
-                          <a:ea typeface="+mn-ea"/>
-                          <a:cs typeface="+mn-cs"/>
-                        </a:rPr>
-                        <a:t>dateInventory</a:t>
-                      </a:r>
-                      <a:endParaRPr lang="en-US" altLang="ko-KR" sz="1200" i="0" kern="1200" dirty="0" smtClean="0">
-                        <a:solidFill>
-                          <a:schemeClr val="tx1"/>
-                        </a:solidFill>
-                        <a:latin typeface="+mn-lt"/>
-                        <a:ea typeface="+mn-ea"/>
-                        <a:cs typeface="+mn-cs"/>
-                      </a:endParaRPr>
-                    </a:p>
-                    <a:p>
-                      <a:pPr algn="l" latinLnBrk="1"/>
-                      <a:r>
-                        <a:rPr lang="en-US" altLang="ko-KR" sz="1200" i="0" kern="1200" dirty="0" smtClean="0">
-                          <a:solidFill>
-                            <a:schemeClr val="tx1"/>
-                          </a:solidFill>
-                          <a:latin typeface="+mn-lt"/>
-                          <a:ea typeface="+mn-ea"/>
-                          <a:cs typeface="+mn-cs"/>
-                        </a:rPr>
-                        <a:t>page</a:t>
-                      </a:r>
                       <a:endParaRPr lang="ko-KR" altLang="en-US" sz="1200" i="0" dirty="0"/>
                     </a:p>
                   </a:txBody>
@@ -4448,17 +4989,6 @@
                     <a:lstStyle/>
                     <a:p>
                       <a:pPr algn="l" latinLnBrk="1"/>
-                      <a:r>
-                        <a:rPr lang="en-US" altLang="ko-KR" sz="1200" i="0" kern="1200" dirty="0" err="1" smtClean="0">
-                          <a:solidFill>
-                            <a:schemeClr val="tx1"/>
-                          </a:solidFill>
-                          <a:latin typeface="+mn-lt"/>
-                          <a:ea typeface="+mn-ea"/>
-                          <a:cs typeface="+mn-cs"/>
-                        </a:rPr>
-                        <a:t>dateInventory</a:t>
-                      </a:r>
                       <a:endParaRPr lang="ko-KR" altLang="en-US" sz="1200" i="0" dirty="0"/>
                     </a:p>
                   </a:txBody>
@@ -4487,17 +5017,6 @@
                     <a:lstStyle/>
                     <a:p>
                       <a:pPr algn="l" latinLnBrk="1"/>
-                      <a:r>
-                        <a:rPr lang="en-US" altLang="ko-KR" sz="1200" kern="1200" dirty="0" err="1" smtClean="0">
-                          <a:solidFill>
-                            <a:schemeClr val="tx1"/>
-                          </a:solidFill>
-                          <a:latin typeface="+mn-lt"/>
-                          <a:ea typeface="+mn-ea"/>
-                          <a:cs typeface="+mn-cs"/>
-                        </a:rPr>
-                        <a:t>orderhistoryList</a:t>
-                      </a:r>
                       <a:endParaRPr lang="ko-KR" altLang="en-US" sz="1200" u="none" dirty="0"/>
                     </a:p>
                   </a:txBody>
@@ -4509,17 +5028,6 @@
                     <a:lstStyle/>
                     <a:p>
                       <a:pPr algn="l" latinLnBrk="1"/>
-                      <a:r>
-                        <a:rPr lang="en-US" altLang="ko-KR" sz="1200" kern="1200" dirty="0" err="1" smtClean="0">
-                          <a:solidFill>
-                            <a:schemeClr val="tx1"/>
-                          </a:solidFill>
-                          <a:latin typeface="+mn-lt"/>
-                          <a:ea typeface="+mn-ea"/>
-                          <a:cs typeface="+mn-cs"/>
-                        </a:rPr>
-                        <a:t>orderhistoryList</a:t>
-                      </a:r>
                       <a:endParaRPr lang="ko-KR" altLang="en-US" sz="1200" u="none" dirty="0"/>
                     </a:p>
                   </a:txBody>
@@ -4531,39 +5039,6 @@
                     <a:lstStyle/>
                     <a:p>
                       <a:pPr algn="l" latinLnBrk="1"/>
-                      <a:r>
-                        <a:rPr lang="en-US" altLang="ko-KR" sz="1200" kern="1200" dirty="0" err="1" smtClean="0">
-                          <a:solidFill>
-                            <a:schemeClr val="tx1"/>
-                          </a:solidFill>
-                          <a:latin typeface="+mn-lt"/>
-                          <a:ea typeface="+mn-ea"/>
-                          <a:cs typeface="+mn-cs"/>
-                        </a:rPr>
-                        <a:t>dateInventory</a:t>
-                      </a:r>
-                      <a:endParaRPr lang="en-US" altLang="ko-KR" sz="1200" kern="1200" dirty="0" smtClean="0">
-                        <a:solidFill>
-                          <a:schemeClr val="tx1"/>
-                        </a:solidFill>
-                        <a:latin typeface="+mn-lt"/>
-                        <a:ea typeface="+mn-ea"/>
-                        <a:cs typeface="+mn-cs"/>
-                      </a:endParaRPr>
-                    </a:p>
-                    <a:p>
-                      <a:pPr algn="l" latinLnBrk="1"/>
-                      <a:r>
-                        <a:rPr lang="en-US" altLang="ko-KR" sz="1200" kern="1200" dirty="0" err="1" smtClean="0">
-                          <a:solidFill>
-                            <a:schemeClr val="tx1"/>
-                          </a:solidFill>
-                          <a:latin typeface="+mn-lt"/>
-                          <a:ea typeface="+mn-ea"/>
-                          <a:cs typeface="+mn-cs"/>
-                        </a:rPr>
-                        <a:t>orderhistoryList</a:t>
-                      </a:r>
                       <a:endParaRPr lang="ko-KR" altLang="en-US" sz="1200" u="none" dirty="0"/>
                     </a:p>
                   </a:txBody>
@@ -4600,10 +5075,6 @@
                     <a:lstStyle/>
                     <a:p>
                       <a:pPr algn="l" latinLnBrk="1"/>
-                      <a:r>
-                        <a:rPr lang="en-US" altLang="ko-KR" sz="1200" dirty="0" err="1" smtClean="0"/>
-                        <a:t>orderhistoryall</a:t>
-                      </a:r>
                       <a:endParaRPr lang="ko-KR" altLang="en-US" sz="1200" dirty="0"/>
                     </a:p>
                   </a:txBody>
@@ -4631,17 +5102,6 @@
                         <a:tabLst/>
                         <a:defRPr/>
                       </a:pPr>
-                      <a:r>
-                        <a:rPr lang="en-US" altLang="ko-KR" sz="1200" kern="1200" dirty="0" err="1" smtClean="0">
-                          <a:solidFill>
-                            <a:schemeClr val="tx1"/>
-                          </a:solidFill>
-                          <a:latin typeface="+mn-lt"/>
-                          <a:ea typeface="+mn-ea"/>
-                          <a:cs typeface="+mn-cs"/>
-                        </a:rPr>
-                        <a:t>orderhistory</a:t>
-                      </a:r>
                       <a:endParaRPr lang="ko-KR" altLang="en-US" sz="1200" dirty="0" smtClean="0"/>
                     </a:p>
                   </a:txBody>
@@ -4653,17 +5113,6 @@
                     <a:lstStyle/>
                     <a:p>
                       <a:pPr algn="l" latinLnBrk="1"/>
-                      <a:r>
-                        <a:rPr lang="en-US" altLang="ko-KR" sz="1200" kern="1200" dirty="0" err="1" smtClean="0">
-                          <a:solidFill>
-                            <a:schemeClr val="tx1"/>
-                          </a:solidFill>
-                          <a:latin typeface="+mn-lt"/>
-                          <a:ea typeface="+mn-ea"/>
-                          <a:cs typeface="+mn-cs"/>
-                        </a:rPr>
-                        <a:t>orderhistoryall_selectTime</a:t>
-                      </a:r>
                       <a:endParaRPr lang="ko-KR" altLang="en-US" sz="1200" dirty="0"/>
                     </a:p>
                   </a:txBody>
@@ -4677,7 +5126,7 @@
     </p:spTree>
     <p:extLst>
       <p:ext uri="{BB962C8B-B14F-4D97-AF65-F5344CB8AC3E}">
-        <p14:creationId xmlns:p14="http://schemas.microsoft.com/office/powerpoint/2010/main" val="492749876"/>
+        <p14:creationId xmlns:p14="http://schemas.microsoft.com/office/powerpoint/2010/main" val="622953252"/>
       </p:ext>
     </p:extLst>
   </p:cSld>
@@ -4736,15 +5185,11 @@
             </a:r>
             <a:r>
               <a:rPr lang="en-US" altLang="ko-KR" dirty="0" smtClean="0"/>
-              <a:t>(/admin/order</a:t>
-            </a:r>
-            <a:r>
-              <a:rPr lang="en-US" altLang="ko-KR" dirty="0" smtClean="0"/>
-              <a:t>) - </a:t>
+              <a:t>(admin/buying/) - </a:t>
             </a:r>
             <a:r>
               <a:rPr lang="ko-KR" altLang="en-US" dirty="0" smtClean="0"/>
-              <a:t>주문내</a:t>
+              <a:t>발주내</a:t>
             </a:r>
             <a:r>
               <a:rPr lang="ko-KR" altLang="en-US" dirty="0"/>
@@ -4763,14 +5208,14 @@
           <p:nvPr>
             <p:extLst>
               <p:ext uri="{D42A27DB-BD31-4B8C-83A1-F6EECF244321}">
-                <p14:modId xmlns:p14="http://schemas.microsoft.com/office/powerpoint/2010/main" val="3103710388"/>
+                <p14:modId xmlns:p14="http://schemas.microsoft.com/office/powerpoint/2010/main" val="1522733770"/>
               </p:ext>
             </p:extLst>
           </p:nvPr>
         </p:nvGraphicFramePr>
         <p:xfrm>
           <a:off x="107503" y="692696"/>
-          <a:ext cx="8928992" cy="4024455"/>
+          <a:ext cx="8928994" cy="3989242"/>
         </p:xfrm>
         <a:graphic>
           <a:graphicData uri="http://schemas.openxmlformats.org/drawingml/2006/table">
@@ -4779,10 +5224,10 @@
                 <a:tableStyleId>{5940675A-B579-460E-94D1-54222C63F5DA}</a:tableStyleId>
               </a:tblPr>
               <a:tblGrid>
-                <a:gridCol w="1528994"/>
-                <a:gridCol w="2466666"/>
-                <a:gridCol w="2466666"/>
-                <a:gridCol w="2466666"/>
+                <a:gridCol w="1512169"/>
+                <a:gridCol w="2022298"/>
+                <a:gridCol w="2648134"/>
+                <a:gridCol w="2746393"/>
               </a:tblGrid>
               <a:tr h="360040">
                 <a:tc>
@@ -4830,20 +5275,12 @@
                     <a:p>
                       <a:pPr algn="ctr" latinLnBrk="1"/>
                       <a:r>
-                        <a:rPr lang="ko-KR" altLang="en-US" sz="1000" b="1" smtClean="0">
+                        <a:rPr lang="ko-KR" altLang="en-US" sz="1000" b="1" dirty="0" smtClean="0">
                           <a:solidFill>
                             <a:schemeClr val="bg1"/>
                           </a:solidFill>
                         </a:rPr>
-                        <a:t>총 </a:t>
-                      </a:r>
-                      <a:r>
-                        <a:rPr lang="ko-KR" altLang="en-US" sz="1000" b="1" dirty="0" smtClean="0">
-                          <a:solidFill>
-                            <a:schemeClr val="bg1"/>
-                          </a:solidFill>
-                        </a:rPr>
-                        <a:t>주문내역</a:t>
+                        <a:t>총 발주내역</a:t>
                       </a:r>
                       <a:endParaRPr lang="ko-KR" altLang="en-US" sz="1000" b="1" dirty="0">
                         <a:solidFill>
@@ -4872,7 +5309,7 @@
                             <a:schemeClr val="bg1"/>
                           </a:solidFill>
                         </a:rPr>
-                        <a:t>일별 주문내역</a:t>
+                        <a:t>발주내역 항목</a:t>
                       </a:r>
                       <a:endParaRPr lang="ko-KR" altLang="en-US" sz="1000" b="1" dirty="0">
                         <a:solidFill>
@@ -4901,7 +5338,7 @@
                             <a:schemeClr val="bg1"/>
                           </a:solidFill>
                         </a:rPr>
-                        <a:t>주문 상세내역</a:t>
+                        <a:t>월별 발주내역</a:t>
                       </a:r>
                       <a:endParaRPr lang="ko-KR" altLang="en-US" sz="1000" b="1" dirty="0">
                         <a:solidFill>
@@ -4952,61 +5389,40 @@
                     <a:p>
                       <a:pPr algn="l" latinLnBrk="1"/>
                       <a:r>
-                        <a:rPr lang="en-US" altLang="ko-KR" sz="1200" i="0" kern="1200" dirty="0" smtClean="0">
-                          <a:solidFill>
-                            <a:schemeClr val="tx1"/>
-                          </a:solidFill>
-                          <a:latin typeface="+mn-lt"/>
-                          <a:ea typeface="+mn-ea"/>
-                          <a:cs typeface="+mn-cs"/>
-                        </a:rPr>
-                        <a:t>sales</a:t>
-                      </a:r>
-                      <a:endParaRPr lang="ko-KR" altLang="en-US" sz="1200" i="0" dirty="0"/>
-                    </a:p>
-                  </a:txBody>
-                  <a:tcPr anchor="ctr"/>
-                </a:tc>
-                <a:tc>
-                  <a:txBody>
-                    <a:bodyPr/>
-                    <a:lstStyle/>
-                    <a:p>
-                      <a:pPr algn="l" latinLnBrk="1"/>
-                      <a:r>
-                        <a:rPr lang="en-US" altLang="ko-KR" sz="1200" i="0" kern="1200" dirty="0" smtClean="0">
-                          <a:solidFill>
-                            <a:schemeClr val="tx1"/>
-                          </a:solidFill>
-                          <a:latin typeface="+mn-lt"/>
-                          <a:ea typeface="+mn-ea"/>
-                          <a:cs typeface="+mn-cs"/>
-                        </a:rPr>
-                        <a:t>sales</a:t>
-                      </a:r>
-                      <a:endParaRPr lang="ko-KR" altLang="en-US" sz="1200" i="0" dirty="0"/>
-                    </a:p>
-                  </a:txBody>
-                  <a:tcPr anchor="ctr"/>
-                </a:tc>
-                <a:tc>
-                  <a:txBody>
-                    <a:bodyPr/>
-                    <a:lstStyle/>
-                    <a:p>
-                      <a:pPr algn="l" latinLnBrk="1"/>
-                      <a:r>
-                        <a:rPr lang="en-US" altLang="ko-KR" sz="1200" i="0" kern="1200" dirty="0" smtClean="0">
-                          <a:solidFill>
-                            <a:schemeClr val="tx1"/>
-                          </a:solidFill>
-                          <a:latin typeface="+mn-lt"/>
-                          <a:ea typeface="+mn-ea"/>
-                          <a:cs typeface="+mn-cs"/>
-                        </a:rPr>
-                        <a:t>sales</a:t>
-                      </a:r>
-                      <a:endParaRPr lang="ko-KR" altLang="en-US" sz="1200" i="0" dirty="0"/>
+                        <a:rPr lang="en-US" altLang="ko-KR" sz="1200" dirty="0" err="1" smtClean="0"/>
+                        <a:t>orderhistoryall</a:t>
+                      </a:r>
+                      <a:endParaRPr lang="ko-KR" altLang="en-US" sz="1200" dirty="0"/>
+                    </a:p>
+                  </a:txBody>
+                  <a:tcPr anchor="ctr"/>
+                </a:tc>
+                <a:tc>
+                  <a:txBody>
+                    <a:bodyPr/>
+                    <a:lstStyle/>
+                    <a:p>
+                      <a:pPr algn="l" latinLnBrk="1"/>
+                      <a:r>
+                        <a:rPr lang="en-US" altLang="ko-KR" sz="1200" dirty="0" err="1" smtClean="0"/>
+                        <a:t>orderhistoryall</a:t>
+                      </a:r>
+                      <a:endParaRPr lang="ko-KR" altLang="en-US" sz="1200" dirty="0"/>
+                    </a:p>
+                  </a:txBody>
+                  <a:tcPr anchor="ctr"/>
+                </a:tc>
+                <a:tc>
+                  <a:txBody>
+                    <a:bodyPr/>
+                    <a:lstStyle/>
+                    <a:p>
+                      <a:pPr algn="l" latinLnBrk="1"/>
+                      <a:r>
+                        <a:rPr lang="en-US" altLang="ko-KR" sz="1200" dirty="0" err="1" smtClean="0"/>
+                        <a:t>orderhistoryall</a:t>
+                      </a:r>
+                      <a:endParaRPr lang="ko-KR" altLang="en-US" sz="1200" dirty="0"/>
                     </a:p>
                   </a:txBody>
                   <a:tcPr anchor="ctr"/>
@@ -5089,47 +5505,40 @@
                     <a:p>
                       <a:pPr algn="l" latinLnBrk="1"/>
                       <a:r>
-                        <a:rPr lang="en-US" altLang="ko-KR" sz="1200" i="0" kern="1200" dirty="0" err="1" smtClean="0">
-                          <a:solidFill>
-                            <a:schemeClr val="tx1"/>
-                          </a:solidFill>
-                          <a:latin typeface="+mn-lt"/>
-                          <a:ea typeface="+mn-ea"/>
-                          <a:cs typeface="+mn-cs"/>
-                        </a:rPr>
-                        <a:t>orderAll</a:t>
-                      </a:r>
-                      <a:endParaRPr lang="ko-KR" altLang="en-US" sz="1200" i="0" dirty="0"/>
-                    </a:p>
-                  </a:txBody>
-                  <a:tcPr anchor="ctr"/>
-                </a:tc>
-                <a:tc>
-                  <a:txBody>
-                    <a:bodyPr/>
-                    <a:lstStyle/>
-                    <a:p>
-                      <a:pPr algn="l" latinLnBrk="1"/>
-                      <a:r>
-                        <a:rPr lang="en-US" altLang="ko-KR" sz="1200" i="0" dirty="0" err="1" smtClean="0"/>
-                        <a:t>selecttime</a:t>
-                      </a:r>
-                      <a:endParaRPr lang="ko-KR" altLang="en-US" sz="1200" i="0" dirty="0"/>
-                    </a:p>
-                  </a:txBody>
-                  <a:tcPr anchor="ctr"/>
-                </a:tc>
-                <a:tc>
-                  <a:txBody>
-                    <a:bodyPr/>
-                    <a:lstStyle/>
-                    <a:p>
-                      <a:pPr algn="l" latinLnBrk="1"/>
-                      <a:r>
-                        <a:rPr lang="en-US" altLang="ko-KR" sz="1200" i="0" dirty="0" smtClean="0"/>
-                        <a:t>detail</a:t>
-                      </a:r>
-                      <a:endParaRPr lang="ko-KR" altLang="en-US" sz="1200" i="0" dirty="0"/>
+                        <a:rPr lang="en-US" altLang="ko-KR" sz="1200" dirty="0" err="1" smtClean="0"/>
+                        <a:t>orderhistoryall</a:t>
+                      </a:r>
+                      <a:endParaRPr lang="ko-KR" altLang="en-US" sz="1200" dirty="0"/>
+                    </a:p>
+                  </a:txBody>
+                  <a:tcPr anchor="ctr"/>
+                </a:tc>
+                <a:tc>
+                  <a:txBody>
+                    <a:bodyPr/>
+                    <a:lstStyle/>
+                    <a:p>
+                      <a:pPr algn="l" latinLnBrk="1"/>
+                      <a:r>
+                        <a:rPr lang="en-US" altLang="ko-KR" sz="1200" b="0" dirty="0" err="1" smtClean="0"/>
+                        <a:t>orderhistory</a:t>
+                      </a:r>
+                      <a:endParaRPr lang="ko-KR" altLang="en-US" sz="1200" dirty="0"/>
+                    </a:p>
+                  </a:txBody>
+                  <a:tcPr anchor="ctr"/>
+                </a:tc>
+                <a:tc>
+                  <a:txBody>
+                    <a:bodyPr/>
+                    <a:lstStyle/>
+                    <a:p>
+                      <a:pPr algn="l" latinLnBrk="1"/>
+                      <a:r>
+                        <a:rPr lang="en-US" altLang="ko-KR" sz="1200" dirty="0" err="1" smtClean="0"/>
+                        <a:t>selectOrders</a:t>
+                      </a:r>
+                      <a:endParaRPr lang="ko-KR" altLang="en-US" sz="1200" dirty="0"/>
                     </a:p>
                   </a:txBody>
                   <a:tcPr anchor="ctr"/>
@@ -5201,6 +5610,17 @@
                     <a:lstStyle/>
                     <a:p>
                       <a:pPr algn="l" latinLnBrk="1"/>
+                      <a:endParaRPr lang="ko-KR" altLang="en-US" sz="1200" i="0" dirty="0"/>
+                    </a:p>
+                  </a:txBody>
+                  <a:tcPr anchor="ctr"/>
+                </a:tc>
+                <a:tc>
+                  <a:txBody>
+                    <a:bodyPr/>
+                    <a:lstStyle/>
+                    <a:p>
+                      <a:pPr algn="l" latinLnBrk="1"/>
                       <a:r>
                         <a:rPr lang="en-US" altLang="ko-KR" sz="1200" i="0" kern="1200" dirty="0" err="1" smtClean="0">
                           <a:solidFill>
@@ -5212,7 +5632,90 @@
                         </a:rPr>
                         <a:t>dateInventory</a:t>
                       </a:r>
-                      <a:endParaRPr lang="en-US" altLang="ko-KR" sz="1200" i="0" kern="1200" dirty="0" smtClean="0">
+                      <a:endParaRPr lang="ko-KR" altLang="en-US" sz="1200" i="0" dirty="0"/>
+                    </a:p>
+                  </a:txBody>
+                  <a:tcPr anchor="ctr"/>
+                </a:tc>
+              </a:tr>
+              <a:tr h="604867">
+                <a:tc>
+                  <a:txBody>
+                    <a:bodyPr/>
+                    <a:lstStyle/>
+                    <a:p>
+                      <a:pPr algn="ctr" latinLnBrk="1"/>
+                      <a:r>
+                        <a:rPr lang="en-US" altLang="ko-KR" sz="1000" dirty="0" smtClean="0"/>
+                        <a:t>Session</a:t>
+                      </a:r>
+                      <a:endParaRPr lang="ko-KR" altLang="en-US" sz="1000" dirty="0"/>
+                    </a:p>
+                  </a:txBody>
+                  <a:tcPr anchor="ctr"/>
+                </a:tc>
+                <a:tc>
+                  <a:txBody>
+                    <a:bodyPr/>
+                    <a:lstStyle/>
+                    <a:p>
+                      <a:pPr algn="l" latinLnBrk="1"/>
+                      <a:r>
+                        <a:rPr lang="en-US" altLang="ko-KR" sz="1200" kern="1200" dirty="0" err="1" smtClean="0">
+                          <a:solidFill>
+                            <a:schemeClr val="tx1"/>
+                          </a:solidFill>
+                          <a:latin typeface="+mn-lt"/>
+                          <a:ea typeface="+mn-ea"/>
+                          <a:cs typeface="+mn-cs"/>
+                        </a:rPr>
+                        <a:t>orderhistoryList</a:t>
+                      </a:r>
+                      <a:endParaRPr lang="ko-KR" altLang="en-US" sz="1200" u="none" dirty="0"/>
+                    </a:p>
+                  </a:txBody>
+                  <a:tcPr anchor="ctr"/>
+                </a:tc>
+                <a:tc>
+                  <a:txBody>
+                    <a:bodyPr/>
+                    <a:lstStyle/>
+                    <a:p>
+                      <a:pPr algn="l" latinLnBrk="1"/>
+                      <a:r>
+                        <a:rPr lang="en-US" altLang="ko-KR" sz="1200" kern="1200" dirty="0" err="1" smtClean="0">
+                          <a:solidFill>
+                            <a:schemeClr val="tx1"/>
+                          </a:solidFill>
+                          <a:latin typeface="+mn-lt"/>
+                          <a:ea typeface="+mn-ea"/>
+                          <a:cs typeface="+mn-cs"/>
+                        </a:rPr>
+                        <a:t>orderhistoryList</a:t>
+                      </a:r>
+                      <a:endParaRPr lang="ko-KR" altLang="en-US" sz="1200" u="none" dirty="0"/>
+                    </a:p>
+                  </a:txBody>
+                  <a:tcPr anchor="ctr"/>
+                </a:tc>
+                <a:tc>
+                  <a:txBody>
+                    <a:bodyPr/>
+                    <a:lstStyle/>
+                    <a:p>
+                      <a:pPr algn="l" latinLnBrk="1"/>
+                      <a:r>
+                        <a:rPr lang="en-US" altLang="ko-KR" sz="1200" kern="1200" dirty="0" err="1" smtClean="0">
+                          <a:solidFill>
+                            <a:schemeClr val="tx1"/>
+                          </a:solidFill>
+                          <a:latin typeface="+mn-lt"/>
+                          <a:ea typeface="+mn-ea"/>
+                          <a:cs typeface="+mn-cs"/>
+                        </a:rPr>
+                        <a:t>dateInventory</a:t>
+                      </a:r>
+                      <a:endParaRPr lang="en-US" altLang="ko-KR" sz="1200" kern="1200" dirty="0" smtClean="0">
                         <a:solidFill>
                           <a:schemeClr val="tx1"/>
                         </a:solidFill>
@@ -5221,6 +5724,68 @@
                         <a:cs typeface="+mn-cs"/>
                       </a:endParaRPr>
                     </a:p>
+                    <a:p>
+                      <a:pPr algn="l" latinLnBrk="1"/>
+                      <a:r>
+                        <a:rPr lang="en-US" altLang="ko-KR" sz="1200" kern="1200" dirty="0" err="1" smtClean="0">
+                          <a:solidFill>
+                            <a:schemeClr val="tx1"/>
+                          </a:solidFill>
+                          <a:latin typeface="+mn-lt"/>
+                          <a:ea typeface="+mn-ea"/>
+                          <a:cs typeface="+mn-cs"/>
+                        </a:rPr>
+                        <a:t>orderhistoryList</a:t>
+                      </a:r>
+                      <a:endParaRPr lang="ko-KR" altLang="en-US" sz="1200" u="none" dirty="0"/>
+                    </a:p>
+                  </a:txBody>
+                  <a:tcPr anchor="ctr"/>
+                </a:tc>
+              </a:tr>
+              <a:tr h="604867">
+                <a:tc>
+                  <a:txBody>
+                    <a:bodyPr/>
+                    <a:lstStyle/>
+                    <a:p>
+                      <a:pPr algn="ctr" latinLnBrk="1"/>
+                      <a:r>
+                        <a:rPr lang="ko-KR" altLang="en-US" sz="1000" dirty="0" smtClean="0"/>
+                        <a:t>처리 후 </a:t>
+                      </a:r>
+                      <a:endParaRPr lang="en-US" altLang="ko-KR" sz="1000" dirty="0" smtClean="0"/>
+                    </a:p>
+                    <a:p>
+                      <a:pPr algn="ctr" latinLnBrk="1"/>
+                      <a:r>
+                        <a:rPr lang="ko-KR" altLang="en-US" sz="1000" dirty="0" smtClean="0"/>
+                        <a:t>화면</a:t>
+                      </a:r>
+                      <a:endParaRPr lang="ko-KR" altLang="en-US" sz="1000" dirty="0"/>
+                    </a:p>
+                  </a:txBody>
+                  <a:tcPr anchor="ctr"/>
+                </a:tc>
+                <a:tc>
+                  <a:txBody>
+                    <a:bodyPr/>
+                    <a:lstStyle/>
+                    <a:p>
+                      <a:pPr algn="l" latinLnBrk="1"/>
+                      <a:r>
+                        <a:rPr lang="en-US" altLang="ko-KR" sz="1200" dirty="0" err="1" smtClean="0"/>
+                        <a:t>orderhistoryall</a:t>
+                      </a:r>
+                      <a:endParaRPr lang="ko-KR" altLang="en-US" sz="1200" dirty="0"/>
+                    </a:p>
+                  </a:txBody>
+                  <a:tcPr anchor="ctr"/>
+                </a:tc>
+                <a:tc>
+                  <a:txBody>
+                    <a:bodyPr/>
+                    <a:lstStyle/>
                     <a:p>
                       <a:pPr marL="0" marR="0" indent="0" algn="l" defTabSz="914400" rtl="0" eaLnBrk="1" fontAlgn="auto" latinLnBrk="1" hangingPunct="1">
                         <a:lnSpc>
@@ -5240,333 +5805,39 @@
                         <a:defRPr/>
                       </a:pPr>
                       <a:r>
-                        <a:rPr lang="en-US" altLang="ko-KR" sz="1200" i="0" kern="1200" dirty="0" smtClean="0">
-                          <a:solidFill>
-                            <a:schemeClr val="tx1"/>
-                          </a:solidFill>
-                          <a:latin typeface="+mn-lt"/>
-                          <a:ea typeface="+mn-ea"/>
-                          <a:cs typeface="+mn-cs"/>
-                        </a:rPr>
-                        <a:t>page</a:t>
-                      </a:r>
-                      <a:endParaRPr lang="ko-KR" altLang="en-US" sz="1200" i="0" dirty="0" smtClean="0"/>
-                    </a:p>
-                  </a:txBody>
-                  <a:tcPr anchor="ctr"/>
-                </a:tc>
-                <a:tc>
-                  <a:txBody>
-                    <a:bodyPr/>
-                    <a:lstStyle/>
-                    <a:p>
-                      <a:pPr marL="0" marR="0" indent="0" algn="l" defTabSz="914400" rtl="0" eaLnBrk="1" fontAlgn="auto" latinLnBrk="1" hangingPunct="1">
-                        <a:lnSpc>
-                          <a:spcPct val="100000"/>
-                        </a:lnSpc>
-                        <a:spcBef>
-                          <a:spcPts val="0"/>
-                        </a:spcBef>
-                        <a:spcAft>
-                          <a:spcPts val="0"/>
-                        </a:spcAft>
-                        <a:buClrTx/>
-                        <a:buSzTx/>
-                        <a:buFontTx/>
-                        <a:buNone/>
-                        <a:tabLst/>
-                        <a:defRPr/>
-                      </a:pPr>
-                      <a:r>
-                        <a:rPr lang="en-US" altLang="ko-KR" sz="1200" i="0" dirty="0" smtClean="0"/>
-                        <a:t>id</a:t>
-                      </a:r>
-                    </a:p>
-                    <a:p>
-                      <a:pPr marL="0" marR="0" indent="0" algn="l" defTabSz="914400" rtl="0" eaLnBrk="1" fontAlgn="auto" latinLnBrk="1" hangingPunct="1">
-                        <a:lnSpc>
-                          <a:spcPct val="100000"/>
-                        </a:lnSpc>
-                        <a:spcBef>
-                          <a:spcPts val="0"/>
-                        </a:spcBef>
-                        <a:spcAft>
-                          <a:spcPts val="0"/>
-                        </a:spcAft>
-                        <a:buClrTx/>
-                        <a:buSzTx/>
-                        <a:buFontTx/>
-                        <a:buNone/>
-                        <a:tabLst/>
-                        <a:defRPr/>
-                      </a:pPr>
-                      <a:r>
-                        <a:rPr lang="en-US" altLang="ko-KR" sz="1200" i="0" dirty="0" smtClean="0"/>
-                        <a:t>name</a:t>
-                      </a:r>
-                    </a:p>
-                  </a:txBody>
-                  <a:tcPr anchor="ctr"/>
-                </a:tc>
-              </a:tr>
-              <a:tr h="604867">
-                <a:tc>
-                  <a:txBody>
-                    <a:bodyPr/>
-                    <a:lstStyle/>
-                    <a:p>
-                      <a:pPr algn="ctr" latinLnBrk="1"/>
-                      <a:r>
-                        <a:rPr lang="en-US" altLang="ko-KR" sz="1000" dirty="0" smtClean="0"/>
-                        <a:t>Session</a:t>
-                      </a:r>
-                      <a:endParaRPr lang="ko-KR" altLang="en-US" sz="1000" dirty="0"/>
-                    </a:p>
-                  </a:txBody>
-                  <a:tcPr anchor="ctr"/>
-                </a:tc>
-                <a:tc>
-                  <a:txBody>
-                    <a:bodyPr/>
-                    <a:lstStyle/>
-                    <a:p>
-                      <a:pPr algn="l" latinLnBrk="1"/>
-                      <a:r>
-                        <a:rPr lang="en-US" altLang="ko-KR" sz="1200" i="0" kern="1200" dirty="0" err="1" smtClean="0">
-                          <a:solidFill>
-                            <a:schemeClr val="tx1"/>
-                          </a:solidFill>
-                          <a:latin typeface="+mn-lt"/>
-                          <a:ea typeface="+mn-ea"/>
-                          <a:cs typeface="+mn-cs"/>
-                        </a:rPr>
-                        <a:t>orderAllList</a:t>
-                      </a:r>
-                      <a:endParaRPr lang="en-US" altLang="ko-KR" sz="1200" i="0" kern="1200" dirty="0" smtClean="0">
-                        <a:solidFill>
-                          <a:schemeClr val="tx1"/>
-                        </a:solidFill>
-                        <a:latin typeface="+mn-lt"/>
-                        <a:ea typeface="+mn-ea"/>
-                        <a:cs typeface="+mn-cs"/>
-                      </a:endParaRPr>
-                    </a:p>
-                    <a:p>
-                      <a:pPr algn="l" latinLnBrk="1"/>
-                      <a:r>
-                        <a:rPr lang="en-US" altLang="ko-KR" sz="1200" i="0" kern="1200" dirty="0" err="1" smtClean="0">
-                          <a:solidFill>
-                            <a:schemeClr val="tx1"/>
-                          </a:solidFill>
-                          <a:latin typeface="+mn-lt"/>
-                          <a:ea typeface="+mn-ea"/>
-                          <a:cs typeface="+mn-cs"/>
-                        </a:rPr>
-                        <a:t>pageList</a:t>
-                      </a:r>
-                      <a:endParaRPr lang="ko-KR" altLang="en-US" sz="1200" i="0" u="none" dirty="0"/>
-                    </a:p>
-                  </a:txBody>
-                  <a:tcPr anchor="ctr"/>
-                </a:tc>
-                <a:tc>
-                  <a:txBody>
-                    <a:bodyPr/>
-                    <a:lstStyle/>
-                    <a:p>
-                      <a:pPr algn="l" latinLnBrk="1"/>
-                      <a:r>
-                        <a:rPr lang="en-US" altLang="ko-KR" sz="1200" i="0" kern="1200" dirty="0" err="1" smtClean="0">
-                          <a:solidFill>
-                            <a:schemeClr val="tx1"/>
-                          </a:solidFill>
-                          <a:latin typeface="+mn-lt"/>
-                          <a:ea typeface="+mn-ea"/>
-                          <a:cs typeface="+mn-cs"/>
-                        </a:rPr>
-                        <a:t>dateInventory</a:t>
-                      </a:r>
-                      <a:endParaRPr lang="en-US" altLang="ko-KR" sz="1200" i="0" kern="1200" dirty="0" smtClean="0">
-                        <a:solidFill>
-                          <a:schemeClr val="tx1"/>
-                        </a:solidFill>
-                        <a:latin typeface="+mn-lt"/>
-                        <a:ea typeface="+mn-ea"/>
-                        <a:cs typeface="+mn-cs"/>
-                      </a:endParaRPr>
-                    </a:p>
-                    <a:p>
-                      <a:pPr algn="l" latinLnBrk="1"/>
-                      <a:r>
-                        <a:rPr lang="en-US" altLang="ko-KR" sz="1200" i="0" kern="1200" dirty="0" err="1" smtClean="0">
-                          <a:solidFill>
-                            <a:schemeClr val="tx1"/>
-                          </a:solidFill>
-                          <a:latin typeface="+mn-lt"/>
-                          <a:ea typeface="+mn-ea"/>
-                          <a:cs typeface="+mn-cs"/>
-                        </a:rPr>
-                        <a:t>orderhistoryList</a:t>
-                      </a:r>
-                      <a:endParaRPr lang="en-US" altLang="ko-KR" sz="1200" i="0" kern="1200" dirty="0" smtClean="0">
-                        <a:solidFill>
-                          <a:schemeClr val="tx1"/>
-                        </a:solidFill>
-                        <a:latin typeface="+mn-lt"/>
-                        <a:ea typeface="+mn-ea"/>
-                        <a:cs typeface="+mn-cs"/>
-                      </a:endParaRPr>
-                    </a:p>
-                    <a:p>
-                      <a:pPr algn="l" latinLnBrk="1"/>
-                      <a:r>
-                        <a:rPr lang="en-US" altLang="ko-KR" sz="1200" i="0" kern="1200" dirty="0" err="1" smtClean="0">
-                          <a:solidFill>
-                            <a:schemeClr val="tx1"/>
-                          </a:solidFill>
-                          <a:latin typeface="+mn-lt"/>
-                          <a:ea typeface="+mn-ea"/>
-                          <a:cs typeface="+mn-cs"/>
-                        </a:rPr>
-                        <a:t>pageList</a:t>
-                      </a:r>
-                      <a:endParaRPr lang="ko-KR" altLang="en-US" sz="1200" i="0" u="none" dirty="0"/>
-                    </a:p>
-                  </a:txBody>
-                  <a:tcPr anchor="ctr"/>
-                </a:tc>
-                <a:tc>
-                  <a:txBody>
-                    <a:bodyPr/>
-                    <a:lstStyle/>
-                    <a:p>
-                      <a:pPr algn="l" latinLnBrk="1"/>
-                      <a:r>
-                        <a:rPr lang="en-US" altLang="ko-KR" sz="1200" i="0" u="none" dirty="0" smtClean="0"/>
-                        <a:t>id</a:t>
-                      </a:r>
-                    </a:p>
-                    <a:p>
-                      <a:pPr algn="l" latinLnBrk="1"/>
-                      <a:r>
-                        <a:rPr lang="en-US" altLang="ko-KR" sz="1200" i="0" u="none" dirty="0" smtClean="0"/>
-                        <a:t>name</a:t>
-                      </a:r>
-                    </a:p>
-                    <a:p>
-                      <a:pPr algn="l" latinLnBrk="1"/>
-                      <a:r>
-                        <a:rPr lang="en-US" altLang="ko-KR" sz="1200" i="0" kern="1200" dirty="0" err="1" smtClean="0">
-                          <a:solidFill>
-                            <a:schemeClr val="tx1"/>
-                          </a:solidFill>
-                          <a:latin typeface="+mn-lt"/>
-                          <a:ea typeface="+mn-ea"/>
-                          <a:cs typeface="+mn-cs"/>
-                        </a:rPr>
-                        <a:t>detailorderList</a:t>
-                      </a:r>
-                      <a:endParaRPr lang="ko-KR" altLang="en-US" sz="1200" i="0" u="none" dirty="0"/>
-                    </a:p>
-                  </a:txBody>
-                  <a:tcPr anchor="ctr"/>
-                </a:tc>
-              </a:tr>
-              <a:tr h="604867">
-                <a:tc>
-                  <a:txBody>
-                    <a:bodyPr/>
-                    <a:lstStyle/>
-                    <a:p>
-                      <a:pPr algn="ctr" latinLnBrk="1"/>
-                      <a:r>
-                        <a:rPr lang="ko-KR" altLang="en-US" sz="1000" dirty="0" smtClean="0"/>
-                        <a:t>처리 후 </a:t>
-                      </a:r>
-                      <a:endParaRPr lang="en-US" altLang="ko-KR" sz="1000" dirty="0" smtClean="0"/>
-                    </a:p>
-                    <a:p>
-                      <a:pPr algn="ctr" latinLnBrk="1"/>
-                      <a:r>
-                        <a:rPr lang="ko-KR" altLang="en-US" sz="1000" dirty="0" smtClean="0"/>
-                        <a:t>화면</a:t>
-                      </a:r>
-                      <a:endParaRPr lang="ko-KR" altLang="en-US" sz="1000" dirty="0"/>
-                    </a:p>
-                  </a:txBody>
-                  <a:tcPr anchor="ctr"/>
-                </a:tc>
-                <a:tc>
-                  <a:txBody>
-                    <a:bodyPr/>
-                    <a:lstStyle/>
-                    <a:p>
-                      <a:pPr algn="l" latinLnBrk="1"/>
-                      <a:r>
-                        <a:rPr lang="en-US" altLang="ko-KR" sz="1200" i="0" kern="1200" dirty="0" smtClean="0">
-                          <a:solidFill>
-                            <a:schemeClr val="tx1"/>
-                          </a:solidFill>
-                          <a:latin typeface="+mn-lt"/>
-                          <a:ea typeface="+mn-ea"/>
-                          <a:cs typeface="+mn-cs"/>
-                        </a:rPr>
-                        <a:t>sales</a:t>
-                      </a:r>
-                      <a:endParaRPr lang="ko-KR" altLang="en-US" sz="1200" i="0" dirty="0"/>
-                    </a:p>
-                  </a:txBody>
-                  <a:tcPr anchor="ctr"/>
-                </a:tc>
-                <a:tc>
-                  <a:txBody>
-                    <a:bodyPr/>
-                    <a:lstStyle/>
-                    <a:p>
-                      <a:pPr algn="l" latinLnBrk="1"/>
-                      <a:r>
-                        <a:rPr lang="en-US" altLang="ko-KR" sz="1200" i="0" kern="1200" dirty="0" err="1" smtClean="0">
-                          <a:solidFill>
-                            <a:schemeClr val="tx1"/>
-                          </a:solidFill>
-                          <a:latin typeface="+mn-lt"/>
-                          <a:ea typeface="+mn-ea"/>
-                          <a:cs typeface="+mn-cs"/>
-                        </a:rPr>
-                        <a:t>selecttime</a:t>
-                      </a:r>
-                      <a:endParaRPr lang="ko-KR" altLang="en-US" sz="1200" i="0" dirty="0"/>
-                    </a:p>
-                  </a:txBody>
-                  <a:tcPr anchor="ctr"/>
-                </a:tc>
-                <a:tc>
-                  <a:txBody>
-                    <a:bodyPr/>
-                    <a:lstStyle/>
-                    <a:p>
-                      <a:pPr marL="0" marR="0" indent="0" algn="l" defTabSz="914400" rtl="0" eaLnBrk="1" fontAlgn="auto" latinLnBrk="1" hangingPunct="1">
-                        <a:lnSpc>
-                          <a:spcPct val="100000"/>
-                        </a:lnSpc>
-                        <a:spcBef>
-                          <a:spcPts val="0"/>
-                        </a:spcBef>
-                        <a:spcAft>
-                          <a:spcPts val="0"/>
-                        </a:spcAft>
-                        <a:buClrTx/>
-                        <a:buSzTx/>
-                        <a:buFontTx/>
-                        <a:buNone/>
-                        <a:tabLst/>
-                        <a:defRPr/>
-                      </a:pPr>
-                      <a:r>
-                        <a:rPr lang="en-US" altLang="ko-KR" sz="1200" i="0" dirty="0" smtClean="0"/>
-                        <a:t>detail</a:t>
-                      </a:r>
-                      <a:endParaRPr lang="ko-KR" altLang="en-US" sz="1200" i="0" dirty="0" smtClean="0"/>
+                        <a:rPr lang="en-US" altLang="ko-KR" sz="1200" kern="1200" dirty="0" err="1" smtClean="0">
+                          <a:solidFill>
+                            <a:schemeClr val="tx1"/>
+                          </a:solidFill>
+                          <a:latin typeface="+mn-lt"/>
+                          <a:ea typeface="+mn-ea"/>
+                          <a:cs typeface="+mn-cs"/>
+                        </a:rPr>
+                        <a:t>orderhistory</a:t>
+                      </a:r>
+                      <a:endParaRPr lang="ko-KR" altLang="en-US" sz="1200" dirty="0" smtClean="0"/>
+                    </a:p>
+                  </a:txBody>
+                  <a:tcPr anchor="ctr"/>
+                </a:tc>
+                <a:tc>
+                  <a:txBody>
+                    <a:bodyPr/>
+                    <a:lstStyle/>
+                    <a:p>
+                      <a:pPr algn="l" latinLnBrk="1"/>
+                      <a:r>
+                        <a:rPr lang="en-US" altLang="ko-KR" sz="1200" kern="1200" dirty="0" err="1" smtClean="0">
+                          <a:solidFill>
+                            <a:schemeClr val="tx1"/>
+                          </a:solidFill>
+                          <a:latin typeface="+mn-lt"/>
+                          <a:ea typeface="+mn-ea"/>
+                          <a:cs typeface="+mn-cs"/>
+                        </a:rPr>
+                        <a:t>orderhistoryall_selectTime</a:t>
+                      </a:r>
+                      <a:endParaRPr lang="ko-KR" altLang="en-US" sz="1200" dirty="0"/>
                     </a:p>
                   </a:txBody>
                   <a:tcPr anchor="ctr"/>
@@ -5579,7 +5850,7 @@
     </p:spTree>
     <p:extLst>
       <p:ext uri="{BB962C8B-B14F-4D97-AF65-F5344CB8AC3E}">
-        <p14:creationId xmlns:p14="http://schemas.microsoft.com/office/powerpoint/2010/main" val="1081940556"/>
+        <p14:creationId xmlns:p14="http://schemas.microsoft.com/office/powerpoint/2010/main" val="492749876"/>
       </p:ext>
     </p:extLst>
   </p:cSld>
@@ -5638,17 +5909,20 @@
             </a:r>
             <a:r>
               <a:rPr lang="en-US" altLang="ko-KR" dirty="0" smtClean="0"/>
-              <a:t>(/admin/shipping</a:t>
+              <a:t>(admin/order/) </a:t>
             </a:r>
             <a:r>
               <a:rPr lang="en-US" altLang="ko-KR" dirty="0" smtClean="0"/>
-              <a:t>) - </a:t>
+              <a:t>- </a:t>
             </a:r>
             <a:r>
-              <a:rPr lang="ko-KR" altLang="en-US" smtClean="0"/>
-              <a:t>운송내역</a:t>
+              <a:rPr lang="ko-KR" altLang="en-US" dirty="0" smtClean="0"/>
+              <a:t>주문내</a:t>
             </a:r>
-            <a:endParaRPr lang="ko-KR" altLang="en-US" dirty="0"/>
+            <a:r>
+              <a:rPr lang="ko-KR" altLang="en-US" dirty="0"/>
+              <a:t>역</a:t>
+            </a:r>
           </a:p>
         </p:txBody>
       </p:sp>
@@ -5661,7 +5935,7 @@
           <p:nvPr>
             <p:extLst>
               <p:ext uri="{D42A27DB-BD31-4B8C-83A1-F6EECF244321}">
-                <p14:modId xmlns:p14="http://schemas.microsoft.com/office/powerpoint/2010/main" val="523511764"/>
+                <p14:modId xmlns:p14="http://schemas.microsoft.com/office/powerpoint/2010/main" val="3103710388"/>
               </p:ext>
             </p:extLst>
           </p:nvPr>
@@ -5728,12 +6002,20 @@
                     <a:p>
                       <a:pPr algn="ctr" latinLnBrk="1"/>
                       <a:r>
+                        <a:rPr lang="ko-KR" altLang="en-US" sz="1000" b="1" smtClean="0">
+                          <a:solidFill>
+                            <a:schemeClr val="bg1"/>
+                          </a:solidFill>
+                        </a:rPr>
+                        <a:t>총 </a:t>
+                      </a:r>
+                      <a:r>
                         <a:rPr lang="ko-KR" altLang="en-US" sz="1000" b="1" dirty="0" smtClean="0">
                           <a:solidFill>
                             <a:schemeClr val="bg1"/>
                           </a:solidFill>
                         </a:rPr>
-                        <a:t>전체 주문내역</a:t>
+                        <a:t>주문내역</a:t>
                       </a:r>
                       <a:endParaRPr lang="ko-KR" altLang="en-US" sz="1000" b="1" dirty="0">
                         <a:solidFill>
@@ -5926,7 +6208,7 @@
                       <a:pPr algn="ctr" latinLnBrk="1"/>
                       <a:r>
                         <a:rPr lang="en-US" altLang="ko-KR" sz="1200" i="0" dirty="0" err="1" smtClean="0"/>
-                        <a:t>WaybillProcServlet</a:t>
+                        <a:t>OrdersProc</a:t>
                       </a:r>
                       <a:endParaRPr lang="ko-KR" altLang="en-US" sz="1200" i="0" dirty="0"/>
                     </a:p>
@@ -6469,7 +6751,7 @@
     </p:spTree>
     <p:extLst>
       <p:ext uri="{BB962C8B-B14F-4D97-AF65-F5344CB8AC3E}">
-        <p14:creationId xmlns:p14="http://schemas.microsoft.com/office/powerpoint/2010/main" val="27598290"/>
+        <p14:creationId xmlns:p14="http://schemas.microsoft.com/office/powerpoint/2010/main" val="1081940556"/>
       </p:ext>
     </p:extLst>
   </p:cSld>
@@ -6520,19 +6802,23 @@
           <a:p>
             <a:r>
               <a:rPr lang="en-US" altLang="ko-KR" dirty="0" smtClean="0"/>
-              <a:t>3. </a:t>
+              <a:t>2. </a:t>
             </a:r>
             <a:r>
               <a:rPr lang="ko-KR" altLang="en-US" dirty="0" smtClean="0"/>
-              <a:t>구매처</a:t>
+              <a:t>관리자용 </a:t>
             </a:r>
             <a:r>
               <a:rPr lang="en-US" altLang="ko-KR" dirty="0" smtClean="0"/>
-              <a:t>, </a:t>
+              <a:t>(admin/shipping/) </a:t>
+            </a:r>
+            <a:r>
+              <a:rPr lang="en-US" altLang="ko-KR" dirty="0" smtClean="0"/>
+              <a:t>- </a:t>
             </a:r>
             <a:r>
               <a:rPr lang="ko-KR" altLang="en-US" dirty="0" smtClean="0"/>
-              <a:t>운송회사</a:t>
+              <a:t>운송내역</a:t>
             </a:r>
             <a:endParaRPr lang="ko-KR" altLang="en-US" dirty="0"/>
           </a:p>
@@ -6547,14 +6833,14 @@
           <p:nvPr>
             <p:extLst>
               <p:ext uri="{D42A27DB-BD31-4B8C-83A1-F6EECF244321}">
-                <p14:modId xmlns:p14="http://schemas.microsoft.com/office/powerpoint/2010/main" val="12913578"/>
+                <p14:modId xmlns:p14="http://schemas.microsoft.com/office/powerpoint/2010/main" val="3145123521"/>
               </p:ext>
             </p:extLst>
           </p:nvPr>
         </p:nvGraphicFramePr>
         <p:xfrm>
-          <a:off x="323528" y="764704"/>
-          <a:ext cx="8496944" cy="3989242"/>
+          <a:off x="107503" y="692696"/>
+          <a:ext cx="8928993" cy="3989242"/>
         </p:xfrm>
         <a:graphic>
           <a:graphicData uri="http://schemas.openxmlformats.org/drawingml/2006/table">
@@ -6563,9 +6849,11 @@
                 <a:tableStyleId>{5940675A-B579-460E-94D1-54222C63F5DA}</a:tableStyleId>
               </a:tblPr>
               <a:tblGrid>
-                <a:gridCol w="1603594"/>
-                <a:gridCol w="3253936"/>
-                <a:gridCol w="3639414"/>
+                <a:gridCol w="1198033"/>
+                <a:gridCol w="1932740"/>
+                <a:gridCol w="1932740"/>
+                <a:gridCol w="1932740"/>
+                <a:gridCol w="1932740"/>
               </a:tblGrid>
               <a:tr h="360040">
                 <a:tc>
@@ -6618,7 +6906,7 @@
                             <a:schemeClr val="bg1"/>
                           </a:solidFill>
                         </a:rPr>
-                        <a:t>구매처</a:t>
+                        <a:t>총 운송내역</a:t>
                       </a:r>
                       <a:endParaRPr lang="ko-KR" altLang="en-US" sz="1000" b="1" dirty="0">
                         <a:solidFill>
@@ -6647,7 +6935,73 @@
                             <a:schemeClr val="bg1"/>
                           </a:solidFill>
                         </a:rPr>
-                        <a:t>운송회사</a:t>
+                        <a:t>월별 운송내역</a:t>
+                      </a:r>
+                      <a:endParaRPr lang="ko-KR" altLang="en-US" sz="1000" b="1" dirty="0">
+                        <a:solidFill>
+                          <a:schemeClr val="bg1"/>
+                        </a:solidFill>
+                      </a:endParaRPr>
+                    </a:p>
+                  </a:txBody>
+                  <a:tcPr anchor="ctr">
+                    <a:solidFill>
+                      <a:schemeClr val="accent3">
+                        <a:lumMod val="75000"/>
+                      </a:schemeClr>
+                    </a:solidFill>
+                  </a:tcPr>
+                </a:tc>
+                <a:tc>
+                  <a:txBody>
+                    <a:bodyPr/>
+                    <a:lstStyle/>
+                    <a:p>
+                      <a:pPr algn="ctr" latinLnBrk="1"/>
+                      <a:r>
+                        <a:rPr lang="ko-KR" altLang="en-US" sz="1000" b="1" dirty="0" smtClean="0">
+                          <a:solidFill>
+                            <a:schemeClr val="bg1"/>
+                          </a:solidFill>
+                        </a:rPr>
+                        <a:t>지역별 운송내역</a:t>
+                      </a:r>
+                      <a:endParaRPr lang="ko-KR" altLang="en-US" sz="1000" b="1" dirty="0">
+                        <a:solidFill>
+                          <a:schemeClr val="bg1"/>
+                        </a:solidFill>
+                      </a:endParaRPr>
+                    </a:p>
+                  </a:txBody>
+                  <a:tcPr anchor="ctr">
+                    <a:solidFill>
+                      <a:schemeClr val="accent3">
+                        <a:lumMod val="75000"/>
+                      </a:schemeClr>
+                    </a:solidFill>
+                  </a:tcPr>
+                </a:tc>
+                <a:tc>
+                  <a:txBody>
+                    <a:bodyPr/>
+                    <a:lstStyle/>
+                    <a:p>
+                      <a:pPr algn="ctr" latinLnBrk="1"/>
+                      <a:r>
+                        <a:rPr lang="ko-KR" altLang="en-US" sz="1000" b="1" dirty="0" err="1" smtClean="0">
+                          <a:solidFill>
+                            <a:schemeClr val="bg1"/>
+                          </a:solidFill>
+                        </a:rPr>
+                        <a:t>미운송</a:t>
+                      </a:r>
+                      <a:r>
+                        <a:rPr lang="ko-KR" altLang="en-US" sz="1000" b="1" dirty="0" smtClean="0">
+                          <a:solidFill>
+                            <a:schemeClr val="bg1"/>
+                          </a:solidFill>
+                        </a:rPr>
+                        <a:t> 내역</a:t>
                       </a:r>
                       <a:endParaRPr lang="ko-KR" altLang="en-US" sz="1000" b="1" dirty="0">
                         <a:solidFill>
@@ -6696,219 +7050,19 @@
                     <a:bodyPr/>
                     <a:lstStyle/>
                     <a:p>
-                      <a:pPr algn="ctr" latinLnBrk="1"/>
-                      <a:r>
-                        <a:rPr lang="en-US" altLang="ko-KR" sz="1100" smtClean="0"/>
-                        <a:t>buying</a:t>
-                      </a:r>
-                      <a:endParaRPr lang="ko-KR" altLang="en-US" sz="1100" dirty="0"/>
-                    </a:p>
-                  </a:txBody>
-                  <a:tcPr anchor="ctr"/>
-                </a:tc>
-                <a:tc>
-                  <a:txBody>
-                    <a:bodyPr/>
-                    <a:lstStyle/>
-                    <a:p>
-                      <a:pPr algn="ctr" latinLnBrk="1"/>
-                      <a:r>
-                        <a:rPr lang="en-US" altLang="ko-KR" sz="1100" dirty="0" smtClean="0"/>
-                        <a:t>carrier</a:t>
-                      </a:r>
-                      <a:endParaRPr lang="ko-KR" altLang="en-US" sz="1100" dirty="0"/>
-                    </a:p>
-                  </a:txBody>
-                  <a:tcPr anchor="ctr"/>
-                </a:tc>
-              </a:tr>
-              <a:tr h="604867">
-                <a:tc>
-                  <a:txBody>
-                    <a:bodyPr/>
-                    <a:lstStyle/>
-                    <a:p>
-                      <a:pPr algn="ctr" latinLnBrk="1"/>
-                      <a:r>
-                        <a:rPr lang="en-US" altLang="ko-KR" sz="1000" dirty="0" smtClean="0"/>
-                        <a:t>Control</a:t>
-                      </a:r>
-                      <a:endParaRPr lang="ko-KR" altLang="en-US" sz="1000" dirty="0"/>
-                    </a:p>
-                  </a:txBody>
-                  <a:tcPr anchor="ctr"/>
-                </a:tc>
-                <a:tc>
-                  <a:txBody>
-                    <a:bodyPr/>
-                    <a:lstStyle/>
-                    <a:p>
-                      <a:pPr algn="ctr" latinLnBrk="1"/>
-                      <a:endParaRPr lang="ko-KR" altLang="en-US" sz="1100" i="0" dirty="0"/>
-                    </a:p>
-                  </a:txBody>
-                  <a:tcPr anchor="ctr"/>
-                </a:tc>
-                <a:tc>
-                  <a:txBody>
-                    <a:bodyPr/>
-                    <a:lstStyle/>
-                    <a:p>
-                      <a:pPr algn="ctr" latinLnBrk="1"/>
-                      <a:endParaRPr lang="ko-KR" altLang="en-US" sz="1100" i="0" dirty="0"/>
-                    </a:p>
-                  </a:txBody>
-                  <a:tcPr anchor="ctr"/>
-                </a:tc>
-              </a:tr>
-              <a:tr h="604867">
-                <a:tc>
-                  <a:txBody>
-                    <a:bodyPr/>
-                    <a:lstStyle/>
-                    <a:p>
-                      <a:pPr algn="ctr" latinLnBrk="1"/>
-                      <a:r>
-                        <a:rPr lang="en-US" altLang="ko-KR" sz="1000" dirty="0" smtClean="0"/>
-                        <a:t>Action</a:t>
-                      </a:r>
-                      <a:endParaRPr lang="ko-KR" altLang="en-US" sz="1000" dirty="0"/>
-                    </a:p>
-                  </a:txBody>
-                  <a:tcPr anchor="ctr"/>
-                </a:tc>
-                <a:tc>
-                  <a:txBody>
-                    <a:bodyPr/>
-                    <a:lstStyle/>
-                    <a:p>
-                      <a:pPr latinLnBrk="1"/>
-                      <a:endParaRPr lang="ko-KR" altLang="en-US" sz="1100" dirty="0"/>
-                    </a:p>
-                  </a:txBody>
-                  <a:tcPr anchor="ctr"/>
-                </a:tc>
-                <a:tc>
-                  <a:txBody>
-                    <a:bodyPr/>
-                    <a:lstStyle/>
-                    <a:p>
-                      <a:pPr latinLnBrk="1"/>
-                      <a:endParaRPr lang="ko-KR" altLang="en-US" sz="1100" dirty="0"/>
-                    </a:p>
-                  </a:txBody>
-                  <a:tcPr anchor="ctr"/>
-                </a:tc>
-              </a:tr>
-              <a:tr h="604867">
-                <a:tc>
-                  <a:txBody>
-                    <a:bodyPr/>
-                    <a:lstStyle/>
-                    <a:p>
-                      <a:pPr algn="ctr" latinLnBrk="1"/>
-                      <a:r>
-                        <a:rPr lang="en-US" altLang="ko-KR" sz="1000" dirty="0" smtClean="0"/>
-                        <a:t>Get</a:t>
-                      </a:r>
-                      <a:endParaRPr lang="ko-KR" altLang="en-US" sz="1000" dirty="0"/>
-                    </a:p>
-                  </a:txBody>
-                  <a:tcPr anchor="ctr"/>
-                </a:tc>
-                <a:tc>
-                  <a:txBody>
-                    <a:bodyPr/>
-                    <a:lstStyle/>
-                    <a:p>
-                      <a:pPr latinLnBrk="1"/>
-                      <a:endParaRPr lang="ko-KR" altLang="en-US" sz="1100" dirty="0"/>
-                    </a:p>
-                  </a:txBody>
-                  <a:tcPr anchor="ctr"/>
-                </a:tc>
-                <a:tc>
-                  <a:txBody>
-                    <a:bodyPr/>
-                    <a:lstStyle/>
-                    <a:p>
-                      <a:pPr latinLnBrk="1"/>
-                      <a:endParaRPr lang="ko-KR" altLang="en-US" sz="1100" dirty="0"/>
-                    </a:p>
-                  </a:txBody>
-                  <a:tcPr anchor="ctr"/>
-                </a:tc>
-              </a:tr>
-              <a:tr h="604867">
-                <a:tc>
-                  <a:txBody>
-                    <a:bodyPr/>
-                    <a:lstStyle/>
-                    <a:p>
-                      <a:pPr algn="ctr" latinLnBrk="1"/>
-                      <a:r>
-                        <a:rPr lang="en-US" altLang="ko-KR" sz="1000" dirty="0" smtClean="0"/>
-                        <a:t>Session</a:t>
-                      </a:r>
-                      <a:endParaRPr lang="ko-KR" altLang="en-US" sz="1000" dirty="0"/>
-                    </a:p>
-                  </a:txBody>
-                  <a:tcPr anchor="ctr"/>
-                </a:tc>
-                <a:tc>
-                  <a:txBody>
-                    <a:bodyPr/>
-                    <a:lstStyle/>
-                    <a:p>
-                      <a:pPr algn="ctr" latinLnBrk="1"/>
-                      <a:endParaRPr lang="ko-KR" altLang="en-US" sz="1100" u="none" dirty="0"/>
-                    </a:p>
-                  </a:txBody>
-                  <a:tcPr anchor="ctr"/>
-                </a:tc>
-                <a:tc>
-                  <a:txBody>
-                    <a:bodyPr/>
-                    <a:lstStyle/>
-                    <a:p>
-                      <a:pPr latinLnBrk="1"/>
-                      <a:endParaRPr lang="ko-KR" altLang="en-US" sz="1200" u="none" dirty="0"/>
-                    </a:p>
-                  </a:txBody>
-                  <a:tcPr anchor="ctr"/>
-                </a:tc>
-              </a:tr>
-              <a:tr h="604867">
-                <a:tc>
-                  <a:txBody>
-                    <a:bodyPr/>
-                    <a:lstStyle/>
-                    <a:p>
-                      <a:pPr algn="ctr" latinLnBrk="1"/>
-                      <a:r>
-                        <a:rPr lang="ko-KR" altLang="en-US" sz="1000" dirty="0" smtClean="0"/>
-                        <a:t>처리 후 </a:t>
-                      </a:r>
-                      <a:endParaRPr lang="en-US" altLang="ko-KR" sz="1000" dirty="0" smtClean="0"/>
-                    </a:p>
-                    <a:p>
-                      <a:pPr algn="ctr" latinLnBrk="1"/>
-                      <a:r>
-                        <a:rPr lang="ko-KR" altLang="en-US" sz="1000" dirty="0" smtClean="0"/>
-                        <a:t>화면</a:t>
-                      </a:r>
-                      <a:endParaRPr lang="ko-KR" altLang="en-US" sz="1000" dirty="0"/>
-                    </a:p>
-                  </a:txBody>
-                  <a:tcPr anchor="ctr"/>
-                </a:tc>
-                <a:tc>
-                  <a:txBody>
-                    <a:bodyPr/>
-                    <a:lstStyle/>
-                    <a:p>
-                      <a:pPr latinLnBrk="1"/>
-                      <a:endParaRPr lang="ko-KR" altLang="en-US" sz="1100" dirty="0"/>
+                      <a:pPr algn="l" latinLnBrk="1"/>
+                      <a:r>
+                        <a:rPr lang="en-US" altLang="ko-KR" sz="1200" kern="1200" dirty="0" err="1" smtClean="0">
+                          <a:solidFill>
+                            <a:schemeClr val="tx1"/>
+                          </a:solidFill>
+                          <a:latin typeface="+mn-lt"/>
+                          <a:ea typeface="+mn-ea"/>
+                          <a:cs typeface="+mn-cs"/>
+                        </a:rPr>
+                        <a:t>shippinghistory</a:t>
+                      </a:r>
+                      <a:endParaRPr lang="ko-KR" altLang="en-US" sz="1200" i="0" dirty="0"/>
                     </a:p>
                   </a:txBody>
                   <a:tcPr anchor="ctr"/>
@@ -6935,7 +7089,634 @@
                         <a:tabLst/>
                         <a:defRPr/>
                       </a:pPr>
-                      <a:endParaRPr lang="ko-KR" altLang="en-US" sz="1100" dirty="0" smtClean="0"/>
+                      <a:r>
+                        <a:rPr lang="en-US" altLang="ko-KR" sz="1200" kern="1200" dirty="0" err="1" smtClean="0">
+                          <a:solidFill>
+                            <a:schemeClr val="tx1"/>
+                          </a:solidFill>
+                          <a:latin typeface="+mn-lt"/>
+                          <a:ea typeface="+mn-ea"/>
+                          <a:cs typeface="+mn-cs"/>
+                        </a:rPr>
+                        <a:t>shippinghistory</a:t>
+                      </a:r>
+                      <a:endParaRPr lang="ko-KR" altLang="en-US" sz="1200" i="0" dirty="0" smtClean="0"/>
+                    </a:p>
+                  </a:txBody>
+                  <a:tcPr anchor="ctr"/>
+                </a:tc>
+                <a:tc>
+                  <a:txBody>
+                    <a:bodyPr/>
+                    <a:lstStyle/>
+                    <a:p>
+                      <a:pPr marL="0" marR="0" indent="0" algn="l" defTabSz="914400" rtl="0" eaLnBrk="1" fontAlgn="auto" latinLnBrk="1" hangingPunct="1">
+                        <a:lnSpc>
+                          <a:spcPct val="100000"/>
+                        </a:lnSpc>
+                        <a:spcBef>
+                          <a:spcPts val="0"/>
+                        </a:spcBef>
+                        <a:spcAft>
+                          <a:spcPts val="0"/>
+                        </a:spcAft>
+                        <a:buClrTx/>
+                        <a:buSzTx/>
+                        <a:buFontTx/>
+                        <a:buNone/>
+                        <a:tabLst/>
+                        <a:defRPr/>
+                      </a:pPr>
+                      <a:r>
+                        <a:rPr lang="en-US" altLang="ko-KR" sz="1200" kern="1200" dirty="0" err="1" smtClean="0">
+                          <a:solidFill>
+                            <a:schemeClr val="tx1"/>
+                          </a:solidFill>
+                          <a:latin typeface="+mn-lt"/>
+                          <a:ea typeface="+mn-ea"/>
+                          <a:cs typeface="+mn-cs"/>
+                        </a:rPr>
+                        <a:t>shippinghistory</a:t>
+                      </a:r>
+                      <a:endParaRPr lang="ko-KR" altLang="en-US" sz="1200" i="0" dirty="0" smtClean="0"/>
+                    </a:p>
+                  </a:txBody>
+                  <a:tcPr anchor="ctr"/>
+                </a:tc>
+                <a:tc>
+                  <a:txBody>
+                    <a:bodyPr/>
+                    <a:lstStyle/>
+                    <a:p>
+                      <a:pPr marL="0" marR="0" indent="0" algn="l" defTabSz="914400" rtl="0" eaLnBrk="1" fontAlgn="auto" latinLnBrk="1" hangingPunct="1">
+                        <a:lnSpc>
+                          <a:spcPct val="100000"/>
+                        </a:lnSpc>
+                        <a:spcBef>
+                          <a:spcPts val="0"/>
+                        </a:spcBef>
+                        <a:spcAft>
+                          <a:spcPts val="0"/>
+                        </a:spcAft>
+                        <a:buClrTx/>
+                        <a:buSzTx/>
+                        <a:buFontTx/>
+                        <a:buNone/>
+                        <a:tabLst/>
+                        <a:defRPr/>
+                      </a:pPr>
+                      <a:r>
+                        <a:rPr lang="en-US" altLang="ko-KR" sz="1200" i="0" dirty="0" err="1" smtClean="0"/>
+                        <a:t>noshippinghistory</a:t>
+                      </a:r>
+                      <a:endParaRPr lang="ko-KR" altLang="en-US" sz="1200" i="0" dirty="0" smtClean="0"/>
+                    </a:p>
+                  </a:txBody>
+                  <a:tcPr anchor="ctr"/>
+                </a:tc>
+              </a:tr>
+              <a:tr h="604867">
+                <a:tc>
+                  <a:txBody>
+                    <a:bodyPr/>
+                    <a:lstStyle/>
+                    <a:p>
+                      <a:pPr algn="ctr" latinLnBrk="1"/>
+                      <a:r>
+                        <a:rPr lang="en-US" altLang="ko-KR" sz="1000" dirty="0" smtClean="0"/>
+                        <a:t>Control</a:t>
+                      </a:r>
+                      <a:endParaRPr lang="ko-KR" altLang="en-US" sz="1000" dirty="0"/>
+                    </a:p>
+                  </a:txBody>
+                  <a:tcPr anchor="ctr"/>
+                </a:tc>
+                <a:tc gridSpan="4">
+                  <a:txBody>
+                    <a:bodyPr/>
+                    <a:lstStyle/>
+                    <a:p>
+                      <a:pPr algn="ctr" latinLnBrk="1"/>
+                      <a:r>
+                        <a:rPr lang="en-US" altLang="ko-KR" sz="1200" i="0" dirty="0" err="1" smtClean="0"/>
+                        <a:t>WaybillProc</a:t>
+                      </a:r>
+                      <a:endParaRPr lang="ko-KR" altLang="en-US" sz="1200" i="0" dirty="0"/>
+                    </a:p>
+                  </a:txBody>
+                  <a:tcPr anchor="ctr"/>
+                </a:tc>
+                <a:tc hMerge="1">
+                  <a:txBody>
+                    <a:bodyPr/>
+                    <a:lstStyle/>
+                    <a:p>
+                      <a:pPr algn="ctr" latinLnBrk="1"/>
+                      <a:endParaRPr lang="ko-KR" altLang="en-US" sz="1200" i="0" dirty="0"/>
+                    </a:p>
+                  </a:txBody>
+                  <a:tcPr anchor="ctr"/>
+                </a:tc>
+                <a:tc hMerge="1">
+                  <a:txBody>
+                    <a:bodyPr/>
+                    <a:lstStyle/>
+                    <a:p>
+                      <a:pPr algn="ctr" latinLnBrk="1"/>
+                      <a:endParaRPr lang="ko-KR" altLang="en-US" sz="1200" i="0" dirty="0"/>
+                    </a:p>
+                  </a:txBody>
+                  <a:tcPr anchor="ctr"/>
+                </a:tc>
+                <a:tc hMerge="1">
+                  <a:txBody>
+                    <a:bodyPr/>
+                    <a:lstStyle/>
+                    <a:p>
+                      <a:pPr algn="ctr" latinLnBrk="1"/>
+                      <a:endParaRPr lang="ko-KR" altLang="en-US" sz="1200" i="0" dirty="0"/>
+                    </a:p>
+                  </a:txBody>
+                  <a:tcPr anchor="ctr"/>
+                </a:tc>
+              </a:tr>
+              <a:tr h="604867">
+                <a:tc>
+                  <a:txBody>
+                    <a:bodyPr/>
+                    <a:lstStyle/>
+                    <a:p>
+                      <a:pPr algn="ctr" latinLnBrk="1"/>
+                      <a:r>
+                        <a:rPr lang="en-US" altLang="ko-KR" sz="1000" dirty="0" smtClean="0"/>
+                        <a:t>Action</a:t>
+                      </a:r>
+                      <a:endParaRPr lang="ko-KR" altLang="en-US" sz="1000" dirty="0"/>
+                    </a:p>
+                  </a:txBody>
+                  <a:tcPr anchor="ctr"/>
+                </a:tc>
+                <a:tc>
+                  <a:txBody>
+                    <a:bodyPr/>
+                    <a:lstStyle/>
+                    <a:p>
+                      <a:pPr algn="l" latinLnBrk="1"/>
+                      <a:r>
+                        <a:rPr lang="en-US" altLang="ko-KR" sz="1200" i="0" kern="1200" dirty="0" err="1" smtClean="0">
+                          <a:solidFill>
+                            <a:schemeClr val="tx1"/>
+                          </a:solidFill>
+                          <a:latin typeface="+mn-lt"/>
+                          <a:ea typeface="+mn-ea"/>
+                          <a:cs typeface="+mn-cs"/>
+                        </a:rPr>
+                        <a:t>waybilllist</a:t>
+                      </a:r>
+                      <a:endParaRPr lang="ko-KR" altLang="en-US" sz="1200" i="0" dirty="0"/>
+                    </a:p>
+                  </a:txBody>
+                  <a:tcPr anchor="ctr"/>
+                </a:tc>
+                <a:tc>
+                  <a:txBody>
+                    <a:bodyPr/>
+                    <a:lstStyle/>
+                    <a:p>
+                      <a:pPr algn="l" latinLnBrk="1"/>
+                      <a:r>
+                        <a:rPr lang="en-US" altLang="ko-KR" sz="1200" i="0" dirty="0" err="1" smtClean="0"/>
+                        <a:t>selectShipping</a:t>
+                      </a:r>
+                      <a:endParaRPr lang="ko-KR" altLang="en-US" sz="1200" i="0" dirty="0"/>
+                    </a:p>
+                  </a:txBody>
+                  <a:tcPr anchor="ctr"/>
+                </a:tc>
+                <a:tc>
+                  <a:txBody>
+                    <a:bodyPr/>
+                    <a:lstStyle/>
+                    <a:p>
+                      <a:pPr algn="l" latinLnBrk="1"/>
+                      <a:r>
+                        <a:rPr lang="en-US" altLang="ko-KR" sz="1200" i="0" dirty="0" smtClean="0"/>
+                        <a:t>shipping</a:t>
+                      </a:r>
+                      <a:endParaRPr lang="ko-KR" altLang="en-US" sz="1200" i="0" dirty="0"/>
+                    </a:p>
+                  </a:txBody>
+                  <a:tcPr anchor="ctr"/>
+                </a:tc>
+                <a:tc>
+                  <a:txBody>
+                    <a:bodyPr/>
+                    <a:lstStyle/>
+                    <a:p>
+                      <a:pPr algn="l" latinLnBrk="1"/>
+                      <a:r>
+                        <a:rPr lang="en-US" altLang="ko-KR" sz="1200" i="0" dirty="0" err="1" smtClean="0"/>
+                        <a:t>nowaybilllist</a:t>
+                      </a:r>
+                      <a:endParaRPr lang="ko-KR" altLang="en-US" sz="1200" i="0" dirty="0"/>
+                    </a:p>
+                  </a:txBody>
+                  <a:tcPr anchor="ctr"/>
+                </a:tc>
+              </a:tr>
+              <a:tr h="604867">
+                <a:tc>
+                  <a:txBody>
+                    <a:bodyPr/>
+                    <a:lstStyle/>
+                    <a:p>
+                      <a:pPr algn="ctr" latinLnBrk="1"/>
+                      <a:r>
+                        <a:rPr lang="en-US" altLang="ko-KR" sz="1000" dirty="0" smtClean="0"/>
+                        <a:t>Get</a:t>
+                      </a:r>
+                      <a:endParaRPr lang="ko-KR" altLang="en-US" sz="1000" dirty="0"/>
+                    </a:p>
+                  </a:txBody>
+                  <a:tcPr anchor="ctr"/>
+                </a:tc>
+                <a:tc>
+                  <a:txBody>
+                    <a:bodyPr/>
+                    <a:lstStyle/>
+                    <a:p>
+                      <a:pPr algn="l" latinLnBrk="1"/>
+                      <a:r>
+                        <a:rPr lang="en-US" altLang="ko-KR" sz="1200" i="0" kern="1200" dirty="0" smtClean="0">
+                          <a:solidFill>
+                            <a:schemeClr val="tx1"/>
+                          </a:solidFill>
+                          <a:latin typeface="+mn-lt"/>
+                          <a:ea typeface="+mn-ea"/>
+                          <a:cs typeface="+mn-cs"/>
+                        </a:rPr>
+                        <a:t>page</a:t>
+                      </a:r>
+                      <a:endParaRPr lang="ko-KR" altLang="en-US" sz="1200" i="0" dirty="0"/>
+                    </a:p>
+                  </a:txBody>
+                  <a:tcPr anchor="ctr"/>
+                </a:tc>
+                <a:tc>
+                  <a:txBody>
+                    <a:bodyPr/>
+                    <a:lstStyle/>
+                    <a:p>
+                      <a:pPr algn="l" latinLnBrk="1"/>
+                      <a:r>
+                        <a:rPr lang="en-US" altLang="ko-KR" sz="1200" kern="1200" dirty="0" err="1" smtClean="0">
+                          <a:solidFill>
+                            <a:schemeClr val="tx1"/>
+                          </a:solidFill>
+                          <a:latin typeface="+mn-lt"/>
+                          <a:ea typeface="+mn-ea"/>
+                          <a:cs typeface="+mn-cs"/>
+                        </a:rPr>
+                        <a:t>dateInventory</a:t>
+                      </a:r>
+                      <a:endParaRPr lang="ko-KR" altLang="en-US" sz="1200" i="0" dirty="0" smtClean="0"/>
+                    </a:p>
+                  </a:txBody>
+                  <a:tcPr anchor="ctr"/>
+                </a:tc>
+                <a:tc>
+                  <a:txBody>
+                    <a:bodyPr/>
+                    <a:lstStyle/>
+                    <a:p>
+                      <a:pPr marL="0" marR="0" indent="0" algn="l" defTabSz="914400" rtl="0" eaLnBrk="1" fontAlgn="auto" latinLnBrk="1" hangingPunct="1">
+                        <a:lnSpc>
+                          <a:spcPct val="100000"/>
+                        </a:lnSpc>
+                        <a:spcBef>
+                          <a:spcPts val="0"/>
+                        </a:spcBef>
+                        <a:spcAft>
+                          <a:spcPts val="0"/>
+                        </a:spcAft>
+                        <a:buClrTx/>
+                        <a:buSzTx/>
+                        <a:buFontTx/>
+                        <a:buNone/>
+                        <a:tabLst/>
+                        <a:defRPr/>
+                      </a:pPr>
+                      <a:r>
+                        <a:rPr lang="en-US" altLang="ko-KR" sz="1200" i="0" dirty="0" smtClean="0"/>
+                        <a:t>add</a:t>
+                      </a:r>
+                      <a:endParaRPr lang="en-US" altLang="ko-KR" sz="1200" i="0" dirty="0" smtClean="0"/>
+                    </a:p>
+                  </a:txBody>
+                  <a:tcPr anchor="ctr"/>
+                </a:tc>
+                <a:tc>
+                  <a:txBody>
+                    <a:bodyPr/>
+                    <a:lstStyle/>
+                    <a:p>
+                      <a:pPr marL="0" marR="0" indent="0" algn="l" defTabSz="914400" rtl="0" eaLnBrk="1" fontAlgn="auto" latinLnBrk="1" hangingPunct="1">
+                        <a:lnSpc>
+                          <a:spcPct val="100000"/>
+                        </a:lnSpc>
+                        <a:spcBef>
+                          <a:spcPts val="0"/>
+                        </a:spcBef>
+                        <a:spcAft>
+                          <a:spcPts val="0"/>
+                        </a:spcAft>
+                        <a:buClrTx/>
+                        <a:buSzTx/>
+                        <a:buFontTx/>
+                        <a:buNone/>
+                        <a:tabLst/>
+                        <a:defRPr/>
+                      </a:pPr>
+                      <a:endParaRPr lang="en-US" altLang="ko-KR" sz="1200" i="0" dirty="0" smtClean="0"/>
+                    </a:p>
+                  </a:txBody>
+                  <a:tcPr anchor="ctr"/>
+                </a:tc>
+              </a:tr>
+              <a:tr h="604867">
+                <a:tc>
+                  <a:txBody>
+                    <a:bodyPr/>
+                    <a:lstStyle/>
+                    <a:p>
+                      <a:pPr algn="ctr" latinLnBrk="1"/>
+                      <a:r>
+                        <a:rPr lang="en-US" altLang="ko-KR" sz="1000" dirty="0" smtClean="0"/>
+                        <a:t>Session</a:t>
+                      </a:r>
+                      <a:endParaRPr lang="ko-KR" altLang="en-US" sz="1000" dirty="0"/>
+                    </a:p>
+                  </a:txBody>
+                  <a:tcPr anchor="ctr"/>
+                </a:tc>
+                <a:tc>
+                  <a:txBody>
+                    <a:bodyPr/>
+                    <a:lstStyle/>
+                    <a:p>
+                      <a:pPr algn="l" latinLnBrk="1"/>
+                      <a:r>
+                        <a:rPr lang="en-US" altLang="ko-KR" sz="1200" kern="1200" dirty="0" err="1" smtClean="0">
+                          <a:solidFill>
+                            <a:schemeClr val="tx1"/>
+                          </a:solidFill>
+                          <a:latin typeface="+mn-lt"/>
+                          <a:ea typeface="+mn-ea"/>
+                          <a:cs typeface="+mn-cs"/>
+                        </a:rPr>
+                        <a:t>wayList</a:t>
+                      </a:r>
+                      <a:endParaRPr lang="en-US" altLang="ko-KR" sz="1200" kern="1200" dirty="0" smtClean="0">
+                        <a:solidFill>
+                          <a:schemeClr val="tx1"/>
+                        </a:solidFill>
+                        <a:latin typeface="+mn-lt"/>
+                        <a:ea typeface="+mn-ea"/>
+                        <a:cs typeface="+mn-cs"/>
+                      </a:endParaRPr>
+                    </a:p>
+                    <a:p>
+                      <a:pPr algn="l" latinLnBrk="1"/>
+                      <a:r>
+                        <a:rPr lang="en-US" altLang="ko-KR" sz="1200" i="0" kern="1200" dirty="0" err="1" smtClean="0">
+                          <a:solidFill>
+                            <a:schemeClr val="tx1"/>
+                          </a:solidFill>
+                          <a:latin typeface="+mn-lt"/>
+                          <a:ea typeface="+mn-ea"/>
+                          <a:cs typeface="+mn-cs"/>
+                        </a:rPr>
+                        <a:t>pageList</a:t>
+                      </a:r>
+                      <a:endParaRPr lang="ko-KR" altLang="en-US" sz="1200" i="0" u="none" dirty="0"/>
+                    </a:p>
+                  </a:txBody>
+                  <a:tcPr anchor="ctr"/>
+                </a:tc>
+                <a:tc>
+                  <a:txBody>
+                    <a:bodyPr/>
+                    <a:lstStyle/>
+                    <a:p>
+                      <a:pPr algn="l" latinLnBrk="1"/>
+                      <a:r>
+                        <a:rPr lang="en-US" altLang="ko-KR" sz="1200" kern="1200" dirty="0" smtClean="0">
+                          <a:solidFill>
+                            <a:schemeClr val="tx1"/>
+                          </a:solidFill>
+                          <a:latin typeface="+mn-lt"/>
+                          <a:ea typeface="+mn-ea"/>
+                          <a:cs typeface="+mn-cs"/>
+                        </a:rPr>
+                        <a:t>date</a:t>
+                      </a:r>
+                    </a:p>
+                    <a:p>
+                      <a:pPr algn="l" latinLnBrk="1"/>
+                      <a:r>
+                        <a:rPr lang="en-US" altLang="ko-KR" sz="1200" kern="1200" dirty="0" err="1" smtClean="0">
+                          <a:solidFill>
+                            <a:schemeClr val="tx1"/>
+                          </a:solidFill>
+                          <a:latin typeface="+mn-lt"/>
+                          <a:ea typeface="+mn-ea"/>
+                          <a:cs typeface="+mn-cs"/>
+                        </a:rPr>
+                        <a:t>wayList</a:t>
+                      </a:r>
+                      <a:endParaRPr lang="ko-KR" altLang="en-US" sz="1200" i="0" u="none" dirty="0"/>
+                    </a:p>
+                  </a:txBody>
+                  <a:tcPr anchor="ctr"/>
+                </a:tc>
+                <a:tc>
+                  <a:txBody>
+                    <a:bodyPr/>
+                    <a:lstStyle/>
+                    <a:p>
+                      <a:pPr algn="l" latinLnBrk="1"/>
+                      <a:r>
+                        <a:rPr lang="en-US" altLang="ko-KR" sz="1200" kern="1200" dirty="0" err="1" smtClean="0">
+                          <a:solidFill>
+                            <a:schemeClr val="tx1"/>
+                          </a:solidFill>
+                          <a:latin typeface="+mn-lt"/>
+                          <a:ea typeface="+mn-ea"/>
+                          <a:cs typeface="+mn-cs"/>
+                        </a:rPr>
+                        <a:t>wayList</a:t>
+                      </a:r>
+                      <a:endParaRPr lang="ko-KR" altLang="en-US" sz="1200" i="0" u="none" dirty="0"/>
+                    </a:p>
+                  </a:txBody>
+                  <a:tcPr anchor="ctr"/>
+                </a:tc>
+                <a:tc>
+                  <a:txBody>
+                    <a:bodyPr/>
+                    <a:lstStyle/>
+                    <a:p>
+                      <a:pPr algn="l" latinLnBrk="1"/>
+                      <a:r>
+                        <a:rPr lang="en-US" altLang="ko-KR" sz="1200" kern="1200" dirty="0" err="1" smtClean="0">
+                          <a:solidFill>
+                            <a:schemeClr val="tx1"/>
+                          </a:solidFill>
+                          <a:latin typeface="+mn-lt"/>
+                          <a:ea typeface="+mn-ea"/>
+                          <a:cs typeface="+mn-cs"/>
+                        </a:rPr>
+                        <a:t>nwayList</a:t>
+                      </a:r>
+                      <a:endParaRPr lang="ko-KR" altLang="en-US" sz="1200" i="0" u="none" dirty="0"/>
+                    </a:p>
+                  </a:txBody>
+                  <a:tcPr anchor="ctr"/>
+                </a:tc>
+              </a:tr>
+              <a:tr h="604867">
+                <a:tc>
+                  <a:txBody>
+                    <a:bodyPr/>
+                    <a:lstStyle/>
+                    <a:p>
+                      <a:pPr algn="ctr" latinLnBrk="1"/>
+                      <a:r>
+                        <a:rPr lang="ko-KR" altLang="en-US" sz="1000" dirty="0" smtClean="0"/>
+                        <a:t>처리 후 </a:t>
+                      </a:r>
+                      <a:endParaRPr lang="en-US" altLang="ko-KR" sz="1000" dirty="0" smtClean="0"/>
+                    </a:p>
+                    <a:p>
+                      <a:pPr algn="ctr" latinLnBrk="1"/>
+                      <a:r>
+                        <a:rPr lang="ko-KR" altLang="en-US" sz="1000" dirty="0" smtClean="0"/>
+                        <a:t>화면</a:t>
+                      </a:r>
+                      <a:endParaRPr lang="ko-KR" altLang="en-US" sz="1000" dirty="0"/>
+                    </a:p>
+                  </a:txBody>
+                  <a:tcPr anchor="ctr"/>
+                </a:tc>
+                <a:tc>
+                  <a:txBody>
+                    <a:bodyPr/>
+                    <a:lstStyle/>
+                    <a:p>
+                      <a:pPr algn="l" latinLnBrk="1"/>
+                      <a:r>
+                        <a:rPr lang="en-US" altLang="ko-KR" sz="1200" kern="1200" dirty="0" err="1" smtClean="0">
+                          <a:solidFill>
+                            <a:schemeClr val="tx1"/>
+                          </a:solidFill>
+                          <a:latin typeface="+mn-lt"/>
+                          <a:ea typeface="+mn-ea"/>
+                          <a:cs typeface="+mn-cs"/>
+                        </a:rPr>
+                        <a:t>shippinghistory</a:t>
+                      </a:r>
+                      <a:endParaRPr lang="ko-KR" altLang="en-US" sz="1200" i="0" dirty="0"/>
+                    </a:p>
+                  </a:txBody>
+                  <a:tcPr anchor="ctr"/>
+                </a:tc>
+                <a:tc>
+                  <a:txBody>
+                    <a:bodyPr/>
+                    <a:lstStyle/>
+                    <a:p>
+                      <a:pPr algn="l" latinLnBrk="1"/>
+                      <a:r>
+                        <a:rPr lang="en-US" altLang="ko-KR" sz="1200" kern="1200" dirty="0" err="1" smtClean="0">
+                          <a:solidFill>
+                            <a:schemeClr val="tx1"/>
+                          </a:solidFill>
+                          <a:latin typeface="+mn-lt"/>
+                          <a:ea typeface="+mn-ea"/>
+                          <a:cs typeface="+mn-cs"/>
+                        </a:rPr>
+                        <a:t>shipping_selectTime</a:t>
+                      </a:r>
+                      <a:endParaRPr lang="ko-KR" altLang="en-US" sz="1200" i="0" dirty="0"/>
+                    </a:p>
+                  </a:txBody>
+                  <a:tcPr anchor="ctr"/>
+                </a:tc>
+                <a:tc>
+                  <a:txBody>
+                    <a:bodyPr/>
+                    <a:lstStyle/>
+                    <a:p>
+                      <a:pPr marL="0" marR="0" indent="0" algn="l" defTabSz="914400" rtl="0" eaLnBrk="1" fontAlgn="auto" latinLnBrk="1" hangingPunct="1">
+                        <a:lnSpc>
+                          <a:spcPct val="100000"/>
+                        </a:lnSpc>
+                        <a:spcBef>
+                          <a:spcPts val="0"/>
+                        </a:spcBef>
+                        <a:spcAft>
+                          <a:spcPts val="0"/>
+                        </a:spcAft>
+                        <a:buClrTx/>
+                        <a:buSzTx/>
+                        <a:buFontTx/>
+                        <a:buNone/>
+                        <a:tabLst/>
+                        <a:defRPr/>
+                      </a:pPr>
+                      <a:r>
+                        <a:rPr lang="en-US" altLang="ko-KR" sz="1200" kern="1200" dirty="0" smtClean="0">
+                          <a:solidFill>
+                            <a:schemeClr val="tx1"/>
+                          </a:solidFill>
+                          <a:latin typeface="+mn-lt"/>
+                          <a:ea typeface="+mn-ea"/>
+                          <a:cs typeface="+mn-cs"/>
+                        </a:rPr>
+                        <a:t>shipping</a:t>
+                      </a:r>
+                      <a:endParaRPr lang="ko-KR" altLang="en-US" sz="1200" i="0" dirty="0" smtClean="0"/>
+                    </a:p>
+                  </a:txBody>
+                  <a:tcPr anchor="ctr"/>
+                </a:tc>
+                <a:tc>
+                  <a:txBody>
+                    <a:bodyPr/>
+                    <a:lstStyle/>
+                    <a:p>
+                      <a:pPr marL="0" marR="0" indent="0" algn="l" defTabSz="914400" rtl="0" eaLnBrk="1" fontAlgn="auto" latinLnBrk="1" hangingPunct="1">
+                        <a:lnSpc>
+                          <a:spcPct val="100000"/>
+                        </a:lnSpc>
+                        <a:spcBef>
+                          <a:spcPts val="0"/>
+                        </a:spcBef>
+                        <a:spcAft>
+                          <a:spcPts val="0"/>
+                        </a:spcAft>
+                        <a:buClrTx/>
+                        <a:buSzTx/>
+                        <a:buFontTx/>
+                        <a:buNone/>
+                        <a:tabLst/>
+                        <a:defRPr/>
+                      </a:pPr>
+                      <a:r>
+                        <a:rPr lang="en-US" altLang="ko-KR" sz="1200" i="0" dirty="0" err="1" smtClean="0"/>
+                        <a:t>noshippinghistory</a:t>
+                      </a:r>
+                      <a:endParaRPr lang="ko-KR" altLang="en-US" sz="1200" i="0" dirty="0" smtClean="0"/>
                     </a:p>
                   </a:txBody>
                   <a:tcPr anchor="ctr"/>
@@ -6948,7 +7729,4258 @@
     </p:spTree>
     <p:extLst>
       <p:ext uri="{BB962C8B-B14F-4D97-AF65-F5344CB8AC3E}">
-        <p14:creationId xmlns:p14="http://schemas.microsoft.com/office/powerpoint/2010/main" val="65169497"/>
+        <p14:creationId xmlns:p14="http://schemas.microsoft.com/office/powerpoint/2010/main" val="27598290"/>
+      </p:ext>
+    </p:extLst>
+  </p:cSld>
+  <p:clrMapOvr>
+    <a:masterClrMapping/>
+  </p:clrMapOvr>
+</p:sld>
+</file>
+
+<file path=ppt/slides/slide6.xml><?xml version="1.0" encoding="utf-8"?>
+<p:sld xmlns:a="http://schemas.openxmlformats.org/drawingml/2006/main" xmlns:r="http://schemas.openxmlformats.org/officeDocument/2006/relationships" xmlns:p="http://schemas.openxmlformats.org/presentationml/2006/main">
+  <p:cSld>
+    <p:spTree>
+      <p:nvGrpSpPr>
+        <p:cNvPr id="1" name=""/>
+        <p:cNvGrpSpPr/>
+        <p:nvPr/>
+      </p:nvGrpSpPr>
+      <p:grpSpPr>
+        <a:xfrm>
+          <a:off x="0" y="0"/>
+          <a:ext cx="0" cy="0"/>
+          <a:chOff x="0" y="0"/>
+          <a:chExt cx="0" cy="0"/>
+        </a:xfrm>
+      </p:grpSpPr>
+      <p:sp>
+        <p:nvSpPr>
+          <p:cNvPr id="5" name="TextBox 4"/>
+          <p:cNvSpPr txBox="1"/>
+          <p:nvPr/>
+        </p:nvSpPr>
+        <p:spPr>
+          <a:xfrm>
+            <a:off x="251520" y="116632"/>
+            <a:ext cx="8352928" cy="369332"/>
+          </a:xfrm>
+          <a:prstGeom prst="rect">
+            <a:avLst/>
+          </a:prstGeom>
+          <a:noFill/>
+        </p:spPr>
+        <p:txBody>
+          <a:bodyPr wrap="square" rtlCol="0">
+            <a:spAutoFit/>
+          </a:bodyPr>
+          <a:lstStyle/>
+          <a:p>
+            <a:r>
+              <a:rPr lang="en-US" altLang="ko-KR" dirty="0" smtClean="0"/>
+              <a:t>2. </a:t>
+            </a:r>
+            <a:r>
+              <a:rPr lang="ko-KR" altLang="en-US" dirty="0" smtClean="0"/>
+              <a:t>관리자용 </a:t>
+            </a:r>
+            <a:r>
+              <a:rPr lang="en-US" altLang="ko-KR" dirty="0" smtClean="0"/>
+              <a:t>(admin/</a:t>
+            </a:r>
+            <a:r>
+              <a:rPr lang="en-US" altLang="ko-KR" dirty="0" err="1" smtClean="0"/>
+              <a:t>grossprofit</a:t>
+            </a:r>
+            <a:r>
+              <a:rPr lang="en-US" altLang="ko-KR" dirty="0" smtClean="0"/>
+              <a:t>/</a:t>
+            </a:r>
+            <a:r>
+              <a:rPr lang="en-US" altLang="ko-KR" dirty="0" smtClean="0"/>
+              <a:t>) – </a:t>
+            </a:r>
+            <a:r>
+              <a:rPr lang="ko-KR" altLang="en-US" dirty="0" smtClean="0"/>
+              <a:t>매출 총 이익</a:t>
+            </a:r>
+            <a:endParaRPr lang="ko-KR" altLang="en-US" dirty="0"/>
+          </a:p>
+        </p:txBody>
+      </p:sp>
+      <p:graphicFrame>
+        <p:nvGraphicFramePr>
+          <p:cNvPr id="2" name="표 1"/>
+          <p:cNvGraphicFramePr>
+            <a:graphicFrameLocks noGrp="1"/>
+          </p:cNvGraphicFramePr>
+          <p:nvPr>
+            <p:extLst>
+              <p:ext uri="{D42A27DB-BD31-4B8C-83A1-F6EECF244321}">
+                <p14:modId xmlns:p14="http://schemas.microsoft.com/office/powerpoint/2010/main" val="2649154461"/>
+              </p:ext>
+            </p:extLst>
+          </p:nvPr>
+        </p:nvGraphicFramePr>
+        <p:xfrm>
+          <a:off x="107503" y="692696"/>
+          <a:ext cx="8928995" cy="4207335"/>
+        </p:xfrm>
+        <a:graphic>
+          <a:graphicData uri="http://schemas.openxmlformats.org/drawingml/2006/table">
+            <a:tbl>
+              <a:tblPr firstRow="1" bandRow="1">
+                <a:tableStyleId>{5940675A-B579-460E-94D1-54222C63F5DA}</a:tableStyleId>
+              </a:tblPr>
+              <a:tblGrid>
+                <a:gridCol w="984855"/>
+                <a:gridCol w="1588828"/>
+                <a:gridCol w="1588828"/>
+                <a:gridCol w="1588828"/>
+                <a:gridCol w="1588828"/>
+                <a:gridCol w="1588828"/>
+              </a:tblGrid>
+              <a:tr h="360040">
+                <a:tc>
+                  <a:txBody>
+                    <a:bodyPr/>
+                    <a:lstStyle/>
+                    <a:p>
+                      <a:pPr algn="ctr" latinLnBrk="1"/>
+                      <a:r>
+                        <a:rPr lang="ko-KR" altLang="en-US" sz="1000" b="1" dirty="0" smtClean="0">
+                          <a:solidFill>
+                            <a:schemeClr val="bg1"/>
+                          </a:solidFill>
+                        </a:rPr>
+                        <a:t>항목</a:t>
+                      </a:r>
+                      <a:endParaRPr lang="ko-KR" altLang="en-US" sz="1000" b="1" dirty="0">
+                        <a:solidFill>
+                          <a:schemeClr val="bg1"/>
+                        </a:solidFill>
+                      </a:endParaRPr>
+                    </a:p>
+                  </a:txBody>
+                  <a:tcPr anchor="ctr">
+                    <a:lnB w="12700" cap="flat" cmpd="sng" algn="ctr">
+                      <a:solidFill>
+                        <a:schemeClr val="tx1"/>
+                      </a:solidFill>
+                      <a:prstDash val="solid"/>
+                      <a:round/>
+                      <a:headEnd type="none" w="med" len="med"/>
+                      <a:tailEnd type="none" w="med" len="med"/>
+                    </a:lnB>
+                    <a:solidFill>
+                      <a:schemeClr val="accent3">
+                        <a:lumMod val="75000"/>
+                      </a:schemeClr>
+                    </a:solidFill>
+                  </a:tcPr>
+                </a:tc>
+                <a:tc>
+                  <a:txBody>
+                    <a:bodyPr/>
+                    <a:lstStyle/>
+                    <a:p>
+                      <a:pPr algn="ctr" latinLnBrk="1"/>
+                      <a:r>
+                        <a:rPr lang="ko-KR" altLang="en-US" sz="1000" b="1" dirty="0" smtClean="0">
+                          <a:solidFill>
+                            <a:schemeClr val="bg1"/>
+                          </a:solidFill>
+                        </a:rPr>
+                        <a:t>매출 총 이익</a:t>
+                      </a:r>
+                      <a:endParaRPr lang="ko-KR" altLang="en-US" sz="1000" b="1" dirty="0">
+                        <a:solidFill>
+                          <a:schemeClr val="bg1"/>
+                        </a:solidFill>
+                      </a:endParaRPr>
+                    </a:p>
+                  </a:txBody>
+                  <a:tcPr anchor="ctr">
+                    <a:solidFill>
+                      <a:schemeClr val="accent3">
+                        <a:lumMod val="75000"/>
+                      </a:schemeClr>
+                    </a:solidFill>
+                  </a:tcPr>
+                </a:tc>
+                <a:tc>
+                  <a:txBody>
+                    <a:bodyPr/>
+                    <a:lstStyle/>
+                    <a:p>
+                      <a:pPr algn="ctr" latinLnBrk="1"/>
+                      <a:r>
+                        <a:rPr lang="ko-KR" altLang="en-US" sz="1000" b="1" dirty="0" smtClean="0">
+                          <a:solidFill>
+                            <a:schemeClr val="bg1"/>
+                          </a:solidFill>
+                        </a:rPr>
+                        <a:t>월별 매출 총 이익</a:t>
+                      </a:r>
+                      <a:endParaRPr lang="ko-KR" altLang="en-US" sz="1000" b="1" dirty="0">
+                        <a:solidFill>
+                          <a:schemeClr val="bg1"/>
+                        </a:solidFill>
+                      </a:endParaRPr>
+                    </a:p>
+                  </a:txBody>
+                  <a:tcPr anchor="ctr">
+                    <a:solidFill>
+                      <a:schemeClr val="accent3">
+                        <a:lumMod val="75000"/>
+                      </a:schemeClr>
+                    </a:solidFill>
+                  </a:tcPr>
+                </a:tc>
+                <a:tc>
+                  <a:txBody>
+                    <a:bodyPr/>
+                    <a:lstStyle/>
+                    <a:p>
+                      <a:pPr algn="ctr" latinLnBrk="1"/>
+                      <a:r>
+                        <a:rPr lang="ko-KR" altLang="en-US" sz="1000" b="1" dirty="0" smtClean="0">
+                          <a:solidFill>
+                            <a:schemeClr val="bg1"/>
+                          </a:solidFill>
+                        </a:rPr>
+                        <a:t>쇼핑몰 대금청구</a:t>
+                      </a:r>
+                      <a:endParaRPr lang="ko-KR" altLang="en-US" sz="1000" b="1" dirty="0">
+                        <a:solidFill>
+                          <a:schemeClr val="bg1"/>
+                        </a:solidFill>
+                      </a:endParaRPr>
+                    </a:p>
+                  </a:txBody>
+                  <a:tcPr anchor="ctr">
+                    <a:solidFill>
+                      <a:schemeClr val="accent3">
+                        <a:lumMod val="75000"/>
+                      </a:schemeClr>
+                    </a:solidFill>
+                  </a:tcPr>
+                </a:tc>
+                <a:tc>
+                  <a:txBody>
+                    <a:bodyPr/>
+                    <a:lstStyle/>
+                    <a:p>
+                      <a:pPr algn="ctr" latinLnBrk="1"/>
+                      <a:r>
+                        <a:rPr lang="ko-KR" altLang="en-US" sz="1000" b="1" dirty="0" smtClean="0">
+                          <a:solidFill>
+                            <a:schemeClr val="bg1"/>
+                          </a:solidFill>
+                        </a:rPr>
+                        <a:t>월별 쇼핑몰 대금청구</a:t>
+                      </a:r>
+                      <a:endParaRPr lang="ko-KR" altLang="en-US" sz="1000" b="1" dirty="0">
+                        <a:solidFill>
+                          <a:schemeClr val="bg1"/>
+                        </a:solidFill>
+                      </a:endParaRPr>
+                    </a:p>
+                  </a:txBody>
+                  <a:tcPr anchor="ctr">
+                    <a:solidFill>
+                      <a:schemeClr val="accent3">
+                        <a:lumMod val="75000"/>
+                      </a:schemeClr>
+                    </a:solidFill>
+                  </a:tcPr>
+                </a:tc>
+                <a:tc>
+                  <a:txBody>
+                    <a:bodyPr/>
+                    <a:lstStyle/>
+                    <a:p>
+                      <a:pPr algn="ctr" latinLnBrk="1"/>
+                      <a:r>
+                        <a:rPr lang="ko-KR" altLang="en-US" sz="1000" b="1" dirty="0" smtClean="0">
+                          <a:solidFill>
+                            <a:schemeClr val="bg1"/>
+                          </a:solidFill>
+                        </a:rPr>
+                        <a:t>쇼핑몰 상세 대금 내역</a:t>
+                      </a:r>
+                      <a:endParaRPr lang="ko-KR" altLang="en-US" sz="1000" b="1" dirty="0">
+                        <a:solidFill>
+                          <a:schemeClr val="bg1"/>
+                        </a:solidFill>
+                      </a:endParaRPr>
+                    </a:p>
+                  </a:txBody>
+                  <a:tcPr anchor="ctr">
+                    <a:solidFill>
+                      <a:schemeClr val="accent3">
+                        <a:lumMod val="75000"/>
+                      </a:schemeClr>
+                    </a:solidFill>
+                  </a:tcPr>
+                </a:tc>
+              </a:tr>
+              <a:tr h="604867">
+                <a:tc>
+                  <a:txBody>
+                    <a:bodyPr/>
+                    <a:lstStyle/>
+                    <a:p>
+                      <a:pPr algn="ctr" latinLnBrk="1"/>
+                      <a:r>
+                        <a:rPr lang="en-US" altLang="ko-KR" sz="1000" dirty="0" smtClean="0"/>
+                        <a:t>viewer</a:t>
+                      </a:r>
+                      <a:endParaRPr lang="ko-KR" altLang="en-US" sz="1000" dirty="0"/>
+                    </a:p>
+                  </a:txBody>
+                  <a:tcPr anchor="ctr">
+                    <a:lnT w="12700" cap="flat" cmpd="sng" algn="ctr">
+                      <a:solidFill>
+                        <a:schemeClr val="tx1"/>
+                      </a:solidFill>
+                      <a:prstDash val="solid"/>
+                      <a:round/>
+                      <a:headEnd type="none" w="med" len="med"/>
+                      <a:tailEnd type="none" w="med" len="med"/>
+                    </a:lnT>
+                  </a:tcPr>
+                </a:tc>
+                <a:tc>
+                  <a:txBody>
+                    <a:bodyPr/>
+                    <a:lstStyle/>
+                    <a:p>
+                      <a:pPr algn="l" latinLnBrk="1"/>
+                      <a:r>
+                        <a:rPr lang="en-US" altLang="ko-KR" sz="1200" kern="1200" dirty="0" err="1" smtClean="0">
+                          <a:solidFill>
+                            <a:schemeClr val="tx1"/>
+                          </a:solidFill>
+                          <a:latin typeface="+mn-lt"/>
+                          <a:ea typeface="+mn-ea"/>
+                          <a:cs typeface="+mn-cs"/>
+                        </a:rPr>
+                        <a:t>grossprofitAll</a:t>
+                      </a:r>
+                      <a:endParaRPr lang="ko-KR" altLang="en-US" sz="1200" i="0" dirty="0"/>
+                    </a:p>
+                  </a:txBody>
+                  <a:tcPr anchor="ctr"/>
+                </a:tc>
+                <a:tc>
+                  <a:txBody>
+                    <a:bodyPr/>
+                    <a:lstStyle/>
+                    <a:p>
+                      <a:pPr marL="0" marR="0" indent="0" algn="l" defTabSz="914400" rtl="0" eaLnBrk="1" fontAlgn="auto" latinLnBrk="1" hangingPunct="1">
+                        <a:lnSpc>
+                          <a:spcPct val="100000"/>
+                        </a:lnSpc>
+                        <a:spcBef>
+                          <a:spcPts val="0"/>
+                        </a:spcBef>
+                        <a:spcAft>
+                          <a:spcPts val="0"/>
+                        </a:spcAft>
+                        <a:buClrTx/>
+                        <a:buSzTx/>
+                        <a:buFontTx/>
+                        <a:buNone/>
+                        <a:tabLst/>
+                        <a:defRPr/>
+                      </a:pPr>
+                      <a:r>
+                        <a:rPr lang="en-US" altLang="ko-KR" sz="1200" kern="1200" dirty="0" err="1" smtClean="0">
+                          <a:solidFill>
+                            <a:schemeClr val="tx1"/>
+                          </a:solidFill>
+                          <a:latin typeface="+mn-lt"/>
+                          <a:ea typeface="+mn-ea"/>
+                          <a:cs typeface="+mn-cs"/>
+                        </a:rPr>
+                        <a:t>grossprofitAll</a:t>
+                      </a:r>
+                      <a:endParaRPr lang="ko-KR" altLang="en-US" sz="1200" i="0" dirty="0" smtClean="0"/>
+                    </a:p>
+                  </a:txBody>
+                  <a:tcPr anchor="ctr"/>
+                </a:tc>
+                <a:tc>
+                  <a:txBody>
+                    <a:bodyPr/>
+                    <a:lstStyle/>
+                    <a:p>
+                      <a:pPr marL="0" marR="0" indent="0" algn="l" defTabSz="914400" rtl="0" eaLnBrk="1" fontAlgn="auto" latinLnBrk="1" hangingPunct="1">
+                        <a:lnSpc>
+                          <a:spcPct val="100000"/>
+                        </a:lnSpc>
+                        <a:spcBef>
+                          <a:spcPts val="0"/>
+                        </a:spcBef>
+                        <a:spcAft>
+                          <a:spcPts val="0"/>
+                        </a:spcAft>
+                        <a:buClrTx/>
+                        <a:buSzTx/>
+                        <a:buFontTx/>
+                        <a:buNone/>
+                        <a:tabLst/>
+                        <a:defRPr/>
+                      </a:pPr>
+                      <a:r>
+                        <a:rPr lang="en-US" altLang="ko-KR" sz="1200" kern="1200" dirty="0" err="1" smtClean="0">
+                          <a:solidFill>
+                            <a:schemeClr val="tx1"/>
+                          </a:solidFill>
+                          <a:latin typeface="+mn-lt"/>
+                          <a:ea typeface="+mn-ea"/>
+                          <a:cs typeface="+mn-cs"/>
+                        </a:rPr>
+                        <a:t>grossprofitAll</a:t>
+                      </a:r>
+                      <a:endParaRPr lang="ko-KR" altLang="en-US" sz="1200" i="0" dirty="0" smtClean="0"/>
+                    </a:p>
+                  </a:txBody>
+                  <a:tcPr anchor="ctr"/>
+                </a:tc>
+                <a:tc>
+                  <a:txBody>
+                    <a:bodyPr/>
+                    <a:lstStyle/>
+                    <a:p>
+                      <a:pPr marL="0" marR="0" indent="0" algn="l" defTabSz="914400" rtl="0" eaLnBrk="1" fontAlgn="auto" latinLnBrk="1" hangingPunct="1">
+                        <a:lnSpc>
+                          <a:spcPct val="100000"/>
+                        </a:lnSpc>
+                        <a:spcBef>
+                          <a:spcPts val="0"/>
+                        </a:spcBef>
+                        <a:spcAft>
+                          <a:spcPts val="0"/>
+                        </a:spcAft>
+                        <a:buClrTx/>
+                        <a:buSzTx/>
+                        <a:buFontTx/>
+                        <a:buNone/>
+                        <a:tabLst/>
+                        <a:defRPr/>
+                      </a:pPr>
+                      <a:r>
+                        <a:rPr lang="en-US" altLang="ko-KR" sz="1200" kern="1200" dirty="0" err="1" smtClean="0">
+                          <a:solidFill>
+                            <a:schemeClr val="tx1"/>
+                          </a:solidFill>
+                          <a:latin typeface="+mn-lt"/>
+                          <a:ea typeface="+mn-ea"/>
+                          <a:cs typeface="+mn-cs"/>
+                        </a:rPr>
+                        <a:t>grossprofit_shop</a:t>
+                      </a:r>
+                      <a:endParaRPr lang="ko-KR" altLang="en-US" sz="1200" i="0" dirty="0" smtClean="0"/>
+                    </a:p>
+                  </a:txBody>
+                  <a:tcPr anchor="ctr"/>
+                </a:tc>
+                <a:tc>
+                  <a:txBody>
+                    <a:bodyPr/>
+                    <a:lstStyle/>
+                    <a:p>
+                      <a:pPr marL="0" marR="0" indent="0" algn="l" defTabSz="914400" rtl="0" eaLnBrk="1" fontAlgn="auto" latinLnBrk="1" hangingPunct="1">
+                        <a:lnSpc>
+                          <a:spcPct val="100000"/>
+                        </a:lnSpc>
+                        <a:spcBef>
+                          <a:spcPts val="0"/>
+                        </a:spcBef>
+                        <a:spcAft>
+                          <a:spcPts val="0"/>
+                        </a:spcAft>
+                        <a:buClrTx/>
+                        <a:buSzTx/>
+                        <a:buFontTx/>
+                        <a:buNone/>
+                        <a:tabLst/>
+                        <a:defRPr/>
+                      </a:pPr>
+                      <a:r>
+                        <a:rPr lang="en-US" altLang="ko-KR" sz="1200" kern="1200" dirty="0" err="1" smtClean="0">
+                          <a:solidFill>
+                            <a:schemeClr val="tx1"/>
+                          </a:solidFill>
+                          <a:latin typeface="+mn-lt"/>
+                          <a:ea typeface="+mn-ea"/>
+                          <a:cs typeface="+mn-cs"/>
+                        </a:rPr>
+                        <a:t>grossprofitAll</a:t>
+                      </a:r>
+                      <a:endParaRPr lang="en-US" altLang="ko-KR" sz="1200" kern="1200" dirty="0" smtClean="0">
+                        <a:solidFill>
+                          <a:schemeClr val="tx1"/>
+                        </a:solidFill>
+                        <a:latin typeface="+mn-lt"/>
+                        <a:ea typeface="+mn-ea"/>
+                        <a:cs typeface="+mn-cs"/>
+                      </a:endParaRPr>
+                    </a:p>
+                    <a:p>
+                      <a:pPr marL="0" marR="0" indent="0" algn="l" defTabSz="914400" rtl="0" eaLnBrk="1" fontAlgn="auto" latinLnBrk="1" hangingPunct="1">
+                        <a:lnSpc>
+                          <a:spcPct val="100000"/>
+                        </a:lnSpc>
+                        <a:spcBef>
+                          <a:spcPts val="0"/>
+                        </a:spcBef>
+                        <a:spcAft>
+                          <a:spcPts val="0"/>
+                        </a:spcAft>
+                        <a:buClrTx/>
+                        <a:buSzTx/>
+                        <a:buFontTx/>
+                        <a:buNone/>
+                        <a:tabLst/>
+                        <a:defRPr/>
+                      </a:pPr>
+                      <a:r>
+                        <a:rPr lang="en-US" altLang="ko-KR" sz="1200" kern="1200" dirty="0" err="1" smtClean="0">
+                          <a:solidFill>
+                            <a:schemeClr val="tx1"/>
+                          </a:solidFill>
+                          <a:latin typeface="+mn-lt"/>
+                          <a:ea typeface="+mn-ea"/>
+                          <a:cs typeface="+mn-cs"/>
+                        </a:rPr>
+                        <a:t>grossprofit_shop</a:t>
+                      </a:r>
+                      <a:endParaRPr lang="ko-KR" altLang="en-US" sz="1200" i="0" dirty="0" smtClean="0"/>
+                    </a:p>
+                  </a:txBody>
+                  <a:tcPr anchor="ctr"/>
+                </a:tc>
+              </a:tr>
+              <a:tr h="604867">
+                <a:tc>
+                  <a:txBody>
+                    <a:bodyPr/>
+                    <a:lstStyle/>
+                    <a:p>
+                      <a:pPr algn="ctr" latinLnBrk="1"/>
+                      <a:r>
+                        <a:rPr lang="en-US" altLang="ko-KR" sz="1000" dirty="0" smtClean="0"/>
+                        <a:t>Control</a:t>
+                      </a:r>
+                      <a:endParaRPr lang="ko-KR" altLang="en-US" sz="1000" dirty="0"/>
+                    </a:p>
+                  </a:txBody>
+                  <a:tcPr anchor="ctr"/>
+                </a:tc>
+                <a:tc gridSpan="5">
+                  <a:txBody>
+                    <a:bodyPr/>
+                    <a:lstStyle/>
+                    <a:p>
+                      <a:pPr algn="ctr" latinLnBrk="1"/>
+                      <a:r>
+                        <a:rPr lang="en-US" altLang="ko-KR" sz="1200" kern="1200" dirty="0" err="1" smtClean="0">
+                          <a:solidFill>
+                            <a:schemeClr val="tx1"/>
+                          </a:solidFill>
+                          <a:latin typeface="+mn-lt"/>
+                          <a:ea typeface="+mn-ea"/>
+                          <a:cs typeface="+mn-cs"/>
+                        </a:rPr>
+                        <a:t>OrdersProc</a:t>
+                      </a:r>
+                      <a:endParaRPr lang="ko-KR" altLang="en-US" sz="1200" i="0" dirty="0"/>
+                    </a:p>
+                  </a:txBody>
+                  <a:tcPr anchor="ctr"/>
+                </a:tc>
+                <a:tc hMerge="1">
+                  <a:txBody>
+                    <a:bodyPr/>
+                    <a:lstStyle/>
+                    <a:p>
+                      <a:pPr algn="ctr" latinLnBrk="1"/>
+                      <a:endParaRPr lang="ko-KR" altLang="en-US" sz="1200" i="0" dirty="0"/>
+                    </a:p>
+                  </a:txBody>
+                  <a:tcPr anchor="ctr"/>
+                </a:tc>
+                <a:tc hMerge="1">
+                  <a:txBody>
+                    <a:bodyPr/>
+                    <a:lstStyle/>
+                    <a:p>
+                      <a:pPr algn="ctr" latinLnBrk="1"/>
+                      <a:endParaRPr lang="ko-KR" altLang="en-US" sz="1200" i="0" dirty="0"/>
+                    </a:p>
+                  </a:txBody>
+                  <a:tcPr anchor="ctr"/>
+                </a:tc>
+                <a:tc hMerge="1">
+                  <a:txBody>
+                    <a:bodyPr/>
+                    <a:lstStyle/>
+                    <a:p>
+                      <a:pPr algn="ctr" latinLnBrk="1"/>
+                      <a:endParaRPr lang="ko-KR" altLang="en-US" sz="1200" i="0" dirty="0"/>
+                    </a:p>
+                  </a:txBody>
+                  <a:tcPr anchor="ctr"/>
+                </a:tc>
+                <a:tc hMerge="1">
+                  <a:txBody>
+                    <a:bodyPr/>
+                    <a:lstStyle/>
+                    <a:p>
+                      <a:pPr algn="ctr" latinLnBrk="1"/>
+                      <a:endParaRPr lang="ko-KR" altLang="en-US" sz="1200" i="0" dirty="0"/>
+                    </a:p>
+                  </a:txBody>
+                  <a:tcPr anchor="ctr"/>
+                </a:tc>
+              </a:tr>
+              <a:tr h="604867">
+                <a:tc>
+                  <a:txBody>
+                    <a:bodyPr/>
+                    <a:lstStyle/>
+                    <a:p>
+                      <a:pPr algn="ctr" latinLnBrk="1"/>
+                      <a:r>
+                        <a:rPr lang="en-US" altLang="ko-KR" sz="1000" dirty="0" smtClean="0"/>
+                        <a:t>Action</a:t>
+                      </a:r>
+                      <a:endParaRPr lang="ko-KR" altLang="en-US" sz="1000" dirty="0"/>
+                    </a:p>
+                  </a:txBody>
+                  <a:tcPr anchor="ctr"/>
+                </a:tc>
+                <a:tc>
+                  <a:txBody>
+                    <a:bodyPr/>
+                    <a:lstStyle/>
+                    <a:p>
+                      <a:pPr algn="l" latinLnBrk="1"/>
+                      <a:r>
+                        <a:rPr lang="en-US" altLang="ko-KR" sz="1200" i="0" kern="1200" dirty="0" err="1" smtClean="0">
+                          <a:solidFill>
+                            <a:schemeClr val="tx1"/>
+                          </a:solidFill>
+                          <a:latin typeface="+mn-lt"/>
+                          <a:ea typeface="+mn-ea"/>
+                          <a:cs typeface="+mn-cs"/>
+                        </a:rPr>
+                        <a:t>grossprofit</a:t>
+                      </a:r>
+                      <a:endParaRPr lang="ko-KR" altLang="en-US" sz="1200" i="0" dirty="0"/>
+                    </a:p>
+                  </a:txBody>
+                  <a:tcPr anchor="ctr"/>
+                </a:tc>
+                <a:tc>
+                  <a:txBody>
+                    <a:bodyPr/>
+                    <a:lstStyle/>
+                    <a:p>
+                      <a:pPr algn="l" latinLnBrk="1"/>
+                      <a:r>
+                        <a:rPr lang="en-US" altLang="ko-KR" sz="1200" i="0" dirty="0" err="1" smtClean="0"/>
+                        <a:t>selectGrossprofit</a:t>
+                      </a:r>
+                      <a:endParaRPr lang="ko-KR" altLang="en-US" sz="1200" i="0" dirty="0"/>
+                    </a:p>
+                  </a:txBody>
+                  <a:tcPr anchor="ctr"/>
+                </a:tc>
+                <a:tc>
+                  <a:txBody>
+                    <a:bodyPr/>
+                    <a:lstStyle/>
+                    <a:p>
+                      <a:pPr algn="l" latinLnBrk="1"/>
+                      <a:r>
+                        <a:rPr lang="en-US" altLang="ko-KR" sz="1200" i="0" dirty="0" err="1" smtClean="0"/>
+                        <a:t>shopprofit</a:t>
+                      </a:r>
+                      <a:endParaRPr lang="ko-KR" altLang="en-US" sz="1200" i="0" dirty="0"/>
+                    </a:p>
+                  </a:txBody>
+                  <a:tcPr anchor="ctr"/>
+                </a:tc>
+                <a:tc>
+                  <a:txBody>
+                    <a:bodyPr/>
+                    <a:lstStyle/>
+                    <a:p>
+                      <a:pPr algn="l" latinLnBrk="1"/>
+                      <a:r>
+                        <a:rPr lang="en-US" altLang="ko-KR" sz="1200" i="0" dirty="0" err="1" smtClean="0"/>
+                        <a:t>shopSelectTime</a:t>
+                      </a:r>
+                      <a:endParaRPr lang="ko-KR" altLang="en-US" sz="1200" i="0" dirty="0"/>
+                    </a:p>
+                  </a:txBody>
+                  <a:tcPr anchor="ctr"/>
+                </a:tc>
+                <a:tc>
+                  <a:txBody>
+                    <a:bodyPr/>
+                    <a:lstStyle/>
+                    <a:p>
+                      <a:pPr algn="l" latinLnBrk="1"/>
+                      <a:r>
+                        <a:rPr lang="en-US" altLang="ko-KR" sz="1200" i="0" dirty="0" err="1" smtClean="0"/>
+                        <a:t>shopprofit_detail</a:t>
+                      </a:r>
+                      <a:endParaRPr lang="ko-KR" altLang="en-US" sz="1200" i="0" dirty="0"/>
+                    </a:p>
+                  </a:txBody>
+                  <a:tcPr anchor="ctr"/>
+                </a:tc>
+              </a:tr>
+              <a:tr h="604867">
+                <a:tc>
+                  <a:txBody>
+                    <a:bodyPr/>
+                    <a:lstStyle/>
+                    <a:p>
+                      <a:pPr algn="ctr" latinLnBrk="1"/>
+                      <a:r>
+                        <a:rPr lang="en-US" altLang="ko-KR" sz="1000" dirty="0" smtClean="0"/>
+                        <a:t>Get</a:t>
+                      </a:r>
+                      <a:endParaRPr lang="ko-KR" altLang="en-US" sz="1000" dirty="0"/>
+                    </a:p>
+                  </a:txBody>
+                  <a:tcPr anchor="ctr"/>
+                </a:tc>
+                <a:tc>
+                  <a:txBody>
+                    <a:bodyPr/>
+                    <a:lstStyle/>
+                    <a:p>
+                      <a:pPr algn="l" latinLnBrk="1"/>
+                      <a:endParaRPr lang="ko-KR" altLang="en-US" sz="1200" i="0" dirty="0"/>
+                    </a:p>
+                  </a:txBody>
+                  <a:tcPr anchor="ctr"/>
+                </a:tc>
+                <a:tc>
+                  <a:txBody>
+                    <a:bodyPr/>
+                    <a:lstStyle/>
+                    <a:p>
+                      <a:pPr algn="l" latinLnBrk="1"/>
+                      <a:r>
+                        <a:rPr lang="en-US" altLang="ko-KR" sz="1200" kern="1200" dirty="0" err="1" smtClean="0">
+                          <a:solidFill>
+                            <a:schemeClr val="tx1"/>
+                          </a:solidFill>
+                          <a:latin typeface="+mn-lt"/>
+                          <a:ea typeface="+mn-ea"/>
+                          <a:cs typeface="+mn-cs"/>
+                        </a:rPr>
+                        <a:t>dateInventory</a:t>
+                      </a:r>
+                      <a:endParaRPr lang="ko-KR" altLang="en-US" sz="1200" i="0" dirty="0" smtClean="0"/>
+                    </a:p>
+                  </a:txBody>
+                  <a:tcPr anchor="ctr"/>
+                </a:tc>
+                <a:tc>
+                  <a:txBody>
+                    <a:bodyPr/>
+                    <a:lstStyle/>
+                    <a:p>
+                      <a:pPr marL="0" marR="0" indent="0" algn="l" defTabSz="914400" rtl="0" eaLnBrk="1" fontAlgn="auto" latinLnBrk="1" hangingPunct="1">
+                        <a:lnSpc>
+                          <a:spcPct val="100000"/>
+                        </a:lnSpc>
+                        <a:spcBef>
+                          <a:spcPts val="0"/>
+                        </a:spcBef>
+                        <a:spcAft>
+                          <a:spcPts val="0"/>
+                        </a:spcAft>
+                        <a:buClrTx/>
+                        <a:buSzTx/>
+                        <a:buFontTx/>
+                        <a:buNone/>
+                        <a:tabLst/>
+                        <a:defRPr/>
+                      </a:pPr>
+                      <a:endParaRPr lang="en-US" altLang="ko-KR" sz="1200" i="0" dirty="0" smtClean="0"/>
+                    </a:p>
+                  </a:txBody>
+                  <a:tcPr anchor="ctr"/>
+                </a:tc>
+                <a:tc>
+                  <a:txBody>
+                    <a:bodyPr/>
+                    <a:lstStyle/>
+                    <a:p>
+                      <a:pPr marL="0" marR="0" indent="0" algn="l" defTabSz="914400" rtl="0" eaLnBrk="1" fontAlgn="auto" latinLnBrk="1" hangingPunct="1">
+                        <a:lnSpc>
+                          <a:spcPct val="100000"/>
+                        </a:lnSpc>
+                        <a:spcBef>
+                          <a:spcPts val="0"/>
+                        </a:spcBef>
+                        <a:spcAft>
+                          <a:spcPts val="0"/>
+                        </a:spcAft>
+                        <a:buClrTx/>
+                        <a:buSzTx/>
+                        <a:buFontTx/>
+                        <a:buNone/>
+                        <a:tabLst/>
+                        <a:defRPr/>
+                      </a:pPr>
+                      <a:r>
+                        <a:rPr lang="en-US" altLang="ko-KR" sz="1200" kern="1200" dirty="0" err="1" smtClean="0">
+                          <a:solidFill>
+                            <a:schemeClr val="tx1"/>
+                          </a:solidFill>
+                          <a:latin typeface="+mn-lt"/>
+                          <a:ea typeface="+mn-ea"/>
+                          <a:cs typeface="+mn-cs"/>
+                        </a:rPr>
+                        <a:t>dateInventory</a:t>
+                      </a:r>
+                      <a:endParaRPr lang="en-US" altLang="ko-KR" sz="1200" i="0" dirty="0" smtClean="0"/>
+                    </a:p>
+                  </a:txBody>
+                  <a:tcPr anchor="ctr"/>
+                </a:tc>
+                <a:tc>
+                  <a:txBody>
+                    <a:bodyPr/>
+                    <a:lstStyle/>
+                    <a:p>
+                      <a:pPr marL="0" marR="0" indent="0" algn="l" defTabSz="914400" rtl="0" eaLnBrk="1" fontAlgn="auto" latinLnBrk="1" hangingPunct="1">
+                        <a:lnSpc>
+                          <a:spcPct val="100000"/>
+                        </a:lnSpc>
+                        <a:spcBef>
+                          <a:spcPts val="0"/>
+                        </a:spcBef>
+                        <a:spcAft>
+                          <a:spcPts val="0"/>
+                        </a:spcAft>
+                        <a:buClrTx/>
+                        <a:buSzTx/>
+                        <a:buFontTx/>
+                        <a:buNone/>
+                        <a:tabLst/>
+                        <a:defRPr/>
+                      </a:pPr>
+                      <a:r>
+                        <a:rPr lang="en-US" altLang="ko-KR" sz="1200" kern="1200" dirty="0" err="1" smtClean="0">
+                          <a:solidFill>
+                            <a:schemeClr val="tx1"/>
+                          </a:solidFill>
+                          <a:latin typeface="+mn-lt"/>
+                          <a:ea typeface="+mn-ea"/>
+                          <a:cs typeface="+mn-cs"/>
+                        </a:rPr>
+                        <a:t>o_time</a:t>
+                      </a:r>
+                      <a:endParaRPr lang="en-US" altLang="ko-KR" sz="1200" kern="1200" dirty="0" smtClean="0">
+                        <a:solidFill>
+                          <a:schemeClr val="tx1"/>
+                        </a:solidFill>
+                        <a:latin typeface="+mn-lt"/>
+                        <a:ea typeface="+mn-ea"/>
+                        <a:cs typeface="+mn-cs"/>
+                      </a:endParaRPr>
+                    </a:p>
+                    <a:p>
+                      <a:pPr marL="0" marR="0" indent="0" algn="l" defTabSz="914400" rtl="0" eaLnBrk="1" fontAlgn="auto" latinLnBrk="1" hangingPunct="1">
+                        <a:lnSpc>
+                          <a:spcPct val="100000"/>
+                        </a:lnSpc>
+                        <a:spcBef>
+                          <a:spcPts val="0"/>
+                        </a:spcBef>
+                        <a:spcAft>
+                          <a:spcPts val="0"/>
+                        </a:spcAft>
+                        <a:buClrTx/>
+                        <a:buSzTx/>
+                        <a:buFontTx/>
+                        <a:buNone/>
+                        <a:tabLst/>
+                        <a:defRPr/>
+                      </a:pPr>
+                      <a:r>
+                        <a:rPr lang="en-US" altLang="ko-KR" sz="1200" kern="1200" dirty="0" err="1" smtClean="0">
+                          <a:solidFill>
+                            <a:schemeClr val="tx1"/>
+                          </a:solidFill>
+                          <a:latin typeface="+mn-lt"/>
+                          <a:ea typeface="+mn-ea"/>
+                          <a:cs typeface="+mn-cs"/>
+                        </a:rPr>
+                        <a:t>shopcode</a:t>
+                      </a:r>
+                      <a:endParaRPr lang="en-US" altLang="ko-KR" sz="1200" i="0" dirty="0" smtClean="0"/>
+                    </a:p>
+                  </a:txBody>
+                  <a:tcPr anchor="ctr"/>
+                </a:tc>
+              </a:tr>
+              <a:tr h="604867">
+                <a:tc>
+                  <a:txBody>
+                    <a:bodyPr/>
+                    <a:lstStyle/>
+                    <a:p>
+                      <a:pPr algn="ctr" latinLnBrk="1"/>
+                      <a:r>
+                        <a:rPr lang="en-US" altLang="ko-KR" sz="1000" dirty="0" smtClean="0"/>
+                        <a:t>Session</a:t>
+                      </a:r>
+                      <a:endParaRPr lang="ko-KR" altLang="en-US" sz="1000" dirty="0"/>
+                    </a:p>
+                  </a:txBody>
+                  <a:tcPr anchor="ctr"/>
+                </a:tc>
+                <a:tc>
+                  <a:txBody>
+                    <a:bodyPr/>
+                    <a:lstStyle/>
+                    <a:p>
+                      <a:pPr algn="l" latinLnBrk="1"/>
+                      <a:r>
+                        <a:rPr lang="en-US" altLang="ko-KR" sz="1200" kern="1200" dirty="0" err="1" smtClean="0">
+                          <a:solidFill>
+                            <a:schemeClr val="tx1"/>
+                          </a:solidFill>
+                          <a:latin typeface="+mn-lt"/>
+                          <a:ea typeface="+mn-ea"/>
+                          <a:cs typeface="+mn-cs"/>
+                        </a:rPr>
+                        <a:t>shoptotal</a:t>
+                      </a:r>
+                      <a:endParaRPr lang="en-US" altLang="ko-KR" sz="1200" kern="1200" dirty="0" smtClean="0">
+                        <a:solidFill>
+                          <a:schemeClr val="tx1"/>
+                        </a:solidFill>
+                        <a:latin typeface="+mn-lt"/>
+                        <a:ea typeface="+mn-ea"/>
+                        <a:cs typeface="+mn-cs"/>
+                      </a:endParaRPr>
+                    </a:p>
+                    <a:p>
+                      <a:pPr algn="l" latinLnBrk="1"/>
+                      <a:r>
+                        <a:rPr lang="en-US" altLang="ko-KR" sz="1200" kern="1200" dirty="0" err="1" smtClean="0">
+                          <a:solidFill>
+                            <a:schemeClr val="tx1"/>
+                          </a:solidFill>
+                          <a:latin typeface="+mn-lt"/>
+                          <a:ea typeface="+mn-ea"/>
+                          <a:cs typeface="+mn-cs"/>
+                        </a:rPr>
+                        <a:t>buyingtotal</a:t>
+                      </a:r>
+                      <a:endParaRPr lang="en-US" altLang="ko-KR" sz="1200" kern="1200" dirty="0" smtClean="0">
+                        <a:solidFill>
+                          <a:schemeClr val="tx1"/>
+                        </a:solidFill>
+                        <a:latin typeface="+mn-lt"/>
+                        <a:ea typeface="+mn-ea"/>
+                        <a:cs typeface="+mn-cs"/>
+                      </a:endParaRPr>
+                    </a:p>
+                    <a:p>
+                      <a:pPr algn="l" latinLnBrk="1"/>
+                      <a:r>
+                        <a:rPr lang="en-US" altLang="ko-KR" sz="1200" kern="1200" dirty="0" err="1" smtClean="0">
+                          <a:solidFill>
+                            <a:schemeClr val="tx1"/>
+                          </a:solidFill>
+                          <a:latin typeface="+mn-lt"/>
+                          <a:ea typeface="+mn-ea"/>
+                          <a:cs typeface="+mn-cs"/>
+                        </a:rPr>
+                        <a:t>shiptotal</a:t>
+                      </a:r>
+                      <a:endParaRPr lang="ko-KR" altLang="en-US" sz="1200" i="0" u="none" dirty="0"/>
+                    </a:p>
+                  </a:txBody>
+                  <a:tcPr anchor="ctr"/>
+                </a:tc>
+                <a:tc>
+                  <a:txBody>
+                    <a:bodyPr/>
+                    <a:lstStyle/>
+                    <a:p>
+                      <a:pPr algn="l" latinLnBrk="1"/>
+                      <a:r>
+                        <a:rPr lang="en-US" altLang="ko-KR" sz="1200" kern="1200" dirty="0" err="1" smtClean="0">
+                          <a:solidFill>
+                            <a:schemeClr val="tx1"/>
+                          </a:solidFill>
+                          <a:latin typeface="+mn-lt"/>
+                          <a:ea typeface="+mn-ea"/>
+                          <a:cs typeface="+mn-cs"/>
+                        </a:rPr>
+                        <a:t>dateInventory</a:t>
+                      </a:r>
+                      <a:endParaRPr lang="en-US" altLang="ko-KR" sz="1200" kern="1200" dirty="0" smtClean="0">
+                        <a:solidFill>
+                          <a:schemeClr val="tx1"/>
+                        </a:solidFill>
+                        <a:latin typeface="+mn-lt"/>
+                        <a:ea typeface="+mn-ea"/>
+                        <a:cs typeface="+mn-cs"/>
+                      </a:endParaRPr>
+                    </a:p>
+                    <a:p>
+                      <a:pPr algn="l" latinLnBrk="1"/>
+                      <a:r>
+                        <a:rPr lang="en-US" altLang="ko-KR" sz="1200" kern="1200" dirty="0" err="1" smtClean="0">
+                          <a:solidFill>
+                            <a:schemeClr val="tx1"/>
+                          </a:solidFill>
+                          <a:latin typeface="+mn-lt"/>
+                          <a:ea typeface="+mn-ea"/>
+                          <a:cs typeface="+mn-cs"/>
+                        </a:rPr>
+                        <a:t>shoptotal</a:t>
+                      </a:r>
+                      <a:endParaRPr lang="en-US" altLang="ko-KR" sz="1200" kern="1200" dirty="0" smtClean="0">
+                        <a:solidFill>
+                          <a:schemeClr val="tx1"/>
+                        </a:solidFill>
+                        <a:latin typeface="+mn-lt"/>
+                        <a:ea typeface="+mn-ea"/>
+                        <a:cs typeface="+mn-cs"/>
+                      </a:endParaRPr>
+                    </a:p>
+                    <a:p>
+                      <a:pPr algn="l" latinLnBrk="1"/>
+                      <a:r>
+                        <a:rPr lang="en-US" altLang="ko-KR" sz="1200" kern="1200" dirty="0" err="1" smtClean="0">
+                          <a:solidFill>
+                            <a:schemeClr val="tx1"/>
+                          </a:solidFill>
+                          <a:latin typeface="+mn-lt"/>
+                          <a:ea typeface="+mn-ea"/>
+                          <a:cs typeface="+mn-cs"/>
+                        </a:rPr>
+                        <a:t>buyingtotal</a:t>
+                      </a:r>
+                      <a:endParaRPr lang="en-US" altLang="ko-KR" sz="1200" kern="1200" dirty="0" smtClean="0">
+                        <a:solidFill>
+                          <a:schemeClr val="tx1"/>
+                        </a:solidFill>
+                        <a:latin typeface="+mn-lt"/>
+                        <a:ea typeface="+mn-ea"/>
+                        <a:cs typeface="+mn-cs"/>
+                      </a:endParaRPr>
+                    </a:p>
+                    <a:p>
+                      <a:pPr algn="l" latinLnBrk="1"/>
+                      <a:r>
+                        <a:rPr lang="en-US" altLang="ko-KR" sz="1200" kern="1200" dirty="0" err="1" smtClean="0">
+                          <a:solidFill>
+                            <a:schemeClr val="tx1"/>
+                          </a:solidFill>
+                          <a:latin typeface="+mn-lt"/>
+                          <a:ea typeface="+mn-ea"/>
+                          <a:cs typeface="+mn-cs"/>
+                        </a:rPr>
+                        <a:t>shiptotal</a:t>
+                      </a:r>
+                      <a:endParaRPr lang="ko-KR" altLang="en-US" sz="1200" i="0" u="none" dirty="0"/>
+                    </a:p>
+                  </a:txBody>
+                  <a:tcPr anchor="ctr"/>
+                </a:tc>
+                <a:tc>
+                  <a:txBody>
+                    <a:bodyPr/>
+                    <a:lstStyle/>
+                    <a:p>
+                      <a:pPr algn="l" latinLnBrk="1"/>
+                      <a:r>
+                        <a:rPr lang="en-US" altLang="ko-KR" sz="1200" kern="1200" dirty="0" err="1" smtClean="0">
+                          <a:solidFill>
+                            <a:schemeClr val="tx1"/>
+                          </a:solidFill>
+                          <a:latin typeface="+mn-lt"/>
+                          <a:ea typeface="+mn-ea"/>
+                          <a:cs typeface="+mn-cs"/>
+                        </a:rPr>
+                        <a:t>shopList</a:t>
+                      </a:r>
+                      <a:endParaRPr lang="ko-KR" altLang="en-US" sz="1200" i="0" u="none" dirty="0"/>
+                    </a:p>
+                  </a:txBody>
+                  <a:tcPr anchor="ctr"/>
+                </a:tc>
+                <a:tc>
+                  <a:txBody>
+                    <a:bodyPr/>
+                    <a:lstStyle/>
+                    <a:p>
+                      <a:pPr algn="l" latinLnBrk="1"/>
+                      <a:r>
+                        <a:rPr lang="en-US" altLang="ko-KR" sz="1200" kern="1200" dirty="0" err="1" smtClean="0">
+                          <a:solidFill>
+                            <a:schemeClr val="tx1"/>
+                          </a:solidFill>
+                          <a:latin typeface="+mn-lt"/>
+                          <a:ea typeface="+mn-ea"/>
+                          <a:cs typeface="+mn-cs"/>
+                        </a:rPr>
+                        <a:t>dateInventory</a:t>
+                      </a:r>
+                      <a:endParaRPr lang="en-US" altLang="ko-KR" sz="1200" kern="1200" dirty="0" smtClean="0">
+                        <a:solidFill>
+                          <a:schemeClr val="tx1"/>
+                        </a:solidFill>
+                        <a:latin typeface="+mn-lt"/>
+                        <a:ea typeface="+mn-ea"/>
+                        <a:cs typeface="+mn-cs"/>
+                      </a:endParaRPr>
+                    </a:p>
+                    <a:p>
+                      <a:pPr algn="l" latinLnBrk="1"/>
+                      <a:r>
+                        <a:rPr lang="en-US" altLang="ko-KR" sz="1200" kern="1200" dirty="0" err="1" smtClean="0">
+                          <a:solidFill>
+                            <a:schemeClr val="tx1"/>
+                          </a:solidFill>
+                          <a:latin typeface="+mn-lt"/>
+                          <a:ea typeface="+mn-ea"/>
+                          <a:cs typeface="+mn-cs"/>
+                        </a:rPr>
+                        <a:t>shopList</a:t>
+                      </a:r>
+                      <a:endParaRPr lang="en-US" altLang="ko-KR" sz="1200" kern="1200" dirty="0" smtClean="0">
+                        <a:solidFill>
+                          <a:schemeClr val="tx1"/>
+                        </a:solidFill>
+                        <a:latin typeface="+mn-lt"/>
+                        <a:ea typeface="+mn-ea"/>
+                        <a:cs typeface="+mn-cs"/>
+                      </a:endParaRPr>
+                    </a:p>
+                    <a:p>
+                      <a:pPr algn="l" latinLnBrk="1"/>
+                      <a:r>
+                        <a:rPr lang="en-US" altLang="ko-KR" sz="1200" kern="1200" dirty="0" err="1" smtClean="0">
+                          <a:solidFill>
+                            <a:schemeClr val="tx1"/>
+                          </a:solidFill>
+                          <a:latin typeface="+mn-lt"/>
+                          <a:ea typeface="+mn-ea"/>
+                          <a:cs typeface="+mn-cs"/>
+                        </a:rPr>
+                        <a:t>shoptotal</a:t>
+                      </a:r>
+                      <a:endParaRPr lang="ko-KR" altLang="en-US" sz="1200" i="0" u="none" dirty="0"/>
+                    </a:p>
+                  </a:txBody>
+                  <a:tcPr anchor="ctr"/>
+                </a:tc>
+                <a:tc>
+                  <a:txBody>
+                    <a:bodyPr/>
+                    <a:lstStyle/>
+                    <a:p>
+                      <a:pPr algn="l" latinLnBrk="1"/>
+                      <a:r>
+                        <a:rPr lang="en-US" altLang="ko-KR" sz="1200" kern="1200" dirty="0" err="1" smtClean="0">
+                          <a:solidFill>
+                            <a:schemeClr val="tx1"/>
+                          </a:solidFill>
+                          <a:latin typeface="+mn-lt"/>
+                          <a:ea typeface="+mn-ea"/>
+                          <a:cs typeface="+mn-cs"/>
+                        </a:rPr>
+                        <a:t>shopcode</a:t>
+                      </a:r>
+                      <a:endParaRPr lang="en-US" altLang="ko-KR" sz="1200" kern="1200" dirty="0" smtClean="0">
+                        <a:solidFill>
+                          <a:schemeClr val="tx1"/>
+                        </a:solidFill>
+                        <a:latin typeface="+mn-lt"/>
+                        <a:ea typeface="+mn-ea"/>
+                        <a:cs typeface="+mn-cs"/>
+                      </a:endParaRPr>
+                    </a:p>
+                    <a:p>
+                      <a:pPr algn="l" latinLnBrk="1"/>
+                      <a:r>
+                        <a:rPr lang="en-US" altLang="ko-KR" sz="1200" kern="1200" dirty="0" err="1" smtClean="0">
+                          <a:solidFill>
+                            <a:schemeClr val="tx1"/>
+                          </a:solidFill>
+                          <a:latin typeface="+mn-lt"/>
+                          <a:ea typeface="+mn-ea"/>
+                          <a:cs typeface="+mn-cs"/>
+                        </a:rPr>
+                        <a:t>shippay</a:t>
+                      </a:r>
+                      <a:endParaRPr lang="en-US" altLang="ko-KR" sz="1200" kern="1200" dirty="0" smtClean="0">
+                        <a:solidFill>
+                          <a:schemeClr val="tx1"/>
+                        </a:solidFill>
+                        <a:latin typeface="+mn-lt"/>
+                        <a:ea typeface="+mn-ea"/>
+                        <a:cs typeface="+mn-cs"/>
+                      </a:endParaRPr>
+                    </a:p>
+                    <a:p>
+                      <a:pPr algn="l" latinLnBrk="1"/>
+                      <a:r>
+                        <a:rPr lang="en-US" altLang="ko-KR" sz="1200" kern="1200" dirty="0" err="1" smtClean="0">
+                          <a:solidFill>
+                            <a:schemeClr val="tx1"/>
+                          </a:solidFill>
+                          <a:latin typeface="+mn-lt"/>
+                          <a:ea typeface="+mn-ea"/>
+                          <a:cs typeface="+mn-cs"/>
+                        </a:rPr>
+                        <a:t>shopList_detail</a:t>
+                      </a:r>
+                      <a:endParaRPr lang="ko-KR" altLang="en-US" sz="1200" i="0" u="none" dirty="0"/>
+                    </a:p>
+                  </a:txBody>
+                  <a:tcPr anchor="ctr"/>
+                </a:tc>
+              </a:tr>
+              <a:tr h="604867">
+                <a:tc>
+                  <a:txBody>
+                    <a:bodyPr/>
+                    <a:lstStyle/>
+                    <a:p>
+                      <a:pPr algn="ctr" latinLnBrk="1"/>
+                      <a:r>
+                        <a:rPr lang="ko-KR" altLang="en-US" sz="1000" dirty="0" smtClean="0"/>
+                        <a:t>처리 후 </a:t>
+                      </a:r>
+                      <a:endParaRPr lang="en-US" altLang="ko-KR" sz="1000" dirty="0" smtClean="0"/>
+                    </a:p>
+                    <a:p>
+                      <a:pPr algn="ctr" latinLnBrk="1"/>
+                      <a:r>
+                        <a:rPr lang="ko-KR" altLang="en-US" sz="1000" dirty="0" smtClean="0"/>
+                        <a:t>화면</a:t>
+                      </a:r>
+                      <a:endParaRPr lang="ko-KR" altLang="en-US" sz="1000" dirty="0"/>
+                    </a:p>
+                  </a:txBody>
+                  <a:tcPr anchor="ctr"/>
+                </a:tc>
+                <a:tc>
+                  <a:txBody>
+                    <a:bodyPr/>
+                    <a:lstStyle/>
+                    <a:p>
+                      <a:pPr algn="l" latinLnBrk="1"/>
+                      <a:r>
+                        <a:rPr lang="en-US" altLang="ko-KR" sz="1200" kern="1200" dirty="0" err="1" smtClean="0">
+                          <a:solidFill>
+                            <a:schemeClr val="tx1"/>
+                          </a:solidFill>
+                          <a:latin typeface="+mn-lt"/>
+                          <a:ea typeface="+mn-ea"/>
+                          <a:cs typeface="+mn-cs"/>
+                        </a:rPr>
+                        <a:t>grossprofitAll</a:t>
+                      </a:r>
+                      <a:endParaRPr lang="ko-KR" altLang="en-US" sz="1200" i="0" dirty="0"/>
+                    </a:p>
+                  </a:txBody>
+                  <a:tcPr anchor="ctr"/>
+                </a:tc>
+                <a:tc>
+                  <a:txBody>
+                    <a:bodyPr/>
+                    <a:lstStyle/>
+                    <a:p>
+                      <a:pPr algn="l" latinLnBrk="1"/>
+                      <a:r>
+                        <a:rPr lang="en-US" altLang="ko-KR" sz="1200" kern="1200" dirty="0" err="1" smtClean="0">
+                          <a:solidFill>
+                            <a:schemeClr val="tx1"/>
+                          </a:solidFill>
+                          <a:latin typeface="+mn-lt"/>
+                          <a:ea typeface="+mn-ea"/>
+                          <a:cs typeface="+mn-cs"/>
+                        </a:rPr>
+                        <a:t>grossprofitAll_selectTime</a:t>
+                      </a:r>
+                      <a:endParaRPr lang="ko-KR" altLang="en-US" sz="1200" i="0" dirty="0"/>
+                    </a:p>
+                  </a:txBody>
+                  <a:tcPr anchor="ctr"/>
+                </a:tc>
+                <a:tc>
+                  <a:txBody>
+                    <a:bodyPr/>
+                    <a:lstStyle/>
+                    <a:p>
+                      <a:pPr marL="0" marR="0" indent="0" algn="l" defTabSz="914400" rtl="0" eaLnBrk="1" fontAlgn="auto" latinLnBrk="1" hangingPunct="1">
+                        <a:lnSpc>
+                          <a:spcPct val="100000"/>
+                        </a:lnSpc>
+                        <a:spcBef>
+                          <a:spcPts val="0"/>
+                        </a:spcBef>
+                        <a:spcAft>
+                          <a:spcPts val="0"/>
+                        </a:spcAft>
+                        <a:buClrTx/>
+                        <a:buSzTx/>
+                        <a:buFontTx/>
+                        <a:buNone/>
+                        <a:tabLst/>
+                        <a:defRPr/>
+                      </a:pPr>
+                      <a:r>
+                        <a:rPr lang="en-US" altLang="ko-KR" sz="1200" kern="1200" dirty="0" err="1" smtClean="0">
+                          <a:solidFill>
+                            <a:schemeClr val="tx1"/>
+                          </a:solidFill>
+                          <a:latin typeface="+mn-lt"/>
+                          <a:ea typeface="+mn-ea"/>
+                          <a:cs typeface="+mn-cs"/>
+                        </a:rPr>
+                        <a:t>grossprofit_shop</a:t>
+                      </a:r>
+                      <a:endParaRPr lang="ko-KR" altLang="en-US" sz="1200" i="0" dirty="0" smtClean="0"/>
+                    </a:p>
+                  </a:txBody>
+                  <a:tcPr anchor="ctr"/>
+                </a:tc>
+                <a:tc>
+                  <a:txBody>
+                    <a:bodyPr/>
+                    <a:lstStyle/>
+                    <a:p>
+                      <a:pPr marL="0" marR="0" indent="0" algn="l" defTabSz="914400" rtl="0" eaLnBrk="1" fontAlgn="auto" latinLnBrk="1" hangingPunct="1">
+                        <a:lnSpc>
+                          <a:spcPct val="100000"/>
+                        </a:lnSpc>
+                        <a:spcBef>
+                          <a:spcPts val="0"/>
+                        </a:spcBef>
+                        <a:spcAft>
+                          <a:spcPts val="0"/>
+                        </a:spcAft>
+                        <a:buClrTx/>
+                        <a:buSzTx/>
+                        <a:buFontTx/>
+                        <a:buNone/>
+                        <a:tabLst/>
+                        <a:defRPr/>
+                      </a:pPr>
+                      <a:r>
+                        <a:rPr lang="en-US" altLang="ko-KR" sz="1200" kern="1200" dirty="0" err="1" smtClean="0">
+                          <a:solidFill>
+                            <a:schemeClr val="tx1"/>
+                          </a:solidFill>
+                          <a:latin typeface="+mn-lt"/>
+                          <a:ea typeface="+mn-ea"/>
+                          <a:cs typeface="+mn-cs"/>
+                        </a:rPr>
+                        <a:t>grossprofit_shop_selectTime</a:t>
+                      </a:r>
+                      <a:endParaRPr lang="ko-KR" altLang="en-US" sz="1200" i="0" dirty="0" smtClean="0"/>
+                    </a:p>
+                  </a:txBody>
+                  <a:tcPr anchor="ctr"/>
+                </a:tc>
+                <a:tc>
+                  <a:txBody>
+                    <a:bodyPr/>
+                    <a:lstStyle/>
+                    <a:p>
+                      <a:pPr marL="0" marR="0" indent="0" algn="l" defTabSz="914400" rtl="0" eaLnBrk="1" fontAlgn="auto" latinLnBrk="1" hangingPunct="1">
+                        <a:lnSpc>
+                          <a:spcPct val="100000"/>
+                        </a:lnSpc>
+                        <a:spcBef>
+                          <a:spcPts val="0"/>
+                        </a:spcBef>
+                        <a:spcAft>
+                          <a:spcPts val="0"/>
+                        </a:spcAft>
+                        <a:buClrTx/>
+                        <a:buSzTx/>
+                        <a:buFontTx/>
+                        <a:buNone/>
+                        <a:tabLst/>
+                        <a:defRPr/>
+                      </a:pPr>
+                      <a:r>
+                        <a:rPr lang="en-US" altLang="ko-KR" sz="1200" kern="1200" dirty="0" err="1" smtClean="0">
+                          <a:solidFill>
+                            <a:schemeClr val="tx1"/>
+                          </a:solidFill>
+                          <a:latin typeface="+mn-lt"/>
+                          <a:ea typeface="+mn-ea"/>
+                          <a:cs typeface="+mn-cs"/>
+                        </a:rPr>
+                        <a:t>grossprofit_shop_detail</a:t>
+                      </a:r>
+                      <a:endParaRPr lang="ko-KR" altLang="en-US" sz="1200" i="0" dirty="0" smtClean="0"/>
+                    </a:p>
+                  </a:txBody>
+                  <a:tcPr anchor="ctr"/>
+                </a:tc>
+              </a:tr>
+            </a:tbl>
+          </a:graphicData>
+        </a:graphic>
+      </p:graphicFrame>
+    </p:spTree>
+    <p:extLst>
+      <p:ext uri="{BB962C8B-B14F-4D97-AF65-F5344CB8AC3E}">
+        <p14:creationId xmlns:p14="http://schemas.microsoft.com/office/powerpoint/2010/main" val="322028089"/>
+      </p:ext>
+    </p:extLst>
+  </p:cSld>
+  <p:clrMapOvr>
+    <a:masterClrMapping/>
+  </p:clrMapOvr>
+</p:sld>
+</file>
+
+<file path=ppt/slides/slide7.xml><?xml version="1.0" encoding="utf-8"?>
+<p:sld xmlns:a="http://schemas.openxmlformats.org/drawingml/2006/main" xmlns:r="http://schemas.openxmlformats.org/officeDocument/2006/relationships" xmlns:p="http://schemas.openxmlformats.org/presentationml/2006/main">
+  <p:cSld>
+    <p:spTree>
+      <p:nvGrpSpPr>
+        <p:cNvPr id="1" name=""/>
+        <p:cNvGrpSpPr/>
+        <p:nvPr/>
+      </p:nvGrpSpPr>
+      <p:grpSpPr>
+        <a:xfrm>
+          <a:off x="0" y="0"/>
+          <a:ext cx="0" cy="0"/>
+          <a:chOff x="0" y="0"/>
+          <a:chExt cx="0" cy="0"/>
+        </a:xfrm>
+      </p:grpSpPr>
+      <p:sp>
+        <p:nvSpPr>
+          <p:cNvPr id="5" name="TextBox 4"/>
+          <p:cNvSpPr txBox="1"/>
+          <p:nvPr/>
+        </p:nvSpPr>
+        <p:spPr>
+          <a:xfrm>
+            <a:off x="251520" y="116632"/>
+            <a:ext cx="8352928" cy="369332"/>
+          </a:xfrm>
+          <a:prstGeom prst="rect">
+            <a:avLst/>
+          </a:prstGeom>
+          <a:noFill/>
+        </p:spPr>
+        <p:txBody>
+          <a:bodyPr wrap="square" rtlCol="0">
+            <a:spAutoFit/>
+          </a:bodyPr>
+          <a:lstStyle/>
+          <a:p>
+            <a:r>
+              <a:rPr lang="en-US" altLang="ko-KR" dirty="0"/>
+              <a:t>2. </a:t>
+            </a:r>
+            <a:r>
+              <a:rPr lang="ko-KR" altLang="en-US" dirty="0"/>
+              <a:t>관리자용 </a:t>
+            </a:r>
+            <a:r>
+              <a:rPr lang="en-US" altLang="ko-KR" dirty="0" smtClean="0"/>
+              <a:t>(admin/</a:t>
+            </a:r>
+            <a:r>
+              <a:rPr lang="en-US" altLang="ko-KR" dirty="0" err="1" smtClean="0"/>
+              <a:t>grossprofit</a:t>
+            </a:r>
+            <a:r>
+              <a:rPr lang="en-US" altLang="ko-KR" dirty="0" smtClean="0"/>
+              <a:t>/) </a:t>
+            </a:r>
+            <a:r>
+              <a:rPr lang="en-US" altLang="ko-KR" dirty="0"/>
+              <a:t>– </a:t>
+            </a:r>
+            <a:r>
+              <a:rPr lang="ko-KR" altLang="en-US" dirty="0"/>
+              <a:t>매출 총 이익</a:t>
+            </a:r>
+            <a:endParaRPr lang="ko-KR" altLang="en-US" dirty="0"/>
+          </a:p>
+        </p:txBody>
+      </p:sp>
+      <p:graphicFrame>
+        <p:nvGraphicFramePr>
+          <p:cNvPr id="2" name="표 1"/>
+          <p:cNvGraphicFramePr>
+            <a:graphicFrameLocks noGrp="1"/>
+          </p:cNvGraphicFramePr>
+          <p:nvPr>
+            <p:extLst>
+              <p:ext uri="{D42A27DB-BD31-4B8C-83A1-F6EECF244321}">
+                <p14:modId xmlns:p14="http://schemas.microsoft.com/office/powerpoint/2010/main" val="2840306775"/>
+              </p:ext>
+            </p:extLst>
+          </p:nvPr>
+        </p:nvGraphicFramePr>
+        <p:xfrm>
+          <a:off x="107503" y="692696"/>
+          <a:ext cx="8928992" cy="4095868"/>
+        </p:xfrm>
+        <a:graphic>
+          <a:graphicData uri="http://schemas.openxmlformats.org/drawingml/2006/table">
+            <a:tbl>
+              <a:tblPr firstRow="1" bandRow="1">
+                <a:tableStyleId>{5940675A-B579-460E-94D1-54222C63F5DA}</a:tableStyleId>
+              </a:tblPr>
+              <a:tblGrid>
+                <a:gridCol w="1528994"/>
+                <a:gridCol w="2466666"/>
+                <a:gridCol w="2466666"/>
+                <a:gridCol w="2466666"/>
+              </a:tblGrid>
+              <a:tr h="360040">
+                <a:tc>
+                  <a:txBody>
+                    <a:bodyPr/>
+                    <a:lstStyle/>
+                    <a:p>
+                      <a:pPr algn="ctr" latinLnBrk="1"/>
+                      <a:r>
+                        <a:rPr lang="ko-KR" altLang="en-US" sz="1000" b="1" dirty="0" smtClean="0">
+                          <a:solidFill>
+                            <a:schemeClr val="bg1"/>
+                          </a:solidFill>
+                        </a:rPr>
+                        <a:t>항목</a:t>
+                      </a:r>
+                      <a:endParaRPr lang="ko-KR" altLang="en-US" sz="1000" b="1" dirty="0">
+                        <a:solidFill>
+                          <a:schemeClr val="bg1"/>
+                        </a:solidFill>
+                      </a:endParaRPr>
+                    </a:p>
+                  </a:txBody>
+                  <a:tcPr anchor="ctr">
+                    <a:lnB w="12700" cap="flat" cmpd="sng" algn="ctr">
+                      <a:solidFill>
+                        <a:schemeClr val="tx1"/>
+                      </a:solidFill>
+                      <a:prstDash val="solid"/>
+                      <a:round/>
+                      <a:headEnd type="none" w="med" len="med"/>
+                      <a:tailEnd type="none" w="med" len="med"/>
+                    </a:lnB>
+                    <a:solidFill>
+                      <a:schemeClr val="accent3">
+                        <a:lumMod val="75000"/>
+                      </a:schemeClr>
+                    </a:solidFill>
+                  </a:tcPr>
+                </a:tc>
+                <a:tc>
+                  <a:txBody>
+                    <a:bodyPr/>
+                    <a:lstStyle/>
+                    <a:p>
+                      <a:pPr algn="ctr" latinLnBrk="1"/>
+                      <a:r>
+                        <a:rPr lang="ko-KR" altLang="en-US" sz="1000" b="1" dirty="0" smtClean="0">
+                          <a:solidFill>
+                            <a:schemeClr val="bg1"/>
+                          </a:solidFill>
+                        </a:rPr>
+                        <a:t>구매처 대금지급 내역</a:t>
+                      </a:r>
+                      <a:endParaRPr lang="ko-KR" altLang="en-US" sz="1000" b="1" dirty="0">
+                        <a:solidFill>
+                          <a:schemeClr val="bg1"/>
+                        </a:solidFill>
+                      </a:endParaRPr>
+                    </a:p>
+                  </a:txBody>
+                  <a:tcPr anchor="ctr">
+                    <a:solidFill>
+                      <a:schemeClr val="accent3">
+                        <a:lumMod val="75000"/>
+                      </a:schemeClr>
+                    </a:solidFill>
+                  </a:tcPr>
+                </a:tc>
+                <a:tc>
+                  <a:txBody>
+                    <a:bodyPr/>
+                    <a:lstStyle/>
+                    <a:p>
+                      <a:pPr algn="ctr" latinLnBrk="1"/>
+                      <a:r>
+                        <a:rPr lang="ko-KR" altLang="en-US" sz="1000" b="1" dirty="0" smtClean="0">
+                          <a:solidFill>
+                            <a:schemeClr val="bg1"/>
+                          </a:solidFill>
+                        </a:rPr>
+                        <a:t>구매처 월별</a:t>
+                      </a:r>
+                      <a:endParaRPr lang="en-US" altLang="ko-KR" sz="1000" b="1" dirty="0" smtClean="0">
+                        <a:solidFill>
+                          <a:schemeClr val="bg1"/>
+                        </a:solidFill>
+                      </a:endParaRPr>
+                    </a:p>
+                    <a:p>
+                      <a:pPr algn="ctr" latinLnBrk="1"/>
+                      <a:r>
+                        <a:rPr lang="ko-KR" altLang="en-US" sz="1000" b="1" dirty="0" smtClean="0">
+                          <a:solidFill>
+                            <a:schemeClr val="bg1"/>
+                          </a:solidFill>
+                        </a:rPr>
+                        <a:t>대금지급 내역</a:t>
+                      </a:r>
+                      <a:endParaRPr lang="ko-KR" altLang="en-US" sz="1000" b="1" dirty="0">
+                        <a:solidFill>
+                          <a:schemeClr val="bg1"/>
+                        </a:solidFill>
+                      </a:endParaRPr>
+                    </a:p>
+                  </a:txBody>
+                  <a:tcPr anchor="ctr">
+                    <a:solidFill>
+                      <a:schemeClr val="accent3">
+                        <a:lumMod val="75000"/>
+                      </a:schemeClr>
+                    </a:solidFill>
+                  </a:tcPr>
+                </a:tc>
+                <a:tc>
+                  <a:txBody>
+                    <a:bodyPr/>
+                    <a:lstStyle/>
+                    <a:p>
+                      <a:pPr algn="ctr" latinLnBrk="1"/>
+                      <a:r>
+                        <a:rPr lang="ko-KR" altLang="en-US" sz="1000" b="1" dirty="0" smtClean="0">
+                          <a:solidFill>
+                            <a:schemeClr val="bg1"/>
+                          </a:solidFill>
+                        </a:rPr>
+                        <a:t>구매처 별</a:t>
+                      </a:r>
+                      <a:endParaRPr lang="en-US" altLang="ko-KR" sz="1000" b="1" dirty="0" smtClean="0">
+                        <a:solidFill>
+                          <a:schemeClr val="bg1"/>
+                        </a:solidFill>
+                      </a:endParaRPr>
+                    </a:p>
+                    <a:p>
+                      <a:pPr algn="ctr" latinLnBrk="1"/>
+                      <a:r>
+                        <a:rPr lang="ko-KR" altLang="en-US" sz="1000" b="1" dirty="0" smtClean="0">
+                          <a:solidFill>
+                            <a:schemeClr val="bg1"/>
+                          </a:solidFill>
+                        </a:rPr>
+                        <a:t>상세</a:t>
+                      </a:r>
+                      <a:r>
+                        <a:rPr lang="ko-KR" altLang="en-US" sz="1000" b="1" baseline="0" dirty="0" smtClean="0">
+                          <a:solidFill>
+                            <a:schemeClr val="bg1"/>
+                          </a:solidFill>
+                        </a:rPr>
+                        <a:t> 발주 요금 내역</a:t>
+                      </a:r>
+                      <a:endParaRPr lang="ko-KR" altLang="en-US" sz="1000" b="1" dirty="0">
+                        <a:solidFill>
+                          <a:schemeClr val="bg1"/>
+                        </a:solidFill>
+                      </a:endParaRPr>
+                    </a:p>
+                  </a:txBody>
+                  <a:tcPr anchor="ctr">
+                    <a:solidFill>
+                      <a:schemeClr val="accent3">
+                        <a:lumMod val="75000"/>
+                      </a:schemeClr>
+                    </a:solidFill>
+                  </a:tcPr>
+                </a:tc>
+              </a:tr>
+              <a:tr h="604867">
+                <a:tc>
+                  <a:txBody>
+                    <a:bodyPr/>
+                    <a:lstStyle/>
+                    <a:p>
+                      <a:pPr algn="ctr" latinLnBrk="1"/>
+                      <a:r>
+                        <a:rPr lang="en-US" altLang="ko-KR" sz="1000" dirty="0" smtClean="0"/>
+                        <a:t>viewer</a:t>
+                      </a:r>
+                      <a:endParaRPr lang="ko-KR" altLang="en-US" sz="1000" dirty="0"/>
+                    </a:p>
+                  </a:txBody>
+                  <a:tcPr anchor="ctr">
+                    <a:lnT w="12700" cap="flat" cmpd="sng" algn="ctr">
+                      <a:solidFill>
+                        <a:schemeClr val="tx1"/>
+                      </a:solidFill>
+                      <a:prstDash val="solid"/>
+                      <a:round/>
+                      <a:headEnd type="none" w="med" len="med"/>
+                      <a:tailEnd type="none" w="med" len="med"/>
+                    </a:lnT>
+                  </a:tcPr>
+                </a:tc>
+                <a:tc>
+                  <a:txBody>
+                    <a:bodyPr/>
+                    <a:lstStyle/>
+                    <a:p>
+                      <a:pPr algn="l" latinLnBrk="1"/>
+                      <a:r>
+                        <a:rPr lang="en-US" altLang="ko-KR" sz="1200" kern="1200" dirty="0" err="1" smtClean="0">
+                          <a:solidFill>
+                            <a:schemeClr val="tx1"/>
+                          </a:solidFill>
+                          <a:latin typeface="+mn-lt"/>
+                          <a:ea typeface="+mn-ea"/>
+                          <a:cs typeface="+mn-cs"/>
+                        </a:rPr>
+                        <a:t>grossprofitAll</a:t>
+                      </a:r>
+                      <a:endParaRPr lang="ko-KR" altLang="en-US" sz="1200" i="0" dirty="0"/>
+                    </a:p>
+                  </a:txBody>
+                  <a:tcPr anchor="ctr"/>
+                </a:tc>
+                <a:tc>
+                  <a:txBody>
+                    <a:bodyPr/>
+                    <a:lstStyle/>
+                    <a:p>
+                      <a:pPr marL="0" marR="0" indent="0" algn="l" defTabSz="914400" rtl="0" eaLnBrk="1" fontAlgn="auto" latinLnBrk="1" hangingPunct="1">
+                        <a:lnSpc>
+                          <a:spcPct val="100000"/>
+                        </a:lnSpc>
+                        <a:spcBef>
+                          <a:spcPts val="0"/>
+                        </a:spcBef>
+                        <a:spcAft>
+                          <a:spcPts val="0"/>
+                        </a:spcAft>
+                        <a:buClrTx/>
+                        <a:buSzTx/>
+                        <a:buFontTx/>
+                        <a:buNone/>
+                        <a:tabLst/>
+                        <a:defRPr/>
+                      </a:pPr>
+                      <a:r>
+                        <a:rPr lang="en-US" altLang="ko-KR" sz="1200" kern="1200" dirty="0" err="1" smtClean="0">
+                          <a:solidFill>
+                            <a:schemeClr val="tx1"/>
+                          </a:solidFill>
+                          <a:latin typeface="+mn-lt"/>
+                          <a:ea typeface="+mn-ea"/>
+                          <a:cs typeface="+mn-cs"/>
+                        </a:rPr>
+                        <a:t>grossprofit_buying</a:t>
+                      </a:r>
+                      <a:endParaRPr lang="ko-KR" altLang="en-US" sz="1200" i="0" dirty="0" smtClean="0"/>
+                    </a:p>
+                  </a:txBody>
+                  <a:tcPr anchor="ctr"/>
+                </a:tc>
+                <a:tc>
+                  <a:txBody>
+                    <a:bodyPr/>
+                    <a:lstStyle/>
+                    <a:p>
+                      <a:pPr marL="0" marR="0" indent="0" algn="l" defTabSz="914400" rtl="0" eaLnBrk="1" fontAlgn="auto" latinLnBrk="1" hangingPunct="1">
+                        <a:lnSpc>
+                          <a:spcPct val="100000"/>
+                        </a:lnSpc>
+                        <a:spcBef>
+                          <a:spcPts val="0"/>
+                        </a:spcBef>
+                        <a:spcAft>
+                          <a:spcPts val="0"/>
+                        </a:spcAft>
+                        <a:buClrTx/>
+                        <a:buSzTx/>
+                        <a:buFontTx/>
+                        <a:buNone/>
+                        <a:tabLst/>
+                        <a:defRPr/>
+                      </a:pPr>
+                      <a:r>
+                        <a:rPr lang="en-US" altLang="ko-KR" sz="1200" kern="1200" dirty="0" err="1" smtClean="0">
+                          <a:solidFill>
+                            <a:schemeClr val="tx1"/>
+                          </a:solidFill>
+                          <a:latin typeface="+mn-lt"/>
+                          <a:ea typeface="+mn-ea"/>
+                          <a:cs typeface="+mn-cs"/>
+                        </a:rPr>
+                        <a:t>grossprofit_buying</a:t>
+                      </a:r>
+                      <a:endParaRPr lang="en-US" altLang="ko-KR" sz="1200" kern="1200" dirty="0" smtClean="0">
+                        <a:solidFill>
+                          <a:schemeClr val="tx1"/>
+                        </a:solidFill>
+                        <a:latin typeface="+mn-lt"/>
+                        <a:ea typeface="+mn-ea"/>
+                        <a:cs typeface="+mn-cs"/>
+                      </a:endParaRPr>
+                    </a:p>
+                    <a:p>
+                      <a:pPr marL="0" marR="0" indent="0" algn="l" defTabSz="914400" rtl="0" eaLnBrk="1" fontAlgn="auto" latinLnBrk="1" hangingPunct="1">
+                        <a:lnSpc>
+                          <a:spcPct val="100000"/>
+                        </a:lnSpc>
+                        <a:spcBef>
+                          <a:spcPts val="0"/>
+                        </a:spcBef>
+                        <a:spcAft>
+                          <a:spcPts val="0"/>
+                        </a:spcAft>
+                        <a:buClrTx/>
+                        <a:buSzTx/>
+                        <a:buFontTx/>
+                        <a:buNone/>
+                        <a:tabLst/>
+                        <a:defRPr/>
+                      </a:pPr>
+                      <a:r>
+                        <a:rPr lang="en-US" altLang="ko-KR" sz="1200" kern="1200" dirty="0" err="1" smtClean="0">
+                          <a:solidFill>
+                            <a:schemeClr val="tx1"/>
+                          </a:solidFill>
+                          <a:latin typeface="+mn-lt"/>
+                          <a:ea typeface="+mn-ea"/>
+                          <a:cs typeface="+mn-cs"/>
+                        </a:rPr>
+                        <a:t>grossprofit_buying_selectTime</a:t>
+                      </a:r>
+                      <a:endParaRPr lang="ko-KR" altLang="en-US" sz="1200" i="0" dirty="0" smtClean="0"/>
+                    </a:p>
+                  </a:txBody>
+                  <a:tcPr anchor="ctr"/>
+                </a:tc>
+              </a:tr>
+              <a:tr h="604867">
+                <a:tc>
+                  <a:txBody>
+                    <a:bodyPr/>
+                    <a:lstStyle/>
+                    <a:p>
+                      <a:pPr algn="ctr" latinLnBrk="1"/>
+                      <a:r>
+                        <a:rPr lang="en-US" altLang="ko-KR" sz="1000" dirty="0" smtClean="0"/>
+                        <a:t>Control</a:t>
+                      </a:r>
+                      <a:endParaRPr lang="ko-KR" altLang="en-US" sz="1000" dirty="0"/>
+                    </a:p>
+                  </a:txBody>
+                  <a:tcPr anchor="ctr"/>
+                </a:tc>
+                <a:tc gridSpan="3">
+                  <a:txBody>
+                    <a:bodyPr/>
+                    <a:lstStyle/>
+                    <a:p>
+                      <a:pPr algn="ctr" latinLnBrk="1"/>
+                      <a:r>
+                        <a:rPr lang="en-US" altLang="ko-KR" sz="1200" kern="1200" dirty="0" err="1" smtClean="0">
+                          <a:solidFill>
+                            <a:schemeClr val="tx1"/>
+                          </a:solidFill>
+                          <a:latin typeface="+mn-lt"/>
+                          <a:ea typeface="+mn-ea"/>
+                          <a:cs typeface="+mn-cs"/>
+                        </a:rPr>
+                        <a:t>OrdersProc</a:t>
+                      </a:r>
+                      <a:endParaRPr lang="ko-KR" altLang="en-US" sz="1200" i="0" dirty="0"/>
+                    </a:p>
+                  </a:txBody>
+                  <a:tcPr anchor="ctr"/>
+                </a:tc>
+                <a:tc hMerge="1">
+                  <a:txBody>
+                    <a:bodyPr/>
+                    <a:lstStyle/>
+                    <a:p>
+                      <a:pPr algn="ctr" latinLnBrk="1"/>
+                      <a:endParaRPr lang="ko-KR" altLang="en-US" sz="1200" i="0" dirty="0"/>
+                    </a:p>
+                  </a:txBody>
+                  <a:tcPr anchor="ctr"/>
+                </a:tc>
+                <a:tc hMerge="1">
+                  <a:txBody>
+                    <a:bodyPr/>
+                    <a:lstStyle/>
+                    <a:p>
+                      <a:pPr algn="ctr" latinLnBrk="1"/>
+                      <a:endParaRPr lang="ko-KR" altLang="en-US" sz="1200" i="0" dirty="0"/>
+                    </a:p>
+                  </a:txBody>
+                  <a:tcPr anchor="ctr"/>
+                </a:tc>
+              </a:tr>
+              <a:tr h="604867">
+                <a:tc>
+                  <a:txBody>
+                    <a:bodyPr/>
+                    <a:lstStyle/>
+                    <a:p>
+                      <a:pPr algn="ctr" latinLnBrk="1"/>
+                      <a:r>
+                        <a:rPr lang="en-US" altLang="ko-KR" sz="1000" dirty="0" smtClean="0"/>
+                        <a:t>Action</a:t>
+                      </a:r>
+                      <a:endParaRPr lang="ko-KR" altLang="en-US" sz="1000" dirty="0"/>
+                    </a:p>
+                  </a:txBody>
+                  <a:tcPr anchor="ctr"/>
+                </a:tc>
+                <a:tc>
+                  <a:txBody>
+                    <a:bodyPr/>
+                    <a:lstStyle/>
+                    <a:p>
+                      <a:pPr algn="l" latinLnBrk="1"/>
+                      <a:r>
+                        <a:rPr lang="en-US" altLang="ko-KR" sz="1200" i="0" kern="1200" dirty="0" err="1" smtClean="0">
+                          <a:solidFill>
+                            <a:schemeClr val="tx1"/>
+                          </a:solidFill>
+                          <a:latin typeface="+mn-lt"/>
+                          <a:ea typeface="+mn-ea"/>
+                          <a:cs typeface="+mn-cs"/>
+                        </a:rPr>
+                        <a:t>buyingprofitAll</a:t>
+                      </a:r>
+                      <a:endParaRPr lang="ko-KR" altLang="en-US" sz="1200" i="0" dirty="0"/>
+                    </a:p>
+                  </a:txBody>
+                  <a:tcPr anchor="ctr"/>
+                </a:tc>
+                <a:tc>
+                  <a:txBody>
+                    <a:bodyPr/>
+                    <a:lstStyle/>
+                    <a:p>
+                      <a:pPr algn="l" latinLnBrk="1"/>
+                      <a:r>
+                        <a:rPr lang="en-US" altLang="ko-KR" sz="1200" i="0" dirty="0" err="1" smtClean="0"/>
+                        <a:t>buyingselectTime</a:t>
+                      </a:r>
+                      <a:endParaRPr lang="ko-KR" altLang="en-US" sz="1200" i="0" dirty="0"/>
+                    </a:p>
+                  </a:txBody>
+                  <a:tcPr anchor="ctr"/>
+                </a:tc>
+                <a:tc>
+                  <a:txBody>
+                    <a:bodyPr/>
+                    <a:lstStyle/>
+                    <a:p>
+                      <a:pPr algn="l" latinLnBrk="1"/>
+                      <a:r>
+                        <a:rPr lang="en-US" altLang="ko-KR" sz="1200" i="0" dirty="0" err="1" smtClean="0"/>
+                        <a:t>buyingprofit_detail</a:t>
+                      </a:r>
+                      <a:endParaRPr lang="ko-KR" altLang="en-US" sz="1200" i="0" dirty="0"/>
+                    </a:p>
+                  </a:txBody>
+                  <a:tcPr anchor="ctr"/>
+                </a:tc>
+              </a:tr>
+              <a:tr h="604867">
+                <a:tc>
+                  <a:txBody>
+                    <a:bodyPr/>
+                    <a:lstStyle/>
+                    <a:p>
+                      <a:pPr algn="ctr" latinLnBrk="1"/>
+                      <a:r>
+                        <a:rPr lang="en-US" altLang="ko-KR" sz="1000" dirty="0" smtClean="0"/>
+                        <a:t>Get</a:t>
+                      </a:r>
+                      <a:endParaRPr lang="ko-KR" altLang="en-US" sz="1000" dirty="0"/>
+                    </a:p>
+                  </a:txBody>
+                  <a:tcPr anchor="ctr"/>
+                </a:tc>
+                <a:tc>
+                  <a:txBody>
+                    <a:bodyPr/>
+                    <a:lstStyle/>
+                    <a:p>
+                      <a:pPr algn="l" latinLnBrk="1"/>
+                      <a:endParaRPr lang="ko-KR" altLang="en-US" sz="1200" i="0" dirty="0"/>
+                    </a:p>
+                  </a:txBody>
+                  <a:tcPr anchor="ctr"/>
+                </a:tc>
+                <a:tc>
+                  <a:txBody>
+                    <a:bodyPr/>
+                    <a:lstStyle/>
+                    <a:p>
+                      <a:pPr algn="l" latinLnBrk="1"/>
+                      <a:r>
+                        <a:rPr lang="en-US" altLang="ko-KR" sz="1200" kern="1200" dirty="0" err="1" smtClean="0">
+                          <a:solidFill>
+                            <a:schemeClr val="tx1"/>
+                          </a:solidFill>
+                          <a:latin typeface="+mn-lt"/>
+                          <a:ea typeface="+mn-ea"/>
+                          <a:cs typeface="+mn-cs"/>
+                        </a:rPr>
+                        <a:t>dateInventory</a:t>
+                      </a:r>
+                      <a:endParaRPr lang="ko-KR" altLang="en-US" sz="1200" i="0" dirty="0" smtClean="0"/>
+                    </a:p>
+                  </a:txBody>
+                  <a:tcPr anchor="ctr"/>
+                </a:tc>
+                <a:tc>
+                  <a:txBody>
+                    <a:bodyPr/>
+                    <a:lstStyle/>
+                    <a:p>
+                      <a:pPr marL="0" marR="0" indent="0" algn="l" defTabSz="914400" rtl="0" eaLnBrk="1" fontAlgn="auto" latinLnBrk="1" hangingPunct="1">
+                        <a:lnSpc>
+                          <a:spcPct val="100000"/>
+                        </a:lnSpc>
+                        <a:spcBef>
+                          <a:spcPts val="0"/>
+                        </a:spcBef>
+                        <a:spcAft>
+                          <a:spcPts val="0"/>
+                        </a:spcAft>
+                        <a:buClrTx/>
+                        <a:buSzTx/>
+                        <a:buFontTx/>
+                        <a:buNone/>
+                        <a:tabLst/>
+                        <a:defRPr/>
+                      </a:pPr>
+                      <a:r>
+                        <a:rPr lang="en-US" altLang="ko-KR" sz="1200" kern="1200" dirty="0" err="1" smtClean="0">
+                          <a:solidFill>
+                            <a:schemeClr val="tx1"/>
+                          </a:solidFill>
+                          <a:latin typeface="+mn-lt"/>
+                          <a:ea typeface="+mn-ea"/>
+                          <a:cs typeface="+mn-cs"/>
+                        </a:rPr>
+                        <a:t>b_time</a:t>
+                      </a:r>
+                      <a:endParaRPr lang="en-US" altLang="ko-KR" sz="1200" kern="1200" dirty="0" smtClean="0">
+                        <a:solidFill>
+                          <a:schemeClr val="tx1"/>
+                        </a:solidFill>
+                        <a:latin typeface="+mn-lt"/>
+                        <a:ea typeface="+mn-ea"/>
+                        <a:cs typeface="+mn-cs"/>
+                      </a:endParaRPr>
+                    </a:p>
+                    <a:p>
+                      <a:pPr marL="0" marR="0" indent="0" algn="l" defTabSz="914400" rtl="0" eaLnBrk="1" fontAlgn="auto" latinLnBrk="1" hangingPunct="1">
+                        <a:lnSpc>
+                          <a:spcPct val="100000"/>
+                        </a:lnSpc>
+                        <a:spcBef>
+                          <a:spcPts val="0"/>
+                        </a:spcBef>
+                        <a:spcAft>
+                          <a:spcPts val="0"/>
+                        </a:spcAft>
+                        <a:buClrTx/>
+                        <a:buSzTx/>
+                        <a:buFontTx/>
+                        <a:buNone/>
+                        <a:tabLst/>
+                        <a:defRPr/>
+                      </a:pPr>
+                      <a:r>
+                        <a:rPr lang="en-US" altLang="ko-KR" sz="1200" kern="1200" dirty="0" err="1" smtClean="0">
+                          <a:solidFill>
+                            <a:schemeClr val="tx1"/>
+                          </a:solidFill>
+                          <a:latin typeface="+mn-lt"/>
+                          <a:ea typeface="+mn-ea"/>
+                          <a:cs typeface="+mn-cs"/>
+                        </a:rPr>
+                        <a:t>buycode</a:t>
+                      </a:r>
+                      <a:endParaRPr lang="en-US" altLang="ko-KR" sz="1200" kern="1200" dirty="0" smtClean="0">
+                        <a:solidFill>
+                          <a:schemeClr val="tx1"/>
+                        </a:solidFill>
+                        <a:latin typeface="+mn-lt"/>
+                        <a:ea typeface="+mn-ea"/>
+                        <a:cs typeface="+mn-cs"/>
+                      </a:endParaRPr>
+                    </a:p>
+                    <a:p>
+                      <a:pPr marL="0" marR="0" indent="0" algn="l" defTabSz="914400" rtl="0" eaLnBrk="1" fontAlgn="auto" latinLnBrk="1" hangingPunct="1">
+                        <a:lnSpc>
+                          <a:spcPct val="100000"/>
+                        </a:lnSpc>
+                        <a:spcBef>
+                          <a:spcPts val="0"/>
+                        </a:spcBef>
+                        <a:spcAft>
+                          <a:spcPts val="0"/>
+                        </a:spcAft>
+                        <a:buClrTx/>
+                        <a:buSzTx/>
+                        <a:buFontTx/>
+                        <a:buNone/>
+                        <a:tabLst/>
+                        <a:defRPr/>
+                      </a:pPr>
+                      <a:r>
+                        <a:rPr lang="en-US" altLang="ko-KR" sz="1200" kern="1200" dirty="0" err="1" smtClean="0">
+                          <a:solidFill>
+                            <a:schemeClr val="tx1"/>
+                          </a:solidFill>
+                          <a:latin typeface="+mn-lt"/>
+                          <a:ea typeface="+mn-ea"/>
+                          <a:cs typeface="+mn-cs"/>
+                        </a:rPr>
+                        <a:t>b_name</a:t>
+                      </a:r>
+                      <a:endParaRPr lang="en-US" altLang="ko-KR" sz="1200" i="0" dirty="0" smtClean="0"/>
+                    </a:p>
+                  </a:txBody>
+                  <a:tcPr anchor="ctr"/>
+                </a:tc>
+              </a:tr>
+              <a:tr h="604867">
+                <a:tc>
+                  <a:txBody>
+                    <a:bodyPr/>
+                    <a:lstStyle/>
+                    <a:p>
+                      <a:pPr algn="ctr" latinLnBrk="1"/>
+                      <a:r>
+                        <a:rPr lang="en-US" altLang="ko-KR" sz="1000" dirty="0" smtClean="0"/>
+                        <a:t>Session</a:t>
+                      </a:r>
+                      <a:endParaRPr lang="ko-KR" altLang="en-US" sz="1000" dirty="0"/>
+                    </a:p>
+                  </a:txBody>
+                  <a:tcPr anchor="ctr"/>
+                </a:tc>
+                <a:tc>
+                  <a:txBody>
+                    <a:bodyPr/>
+                    <a:lstStyle/>
+                    <a:p>
+                      <a:pPr algn="l" latinLnBrk="1"/>
+                      <a:r>
+                        <a:rPr lang="en-US" altLang="ko-KR" sz="1200" kern="1200" dirty="0" err="1" smtClean="0">
+                          <a:solidFill>
+                            <a:schemeClr val="tx1"/>
+                          </a:solidFill>
+                          <a:latin typeface="+mn-lt"/>
+                          <a:ea typeface="+mn-ea"/>
+                          <a:cs typeface="+mn-cs"/>
+                        </a:rPr>
+                        <a:t>buyingProfit</a:t>
+                      </a:r>
+                      <a:endParaRPr lang="ko-KR" altLang="en-US" sz="1200" i="0" u="none" dirty="0"/>
+                    </a:p>
+                  </a:txBody>
+                  <a:tcPr anchor="ctr"/>
+                </a:tc>
+                <a:tc>
+                  <a:txBody>
+                    <a:bodyPr/>
+                    <a:lstStyle/>
+                    <a:p>
+                      <a:pPr algn="l" latinLnBrk="1"/>
+                      <a:r>
+                        <a:rPr lang="en-US" altLang="ko-KR" sz="1200" kern="1200" dirty="0" err="1" smtClean="0">
+                          <a:solidFill>
+                            <a:schemeClr val="tx1"/>
+                          </a:solidFill>
+                          <a:latin typeface="+mn-lt"/>
+                          <a:ea typeface="+mn-ea"/>
+                          <a:cs typeface="+mn-cs"/>
+                        </a:rPr>
+                        <a:t>dateInventory</a:t>
+                      </a:r>
+                      <a:endParaRPr lang="en-US" altLang="ko-KR" sz="1200" kern="1200" dirty="0" smtClean="0">
+                        <a:solidFill>
+                          <a:schemeClr val="tx1"/>
+                        </a:solidFill>
+                        <a:latin typeface="+mn-lt"/>
+                        <a:ea typeface="+mn-ea"/>
+                        <a:cs typeface="+mn-cs"/>
+                      </a:endParaRPr>
+                    </a:p>
+                    <a:p>
+                      <a:pPr algn="l" latinLnBrk="1"/>
+                      <a:r>
+                        <a:rPr lang="en-US" altLang="ko-KR" sz="1200" kern="1200" dirty="0" err="1" smtClean="0">
+                          <a:solidFill>
+                            <a:schemeClr val="tx1"/>
+                          </a:solidFill>
+                          <a:latin typeface="+mn-lt"/>
+                          <a:ea typeface="+mn-ea"/>
+                          <a:cs typeface="+mn-cs"/>
+                        </a:rPr>
+                        <a:t>buyingProfit</a:t>
+                      </a:r>
+                      <a:endParaRPr lang="ko-KR" altLang="en-US" sz="1200" i="0" u="none" dirty="0"/>
+                    </a:p>
+                  </a:txBody>
+                  <a:tcPr anchor="ctr"/>
+                </a:tc>
+                <a:tc>
+                  <a:txBody>
+                    <a:bodyPr/>
+                    <a:lstStyle/>
+                    <a:p>
+                      <a:pPr algn="l" latinLnBrk="1"/>
+                      <a:r>
+                        <a:rPr lang="en-US" altLang="ko-KR" sz="1200" kern="1200" dirty="0" err="1" smtClean="0">
+                          <a:solidFill>
+                            <a:schemeClr val="tx1"/>
+                          </a:solidFill>
+                          <a:latin typeface="+mn-lt"/>
+                          <a:ea typeface="+mn-ea"/>
+                          <a:cs typeface="+mn-cs"/>
+                        </a:rPr>
+                        <a:t>b_name</a:t>
+                      </a:r>
+                      <a:endParaRPr lang="en-US" altLang="ko-KR" sz="1200" kern="1200" dirty="0" smtClean="0">
+                        <a:solidFill>
+                          <a:schemeClr val="tx1"/>
+                        </a:solidFill>
+                        <a:latin typeface="+mn-lt"/>
+                        <a:ea typeface="+mn-ea"/>
+                        <a:cs typeface="+mn-cs"/>
+                      </a:endParaRPr>
+                    </a:p>
+                    <a:p>
+                      <a:pPr algn="l" latinLnBrk="1"/>
+                      <a:r>
+                        <a:rPr lang="en-US" altLang="ko-KR" sz="1200" kern="1200" dirty="0" err="1" smtClean="0">
+                          <a:solidFill>
+                            <a:schemeClr val="tx1"/>
+                          </a:solidFill>
+                          <a:latin typeface="+mn-lt"/>
+                          <a:ea typeface="+mn-ea"/>
+                          <a:cs typeface="+mn-cs"/>
+                        </a:rPr>
+                        <a:t>buycode</a:t>
+                      </a:r>
+                      <a:endParaRPr lang="en-US" altLang="ko-KR" sz="1200" kern="1200" dirty="0" smtClean="0">
+                        <a:solidFill>
+                          <a:schemeClr val="tx1"/>
+                        </a:solidFill>
+                        <a:latin typeface="+mn-lt"/>
+                        <a:ea typeface="+mn-ea"/>
+                        <a:cs typeface="+mn-cs"/>
+                      </a:endParaRPr>
+                    </a:p>
+                    <a:p>
+                      <a:pPr algn="l" latinLnBrk="1"/>
+                      <a:r>
+                        <a:rPr lang="en-US" altLang="ko-KR" sz="1200" kern="1200" dirty="0" err="1" smtClean="0">
+                          <a:solidFill>
+                            <a:schemeClr val="tx1"/>
+                          </a:solidFill>
+                          <a:latin typeface="+mn-lt"/>
+                          <a:ea typeface="+mn-ea"/>
+                          <a:cs typeface="+mn-cs"/>
+                        </a:rPr>
+                        <a:t>buyingList_detail</a:t>
+                      </a:r>
+                      <a:endParaRPr lang="ko-KR" altLang="en-US" sz="1200" i="0" u="none" dirty="0"/>
+                    </a:p>
+                  </a:txBody>
+                  <a:tcPr anchor="ctr"/>
+                </a:tc>
+              </a:tr>
+              <a:tr h="604867">
+                <a:tc>
+                  <a:txBody>
+                    <a:bodyPr/>
+                    <a:lstStyle/>
+                    <a:p>
+                      <a:pPr algn="ctr" latinLnBrk="1"/>
+                      <a:r>
+                        <a:rPr lang="ko-KR" altLang="en-US" sz="1000" dirty="0" smtClean="0"/>
+                        <a:t>처리 후 </a:t>
+                      </a:r>
+                      <a:endParaRPr lang="en-US" altLang="ko-KR" sz="1000" dirty="0" smtClean="0"/>
+                    </a:p>
+                    <a:p>
+                      <a:pPr algn="ctr" latinLnBrk="1"/>
+                      <a:r>
+                        <a:rPr lang="ko-KR" altLang="en-US" sz="1000" dirty="0" smtClean="0"/>
+                        <a:t>화면</a:t>
+                      </a:r>
+                      <a:endParaRPr lang="ko-KR" altLang="en-US" sz="1000" dirty="0"/>
+                    </a:p>
+                  </a:txBody>
+                  <a:tcPr anchor="ctr"/>
+                </a:tc>
+                <a:tc>
+                  <a:txBody>
+                    <a:bodyPr/>
+                    <a:lstStyle/>
+                    <a:p>
+                      <a:pPr algn="l" latinLnBrk="1"/>
+                      <a:r>
+                        <a:rPr lang="en-US" altLang="ko-KR" sz="1200" kern="1200" dirty="0" err="1" smtClean="0">
+                          <a:solidFill>
+                            <a:schemeClr val="tx1"/>
+                          </a:solidFill>
+                          <a:latin typeface="+mn-lt"/>
+                          <a:ea typeface="+mn-ea"/>
+                          <a:cs typeface="+mn-cs"/>
+                        </a:rPr>
+                        <a:t>grossprofit_buying</a:t>
+                      </a:r>
+                      <a:endParaRPr lang="ko-KR" altLang="en-US" sz="1200" i="0" dirty="0"/>
+                    </a:p>
+                  </a:txBody>
+                  <a:tcPr anchor="ctr"/>
+                </a:tc>
+                <a:tc>
+                  <a:txBody>
+                    <a:bodyPr/>
+                    <a:lstStyle/>
+                    <a:p>
+                      <a:pPr algn="l" latinLnBrk="1"/>
+                      <a:r>
+                        <a:rPr lang="en-US" altLang="ko-KR" sz="1200" kern="1200" dirty="0" err="1" smtClean="0">
+                          <a:solidFill>
+                            <a:schemeClr val="tx1"/>
+                          </a:solidFill>
+                          <a:latin typeface="+mn-lt"/>
+                          <a:ea typeface="+mn-ea"/>
+                          <a:cs typeface="+mn-cs"/>
+                        </a:rPr>
+                        <a:t>grossprofit_buying_selectTime</a:t>
+                      </a:r>
+                      <a:endParaRPr lang="ko-KR" altLang="en-US" sz="1200" b="0" i="0" dirty="0"/>
+                    </a:p>
+                  </a:txBody>
+                  <a:tcPr anchor="ctr"/>
+                </a:tc>
+                <a:tc>
+                  <a:txBody>
+                    <a:bodyPr/>
+                    <a:lstStyle/>
+                    <a:p>
+                      <a:pPr marL="0" marR="0" indent="0" algn="l" defTabSz="914400" rtl="0" eaLnBrk="1" fontAlgn="auto" latinLnBrk="1" hangingPunct="1">
+                        <a:lnSpc>
+                          <a:spcPct val="100000"/>
+                        </a:lnSpc>
+                        <a:spcBef>
+                          <a:spcPts val="0"/>
+                        </a:spcBef>
+                        <a:spcAft>
+                          <a:spcPts val="0"/>
+                        </a:spcAft>
+                        <a:buClrTx/>
+                        <a:buSzTx/>
+                        <a:buFontTx/>
+                        <a:buNone/>
+                        <a:tabLst/>
+                        <a:defRPr/>
+                      </a:pPr>
+                      <a:r>
+                        <a:rPr lang="en-US" altLang="ko-KR" sz="1200" kern="1200" dirty="0" err="1" smtClean="0">
+                          <a:solidFill>
+                            <a:schemeClr val="tx1"/>
+                          </a:solidFill>
+                          <a:latin typeface="+mn-lt"/>
+                          <a:ea typeface="+mn-ea"/>
+                          <a:cs typeface="+mn-cs"/>
+                        </a:rPr>
+                        <a:t>grossprofit_buying_detail</a:t>
+                      </a:r>
+                      <a:endParaRPr lang="ko-KR" altLang="en-US" sz="1200" i="0" dirty="0" smtClean="0"/>
+                    </a:p>
+                  </a:txBody>
+                  <a:tcPr anchor="ctr"/>
+                </a:tc>
+              </a:tr>
+            </a:tbl>
+          </a:graphicData>
+        </a:graphic>
+      </p:graphicFrame>
+    </p:spTree>
+    <p:extLst>
+      <p:ext uri="{BB962C8B-B14F-4D97-AF65-F5344CB8AC3E}">
+        <p14:creationId xmlns:p14="http://schemas.microsoft.com/office/powerpoint/2010/main" val="3022974576"/>
+      </p:ext>
+    </p:extLst>
+  </p:cSld>
+  <p:clrMapOvr>
+    <a:masterClrMapping/>
+  </p:clrMapOvr>
+</p:sld>
+</file>
+
+<file path=ppt/slides/slide8.xml><?xml version="1.0" encoding="utf-8"?>
+<p:sld xmlns:a="http://schemas.openxmlformats.org/drawingml/2006/main" xmlns:r="http://schemas.openxmlformats.org/officeDocument/2006/relationships" xmlns:p="http://schemas.openxmlformats.org/presentationml/2006/main">
+  <p:cSld>
+    <p:spTree>
+      <p:nvGrpSpPr>
+        <p:cNvPr id="1" name=""/>
+        <p:cNvGrpSpPr/>
+        <p:nvPr/>
+      </p:nvGrpSpPr>
+      <p:grpSpPr>
+        <a:xfrm>
+          <a:off x="0" y="0"/>
+          <a:ext cx="0" cy="0"/>
+          <a:chOff x="0" y="0"/>
+          <a:chExt cx="0" cy="0"/>
+        </a:xfrm>
+      </p:grpSpPr>
+      <p:sp>
+        <p:nvSpPr>
+          <p:cNvPr id="5" name="TextBox 4"/>
+          <p:cNvSpPr txBox="1"/>
+          <p:nvPr/>
+        </p:nvSpPr>
+        <p:spPr>
+          <a:xfrm>
+            <a:off x="251520" y="116632"/>
+            <a:ext cx="8352928" cy="369332"/>
+          </a:xfrm>
+          <a:prstGeom prst="rect">
+            <a:avLst/>
+          </a:prstGeom>
+          <a:noFill/>
+        </p:spPr>
+        <p:txBody>
+          <a:bodyPr wrap="square" rtlCol="0">
+            <a:spAutoFit/>
+          </a:bodyPr>
+          <a:lstStyle/>
+          <a:p>
+            <a:r>
+              <a:rPr lang="en-US" altLang="ko-KR" dirty="0"/>
+              <a:t>2. </a:t>
+            </a:r>
+            <a:r>
+              <a:rPr lang="ko-KR" altLang="en-US" dirty="0"/>
+              <a:t>관리자용 </a:t>
+            </a:r>
+            <a:r>
+              <a:rPr lang="en-US" altLang="ko-KR" dirty="0" smtClean="0"/>
+              <a:t>(admin/</a:t>
+            </a:r>
+            <a:r>
+              <a:rPr lang="en-US" altLang="ko-KR" dirty="0" err="1" smtClean="0"/>
+              <a:t>grossprofit</a:t>
+            </a:r>
+            <a:r>
+              <a:rPr lang="en-US" altLang="ko-KR" dirty="0" smtClean="0"/>
+              <a:t>/) </a:t>
+            </a:r>
+            <a:r>
+              <a:rPr lang="en-US" altLang="ko-KR" dirty="0"/>
+              <a:t>– </a:t>
+            </a:r>
+            <a:r>
+              <a:rPr lang="ko-KR" altLang="en-US" dirty="0"/>
+              <a:t>매출 총 이익</a:t>
+            </a:r>
+            <a:endParaRPr lang="ko-KR" altLang="en-US" dirty="0"/>
+          </a:p>
+        </p:txBody>
+      </p:sp>
+      <p:graphicFrame>
+        <p:nvGraphicFramePr>
+          <p:cNvPr id="2" name="표 1"/>
+          <p:cNvGraphicFramePr>
+            <a:graphicFrameLocks noGrp="1"/>
+          </p:cNvGraphicFramePr>
+          <p:nvPr>
+            <p:extLst>
+              <p:ext uri="{D42A27DB-BD31-4B8C-83A1-F6EECF244321}">
+                <p14:modId xmlns:p14="http://schemas.microsoft.com/office/powerpoint/2010/main" val="4002858754"/>
+              </p:ext>
+            </p:extLst>
+          </p:nvPr>
+        </p:nvGraphicFramePr>
+        <p:xfrm>
+          <a:off x="107503" y="692696"/>
+          <a:ext cx="8928992" cy="4095868"/>
+        </p:xfrm>
+        <a:graphic>
+          <a:graphicData uri="http://schemas.openxmlformats.org/drawingml/2006/table">
+            <a:tbl>
+              <a:tblPr firstRow="1" bandRow="1">
+                <a:tableStyleId>{5940675A-B579-460E-94D1-54222C63F5DA}</a:tableStyleId>
+              </a:tblPr>
+              <a:tblGrid>
+                <a:gridCol w="1528994"/>
+                <a:gridCol w="2466666"/>
+                <a:gridCol w="2466666"/>
+                <a:gridCol w="2466666"/>
+              </a:tblGrid>
+              <a:tr h="360040">
+                <a:tc>
+                  <a:txBody>
+                    <a:bodyPr/>
+                    <a:lstStyle/>
+                    <a:p>
+                      <a:pPr algn="ctr" latinLnBrk="1"/>
+                      <a:r>
+                        <a:rPr lang="ko-KR" altLang="en-US" sz="1000" b="1" dirty="0" smtClean="0">
+                          <a:solidFill>
+                            <a:schemeClr val="bg1"/>
+                          </a:solidFill>
+                        </a:rPr>
+                        <a:t>항목</a:t>
+                      </a:r>
+                      <a:endParaRPr lang="ko-KR" altLang="en-US" sz="1000" b="1" dirty="0">
+                        <a:solidFill>
+                          <a:schemeClr val="bg1"/>
+                        </a:solidFill>
+                      </a:endParaRPr>
+                    </a:p>
+                  </a:txBody>
+                  <a:tcPr anchor="ctr">
+                    <a:lnB w="12700" cap="flat" cmpd="sng" algn="ctr">
+                      <a:solidFill>
+                        <a:schemeClr val="tx1"/>
+                      </a:solidFill>
+                      <a:prstDash val="solid"/>
+                      <a:round/>
+                      <a:headEnd type="none" w="med" len="med"/>
+                      <a:tailEnd type="none" w="med" len="med"/>
+                    </a:lnB>
+                    <a:solidFill>
+                      <a:schemeClr val="accent3">
+                        <a:lumMod val="75000"/>
+                      </a:schemeClr>
+                    </a:solidFill>
+                  </a:tcPr>
+                </a:tc>
+                <a:tc>
+                  <a:txBody>
+                    <a:bodyPr/>
+                    <a:lstStyle/>
+                    <a:p>
+                      <a:pPr algn="ctr" latinLnBrk="1"/>
+                      <a:r>
+                        <a:rPr lang="ko-KR" altLang="en-US" sz="1000" b="1" dirty="0" smtClean="0">
+                          <a:solidFill>
+                            <a:schemeClr val="bg1"/>
+                          </a:solidFill>
+                        </a:rPr>
+                        <a:t>운송회사 </a:t>
+                      </a:r>
+                      <a:endParaRPr lang="en-US" altLang="ko-KR" sz="1000" b="1" dirty="0" smtClean="0">
+                        <a:solidFill>
+                          <a:schemeClr val="bg1"/>
+                        </a:solidFill>
+                      </a:endParaRPr>
+                    </a:p>
+                    <a:p>
+                      <a:pPr algn="ctr" latinLnBrk="1"/>
+                      <a:r>
+                        <a:rPr lang="ko-KR" altLang="en-US" sz="1000" b="1" dirty="0" smtClean="0">
+                          <a:solidFill>
+                            <a:schemeClr val="bg1"/>
+                          </a:solidFill>
+                        </a:rPr>
+                        <a:t>대금지급 내역</a:t>
+                      </a:r>
+                      <a:endParaRPr lang="ko-KR" altLang="en-US" sz="1000" b="1" dirty="0">
+                        <a:solidFill>
+                          <a:schemeClr val="bg1"/>
+                        </a:solidFill>
+                      </a:endParaRPr>
+                    </a:p>
+                  </a:txBody>
+                  <a:tcPr anchor="ctr">
+                    <a:solidFill>
+                      <a:schemeClr val="accent3">
+                        <a:lumMod val="75000"/>
+                      </a:schemeClr>
+                    </a:solidFill>
+                  </a:tcPr>
+                </a:tc>
+                <a:tc>
+                  <a:txBody>
+                    <a:bodyPr/>
+                    <a:lstStyle/>
+                    <a:p>
+                      <a:pPr algn="ctr" latinLnBrk="1"/>
+                      <a:r>
+                        <a:rPr lang="ko-KR" altLang="en-US" sz="1000" b="1" dirty="0" smtClean="0">
+                          <a:solidFill>
+                            <a:schemeClr val="bg1"/>
+                          </a:solidFill>
+                        </a:rPr>
+                        <a:t>운송회사 월별</a:t>
+                      </a:r>
+                      <a:endParaRPr lang="en-US" altLang="ko-KR" sz="1000" b="1" dirty="0" smtClean="0">
+                        <a:solidFill>
+                          <a:schemeClr val="bg1"/>
+                        </a:solidFill>
+                      </a:endParaRPr>
+                    </a:p>
+                    <a:p>
+                      <a:pPr algn="ctr" latinLnBrk="1"/>
+                      <a:r>
+                        <a:rPr lang="ko-KR" altLang="en-US" sz="1000" b="1" dirty="0" smtClean="0">
+                          <a:solidFill>
+                            <a:schemeClr val="bg1"/>
+                          </a:solidFill>
+                        </a:rPr>
+                        <a:t>대금지급 내역</a:t>
+                      </a:r>
+                      <a:endParaRPr lang="ko-KR" altLang="en-US" sz="1000" b="1" dirty="0">
+                        <a:solidFill>
+                          <a:schemeClr val="bg1"/>
+                        </a:solidFill>
+                      </a:endParaRPr>
+                    </a:p>
+                  </a:txBody>
+                  <a:tcPr anchor="ctr">
+                    <a:solidFill>
+                      <a:schemeClr val="accent3">
+                        <a:lumMod val="75000"/>
+                      </a:schemeClr>
+                    </a:solidFill>
+                  </a:tcPr>
+                </a:tc>
+                <a:tc>
+                  <a:txBody>
+                    <a:bodyPr/>
+                    <a:lstStyle/>
+                    <a:p>
+                      <a:pPr algn="ctr" latinLnBrk="1"/>
+                      <a:r>
+                        <a:rPr lang="ko-KR" altLang="en-US" sz="1000" b="1" dirty="0" smtClean="0">
+                          <a:solidFill>
+                            <a:schemeClr val="bg1"/>
+                          </a:solidFill>
+                        </a:rPr>
+                        <a:t>운송회사별</a:t>
+                      </a:r>
+                      <a:endParaRPr lang="en-US" altLang="ko-KR" sz="1000" b="1" dirty="0" smtClean="0">
+                        <a:solidFill>
+                          <a:schemeClr val="bg1"/>
+                        </a:solidFill>
+                      </a:endParaRPr>
+                    </a:p>
+                    <a:p>
+                      <a:pPr algn="ctr" latinLnBrk="1"/>
+                      <a:r>
+                        <a:rPr lang="ko-KR" altLang="en-US" sz="1000" b="1" dirty="0" smtClean="0">
+                          <a:solidFill>
+                            <a:schemeClr val="bg1"/>
+                          </a:solidFill>
+                        </a:rPr>
+                        <a:t>상세 </a:t>
+                      </a:r>
+                      <a:r>
+                        <a:rPr lang="ko-KR" altLang="en-US" sz="1000" b="1" dirty="0" smtClean="0">
+                          <a:solidFill>
+                            <a:schemeClr val="bg1"/>
+                          </a:solidFill>
+                        </a:rPr>
+                        <a:t>운송 </a:t>
+                      </a:r>
+                      <a:r>
+                        <a:rPr lang="ko-KR" altLang="en-US" sz="1000" b="1" dirty="0" smtClean="0">
+                          <a:solidFill>
+                            <a:schemeClr val="bg1"/>
+                          </a:solidFill>
+                        </a:rPr>
+                        <a:t>내역</a:t>
+                      </a:r>
+                      <a:endParaRPr lang="ko-KR" altLang="en-US" sz="1000" b="1" dirty="0">
+                        <a:solidFill>
+                          <a:schemeClr val="bg1"/>
+                        </a:solidFill>
+                      </a:endParaRPr>
+                    </a:p>
+                  </a:txBody>
+                  <a:tcPr anchor="ctr">
+                    <a:solidFill>
+                      <a:schemeClr val="accent3">
+                        <a:lumMod val="75000"/>
+                      </a:schemeClr>
+                    </a:solidFill>
+                  </a:tcPr>
+                </a:tc>
+              </a:tr>
+              <a:tr h="604867">
+                <a:tc>
+                  <a:txBody>
+                    <a:bodyPr/>
+                    <a:lstStyle/>
+                    <a:p>
+                      <a:pPr algn="ctr" latinLnBrk="1"/>
+                      <a:r>
+                        <a:rPr lang="en-US" altLang="ko-KR" sz="1000" dirty="0" smtClean="0"/>
+                        <a:t>viewer</a:t>
+                      </a:r>
+                      <a:endParaRPr lang="ko-KR" altLang="en-US" sz="1000" dirty="0"/>
+                    </a:p>
+                  </a:txBody>
+                  <a:tcPr anchor="ctr">
+                    <a:lnT w="12700" cap="flat" cmpd="sng" algn="ctr">
+                      <a:solidFill>
+                        <a:schemeClr val="tx1"/>
+                      </a:solidFill>
+                      <a:prstDash val="solid"/>
+                      <a:round/>
+                      <a:headEnd type="none" w="med" len="med"/>
+                      <a:tailEnd type="none" w="med" len="med"/>
+                    </a:lnT>
+                  </a:tcPr>
+                </a:tc>
+                <a:tc>
+                  <a:txBody>
+                    <a:bodyPr/>
+                    <a:lstStyle/>
+                    <a:p>
+                      <a:pPr marL="0" marR="0" indent="0" algn="l" defTabSz="914400" rtl="0" eaLnBrk="1" fontAlgn="auto" latinLnBrk="1" hangingPunct="1">
+                        <a:lnSpc>
+                          <a:spcPct val="100000"/>
+                        </a:lnSpc>
+                        <a:spcBef>
+                          <a:spcPts val="0"/>
+                        </a:spcBef>
+                        <a:spcAft>
+                          <a:spcPts val="0"/>
+                        </a:spcAft>
+                        <a:buClrTx/>
+                        <a:buSzTx/>
+                        <a:buFontTx/>
+                        <a:buNone/>
+                        <a:tabLst/>
+                        <a:defRPr/>
+                      </a:pPr>
+                      <a:r>
+                        <a:rPr lang="en-US" altLang="ko-KR" sz="1200" kern="1200" dirty="0" err="1" smtClean="0">
+                          <a:solidFill>
+                            <a:schemeClr val="tx1"/>
+                          </a:solidFill>
+                          <a:latin typeface="+mn-lt"/>
+                          <a:ea typeface="+mn-ea"/>
+                          <a:cs typeface="+mn-cs"/>
+                        </a:rPr>
+                        <a:t>grossprofitAll</a:t>
+                      </a:r>
+                      <a:endParaRPr lang="ko-KR" altLang="en-US" sz="1200" i="0" dirty="0" smtClean="0"/>
+                    </a:p>
+                  </a:txBody>
+                  <a:tcPr anchor="ctr"/>
+                </a:tc>
+                <a:tc>
+                  <a:txBody>
+                    <a:bodyPr/>
+                    <a:lstStyle/>
+                    <a:p>
+                      <a:pPr marL="0" marR="0" indent="0" algn="l" defTabSz="914400" rtl="0" eaLnBrk="1" fontAlgn="auto" latinLnBrk="1" hangingPunct="1">
+                        <a:lnSpc>
+                          <a:spcPct val="100000"/>
+                        </a:lnSpc>
+                        <a:spcBef>
+                          <a:spcPts val="0"/>
+                        </a:spcBef>
+                        <a:spcAft>
+                          <a:spcPts val="0"/>
+                        </a:spcAft>
+                        <a:buClrTx/>
+                        <a:buSzTx/>
+                        <a:buFontTx/>
+                        <a:buNone/>
+                        <a:tabLst/>
+                        <a:defRPr/>
+                      </a:pPr>
+                      <a:r>
+                        <a:rPr lang="en-US" altLang="ko-KR" sz="1200" kern="1200" dirty="0" err="1" smtClean="0">
+                          <a:solidFill>
+                            <a:schemeClr val="tx1"/>
+                          </a:solidFill>
+                          <a:latin typeface="+mn-lt"/>
+                          <a:ea typeface="+mn-ea"/>
+                          <a:cs typeface="+mn-cs"/>
+                        </a:rPr>
+                        <a:t>grossprofit_ship</a:t>
+                      </a:r>
+                      <a:endParaRPr lang="ko-KR" altLang="en-US" sz="1200" i="0" dirty="0" smtClean="0"/>
+                    </a:p>
+                  </a:txBody>
+                  <a:tcPr anchor="ctr"/>
+                </a:tc>
+                <a:tc>
+                  <a:txBody>
+                    <a:bodyPr/>
+                    <a:lstStyle/>
+                    <a:p>
+                      <a:pPr marL="0" marR="0" indent="0" algn="l" defTabSz="914400" rtl="0" eaLnBrk="1" fontAlgn="auto" latinLnBrk="1" hangingPunct="1">
+                        <a:lnSpc>
+                          <a:spcPct val="100000"/>
+                        </a:lnSpc>
+                        <a:spcBef>
+                          <a:spcPts val="0"/>
+                        </a:spcBef>
+                        <a:spcAft>
+                          <a:spcPts val="0"/>
+                        </a:spcAft>
+                        <a:buClrTx/>
+                        <a:buSzTx/>
+                        <a:buFontTx/>
+                        <a:buNone/>
+                        <a:tabLst/>
+                        <a:defRPr/>
+                      </a:pPr>
+                      <a:r>
+                        <a:rPr lang="en-US" altLang="ko-KR" sz="1200" kern="1200" dirty="0" err="1" smtClean="0">
+                          <a:solidFill>
+                            <a:schemeClr val="tx1"/>
+                          </a:solidFill>
+                          <a:latin typeface="+mn-lt"/>
+                          <a:ea typeface="+mn-ea"/>
+                          <a:cs typeface="+mn-cs"/>
+                        </a:rPr>
+                        <a:t>grossprofit_ship</a:t>
+                      </a:r>
+                      <a:endParaRPr lang="en-US" altLang="ko-KR" sz="1200" kern="1200" dirty="0" smtClean="0">
+                        <a:solidFill>
+                          <a:schemeClr val="tx1"/>
+                        </a:solidFill>
+                        <a:latin typeface="+mn-lt"/>
+                        <a:ea typeface="+mn-ea"/>
+                        <a:cs typeface="+mn-cs"/>
+                      </a:endParaRPr>
+                    </a:p>
+                    <a:p>
+                      <a:pPr marL="0" marR="0" indent="0" algn="l" defTabSz="914400" rtl="0" eaLnBrk="1" fontAlgn="auto" latinLnBrk="1" hangingPunct="1">
+                        <a:lnSpc>
+                          <a:spcPct val="100000"/>
+                        </a:lnSpc>
+                        <a:spcBef>
+                          <a:spcPts val="0"/>
+                        </a:spcBef>
+                        <a:spcAft>
+                          <a:spcPts val="0"/>
+                        </a:spcAft>
+                        <a:buClrTx/>
+                        <a:buSzTx/>
+                        <a:buFontTx/>
+                        <a:buNone/>
+                        <a:tabLst/>
+                        <a:defRPr/>
+                      </a:pPr>
+                      <a:r>
+                        <a:rPr lang="en-US" altLang="ko-KR" sz="1200" kern="1200" dirty="0" err="1" smtClean="0">
+                          <a:solidFill>
+                            <a:schemeClr val="tx1"/>
+                          </a:solidFill>
+                          <a:latin typeface="+mn-lt"/>
+                          <a:ea typeface="+mn-ea"/>
+                          <a:cs typeface="+mn-cs"/>
+                        </a:rPr>
+                        <a:t>grossprofit_ship_selectTime</a:t>
+                      </a:r>
+                      <a:endParaRPr lang="ko-KR" altLang="en-US" sz="1200" i="0" dirty="0" smtClean="0"/>
+                    </a:p>
+                  </a:txBody>
+                  <a:tcPr anchor="ctr"/>
+                </a:tc>
+              </a:tr>
+              <a:tr h="604867">
+                <a:tc>
+                  <a:txBody>
+                    <a:bodyPr/>
+                    <a:lstStyle/>
+                    <a:p>
+                      <a:pPr algn="ctr" latinLnBrk="1"/>
+                      <a:r>
+                        <a:rPr lang="en-US" altLang="ko-KR" sz="1000" dirty="0" smtClean="0"/>
+                        <a:t>Control</a:t>
+                      </a:r>
+                      <a:endParaRPr lang="ko-KR" altLang="en-US" sz="1000" dirty="0"/>
+                    </a:p>
+                  </a:txBody>
+                  <a:tcPr anchor="ctr"/>
+                </a:tc>
+                <a:tc gridSpan="3">
+                  <a:txBody>
+                    <a:bodyPr/>
+                    <a:lstStyle/>
+                    <a:p>
+                      <a:pPr algn="ctr" latinLnBrk="1"/>
+                      <a:r>
+                        <a:rPr lang="en-US" altLang="ko-KR" sz="1200" i="0" dirty="0" err="1" smtClean="0"/>
+                        <a:t>WaybillProc</a:t>
+                      </a:r>
+                      <a:endParaRPr lang="ko-KR" altLang="en-US" sz="1200" i="0" dirty="0"/>
+                    </a:p>
+                  </a:txBody>
+                  <a:tcPr anchor="ctr"/>
+                </a:tc>
+                <a:tc hMerge="1">
+                  <a:txBody>
+                    <a:bodyPr/>
+                    <a:lstStyle/>
+                    <a:p>
+                      <a:pPr algn="ctr" latinLnBrk="1"/>
+                      <a:endParaRPr lang="ko-KR" altLang="en-US" sz="1200" i="0" dirty="0"/>
+                    </a:p>
+                  </a:txBody>
+                  <a:tcPr anchor="ctr"/>
+                </a:tc>
+                <a:tc hMerge="1">
+                  <a:txBody>
+                    <a:bodyPr/>
+                    <a:lstStyle/>
+                    <a:p>
+                      <a:pPr algn="ctr" latinLnBrk="1"/>
+                      <a:endParaRPr lang="ko-KR" altLang="en-US" sz="1200" i="0" dirty="0"/>
+                    </a:p>
+                  </a:txBody>
+                  <a:tcPr anchor="ctr"/>
+                </a:tc>
+              </a:tr>
+              <a:tr h="604867">
+                <a:tc>
+                  <a:txBody>
+                    <a:bodyPr/>
+                    <a:lstStyle/>
+                    <a:p>
+                      <a:pPr algn="ctr" latinLnBrk="1"/>
+                      <a:r>
+                        <a:rPr lang="en-US" altLang="ko-KR" sz="1000" dirty="0" smtClean="0"/>
+                        <a:t>Action</a:t>
+                      </a:r>
+                      <a:endParaRPr lang="ko-KR" altLang="en-US" sz="1000" dirty="0"/>
+                    </a:p>
+                  </a:txBody>
+                  <a:tcPr anchor="ctr"/>
+                </a:tc>
+                <a:tc>
+                  <a:txBody>
+                    <a:bodyPr/>
+                    <a:lstStyle/>
+                    <a:p>
+                      <a:pPr algn="l" latinLnBrk="1"/>
+                      <a:r>
+                        <a:rPr lang="en-US" altLang="ko-KR" sz="1200" i="0" dirty="0" err="1" smtClean="0"/>
+                        <a:t>shipprofitAll</a:t>
+                      </a:r>
+                      <a:endParaRPr lang="ko-KR" altLang="en-US" sz="1200" i="0" dirty="0"/>
+                    </a:p>
+                  </a:txBody>
+                  <a:tcPr anchor="ctr"/>
+                </a:tc>
+                <a:tc>
+                  <a:txBody>
+                    <a:bodyPr/>
+                    <a:lstStyle/>
+                    <a:p>
+                      <a:pPr algn="l" latinLnBrk="1"/>
+                      <a:r>
+                        <a:rPr lang="en-US" altLang="ko-KR" sz="1200" i="0" dirty="0" err="1" smtClean="0"/>
+                        <a:t>shipselectTime</a:t>
+                      </a:r>
+                      <a:endParaRPr lang="ko-KR" altLang="en-US" sz="1200" i="0" dirty="0"/>
+                    </a:p>
+                  </a:txBody>
+                  <a:tcPr anchor="ctr"/>
+                </a:tc>
+                <a:tc>
+                  <a:txBody>
+                    <a:bodyPr/>
+                    <a:lstStyle/>
+                    <a:p>
+                      <a:pPr algn="l" latinLnBrk="1"/>
+                      <a:r>
+                        <a:rPr lang="en-US" altLang="ko-KR" sz="1200" i="0" dirty="0" err="1" smtClean="0"/>
+                        <a:t>shipprofit_detail</a:t>
+                      </a:r>
+                      <a:endParaRPr lang="ko-KR" altLang="en-US" sz="1200" i="0" dirty="0"/>
+                    </a:p>
+                  </a:txBody>
+                  <a:tcPr anchor="ctr"/>
+                </a:tc>
+              </a:tr>
+              <a:tr h="604867">
+                <a:tc>
+                  <a:txBody>
+                    <a:bodyPr/>
+                    <a:lstStyle/>
+                    <a:p>
+                      <a:pPr algn="ctr" latinLnBrk="1"/>
+                      <a:r>
+                        <a:rPr lang="en-US" altLang="ko-KR" sz="1000" dirty="0" smtClean="0"/>
+                        <a:t>Get</a:t>
+                      </a:r>
+                      <a:endParaRPr lang="ko-KR" altLang="en-US" sz="1000" dirty="0"/>
+                    </a:p>
+                  </a:txBody>
+                  <a:tcPr anchor="ctr"/>
+                </a:tc>
+                <a:tc>
+                  <a:txBody>
+                    <a:bodyPr/>
+                    <a:lstStyle/>
+                    <a:p>
+                      <a:pPr algn="l" latinLnBrk="1"/>
+                      <a:endParaRPr lang="ko-KR" altLang="en-US" sz="1200" i="0" dirty="0"/>
+                    </a:p>
+                  </a:txBody>
+                  <a:tcPr anchor="ctr"/>
+                </a:tc>
+                <a:tc>
+                  <a:txBody>
+                    <a:bodyPr/>
+                    <a:lstStyle/>
+                    <a:p>
+                      <a:pPr algn="l" latinLnBrk="1"/>
+                      <a:r>
+                        <a:rPr lang="en-US" altLang="ko-KR" sz="1200" kern="1200" dirty="0" err="1" smtClean="0">
+                          <a:solidFill>
+                            <a:schemeClr val="tx1"/>
+                          </a:solidFill>
+                          <a:latin typeface="+mn-lt"/>
+                          <a:ea typeface="+mn-ea"/>
+                          <a:cs typeface="+mn-cs"/>
+                        </a:rPr>
+                        <a:t>dateInventory</a:t>
+                      </a:r>
+                      <a:endParaRPr lang="ko-KR" altLang="en-US" sz="1200" i="0" dirty="0" smtClean="0"/>
+                    </a:p>
+                  </a:txBody>
+                  <a:tcPr anchor="ctr"/>
+                </a:tc>
+                <a:tc>
+                  <a:txBody>
+                    <a:bodyPr/>
+                    <a:lstStyle/>
+                    <a:p>
+                      <a:pPr marL="0" marR="0" indent="0" algn="l" defTabSz="914400" rtl="0" eaLnBrk="1" fontAlgn="auto" latinLnBrk="1" hangingPunct="1">
+                        <a:lnSpc>
+                          <a:spcPct val="100000"/>
+                        </a:lnSpc>
+                        <a:spcBef>
+                          <a:spcPts val="0"/>
+                        </a:spcBef>
+                        <a:spcAft>
+                          <a:spcPts val="0"/>
+                        </a:spcAft>
+                        <a:buClrTx/>
+                        <a:buSzTx/>
+                        <a:buFontTx/>
+                        <a:buNone/>
+                        <a:tabLst/>
+                        <a:defRPr/>
+                      </a:pPr>
+                      <a:r>
+                        <a:rPr lang="en-US" altLang="ko-KR" sz="1200" kern="1200" dirty="0" err="1" smtClean="0">
+                          <a:solidFill>
+                            <a:schemeClr val="tx1"/>
+                          </a:solidFill>
+                          <a:latin typeface="+mn-lt"/>
+                          <a:ea typeface="+mn-ea"/>
+                          <a:cs typeface="+mn-cs"/>
+                        </a:rPr>
+                        <a:t>w_time</a:t>
+                      </a:r>
+                      <a:endParaRPr lang="en-US" altLang="ko-KR" sz="1200" kern="1200" dirty="0" smtClean="0">
+                        <a:solidFill>
+                          <a:schemeClr val="tx1"/>
+                        </a:solidFill>
+                        <a:latin typeface="+mn-lt"/>
+                        <a:ea typeface="+mn-ea"/>
+                        <a:cs typeface="+mn-cs"/>
+                      </a:endParaRPr>
+                    </a:p>
+                    <a:p>
+                      <a:pPr marL="0" marR="0" indent="0" algn="l" defTabSz="914400" rtl="0" eaLnBrk="1" fontAlgn="auto" latinLnBrk="1" hangingPunct="1">
+                        <a:lnSpc>
+                          <a:spcPct val="100000"/>
+                        </a:lnSpc>
+                        <a:spcBef>
+                          <a:spcPts val="0"/>
+                        </a:spcBef>
+                        <a:spcAft>
+                          <a:spcPts val="0"/>
+                        </a:spcAft>
+                        <a:buClrTx/>
+                        <a:buSzTx/>
+                        <a:buFontTx/>
+                        <a:buNone/>
+                        <a:tabLst/>
+                        <a:defRPr/>
+                      </a:pPr>
+                      <a:r>
+                        <a:rPr lang="en-US" altLang="ko-KR" sz="1200" kern="1200" dirty="0" err="1" smtClean="0">
+                          <a:solidFill>
+                            <a:schemeClr val="tx1"/>
+                          </a:solidFill>
+                          <a:latin typeface="+mn-lt"/>
+                          <a:ea typeface="+mn-ea"/>
+                          <a:cs typeface="+mn-cs"/>
+                        </a:rPr>
+                        <a:t>waycode</a:t>
+                      </a:r>
+                      <a:endParaRPr lang="en-US" altLang="ko-KR" sz="1200" kern="1200" dirty="0" smtClean="0">
+                        <a:solidFill>
+                          <a:schemeClr val="tx1"/>
+                        </a:solidFill>
+                        <a:latin typeface="+mn-lt"/>
+                        <a:ea typeface="+mn-ea"/>
+                        <a:cs typeface="+mn-cs"/>
+                      </a:endParaRPr>
+                    </a:p>
+                    <a:p>
+                      <a:pPr marL="0" marR="0" indent="0" algn="l" defTabSz="914400" rtl="0" eaLnBrk="1" fontAlgn="auto" latinLnBrk="1" hangingPunct="1">
+                        <a:lnSpc>
+                          <a:spcPct val="100000"/>
+                        </a:lnSpc>
+                        <a:spcBef>
+                          <a:spcPts val="0"/>
+                        </a:spcBef>
+                        <a:spcAft>
+                          <a:spcPts val="0"/>
+                        </a:spcAft>
+                        <a:buClrTx/>
+                        <a:buSzTx/>
+                        <a:buFontTx/>
+                        <a:buNone/>
+                        <a:tabLst/>
+                        <a:defRPr/>
+                      </a:pPr>
+                      <a:r>
+                        <a:rPr lang="en-US" altLang="ko-KR" sz="1200" kern="1200" dirty="0" err="1" smtClean="0">
+                          <a:solidFill>
+                            <a:schemeClr val="tx1"/>
+                          </a:solidFill>
+                          <a:latin typeface="+mn-lt"/>
+                          <a:ea typeface="+mn-ea"/>
+                          <a:cs typeface="+mn-cs"/>
+                        </a:rPr>
+                        <a:t>w_name</a:t>
+                      </a:r>
+                      <a:endParaRPr lang="en-US" altLang="ko-KR" sz="1200" i="0" dirty="0" smtClean="0"/>
+                    </a:p>
+                  </a:txBody>
+                  <a:tcPr anchor="ctr"/>
+                </a:tc>
+              </a:tr>
+              <a:tr h="604867">
+                <a:tc>
+                  <a:txBody>
+                    <a:bodyPr/>
+                    <a:lstStyle/>
+                    <a:p>
+                      <a:pPr algn="ctr" latinLnBrk="1"/>
+                      <a:r>
+                        <a:rPr lang="en-US" altLang="ko-KR" sz="1000" dirty="0" smtClean="0"/>
+                        <a:t>Session</a:t>
+                      </a:r>
+                      <a:endParaRPr lang="ko-KR" altLang="en-US" sz="1000" dirty="0"/>
+                    </a:p>
+                  </a:txBody>
+                  <a:tcPr anchor="ctr"/>
+                </a:tc>
+                <a:tc>
+                  <a:txBody>
+                    <a:bodyPr/>
+                    <a:lstStyle/>
+                    <a:p>
+                      <a:pPr algn="l" latinLnBrk="1"/>
+                      <a:r>
+                        <a:rPr lang="en-US" altLang="ko-KR" sz="1200" kern="1200" dirty="0" err="1" smtClean="0">
+                          <a:solidFill>
+                            <a:schemeClr val="tx1"/>
+                          </a:solidFill>
+                          <a:latin typeface="+mn-lt"/>
+                          <a:ea typeface="+mn-ea"/>
+                          <a:cs typeface="+mn-cs"/>
+                        </a:rPr>
+                        <a:t>shipProfit</a:t>
+                      </a:r>
+                      <a:endParaRPr lang="ko-KR" altLang="en-US" sz="1200" i="0" u="none" dirty="0"/>
+                    </a:p>
+                  </a:txBody>
+                  <a:tcPr anchor="ctr"/>
+                </a:tc>
+                <a:tc>
+                  <a:txBody>
+                    <a:bodyPr/>
+                    <a:lstStyle/>
+                    <a:p>
+                      <a:pPr algn="l" latinLnBrk="1"/>
+                      <a:r>
+                        <a:rPr lang="en-US" altLang="ko-KR" sz="1200" kern="1200" dirty="0" err="1" smtClean="0">
+                          <a:solidFill>
+                            <a:schemeClr val="tx1"/>
+                          </a:solidFill>
+                          <a:latin typeface="+mn-lt"/>
+                          <a:ea typeface="+mn-ea"/>
+                          <a:cs typeface="+mn-cs"/>
+                        </a:rPr>
+                        <a:t>dateInventory</a:t>
+                      </a:r>
+                      <a:endParaRPr lang="en-US" altLang="ko-KR" sz="1200" kern="1200" dirty="0" smtClean="0">
+                        <a:solidFill>
+                          <a:schemeClr val="tx1"/>
+                        </a:solidFill>
+                        <a:latin typeface="+mn-lt"/>
+                        <a:ea typeface="+mn-ea"/>
+                        <a:cs typeface="+mn-cs"/>
+                      </a:endParaRPr>
+                    </a:p>
+                    <a:p>
+                      <a:pPr algn="l" latinLnBrk="1"/>
+                      <a:r>
+                        <a:rPr lang="en-US" altLang="ko-KR" sz="1200" kern="1200" dirty="0" err="1" smtClean="0">
+                          <a:solidFill>
+                            <a:schemeClr val="tx1"/>
+                          </a:solidFill>
+                          <a:latin typeface="+mn-lt"/>
+                          <a:ea typeface="+mn-ea"/>
+                          <a:cs typeface="+mn-cs"/>
+                        </a:rPr>
+                        <a:t>shipProfit</a:t>
+                      </a:r>
+                      <a:endParaRPr lang="ko-KR" altLang="en-US" sz="1200" i="0" u="none" dirty="0"/>
+                    </a:p>
+                  </a:txBody>
+                  <a:tcPr anchor="ctr"/>
+                </a:tc>
+                <a:tc>
+                  <a:txBody>
+                    <a:bodyPr/>
+                    <a:lstStyle/>
+                    <a:p>
+                      <a:pPr algn="l" latinLnBrk="1"/>
+                      <a:r>
+                        <a:rPr lang="en-US" altLang="ko-KR" sz="1200" kern="1200" dirty="0" err="1" smtClean="0">
+                          <a:solidFill>
+                            <a:schemeClr val="tx1"/>
+                          </a:solidFill>
+                          <a:latin typeface="+mn-lt"/>
+                          <a:ea typeface="+mn-ea"/>
+                          <a:cs typeface="+mn-cs"/>
+                        </a:rPr>
+                        <a:t>waycode</a:t>
+                      </a:r>
+                      <a:endParaRPr lang="en-US" altLang="ko-KR" sz="1200" kern="1200" dirty="0" smtClean="0">
+                        <a:solidFill>
+                          <a:schemeClr val="tx1"/>
+                        </a:solidFill>
+                        <a:latin typeface="+mn-lt"/>
+                        <a:ea typeface="+mn-ea"/>
+                        <a:cs typeface="+mn-cs"/>
+                      </a:endParaRPr>
+                    </a:p>
+                    <a:p>
+                      <a:pPr algn="l" latinLnBrk="1"/>
+                      <a:r>
+                        <a:rPr lang="en-US" altLang="ko-KR" sz="1200" kern="1200" dirty="0" err="1" smtClean="0">
+                          <a:solidFill>
+                            <a:schemeClr val="tx1"/>
+                          </a:solidFill>
+                          <a:latin typeface="+mn-lt"/>
+                          <a:ea typeface="+mn-ea"/>
+                          <a:cs typeface="+mn-cs"/>
+                        </a:rPr>
+                        <a:t>w_name</a:t>
+                      </a:r>
+                      <a:endParaRPr lang="en-US" altLang="ko-KR" sz="1200" kern="1200" dirty="0" smtClean="0">
+                        <a:solidFill>
+                          <a:schemeClr val="tx1"/>
+                        </a:solidFill>
+                        <a:latin typeface="+mn-lt"/>
+                        <a:ea typeface="+mn-ea"/>
+                        <a:cs typeface="+mn-cs"/>
+                      </a:endParaRPr>
+                    </a:p>
+                    <a:p>
+                      <a:pPr algn="l" latinLnBrk="1"/>
+                      <a:r>
+                        <a:rPr lang="en-US" altLang="ko-KR" sz="1200" kern="1200" dirty="0" err="1" smtClean="0">
+                          <a:solidFill>
+                            <a:schemeClr val="tx1"/>
+                          </a:solidFill>
+                          <a:latin typeface="+mn-lt"/>
+                          <a:ea typeface="+mn-ea"/>
+                          <a:cs typeface="+mn-cs"/>
+                        </a:rPr>
+                        <a:t>shipList_detail</a:t>
+                      </a:r>
+                      <a:endParaRPr lang="ko-KR" altLang="en-US" sz="1200" i="0" u="none" dirty="0"/>
+                    </a:p>
+                  </a:txBody>
+                  <a:tcPr anchor="ctr"/>
+                </a:tc>
+              </a:tr>
+              <a:tr h="604867">
+                <a:tc>
+                  <a:txBody>
+                    <a:bodyPr/>
+                    <a:lstStyle/>
+                    <a:p>
+                      <a:pPr algn="ctr" latinLnBrk="1"/>
+                      <a:r>
+                        <a:rPr lang="ko-KR" altLang="en-US" sz="1000" dirty="0" smtClean="0"/>
+                        <a:t>처리 후 </a:t>
+                      </a:r>
+                      <a:endParaRPr lang="en-US" altLang="ko-KR" sz="1000" dirty="0" smtClean="0"/>
+                    </a:p>
+                    <a:p>
+                      <a:pPr algn="ctr" latinLnBrk="1"/>
+                      <a:r>
+                        <a:rPr lang="ko-KR" altLang="en-US" sz="1000" dirty="0" smtClean="0"/>
+                        <a:t>화면</a:t>
+                      </a:r>
+                      <a:endParaRPr lang="ko-KR" altLang="en-US" sz="1000" dirty="0"/>
+                    </a:p>
+                  </a:txBody>
+                  <a:tcPr anchor="ctr"/>
+                </a:tc>
+                <a:tc>
+                  <a:txBody>
+                    <a:bodyPr/>
+                    <a:lstStyle/>
+                    <a:p>
+                      <a:pPr algn="l" latinLnBrk="1"/>
+                      <a:r>
+                        <a:rPr lang="en-US" altLang="ko-KR" sz="1200" kern="1200" dirty="0" err="1" smtClean="0">
+                          <a:solidFill>
+                            <a:schemeClr val="tx1"/>
+                          </a:solidFill>
+                          <a:latin typeface="+mn-lt"/>
+                          <a:ea typeface="+mn-ea"/>
+                          <a:cs typeface="+mn-cs"/>
+                        </a:rPr>
+                        <a:t>grossprofit_ship</a:t>
+                      </a:r>
+                      <a:endParaRPr lang="ko-KR" altLang="en-US" sz="1200" i="0" dirty="0"/>
+                    </a:p>
+                  </a:txBody>
+                  <a:tcPr anchor="ctr"/>
+                </a:tc>
+                <a:tc>
+                  <a:txBody>
+                    <a:bodyPr/>
+                    <a:lstStyle/>
+                    <a:p>
+                      <a:pPr algn="l" latinLnBrk="1"/>
+                      <a:r>
+                        <a:rPr lang="en-US" altLang="ko-KR" sz="1200" kern="1200" dirty="0" err="1" smtClean="0">
+                          <a:solidFill>
+                            <a:schemeClr val="tx1"/>
+                          </a:solidFill>
+                          <a:latin typeface="+mn-lt"/>
+                          <a:ea typeface="+mn-ea"/>
+                          <a:cs typeface="+mn-cs"/>
+                        </a:rPr>
+                        <a:t>grossprofit_ship_selectTime</a:t>
+                      </a:r>
+                      <a:endParaRPr lang="ko-KR" altLang="en-US" sz="1200" b="0" i="0" dirty="0"/>
+                    </a:p>
+                  </a:txBody>
+                  <a:tcPr anchor="ctr"/>
+                </a:tc>
+                <a:tc>
+                  <a:txBody>
+                    <a:bodyPr/>
+                    <a:lstStyle/>
+                    <a:p>
+                      <a:pPr marL="0" marR="0" indent="0" algn="l" defTabSz="914400" rtl="0" eaLnBrk="1" fontAlgn="auto" latinLnBrk="1" hangingPunct="1">
+                        <a:lnSpc>
+                          <a:spcPct val="100000"/>
+                        </a:lnSpc>
+                        <a:spcBef>
+                          <a:spcPts val="0"/>
+                        </a:spcBef>
+                        <a:spcAft>
+                          <a:spcPts val="0"/>
+                        </a:spcAft>
+                        <a:buClrTx/>
+                        <a:buSzTx/>
+                        <a:buFontTx/>
+                        <a:buNone/>
+                        <a:tabLst/>
+                        <a:defRPr/>
+                      </a:pPr>
+                      <a:r>
+                        <a:rPr lang="en-US" altLang="ko-KR" sz="1200" kern="1200" dirty="0" err="1" smtClean="0">
+                          <a:solidFill>
+                            <a:schemeClr val="tx1"/>
+                          </a:solidFill>
+                          <a:latin typeface="+mn-lt"/>
+                          <a:ea typeface="+mn-ea"/>
+                          <a:cs typeface="+mn-cs"/>
+                        </a:rPr>
+                        <a:t>grossprofit_ship_detail</a:t>
+                      </a:r>
+                      <a:endParaRPr lang="ko-KR" altLang="en-US" sz="1200" i="0" dirty="0" smtClean="0"/>
+                    </a:p>
+                  </a:txBody>
+                  <a:tcPr anchor="ctr"/>
+                </a:tc>
+              </a:tr>
+            </a:tbl>
+          </a:graphicData>
+        </a:graphic>
+      </p:graphicFrame>
+    </p:spTree>
+    <p:extLst>
+      <p:ext uri="{BB962C8B-B14F-4D97-AF65-F5344CB8AC3E}">
+        <p14:creationId xmlns:p14="http://schemas.microsoft.com/office/powerpoint/2010/main" val="3288273433"/>
+      </p:ext>
+    </p:extLst>
+  </p:cSld>
+  <p:clrMapOvr>
+    <a:masterClrMapping/>
+  </p:clrMapOvr>
+</p:sld>
+</file>
+
+<file path=ppt/slides/slide9.xml><?xml version="1.0" encoding="utf-8"?>
+<p:sld xmlns:a="http://schemas.openxmlformats.org/drawingml/2006/main" xmlns:r="http://schemas.openxmlformats.org/officeDocument/2006/relationships" xmlns:p="http://schemas.openxmlformats.org/presentationml/2006/main">
+  <p:cSld>
+    <p:spTree>
+      <p:nvGrpSpPr>
+        <p:cNvPr id="1" name=""/>
+        <p:cNvGrpSpPr/>
+        <p:nvPr/>
+      </p:nvGrpSpPr>
+      <p:grpSpPr>
+        <a:xfrm>
+          <a:off x="0" y="0"/>
+          <a:ext cx="0" cy="0"/>
+          <a:chOff x="0" y="0"/>
+          <a:chExt cx="0" cy="0"/>
+        </a:xfrm>
+      </p:grpSpPr>
+      <p:sp>
+        <p:nvSpPr>
+          <p:cNvPr id="5" name="TextBox 4"/>
+          <p:cNvSpPr txBox="1"/>
+          <p:nvPr/>
+        </p:nvSpPr>
+        <p:spPr>
+          <a:xfrm>
+            <a:off x="251520" y="116632"/>
+            <a:ext cx="8352928" cy="369332"/>
+          </a:xfrm>
+          <a:prstGeom prst="rect">
+            <a:avLst/>
+          </a:prstGeom>
+          <a:noFill/>
+        </p:spPr>
+        <p:txBody>
+          <a:bodyPr wrap="square" rtlCol="0">
+            <a:spAutoFit/>
+          </a:bodyPr>
+          <a:lstStyle/>
+          <a:p>
+            <a:r>
+              <a:rPr lang="en-US" altLang="ko-KR" dirty="0" smtClean="0"/>
+              <a:t>3. </a:t>
+            </a:r>
+            <a:r>
+              <a:rPr lang="ko-KR" altLang="en-US" dirty="0" smtClean="0"/>
+              <a:t>구매처용 </a:t>
+            </a:r>
+            <a:r>
+              <a:rPr lang="en-US" altLang="ko-KR" dirty="0" smtClean="0"/>
+              <a:t>(buying)</a:t>
+            </a:r>
+            <a:endParaRPr lang="ko-KR" altLang="en-US" dirty="0"/>
+          </a:p>
+        </p:txBody>
+      </p:sp>
+      <p:graphicFrame>
+        <p:nvGraphicFramePr>
+          <p:cNvPr id="2" name="표 1"/>
+          <p:cNvGraphicFramePr>
+            <a:graphicFrameLocks noGrp="1"/>
+          </p:cNvGraphicFramePr>
+          <p:nvPr>
+            <p:extLst>
+              <p:ext uri="{D42A27DB-BD31-4B8C-83A1-F6EECF244321}">
+                <p14:modId xmlns:p14="http://schemas.microsoft.com/office/powerpoint/2010/main" val="4210162077"/>
+              </p:ext>
+            </p:extLst>
+          </p:nvPr>
+        </p:nvGraphicFramePr>
+        <p:xfrm>
+          <a:off x="107503" y="692696"/>
+          <a:ext cx="8928992" cy="3989242"/>
+        </p:xfrm>
+        <a:graphic>
+          <a:graphicData uri="http://schemas.openxmlformats.org/drawingml/2006/table">
+            <a:tbl>
+              <a:tblPr firstRow="1" bandRow="1">
+                <a:tableStyleId>{5940675A-B579-460E-94D1-54222C63F5DA}</a:tableStyleId>
+              </a:tblPr>
+              <a:tblGrid>
+                <a:gridCol w="1528994"/>
+                <a:gridCol w="2466666"/>
+                <a:gridCol w="2466666"/>
+                <a:gridCol w="2466666"/>
+              </a:tblGrid>
+              <a:tr h="360040">
+                <a:tc>
+                  <a:txBody>
+                    <a:bodyPr/>
+                    <a:lstStyle/>
+                    <a:p>
+                      <a:pPr algn="ctr" latinLnBrk="1"/>
+                      <a:r>
+                        <a:rPr lang="ko-KR" altLang="en-US" sz="1000" b="1" dirty="0" smtClean="0">
+                          <a:solidFill>
+                            <a:schemeClr val="bg1"/>
+                          </a:solidFill>
+                        </a:rPr>
+                        <a:t>항목</a:t>
+                      </a:r>
+                      <a:endParaRPr lang="ko-KR" altLang="en-US" sz="1000" b="1" dirty="0">
+                        <a:solidFill>
+                          <a:schemeClr val="bg1"/>
+                        </a:solidFill>
+                      </a:endParaRPr>
+                    </a:p>
+                  </a:txBody>
+                  <a:tcPr anchor="ctr">
+                    <a:lnB w="12700" cap="flat" cmpd="sng" algn="ctr">
+                      <a:solidFill>
+                        <a:schemeClr val="tx1"/>
+                      </a:solidFill>
+                      <a:prstDash val="solid"/>
+                      <a:round/>
+                      <a:headEnd type="none" w="med" len="med"/>
+                      <a:tailEnd type="none" w="med" len="med"/>
+                    </a:lnB>
+                    <a:solidFill>
+                      <a:schemeClr val="accent3">
+                        <a:lumMod val="75000"/>
+                      </a:schemeClr>
+                    </a:solidFill>
+                  </a:tcPr>
+                </a:tc>
+                <a:tc>
+                  <a:txBody>
+                    <a:bodyPr/>
+                    <a:lstStyle/>
+                    <a:p>
+                      <a:pPr algn="ctr" latinLnBrk="1"/>
+                      <a:r>
+                        <a:rPr lang="ko-KR" altLang="en-US" sz="1000" b="1" dirty="0" smtClean="0">
+                          <a:solidFill>
+                            <a:schemeClr val="bg1"/>
+                          </a:solidFill>
+                        </a:rPr>
+                        <a:t>발주요청 내역</a:t>
+                      </a:r>
+                      <a:endParaRPr lang="ko-KR" altLang="en-US" sz="1000" b="1" dirty="0">
+                        <a:solidFill>
+                          <a:schemeClr val="bg1"/>
+                        </a:solidFill>
+                      </a:endParaRPr>
+                    </a:p>
+                  </a:txBody>
+                  <a:tcPr anchor="ctr">
+                    <a:solidFill>
+                      <a:schemeClr val="accent3">
+                        <a:lumMod val="75000"/>
+                      </a:schemeClr>
+                    </a:solidFill>
+                  </a:tcPr>
+                </a:tc>
+                <a:tc>
+                  <a:txBody>
+                    <a:bodyPr/>
+                    <a:lstStyle/>
+                    <a:p>
+                      <a:pPr algn="ctr" latinLnBrk="1"/>
+                      <a:r>
+                        <a:rPr lang="ko-KR" altLang="en-US" sz="1000" b="1" dirty="0" smtClean="0">
+                          <a:solidFill>
+                            <a:schemeClr val="bg1"/>
+                          </a:solidFill>
+                        </a:rPr>
+                        <a:t>총 발주내역</a:t>
+                      </a:r>
+                      <a:endParaRPr lang="ko-KR" altLang="en-US" sz="1000" b="1" dirty="0">
+                        <a:solidFill>
+                          <a:schemeClr val="bg1"/>
+                        </a:solidFill>
+                      </a:endParaRPr>
+                    </a:p>
+                  </a:txBody>
+                  <a:tcPr anchor="ctr">
+                    <a:solidFill>
+                      <a:schemeClr val="accent3">
+                        <a:lumMod val="75000"/>
+                      </a:schemeClr>
+                    </a:solidFill>
+                  </a:tcPr>
+                </a:tc>
+                <a:tc>
+                  <a:txBody>
+                    <a:bodyPr/>
+                    <a:lstStyle/>
+                    <a:p>
+                      <a:pPr algn="ctr" latinLnBrk="1"/>
+                      <a:r>
+                        <a:rPr lang="ko-KR" altLang="en-US" sz="1000" b="1" dirty="0" smtClean="0">
+                          <a:solidFill>
+                            <a:schemeClr val="bg1"/>
+                          </a:solidFill>
+                        </a:rPr>
+                        <a:t>월별 발주내역</a:t>
+                      </a:r>
+                      <a:endParaRPr lang="ko-KR" altLang="en-US" sz="1000" b="1" dirty="0">
+                        <a:solidFill>
+                          <a:schemeClr val="bg1"/>
+                        </a:solidFill>
+                      </a:endParaRPr>
+                    </a:p>
+                  </a:txBody>
+                  <a:tcPr anchor="ctr">
+                    <a:solidFill>
+                      <a:schemeClr val="accent3">
+                        <a:lumMod val="75000"/>
+                      </a:schemeClr>
+                    </a:solidFill>
+                  </a:tcPr>
+                </a:tc>
+              </a:tr>
+              <a:tr h="604867">
+                <a:tc>
+                  <a:txBody>
+                    <a:bodyPr/>
+                    <a:lstStyle/>
+                    <a:p>
+                      <a:pPr algn="ctr" latinLnBrk="1"/>
+                      <a:r>
+                        <a:rPr lang="en-US" altLang="ko-KR" sz="1000" dirty="0" smtClean="0"/>
+                        <a:t>viewer</a:t>
+                      </a:r>
+                      <a:endParaRPr lang="ko-KR" altLang="en-US" sz="1000" dirty="0"/>
+                    </a:p>
+                  </a:txBody>
+                  <a:tcPr anchor="ctr">
+                    <a:lnT w="12700" cap="flat" cmpd="sng" algn="ctr">
+                      <a:solidFill>
+                        <a:schemeClr val="tx1"/>
+                      </a:solidFill>
+                      <a:prstDash val="solid"/>
+                      <a:round/>
+                      <a:headEnd type="none" w="med" len="med"/>
+                      <a:tailEnd type="none" w="med" len="med"/>
+                    </a:lnT>
+                  </a:tcPr>
+                </a:tc>
+                <a:tc>
+                  <a:txBody>
+                    <a:bodyPr/>
+                    <a:lstStyle/>
+                    <a:p>
+                      <a:pPr marL="0" marR="0" indent="0" algn="l" defTabSz="914400" rtl="0" eaLnBrk="1" fontAlgn="auto" latinLnBrk="1" hangingPunct="1">
+                        <a:lnSpc>
+                          <a:spcPct val="100000"/>
+                        </a:lnSpc>
+                        <a:spcBef>
+                          <a:spcPts val="0"/>
+                        </a:spcBef>
+                        <a:spcAft>
+                          <a:spcPts val="0"/>
+                        </a:spcAft>
+                        <a:buClrTx/>
+                        <a:buSzTx/>
+                        <a:buFontTx/>
+                        <a:buNone/>
+                        <a:tabLst/>
+                        <a:defRPr/>
+                      </a:pPr>
+                      <a:r>
+                        <a:rPr lang="en-US" altLang="ko-KR" sz="1200" kern="1200" dirty="0" smtClean="0">
+                          <a:solidFill>
+                            <a:schemeClr val="tx1"/>
+                          </a:solidFill>
+                          <a:latin typeface="+mn-lt"/>
+                          <a:ea typeface="+mn-ea"/>
+                          <a:cs typeface="+mn-cs"/>
+                        </a:rPr>
+                        <a:t>buying</a:t>
+                      </a:r>
+                      <a:endParaRPr lang="ko-KR" altLang="en-US" sz="1200" i="0" dirty="0" smtClean="0"/>
+                    </a:p>
+                  </a:txBody>
+                  <a:tcPr anchor="ctr"/>
+                </a:tc>
+                <a:tc>
+                  <a:txBody>
+                    <a:bodyPr/>
+                    <a:lstStyle/>
+                    <a:p>
+                      <a:pPr marL="0" marR="0" indent="0" algn="l" defTabSz="914400" rtl="0" eaLnBrk="1" fontAlgn="auto" latinLnBrk="1" hangingPunct="1">
+                        <a:lnSpc>
+                          <a:spcPct val="100000"/>
+                        </a:lnSpc>
+                        <a:spcBef>
+                          <a:spcPts val="0"/>
+                        </a:spcBef>
+                        <a:spcAft>
+                          <a:spcPts val="0"/>
+                        </a:spcAft>
+                        <a:buClrTx/>
+                        <a:buSzTx/>
+                        <a:buFontTx/>
+                        <a:buNone/>
+                        <a:tabLst/>
+                        <a:defRPr/>
+                      </a:pPr>
+                      <a:r>
+                        <a:rPr lang="en-US" altLang="ko-KR" sz="1200" kern="1200" dirty="0" err="1" smtClean="0">
+                          <a:solidFill>
+                            <a:schemeClr val="tx1"/>
+                          </a:solidFill>
+                          <a:latin typeface="+mn-lt"/>
+                          <a:ea typeface="+mn-ea"/>
+                          <a:cs typeface="+mn-cs"/>
+                        </a:rPr>
+                        <a:t>buyingall</a:t>
+                      </a:r>
+                      <a:endParaRPr lang="ko-KR" altLang="en-US" sz="1200" i="0" dirty="0" smtClean="0"/>
+                    </a:p>
+                  </a:txBody>
+                  <a:tcPr anchor="ctr"/>
+                </a:tc>
+                <a:tc>
+                  <a:txBody>
+                    <a:bodyPr/>
+                    <a:lstStyle/>
+                    <a:p>
+                      <a:pPr marL="0" marR="0" indent="0" algn="l" defTabSz="914400" rtl="0" eaLnBrk="1" fontAlgn="auto" latinLnBrk="1" hangingPunct="1">
+                        <a:lnSpc>
+                          <a:spcPct val="100000"/>
+                        </a:lnSpc>
+                        <a:spcBef>
+                          <a:spcPts val="0"/>
+                        </a:spcBef>
+                        <a:spcAft>
+                          <a:spcPts val="0"/>
+                        </a:spcAft>
+                        <a:buClrTx/>
+                        <a:buSzTx/>
+                        <a:buFontTx/>
+                        <a:buNone/>
+                        <a:tabLst/>
+                        <a:defRPr/>
+                      </a:pPr>
+                      <a:r>
+                        <a:rPr lang="en-US" altLang="ko-KR" sz="1200" kern="1200" dirty="0" err="1" smtClean="0">
+                          <a:solidFill>
+                            <a:schemeClr val="tx1"/>
+                          </a:solidFill>
+                          <a:latin typeface="+mn-lt"/>
+                          <a:ea typeface="+mn-ea"/>
+                          <a:cs typeface="+mn-cs"/>
+                        </a:rPr>
+                        <a:t>buyingall</a:t>
+                      </a:r>
+                      <a:endParaRPr lang="ko-KR" altLang="en-US" sz="1200" i="0" dirty="0" smtClean="0"/>
+                    </a:p>
+                  </a:txBody>
+                  <a:tcPr anchor="ctr"/>
+                </a:tc>
+              </a:tr>
+              <a:tr h="604867">
+                <a:tc>
+                  <a:txBody>
+                    <a:bodyPr/>
+                    <a:lstStyle/>
+                    <a:p>
+                      <a:pPr algn="ctr" latinLnBrk="1"/>
+                      <a:r>
+                        <a:rPr lang="en-US" altLang="ko-KR" sz="1000" dirty="0" smtClean="0"/>
+                        <a:t>Control</a:t>
+                      </a:r>
+                      <a:endParaRPr lang="ko-KR" altLang="en-US" sz="1000" dirty="0"/>
+                    </a:p>
+                  </a:txBody>
+                  <a:tcPr anchor="ctr"/>
+                </a:tc>
+                <a:tc gridSpan="3">
+                  <a:txBody>
+                    <a:bodyPr/>
+                    <a:lstStyle/>
+                    <a:p>
+                      <a:pPr algn="ctr" latinLnBrk="1"/>
+                      <a:r>
+                        <a:rPr lang="en-US" altLang="ko-KR" sz="1200" kern="1200" dirty="0" err="1" smtClean="0">
+                          <a:solidFill>
+                            <a:schemeClr val="tx1"/>
+                          </a:solidFill>
+                          <a:latin typeface="+mn-lt"/>
+                          <a:ea typeface="+mn-ea"/>
+                          <a:cs typeface="+mn-cs"/>
+                        </a:rPr>
+                        <a:t>OrdersProc</a:t>
+                      </a:r>
+                      <a:endParaRPr lang="ko-KR" altLang="en-US" sz="1200" i="0" dirty="0"/>
+                    </a:p>
+                  </a:txBody>
+                  <a:tcPr anchor="ctr"/>
+                </a:tc>
+                <a:tc hMerge="1">
+                  <a:txBody>
+                    <a:bodyPr/>
+                    <a:lstStyle/>
+                    <a:p>
+                      <a:pPr algn="ctr" latinLnBrk="1"/>
+                      <a:endParaRPr lang="ko-KR" altLang="en-US" sz="1200" i="0" dirty="0"/>
+                    </a:p>
+                  </a:txBody>
+                  <a:tcPr anchor="ctr"/>
+                </a:tc>
+                <a:tc hMerge="1">
+                  <a:txBody>
+                    <a:bodyPr/>
+                    <a:lstStyle/>
+                    <a:p>
+                      <a:pPr algn="ctr" latinLnBrk="1"/>
+                      <a:endParaRPr lang="ko-KR" altLang="en-US" sz="1200" i="0" dirty="0"/>
+                    </a:p>
+                  </a:txBody>
+                  <a:tcPr anchor="ctr"/>
+                </a:tc>
+              </a:tr>
+              <a:tr h="604867">
+                <a:tc>
+                  <a:txBody>
+                    <a:bodyPr/>
+                    <a:lstStyle/>
+                    <a:p>
+                      <a:pPr algn="ctr" latinLnBrk="1"/>
+                      <a:r>
+                        <a:rPr lang="en-US" altLang="ko-KR" sz="1000" dirty="0" smtClean="0"/>
+                        <a:t>Action</a:t>
+                      </a:r>
+                      <a:endParaRPr lang="ko-KR" altLang="en-US" sz="1000" dirty="0"/>
+                    </a:p>
+                  </a:txBody>
+                  <a:tcPr anchor="ctr"/>
+                </a:tc>
+                <a:tc>
+                  <a:txBody>
+                    <a:bodyPr/>
+                    <a:lstStyle/>
+                    <a:p>
+                      <a:pPr algn="l" latinLnBrk="1"/>
+                      <a:r>
+                        <a:rPr lang="en-US" altLang="ko-KR" sz="1200" i="0" dirty="0" err="1" smtClean="0"/>
+                        <a:t>buyinglist</a:t>
+                      </a:r>
+                      <a:endParaRPr lang="ko-KR" altLang="en-US" sz="1200" i="0" dirty="0"/>
+                    </a:p>
+                  </a:txBody>
+                  <a:tcPr anchor="ctr"/>
+                </a:tc>
+                <a:tc>
+                  <a:txBody>
+                    <a:bodyPr/>
+                    <a:lstStyle/>
+                    <a:p>
+                      <a:pPr algn="l" latinLnBrk="1"/>
+                      <a:r>
+                        <a:rPr lang="en-US" altLang="ko-KR" sz="1200" i="0" dirty="0" err="1" smtClean="0"/>
+                        <a:t>buyingall</a:t>
+                      </a:r>
+                      <a:endParaRPr lang="ko-KR" altLang="en-US" sz="1200" i="0" dirty="0"/>
+                    </a:p>
+                  </a:txBody>
+                  <a:tcPr anchor="ctr"/>
+                </a:tc>
+                <a:tc>
+                  <a:txBody>
+                    <a:bodyPr/>
+                    <a:lstStyle/>
+                    <a:p>
+                      <a:pPr algn="l" latinLnBrk="1"/>
+                      <a:r>
+                        <a:rPr lang="en-US" altLang="ko-KR" sz="1200" i="0" dirty="0" err="1" smtClean="0"/>
+                        <a:t>buyingselectall</a:t>
+                      </a:r>
+                      <a:endParaRPr lang="ko-KR" altLang="en-US" sz="1200" i="0" dirty="0"/>
+                    </a:p>
+                  </a:txBody>
+                  <a:tcPr anchor="ctr"/>
+                </a:tc>
+              </a:tr>
+              <a:tr h="604867">
+                <a:tc>
+                  <a:txBody>
+                    <a:bodyPr/>
+                    <a:lstStyle/>
+                    <a:p>
+                      <a:pPr algn="ctr" latinLnBrk="1"/>
+                      <a:r>
+                        <a:rPr lang="en-US" altLang="ko-KR" sz="1000" dirty="0" smtClean="0"/>
+                        <a:t>Get</a:t>
+                      </a:r>
+                      <a:endParaRPr lang="ko-KR" altLang="en-US" sz="1000" dirty="0"/>
+                    </a:p>
+                  </a:txBody>
+                  <a:tcPr anchor="ctr"/>
+                </a:tc>
+                <a:tc>
+                  <a:txBody>
+                    <a:bodyPr/>
+                    <a:lstStyle/>
+                    <a:p>
+                      <a:pPr algn="l" latinLnBrk="1"/>
+                      <a:r>
+                        <a:rPr lang="en-US" altLang="ko-KR" sz="1200" kern="1200" dirty="0" smtClean="0">
+                          <a:solidFill>
+                            <a:schemeClr val="tx1"/>
+                          </a:solidFill>
+                          <a:latin typeface="+mn-lt"/>
+                          <a:ea typeface="+mn-ea"/>
+                          <a:cs typeface="+mn-cs"/>
+                        </a:rPr>
+                        <a:t>field</a:t>
+                      </a:r>
+                      <a:endParaRPr lang="ko-KR" altLang="en-US" sz="1200" i="0" dirty="0"/>
+                    </a:p>
+                  </a:txBody>
+                  <a:tcPr anchor="ctr"/>
+                </a:tc>
+                <a:tc>
+                  <a:txBody>
+                    <a:bodyPr/>
+                    <a:lstStyle/>
+                    <a:p>
+                      <a:pPr algn="l" latinLnBrk="1"/>
+                      <a:r>
+                        <a:rPr lang="en-US" altLang="ko-KR" sz="1200" kern="1200" dirty="0" smtClean="0">
+                          <a:solidFill>
+                            <a:schemeClr val="tx1"/>
+                          </a:solidFill>
+                          <a:latin typeface="+mn-lt"/>
+                          <a:ea typeface="+mn-ea"/>
+                          <a:cs typeface="+mn-cs"/>
+                        </a:rPr>
+                        <a:t>field</a:t>
+                      </a:r>
+                      <a:endParaRPr lang="ko-KR" altLang="en-US" sz="1200" i="0" dirty="0" smtClean="0"/>
+                    </a:p>
+                  </a:txBody>
+                  <a:tcPr anchor="ctr"/>
+                </a:tc>
+                <a:tc>
+                  <a:txBody>
+                    <a:bodyPr/>
+                    <a:lstStyle/>
+                    <a:p>
+                      <a:pPr marL="0" marR="0" indent="0" algn="l" defTabSz="914400" rtl="0" eaLnBrk="1" fontAlgn="auto" latinLnBrk="1" hangingPunct="1">
+                        <a:lnSpc>
+                          <a:spcPct val="100000"/>
+                        </a:lnSpc>
+                        <a:spcBef>
+                          <a:spcPts val="0"/>
+                        </a:spcBef>
+                        <a:spcAft>
+                          <a:spcPts val="0"/>
+                        </a:spcAft>
+                        <a:buClrTx/>
+                        <a:buSzTx/>
+                        <a:buFontTx/>
+                        <a:buNone/>
+                        <a:tabLst/>
+                        <a:defRPr/>
+                      </a:pPr>
+                      <a:r>
+                        <a:rPr lang="en-US" altLang="ko-KR" sz="1200" kern="1200" dirty="0" err="1" smtClean="0">
+                          <a:solidFill>
+                            <a:schemeClr val="tx1"/>
+                          </a:solidFill>
+                          <a:latin typeface="+mn-lt"/>
+                          <a:ea typeface="+mn-ea"/>
+                          <a:cs typeface="+mn-cs"/>
+                        </a:rPr>
+                        <a:t>dateInventory</a:t>
+                      </a:r>
+                      <a:endParaRPr lang="en-US" altLang="ko-KR" sz="1200" i="0" dirty="0" smtClean="0"/>
+                    </a:p>
+                  </a:txBody>
+                  <a:tcPr anchor="ctr"/>
+                </a:tc>
+              </a:tr>
+              <a:tr h="604867">
+                <a:tc>
+                  <a:txBody>
+                    <a:bodyPr/>
+                    <a:lstStyle/>
+                    <a:p>
+                      <a:pPr algn="ctr" latinLnBrk="1"/>
+                      <a:r>
+                        <a:rPr lang="en-US" altLang="ko-KR" sz="1000" dirty="0" smtClean="0"/>
+                        <a:t>Session</a:t>
+                      </a:r>
+                      <a:endParaRPr lang="ko-KR" altLang="en-US" sz="1000" dirty="0"/>
+                    </a:p>
+                  </a:txBody>
+                  <a:tcPr anchor="ctr"/>
+                </a:tc>
+                <a:tc>
+                  <a:txBody>
+                    <a:bodyPr/>
+                    <a:lstStyle/>
+                    <a:p>
+                      <a:pPr algn="l" latinLnBrk="1"/>
+                      <a:r>
+                        <a:rPr lang="en-US" altLang="ko-KR" sz="1200" kern="1200" dirty="0" err="1" smtClean="0">
+                          <a:solidFill>
+                            <a:schemeClr val="tx1"/>
+                          </a:solidFill>
+                          <a:latin typeface="+mn-lt"/>
+                          <a:ea typeface="+mn-ea"/>
+                          <a:cs typeface="+mn-cs"/>
+                        </a:rPr>
+                        <a:t>buyingList</a:t>
+                      </a:r>
+                      <a:endParaRPr lang="ko-KR" altLang="en-US" sz="1200" i="0" u="none" dirty="0"/>
+                    </a:p>
+                  </a:txBody>
+                  <a:tcPr anchor="ctr"/>
+                </a:tc>
+                <a:tc>
+                  <a:txBody>
+                    <a:bodyPr/>
+                    <a:lstStyle/>
+                    <a:p>
+                      <a:pPr algn="l" latinLnBrk="1"/>
+                      <a:r>
+                        <a:rPr lang="en-US" altLang="ko-KR" sz="1200" kern="1200" dirty="0" err="1" smtClean="0">
+                          <a:solidFill>
+                            <a:schemeClr val="tx1"/>
+                          </a:solidFill>
+                          <a:latin typeface="+mn-lt"/>
+                          <a:ea typeface="+mn-ea"/>
+                          <a:cs typeface="+mn-cs"/>
+                        </a:rPr>
+                        <a:t>buyingall</a:t>
+                      </a:r>
+                      <a:endParaRPr lang="ko-KR" altLang="en-US" sz="1200" i="0" u="none" dirty="0"/>
+                    </a:p>
+                  </a:txBody>
+                  <a:tcPr anchor="ctr"/>
+                </a:tc>
+                <a:tc>
+                  <a:txBody>
+                    <a:bodyPr/>
+                    <a:lstStyle/>
+                    <a:p>
+                      <a:pPr algn="l" latinLnBrk="1"/>
+                      <a:r>
+                        <a:rPr lang="en-US" altLang="ko-KR" sz="1200" kern="1200" dirty="0" err="1" smtClean="0">
+                          <a:solidFill>
+                            <a:schemeClr val="tx1"/>
+                          </a:solidFill>
+                          <a:latin typeface="+mn-lt"/>
+                          <a:ea typeface="+mn-ea"/>
+                          <a:cs typeface="+mn-cs"/>
+                        </a:rPr>
+                        <a:t>dateInventory</a:t>
+                      </a:r>
+                      <a:endParaRPr lang="en-US" altLang="ko-KR" sz="1200" kern="1200" dirty="0" smtClean="0">
+                        <a:solidFill>
+                          <a:schemeClr val="tx1"/>
+                        </a:solidFill>
+                        <a:latin typeface="+mn-lt"/>
+                        <a:ea typeface="+mn-ea"/>
+                        <a:cs typeface="+mn-cs"/>
+                      </a:endParaRPr>
+                    </a:p>
+                    <a:p>
+                      <a:pPr algn="l" latinLnBrk="1"/>
+                      <a:r>
+                        <a:rPr lang="en-US" altLang="ko-KR" sz="1200" kern="1200" dirty="0" err="1" smtClean="0">
+                          <a:solidFill>
+                            <a:schemeClr val="tx1"/>
+                          </a:solidFill>
+                          <a:latin typeface="+mn-lt"/>
+                          <a:ea typeface="+mn-ea"/>
+                          <a:cs typeface="+mn-cs"/>
+                        </a:rPr>
+                        <a:t>buyingall</a:t>
+                      </a:r>
+                      <a:endParaRPr lang="ko-KR" altLang="en-US" sz="1200" i="0" u="none" dirty="0"/>
+                    </a:p>
+                  </a:txBody>
+                  <a:tcPr anchor="ctr"/>
+                </a:tc>
+              </a:tr>
+              <a:tr h="604867">
+                <a:tc>
+                  <a:txBody>
+                    <a:bodyPr/>
+                    <a:lstStyle/>
+                    <a:p>
+                      <a:pPr algn="ctr" latinLnBrk="1"/>
+                      <a:r>
+                        <a:rPr lang="ko-KR" altLang="en-US" sz="1000" dirty="0" smtClean="0"/>
+                        <a:t>처리 후 </a:t>
+                      </a:r>
+                      <a:endParaRPr lang="en-US" altLang="ko-KR" sz="1000" dirty="0" smtClean="0"/>
+                    </a:p>
+                    <a:p>
+                      <a:pPr algn="ctr" latinLnBrk="1"/>
+                      <a:r>
+                        <a:rPr lang="ko-KR" altLang="en-US" sz="1000" dirty="0" smtClean="0"/>
+                        <a:t>화면</a:t>
+                      </a:r>
+                      <a:endParaRPr lang="ko-KR" altLang="en-US" sz="1000" dirty="0"/>
+                    </a:p>
+                  </a:txBody>
+                  <a:tcPr anchor="ctr"/>
+                </a:tc>
+                <a:tc>
+                  <a:txBody>
+                    <a:bodyPr/>
+                    <a:lstStyle/>
+                    <a:p>
+                      <a:pPr algn="l" latinLnBrk="1"/>
+                      <a:r>
+                        <a:rPr lang="en-US" altLang="ko-KR" sz="1200" kern="1200" dirty="0" smtClean="0">
+                          <a:solidFill>
+                            <a:schemeClr val="tx1"/>
+                          </a:solidFill>
+                          <a:latin typeface="+mn-lt"/>
+                          <a:ea typeface="+mn-ea"/>
+                          <a:cs typeface="+mn-cs"/>
+                        </a:rPr>
+                        <a:t>buying</a:t>
+                      </a:r>
+                      <a:endParaRPr lang="ko-KR" altLang="en-US" sz="1200" i="0" dirty="0"/>
+                    </a:p>
+                  </a:txBody>
+                  <a:tcPr anchor="ctr"/>
+                </a:tc>
+                <a:tc>
+                  <a:txBody>
+                    <a:bodyPr/>
+                    <a:lstStyle/>
+                    <a:p>
+                      <a:pPr algn="l" latinLnBrk="1"/>
+                      <a:r>
+                        <a:rPr lang="en-US" altLang="ko-KR" sz="1200" kern="1200" dirty="0" err="1" smtClean="0">
+                          <a:solidFill>
+                            <a:schemeClr val="tx1"/>
+                          </a:solidFill>
+                          <a:latin typeface="+mn-lt"/>
+                          <a:ea typeface="+mn-ea"/>
+                          <a:cs typeface="+mn-cs"/>
+                        </a:rPr>
+                        <a:t>buyingall</a:t>
+                      </a:r>
+                      <a:endParaRPr lang="ko-KR" altLang="en-US" sz="1200" b="0" i="0" dirty="0"/>
+                    </a:p>
+                  </a:txBody>
+                  <a:tcPr anchor="ctr"/>
+                </a:tc>
+                <a:tc>
+                  <a:txBody>
+                    <a:bodyPr/>
+                    <a:lstStyle/>
+                    <a:p>
+                      <a:pPr marL="0" marR="0" indent="0" algn="l" defTabSz="914400" rtl="0" eaLnBrk="1" fontAlgn="auto" latinLnBrk="1" hangingPunct="1">
+                        <a:lnSpc>
+                          <a:spcPct val="100000"/>
+                        </a:lnSpc>
+                        <a:spcBef>
+                          <a:spcPts val="0"/>
+                        </a:spcBef>
+                        <a:spcAft>
+                          <a:spcPts val="0"/>
+                        </a:spcAft>
+                        <a:buClrTx/>
+                        <a:buSzTx/>
+                        <a:buFontTx/>
+                        <a:buNone/>
+                        <a:tabLst/>
+                        <a:defRPr/>
+                      </a:pPr>
+                      <a:r>
+                        <a:rPr lang="en-US" altLang="ko-KR" sz="1200" kern="1200" dirty="0" err="1" smtClean="0">
+                          <a:solidFill>
+                            <a:schemeClr val="tx1"/>
+                          </a:solidFill>
+                          <a:latin typeface="+mn-lt"/>
+                          <a:ea typeface="+mn-ea"/>
+                          <a:cs typeface="+mn-cs"/>
+                        </a:rPr>
+                        <a:t>buyingall_selectTime</a:t>
+                      </a:r>
+                      <a:endParaRPr lang="ko-KR" altLang="en-US" sz="1200" i="0" dirty="0" smtClean="0"/>
+                    </a:p>
+                  </a:txBody>
+                  <a:tcPr anchor="ctr"/>
+                </a:tc>
+              </a:tr>
+            </a:tbl>
+          </a:graphicData>
+        </a:graphic>
+      </p:graphicFrame>
+    </p:spTree>
+    <p:extLst>
+      <p:ext uri="{BB962C8B-B14F-4D97-AF65-F5344CB8AC3E}">
+        <p14:creationId xmlns:p14="http://schemas.microsoft.com/office/powerpoint/2010/main" val="2068289523"/>
       </p:ext>
     </p:extLst>
   </p:cSld>
